--- a/Рекуррентные нейронные сети.pptx
+++ b/Рекуррентные нейронные сети.pptx
@@ -9,9 +9,15 @@
     <p:sldId id="257" r:id="rId3"/>
     <p:sldId id="258" r:id="rId4"/>
     <p:sldId id="259" r:id="rId5"/>
-    <p:sldId id="265" r:id="rId6"/>
-    <p:sldId id="266" r:id="rId7"/>
-    <p:sldId id="263" r:id="rId8"/>
+    <p:sldId id="266" r:id="rId6"/>
+    <p:sldId id="265" r:id="rId7"/>
+    <p:sldId id="267" r:id="rId8"/>
+    <p:sldId id="270" r:id="rId9"/>
+    <p:sldId id="268" r:id="rId10"/>
+    <p:sldId id="271" r:id="rId11"/>
+    <p:sldId id="269" r:id="rId12"/>
+    <p:sldId id="272" r:id="rId13"/>
+    <p:sldId id="263" r:id="rId14"/>
   </p:sldIdLst>
   <p:sldSz cx="12192000" cy="6858000"/>
   <p:notesSz cx="6858000" cy="9144000"/>
@@ -3348,7 +3354,7 @@
                 <a16:creationId xmlns:a16="http://schemas.microsoft.com/office/drawing/2014/main" id="{2A8AA5BC-4F7A-4226-8F99-6D824B226A97}"/>
               </a:ext>
               <a:ext uri="{C183D7F6-B498-43B3-948B-1728B52AA6E4}">
-                <adec:decorative xmlns:adec="http://schemas.microsoft.com/office/drawing/2017/decorative" val="1"/>
+                <adec:decorative xmlns:adec="http://schemas.microsoft.com/office/drawing/2017/decorative" xmlns="" val="1"/>
               </a:ext>
             </a:extLst>
           </p:cNvPr>
@@ -3411,7 +3417,7 @@
                 <a16:creationId xmlns:a16="http://schemas.microsoft.com/office/drawing/2014/main" id="{3E5445C6-DD42-4979-86FF-03730E8C6DB0}"/>
               </a:ext>
               <a:ext uri="{C183D7F6-B498-43B3-948B-1728B52AA6E4}">
-                <adec:decorative xmlns:adec="http://schemas.microsoft.com/office/drawing/2017/decorative" val="1"/>
+                <adec:decorative xmlns:adec="http://schemas.microsoft.com/office/drawing/2017/decorative" xmlns="" val="1"/>
               </a:ext>
             </a:extLst>
           </p:cNvPr>
@@ -3554,7 +3560,7 @@
                 <a16:creationId xmlns:a16="http://schemas.microsoft.com/office/drawing/2014/main" id="{45000665-DFC7-417E-8FD7-516A0F15C975}"/>
               </a:ext>
               <a:ext uri="{C183D7F6-B498-43B3-948B-1728B52AA6E4}">
-                <adec:decorative xmlns:adec="http://schemas.microsoft.com/office/drawing/2017/decorative" val="1"/>
+                <adec:decorative xmlns:adec="http://schemas.microsoft.com/office/drawing/2017/decorative" xmlns="" val="1"/>
               </a:ext>
             </a:extLst>
           </p:cNvPr>
@@ -3610,10 +3616,272 @@
   <p:clrMapOvr>
     <a:overrideClrMapping bg1="dk1" tx1="lt1" bg2="dk2" tx2="lt2" accent1="accent1" accent2="accent2" accent3="accent3" accent4="accent4" accent5="accent5" accent6="accent6" hlink="hlink" folHlink="folHlink"/>
   </p:clrMapOvr>
+  <p:timing>
+    <p:tnLst>
+      <p:par>
+        <p:cTn id="1" dur="indefinite" restart="never" nodeType="tmRoot"/>
+      </p:par>
+    </p:tnLst>
+  </p:timing>
 </p:sld>
 </file>
 
-<file path=ppt/slides/slide2.xml><?xml version="1.0" encoding="utf-8"?>
+<file path=ppt/slides/slide10.xml><?xml version="1.0" encoding="utf-8"?>
+<p:sld xmlns:a="http://schemas.openxmlformats.org/drawingml/2006/main" xmlns:r="http://schemas.openxmlformats.org/officeDocument/2006/relationships" xmlns:p="http://schemas.openxmlformats.org/presentationml/2006/main">
+  <p:cSld>
+    <p:spTree>
+      <p:nvGrpSpPr>
+        <p:cNvPr id="1" name=""/>
+        <p:cNvGrpSpPr/>
+        <p:nvPr/>
+      </p:nvGrpSpPr>
+      <p:grpSpPr>
+        <a:xfrm>
+          <a:off x="0" y="0"/>
+          <a:ext cx="0" cy="0"/>
+          <a:chOff x="0" y="0"/>
+          <a:chExt cx="0" cy="0"/>
+        </a:xfrm>
+      </p:grpSpPr>
+      <p:sp>
+        <p:nvSpPr>
+          <p:cNvPr id="2" name="Заголовок 1"/>
+          <p:cNvSpPr>
+            <a:spLocks noGrp="1"/>
+          </p:cNvSpPr>
+          <p:nvPr>
+            <p:ph type="title"/>
+          </p:nvPr>
+        </p:nvSpPr>
+        <p:spPr/>
+        <p:txBody>
+          <a:bodyPr/>
+          <a:lstStyle/>
+          <a:p>
+            <a:endParaRPr lang="ru-RU"/>
+          </a:p>
+        </p:txBody>
+      </p:sp>
+      <p:pic>
+        <p:nvPicPr>
+          <p:cNvPr id="4" name="Объект 3"/>
+          <p:cNvPicPr>
+            <a:picLocks noGrp="1" noChangeAspect="1"/>
+          </p:cNvPicPr>
+          <p:nvPr>
+            <p:ph idx="1"/>
+          </p:nvPr>
+        </p:nvPicPr>
+        <p:blipFill>
+          <a:blip r:embed="rId2">
+            <a:extLst>
+              <a:ext uri="{28A0092B-C50C-407E-A947-70E740481C1C}">
+                <a14:useLocalDpi xmlns:a14="http://schemas.microsoft.com/office/drawing/2010/main" val="0"/>
+              </a:ext>
+            </a:extLst>
+          </a:blip>
+          <a:stretch>
+            <a:fillRect/>
+          </a:stretch>
+        </p:blipFill>
+        <p:spPr>
+          <a:xfrm>
+            <a:off x="2542791" y="1878634"/>
+            <a:ext cx="7106418" cy="4351338"/>
+          </a:xfrm>
+        </p:spPr>
+      </p:pic>
+    </p:spTree>
+    <p:extLst>
+      <p:ext uri="{BB962C8B-B14F-4D97-AF65-F5344CB8AC3E}">
+        <p14:creationId xmlns:p14="http://schemas.microsoft.com/office/powerpoint/2010/main" val="652017496"/>
+      </p:ext>
+    </p:extLst>
+  </p:cSld>
+  <p:clrMapOvr>
+    <a:masterClrMapping/>
+  </p:clrMapOvr>
+  <p:timing>
+    <p:tnLst>
+      <p:par>
+        <p:cTn id="1" dur="indefinite" restart="never" nodeType="tmRoot"/>
+      </p:par>
+    </p:tnLst>
+  </p:timing>
+</p:sld>
+</file>
+
+<file path=ppt/slides/slide11.xml><?xml version="1.0" encoding="utf-8"?>
+<p:sld xmlns:a="http://schemas.openxmlformats.org/drawingml/2006/main" xmlns:r="http://schemas.openxmlformats.org/officeDocument/2006/relationships" xmlns:p="http://schemas.openxmlformats.org/presentationml/2006/main">
+  <p:cSld>
+    <p:spTree>
+      <p:nvGrpSpPr>
+        <p:cNvPr id="1" name=""/>
+        <p:cNvGrpSpPr/>
+        <p:nvPr/>
+      </p:nvGrpSpPr>
+      <p:grpSpPr>
+        <a:xfrm>
+          <a:off x="0" y="0"/>
+          <a:ext cx="0" cy="0"/>
+          <a:chOff x="0" y="0"/>
+          <a:chExt cx="0" cy="0"/>
+        </a:xfrm>
+      </p:grpSpPr>
+      <p:sp>
+        <p:nvSpPr>
+          <p:cNvPr id="2" name="Заголовок 1"/>
+          <p:cNvSpPr>
+            <a:spLocks noGrp="1"/>
+          </p:cNvSpPr>
+          <p:nvPr>
+            <p:ph type="title"/>
+          </p:nvPr>
+        </p:nvSpPr>
+        <p:spPr/>
+        <p:txBody>
+          <a:bodyPr/>
+          <a:lstStyle/>
+          <a:p>
+            <a:endParaRPr lang="ru-RU"/>
+          </a:p>
+        </p:txBody>
+      </p:sp>
+      <p:pic>
+        <p:nvPicPr>
+          <p:cNvPr id="4" name="Объект 3"/>
+          <p:cNvPicPr>
+            <a:picLocks noGrp="1" noChangeAspect="1"/>
+          </p:cNvPicPr>
+          <p:nvPr>
+            <p:ph idx="1"/>
+          </p:nvPr>
+        </p:nvPicPr>
+        <p:blipFill>
+          <a:blip r:embed="rId2">
+            <a:extLst>
+              <a:ext uri="{28A0092B-C50C-407E-A947-70E740481C1C}">
+                <a14:useLocalDpi xmlns:a14="http://schemas.microsoft.com/office/drawing/2010/main" val="0"/>
+              </a:ext>
+            </a:extLst>
+          </a:blip>
+          <a:stretch>
+            <a:fillRect/>
+          </a:stretch>
+        </p:blipFill>
+        <p:spPr>
+          <a:xfrm>
+            <a:off x="2610293" y="1838877"/>
+            <a:ext cx="6971414" cy="4351338"/>
+          </a:xfrm>
+        </p:spPr>
+      </p:pic>
+    </p:spTree>
+    <p:extLst>
+      <p:ext uri="{BB962C8B-B14F-4D97-AF65-F5344CB8AC3E}">
+        <p14:creationId xmlns:p14="http://schemas.microsoft.com/office/powerpoint/2010/main" val="3381462482"/>
+      </p:ext>
+    </p:extLst>
+  </p:cSld>
+  <p:clrMapOvr>
+    <a:masterClrMapping/>
+  </p:clrMapOvr>
+  <p:timing>
+    <p:tnLst>
+      <p:par>
+        <p:cTn id="1" dur="indefinite" restart="never" nodeType="tmRoot"/>
+      </p:par>
+    </p:tnLst>
+  </p:timing>
+</p:sld>
+</file>
+
+<file path=ppt/slides/slide12.xml><?xml version="1.0" encoding="utf-8"?>
+<p:sld xmlns:a="http://schemas.openxmlformats.org/drawingml/2006/main" xmlns:r="http://schemas.openxmlformats.org/officeDocument/2006/relationships" xmlns:p="http://schemas.openxmlformats.org/presentationml/2006/main">
+  <p:cSld>
+    <p:spTree>
+      <p:nvGrpSpPr>
+        <p:cNvPr id="1" name=""/>
+        <p:cNvGrpSpPr/>
+        <p:nvPr/>
+      </p:nvGrpSpPr>
+      <p:grpSpPr>
+        <a:xfrm>
+          <a:off x="0" y="0"/>
+          <a:ext cx="0" cy="0"/>
+          <a:chOff x="0" y="0"/>
+          <a:chExt cx="0" cy="0"/>
+        </a:xfrm>
+      </p:grpSpPr>
+      <p:sp>
+        <p:nvSpPr>
+          <p:cNvPr id="2" name="Заголовок 1"/>
+          <p:cNvSpPr>
+            <a:spLocks noGrp="1"/>
+          </p:cNvSpPr>
+          <p:nvPr>
+            <p:ph type="title"/>
+          </p:nvPr>
+        </p:nvSpPr>
+        <p:spPr/>
+        <p:txBody>
+          <a:bodyPr/>
+          <a:lstStyle/>
+          <a:p>
+            <a:endParaRPr lang="ru-RU"/>
+          </a:p>
+        </p:txBody>
+      </p:sp>
+      <p:pic>
+        <p:nvPicPr>
+          <p:cNvPr id="4" name="Объект 3"/>
+          <p:cNvPicPr>
+            <a:picLocks noGrp="1" noChangeAspect="1"/>
+          </p:cNvPicPr>
+          <p:nvPr>
+            <p:ph idx="1"/>
+          </p:nvPr>
+        </p:nvPicPr>
+        <p:blipFill>
+          <a:blip r:embed="rId2">
+            <a:extLst>
+              <a:ext uri="{28A0092B-C50C-407E-A947-70E740481C1C}">
+                <a14:useLocalDpi xmlns:a14="http://schemas.microsoft.com/office/drawing/2010/main" val="0"/>
+              </a:ext>
+            </a:extLst>
+          </a:blip>
+          <a:stretch>
+            <a:fillRect/>
+          </a:stretch>
+        </p:blipFill>
+        <p:spPr>
+          <a:xfrm>
+            <a:off x="2488048" y="1878634"/>
+            <a:ext cx="7215904" cy="4351338"/>
+          </a:xfrm>
+        </p:spPr>
+      </p:pic>
+    </p:spTree>
+    <p:extLst>
+      <p:ext uri="{BB962C8B-B14F-4D97-AF65-F5344CB8AC3E}">
+        <p14:creationId xmlns:p14="http://schemas.microsoft.com/office/powerpoint/2010/main" val="1602519994"/>
+      </p:ext>
+    </p:extLst>
+  </p:cSld>
+  <p:clrMapOvr>
+    <a:masterClrMapping/>
+  </p:clrMapOvr>
+  <p:timing>
+    <p:tnLst>
+      <p:par>
+        <p:cTn id="1" dur="indefinite" restart="never" nodeType="tmRoot"/>
+      </p:par>
+    </p:tnLst>
+  </p:timing>
+</p:sld>
+</file>
+
+<file path=ppt/slides/slide13.xml><?xml version="1.0" encoding="utf-8"?>
 <p:sld xmlns:a="http://schemas.openxmlformats.org/drawingml/2006/main" xmlns:r="http://schemas.openxmlformats.org/officeDocument/2006/relationships" xmlns:p="http://schemas.openxmlformats.org/presentationml/2006/main">
   <p:cSld>
     <p:bg>
@@ -3649,7 +3917,7 @@
                 <a16:creationId xmlns:a16="http://schemas.microsoft.com/office/drawing/2014/main" id="{48A740BC-A0AA-45E0-B899-2AE9C6FE11CA}"/>
               </a:ext>
               <a:ext uri="{C183D7F6-B498-43B3-948B-1728B52AA6E4}">
-                <adec:decorative xmlns:adec="http://schemas.microsoft.com/office/drawing/2017/decorative" val="1"/>
+                <adec:decorative xmlns:adec="http://schemas.microsoft.com/office/drawing/2017/decorative" xmlns="" val="1"/>
               </a:ext>
             </a:extLst>
           </p:cNvPr>
@@ -3813,7 +4081,7 @@
           <p:cNvPr id="2" name="Title 1">
             <a:extLst>
               <a:ext uri="{FF2B5EF4-FFF2-40B4-BE49-F238E27FC236}">
-                <a16:creationId xmlns:a16="http://schemas.microsoft.com/office/drawing/2014/main" id="{092478F2-E17A-4F4B-98FE-819FD85C6A95}"/>
+                <a16:creationId xmlns:a16="http://schemas.microsoft.com/office/drawing/2014/main" id="{A9AC9347-D784-42D1-AAD5-0A1168A45E7F}"/>
               </a:ext>
             </a:extLst>
           </p:cNvPr>
@@ -3838,7 +4106,7 @@
           <a:p>
             <a:r>
               <a:rPr lang="ru-RU" sz="4000" dirty="0"/>
-              <a:t>Мотивация: обработка последовательностей</a:t>
+              <a:t>литература</a:t>
             </a:r>
             <a:endParaRPr lang="en-US" sz="4000" dirty="0"/>
           </a:p>
@@ -3852,7 +4120,7 @@
                 <a16:creationId xmlns:a16="http://schemas.microsoft.com/office/drawing/2014/main" id="{B874EF51-C858-4BB9-97C3-D17755787127}"/>
               </a:ext>
               <a:ext uri="{C183D7F6-B498-43B3-948B-1728B52AA6E4}">
-                <adec:decorative xmlns:adec="http://schemas.microsoft.com/office/drawing/2017/decorative" val="1"/>
+                <adec:decorative xmlns:adec="http://schemas.microsoft.com/office/drawing/2017/decorative" xmlns="" val="1"/>
               </a:ext>
             </a:extLst>
           </p:cNvPr>
@@ -3902,6 +4170,406 @@
           <p:cNvPr id="3" name="Content Placeholder 2">
             <a:extLst>
               <a:ext uri="{FF2B5EF4-FFF2-40B4-BE49-F238E27FC236}">
+                <a16:creationId xmlns:a16="http://schemas.microsoft.com/office/drawing/2014/main" id="{250C8FB2-4BB0-4A44-8374-D2F0E7A47640}"/>
+              </a:ext>
+            </a:extLst>
+          </p:cNvPr>
+          <p:cNvSpPr>
+            <a:spLocks noGrp="1"/>
+          </p:cNvSpPr>
+          <p:nvPr>
+            <p:ph idx="1"/>
+          </p:nvPr>
+        </p:nvSpPr>
+        <p:spPr>
+          <a:xfrm>
+            <a:off x="655320" y="2644518"/>
+            <a:ext cx="9013052" cy="3327251"/>
+          </a:xfrm>
+        </p:spPr>
+        <p:txBody>
+          <a:bodyPr>
+            <a:normAutofit/>
+          </a:bodyPr>
+          <a:lstStyle/>
+          <a:p>
+            <a:pPr marL="0" indent="0">
+              <a:buNone/>
+            </a:pPr>
+            <a:r>
+              <a:rPr lang="en-US" sz="2000"/>
+              <a:t>1) </a:t>
+            </a:r>
+            <a:r>
+              <a:rPr lang="ru-RU" sz="2000"/>
+              <a:t>Бенджио, Гудфеллоу, Курвилль: Глубокое обучение</a:t>
+            </a:r>
+          </a:p>
+          <a:p>
+            <a:pPr marL="0" indent="0">
+              <a:buNone/>
+            </a:pPr>
+            <a:r>
+              <a:rPr lang="en-US" sz="2000"/>
+              <a:t>2) </a:t>
+            </a:r>
+            <a:r>
+              <a:rPr lang="ru-RU" sz="2000"/>
+              <a:t>Сергей Николенко</a:t>
+            </a:r>
+            <a:r>
+              <a:rPr lang="en-US" sz="2000"/>
+              <a:t>: </a:t>
+            </a:r>
+            <a:r>
+              <a:rPr lang="ru-RU" sz="2000"/>
+              <a:t>Глубокое обучение. Погружение в мир нейронных сетей</a:t>
+            </a:r>
+            <a:endParaRPr lang="en-US" sz="2000"/>
+          </a:p>
+          <a:p>
+            <a:pPr marL="0" indent="0">
+              <a:buNone/>
+            </a:pPr>
+            <a:r>
+              <a:rPr lang="en-US" sz="2000"/>
+              <a:t>3) </a:t>
+            </a:r>
+            <a:r>
+              <a:rPr lang="ru-RU" sz="2000"/>
+              <a:t>Хайкин</a:t>
+            </a:r>
+            <a:r>
+              <a:rPr lang="en-US" sz="2000"/>
+              <a:t>:</a:t>
+            </a:r>
+            <a:r>
+              <a:rPr lang="ru-RU" sz="2000"/>
+              <a:t>Нейронные сети. Полный курс</a:t>
+            </a:r>
+          </a:p>
+          <a:p>
+            <a:pPr marL="0" indent="0">
+              <a:buNone/>
+            </a:pPr>
+            <a:endParaRPr lang="ru-RU" sz="2000"/>
+          </a:p>
+          <a:p>
+            <a:pPr marL="0" indent="0">
+              <a:buNone/>
+            </a:pPr>
+            <a:endParaRPr lang="ru-RU" sz="2000"/>
+          </a:p>
+          <a:p>
+            <a:pPr marL="0" indent="0">
+              <a:buNone/>
+            </a:pPr>
+            <a:endParaRPr lang="en-US" sz="2000"/>
+          </a:p>
+        </p:txBody>
+      </p:sp>
+    </p:spTree>
+    <p:extLst>
+      <p:ext uri="{BB962C8B-B14F-4D97-AF65-F5344CB8AC3E}">
+        <p14:creationId xmlns:p14="http://schemas.microsoft.com/office/powerpoint/2010/main" val="689145014"/>
+      </p:ext>
+    </p:extLst>
+  </p:cSld>
+  <p:clrMapOvr>
+    <a:overrideClrMapping bg1="dk1" tx1="lt1" bg2="dk2" tx2="lt2" accent1="accent1" accent2="accent2" accent3="accent3" accent4="accent4" accent5="accent5" accent6="accent6" hlink="hlink" folHlink="folHlink"/>
+  </p:clrMapOvr>
+</p:sld>
+</file>
+
+<file path=ppt/slides/slide2.xml><?xml version="1.0" encoding="utf-8"?>
+<p:sld xmlns:a="http://schemas.openxmlformats.org/drawingml/2006/main" xmlns:r="http://schemas.openxmlformats.org/officeDocument/2006/relationships" xmlns:p="http://schemas.openxmlformats.org/presentationml/2006/main">
+  <p:cSld>
+    <p:bg>
+      <p:bgPr>
+        <a:solidFill>
+          <a:schemeClr val="bg1">
+            <a:tint val="95000"/>
+            <a:satMod val="170000"/>
+          </a:schemeClr>
+        </a:solidFill>
+        <a:effectLst/>
+      </p:bgPr>
+    </p:bg>
+    <p:spTree>
+      <p:nvGrpSpPr>
+        <p:cNvPr id="1" name=""/>
+        <p:cNvGrpSpPr/>
+        <p:nvPr/>
+      </p:nvGrpSpPr>
+      <p:grpSpPr>
+        <a:xfrm>
+          <a:off x="0" y="0"/>
+          <a:ext cx="0" cy="0"/>
+          <a:chOff x="0" y="0"/>
+          <a:chExt cx="0" cy="0"/>
+        </a:xfrm>
+      </p:grpSpPr>
+      <p:sp>
+        <p:nvSpPr>
+          <p:cNvPr id="8" name="Freeform: Shape 7">
+            <a:extLst>
+              <a:ext uri="{FF2B5EF4-FFF2-40B4-BE49-F238E27FC236}">
+                <a16:creationId xmlns:a16="http://schemas.microsoft.com/office/drawing/2014/main" id="{48A740BC-A0AA-45E0-B899-2AE9C6FE11CA}"/>
+              </a:ext>
+              <a:ext uri="{C183D7F6-B498-43B3-948B-1728B52AA6E4}">
+                <adec:decorative xmlns:adec="http://schemas.microsoft.com/office/drawing/2017/decorative" xmlns="" val="1"/>
+              </a:ext>
+            </a:extLst>
+          </p:cNvPr>
+          <p:cNvSpPr>
+            <a:spLocks noGrp="1" noRot="1" noChangeAspect="1" noMove="1" noResize="1" noEditPoints="1" noAdjustHandles="1" noChangeArrowheads="1" noChangeShapeType="1" noTextEdit="1"/>
+          </p:cNvSpPr>
+          <p:nvPr>
+            <p:extLst>
+              <p:ext uri="{386F3935-93C4-4BCD-93E2-E3B085C9AB24}">
+                <p16:designElem xmlns:p16="http://schemas.microsoft.com/office/powerpoint/2015/main" val="1"/>
+              </p:ext>
+            </p:extLst>
+          </p:nvPr>
+        </p:nvSpPr>
+        <p:spPr>
+          <a:xfrm>
+            <a:off x="5913121" y="-2"/>
+            <a:ext cx="6278879" cy="6858002"/>
+          </a:xfrm>
+          <a:custGeom>
+            <a:avLst/>
+            <a:gdLst>
+              <a:gd name="connsiteX0" fmla="*/ 45572 w 6278879"/>
+              <a:gd name="connsiteY0" fmla="*/ 0 h 6858002"/>
+              <a:gd name="connsiteX1" fmla="*/ 6278879 w 6278879"/>
+              <a:gd name="connsiteY1" fmla="*/ 0 h 6858002"/>
+              <a:gd name="connsiteX2" fmla="*/ 6278879 w 6278879"/>
+              <a:gd name="connsiteY2" fmla="*/ 6858002 h 6858002"/>
+              <a:gd name="connsiteX3" fmla="*/ 3292308 w 6278879"/>
+              <a:gd name="connsiteY3" fmla="*/ 6858002 h 6858002"/>
+              <a:gd name="connsiteX4" fmla="*/ 3181526 w 6278879"/>
+              <a:gd name="connsiteY4" fmla="*/ 6786982 h 6858002"/>
+              <a:gd name="connsiteX5" fmla="*/ 0 w 6278879"/>
+              <a:gd name="connsiteY5" fmla="*/ 803254 h 6858002"/>
+              <a:gd name="connsiteX6" fmla="*/ 37255 w 6278879"/>
+              <a:gd name="connsiteY6" fmla="*/ 65447 h 6858002"/>
+            </a:gdLst>
+            <a:ahLst/>
+            <a:cxnLst>
+              <a:cxn ang="0">
+                <a:pos x="connsiteX0" y="connsiteY0"/>
+              </a:cxn>
+              <a:cxn ang="0">
+                <a:pos x="connsiteX1" y="connsiteY1"/>
+              </a:cxn>
+              <a:cxn ang="0">
+                <a:pos x="connsiteX2" y="connsiteY2"/>
+              </a:cxn>
+              <a:cxn ang="0">
+                <a:pos x="connsiteX3" y="connsiteY3"/>
+              </a:cxn>
+              <a:cxn ang="0">
+                <a:pos x="connsiteX4" y="connsiteY4"/>
+              </a:cxn>
+              <a:cxn ang="0">
+                <a:pos x="connsiteX5" y="connsiteY5"/>
+              </a:cxn>
+              <a:cxn ang="0">
+                <a:pos x="connsiteX6" y="connsiteY6"/>
+              </a:cxn>
+            </a:cxnLst>
+            <a:rect l="l" t="t" r="r" b="b"/>
+            <a:pathLst>
+              <a:path w="6278879" h="6858002">
+                <a:moveTo>
+                  <a:pt x="45572" y="0"/>
+                </a:moveTo>
+                <a:lnTo>
+                  <a:pt x="6278879" y="0"/>
+                </a:lnTo>
+                <a:lnTo>
+                  <a:pt x="6278879" y="6858002"/>
+                </a:lnTo>
+                <a:lnTo>
+                  <a:pt x="3292308" y="6858002"/>
+                </a:lnTo>
+                <a:lnTo>
+                  <a:pt x="3181526" y="6786982"/>
+                </a:lnTo>
+                <a:cubicBezTo>
+                  <a:pt x="1262021" y="5490191"/>
+                  <a:pt x="0" y="3294103"/>
+                  <a:pt x="0" y="803254"/>
+                </a:cubicBezTo>
+                <a:cubicBezTo>
+                  <a:pt x="0" y="554169"/>
+                  <a:pt x="12620" y="308032"/>
+                  <a:pt x="37255" y="65447"/>
+                </a:cubicBezTo>
+                <a:close/>
+              </a:path>
+            </a:pathLst>
+          </a:custGeom>
+          <a:solidFill>
+            <a:schemeClr val="bg1">
+              <a:lumMod val="85000"/>
+              <a:lumOff val="15000"/>
+              <a:alpha val="70000"/>
+            </a:schemeClr>
+          </a:solidFill>
+          <a:ln>
+            <a:noFill/>
+          </a:ln>
+        </p:spPr>
+        <p:style>
+          <a:lnRef idx="2">
+            <a:schemeClr val="accent1">
+              <a:shade val="50000"/>
+            </a:schemeClr>
+          </a:lnRef>
+          <a:fillRef idx="1">
+            <a:schemeClr val="accent1"/>
+          </a:fillRef>
+          <a:effectRef idx="0">
+            <a:schemeClr val="accent1"/>
+          </a:effectRef>
+          <a:fontRef idx="minor">
+            <a:schemeClr val="lt1"/>
+          </a:fontRef>
+        </p:style>
+        <p:txBody>
+          <a:bodyPr rtlCol="0" anchor="ctr"/>
+          <a:lstStyle/>
+          <a:p>
+            <a:pPr marL="0" marR="0" lvl="0" indent="0" algn="ctr" defTabSz="914400" rtl="0" eaLnBrk="1" fontAlgn="auto" latinLnBrk="0" hangingPunct="1">
+              <a:lnSpc>
+                <a:spcPct val="100000"/>
+              </a:lnSpc>
+              <a:spcBef>
+                <a:spcPts val="0"/>
+              </a:spcBef>
+              <a:spcAft>
+                <a:spcPts val="0"/>
+              </a:spcAft>
+              <a:buClrTx/>
+              <a:buSzTx/>
+              <a:buFontTx/>
+              <a:buNone/>
+              <a:tabLst/>
+              <a:defRPr/>
+            </a:pPr>
+            <a:endParaRPr kumimoji="0" lang="en-US" sz="1800" b="0" i="0" u="none" strike="noStrike" kern="1200" cap="none" spc="0" normalizeH="0" baseline="0" noProof="0">
+              <a:ln>
+                <a:noFill/>
+              </a:ln>
+              <a:solidFill>
+                <a:prstClr val="white"/>
+              </a:solidFill>
+              <a:effectLst/>
+              <a:uLnTx/>
+              <a:uFillTx/>
+              <a:latin typeface="Calibri" panose="020F0502020204030204"/>
+              <a:ea typeface="+mn-ea"/>
+              <a:cs typeface="+mn-cs"/>
+            </a:endParaRPr>
+          </a:p>
+        </p:txBody>
+      </p:sp>
+      <p:sp>
+        <p:nvSpPr>
+          <p:cNvPr id="2" name="Title 1">
+            <a:extLst>
+              <a:ext uri="{FF2B5EF4-FFF2-40B4-BE49-F238E27FC236}">
+                <a16:creationId xmlns:a16="http://schemas.microsoft.com/office/drawing/2014/main" id="{092478F2-E17A-4F4B-98FE-819FD85C6A95}"/>
+              </a:ext>
+            </a:extLst>
+          </p:cNvPr>
+          <p:cNvSpPr>
+            <a:spLocks noGrp="1"/>
+          </p:cNvSpPr>
+          <p:nvPr>
+            <p:ph type="title"/>
+          </p:nvPr>
+        </p:nvSpPr>
+        <p:spPr>
+          <a:xfrm>
+            <a:off x="655320" y="365125"/>
+            <a:ext cx="9013052" cy="1623312"/>
+          </a:xfrm>
+        </p:spPr>
+        <p:txBody>
+          <a:bodyPr anchor="b">
+            <a:normAutofit/>
+          </a:bodyPr>
+          <a:lstStyle/>
+          <a:p>
+            <a:r>
+              <a:rPr lang="ru-RU" sz="4000" dirty="0"/>
+              <a:t>Мотивация: обработка последовательностей</a:t>
+            </a:r>
+            <a:endParaRPr lang="en-US" sz="4000" dirty="0"/>
+          </a:p>
+        </p:txBody>
+      </p:sp>
+      <p:cxnSp>
+        <p:nvCxnSpPr>
+          <p:cNvPr id="10" name="Straight Arrow Connector 9">
+            <a:extLst>
+              <a:ext uri="{FF2B5EF4-FFF2-40B4-BE49-F238E27FC236}">
+                <a16:creationId xmlns:a16="http://schemas.microsoft.com/office/drawing/2014/main" id="{B874EF51-C858-4BB9-97C3-D17755787127}"/>
+              </a:ext>
+              <a:ext uri="{C183D7F6-B498-43B3-948B-1728B52AA6E4}">
+                <adec:decorative xmlns:adec="http://schemas.microsoft.com/office/drawing/2017/decorative" xmlns="" val="1"/>
+              </a:ext>
+            </a:extLst>
+          </p:cNvPr>
+          <p:cNvCxnSpPr>
+            <a:cxnSpLocks noGrp="1" noRot="1" noChangeAspect="1" noMove="1" noResize="1" noEditPoints="1" noAdjustHandles="1" noChangeArrowheads="1" noChangeShapeType="1"/>
+          </p:cNvCxnSpPr>
+          <p:nvPr>
+            <p:extLst>
+              <p:ext uri="{386F3935-93C4-4BCD-93E2-E3B085C9AB24}">
+                <p16:designElem xmlns:p16="http://schemas.microsoft.com/office/powerpoint/2015/main" val="1"/>
+              </p:ext>
+            </p:extLst>
+          </p:nvPr>
+        </p:nvCxnSpPr>
+        <p:spPr>
+          <a:xfrm>
+            <a:off x="763661" y="2316480"/>
+            <a:ext cx="8229600" cy="0"/>
+          </a:xfrm>
+          <a:prstGeom prst="straightConnector1">
+            <a:avLst/>
+          </a:prstGeom>
+          <a:ln w="19050" cap="sq">
+            <a:solidFill>
+              <a:schemeClr val="tx1"/>
+            </a:solidFill>
+            <a:tailEnd type="none"/>
+          </a:ln>
+        </p:spPr>
+        <p:style>
+          <a:lnRef idx="1">
+            <a:schemeClr val="accent1"/>
+          </a:lnRef>
+          <a:fillRef idx="0">
+            <a:schemeClr val="accent1"/>
+          </a:fillRef>
+          <a:effectRef idx="0">
+            <a:schemeClr val="accent1"/>
+          </a:effectRef>
+          <a:fontRef idx="minor">
+            <a:schemeClr val="tx1"/>
+          </a:fontRef>
+        </p:style>
+      </p:cxnSp>
+      <p:sp>
+        <p:nvSpPr>
+          <p:cNvPr id="3" name="Content Placeholder 2">
+            <a:extLst>
+              <a:ext uri="{FF2B5EF4-FFF2-40B4-BE49-F238E27FC236}">
                 <a16:creationId xmlns:a16="http://schemas.microsoft.com/office/drawing/2014/main" id="{405E1DB0-D164-4C35-A8BB-6520640BAEF3}"/>
               </a:ext>
             </a:extLst>
@@ -3970,6 +4638,13 @@
   <p:clrMapOvr>
     <a:overrideClrMapping bg1="dk1" tx1="lt1" bg2="dk2" tx2="lt2" accent1="accent1" accent2="accent2" accent3="accent3" accent4="accent4" accent5="accent5" accent6="accent6" hlink="hlink" folHlink="folHlink"/>
   </p:clrMapOvr>
+  <p:timing>
+    <p:tnLst>
+      <p:par>
+        <p:cTn id="1" dur="indefinite" restart="never" nodeType="tmRoot"/>
+      </p:par>
+    </p:tnLst>
+  </p:timing>
 </p:sld>
 </file>
 
@@ -4006,7 +4681,7 @@
                 <a16:creationId xmlns:a16="http://schemas.microsoft.com/office/drawing/2014/main" id="{867D4867-5BA7-4462-B2F6-A23F4A622AA7}"/>
               </a:ext>
               <a:ext uri="{C183D7F6-B498-43B3-948B-1728B52AA6E4}">
-                <adec:decorative xmlns:adec="http://schemas.microsoft.com/office/drawing/2017/decorative" val="1"/>
+                <adec:decorative xmlns:adec="http://schemas.microsoft.com/office/drawing/2017/decorative" xmlns="" val="1"/>
               </a:ext>
             </a:extLst>
           </p:cNvPr>
@@ -4345,6 +5020,13 @@
   <p:clrMapOvr>
     <a:masterClrMapping/>
   </p:clrMapOvr>
+  <p:timing>
+    <p:tnLst>
+      <p:par>
+        <p:cTn id="1" dur="indefinite" restart="never" nodeType="tmRoot"/>
+      </p:par>
+    </p:tnLst>
+  </p:timing>
 </p:sld>
 </file>
 
@@ -4381,7 +5063,7 @@
                 <a16:creationId xmlns:a16="http://schemas.microsoft.com/office/drawing/2014/main" id="{823AC064-BC96-4F32-8AE1-B2FD38754823}"/>
               </a:ext>
               <a:ext uri="{C183D7F6-B498-43B3-948B-1728B52AA6E4}">
-                <adec:decorative xmlns:adec="http://schemas.microsoft.com/office/drawing/2017/decorative" val="1"/>
+                <adec:decorative xmlns:adec="http://schemas.microsoft.com/office/drawing/2017/decorative" xmlns="" val="1"/>
               </a:ext>
             </a:extLst>
           </p:cNvPr>
@@ -4518,7 +5200,7 @@
                 <a16:creationId xmlns:a16="http://schemas.microsoft.com/office/drawing/2014/main" id="{7E7C77BC-7138-40B1-A15B-20F57A494629}"/>
               </a:ext>
               <a:ext uri="{C183D7F6-B498-43B3-948B-1728B52AA6E4}">
-                <adec:decorative xmlns:adec="http://schemas.microsoft.com/office/drawing/2017/decorative" val="1"/>
+                <adec:decorative xmlns:adec="http://schemas.microsoft.com/office/drawing/2017/decorative" xmlns="" val="1"/>
               </a:ext>
             </a:extLst>
           </p:cNvPr>
@@ -4607,6 +5289,13 @@
   <p:clrMapOvr>
     <a:masterClrMapping/>
   </p:clrMapOvr>
+  <p:timing>
+    <p:tnLst>
+      <p:par>
+        <p:cTn id="1" dur="indefinite" restart="never" nodeType="tmRoot"/>
+      </p:par>
+    </p:tnLst>
+  </p:timing>
 </p:sld>
 </file>
 
@@ -4637,13 +5326,13 @@
       </p:grpSpPr>
       <p:sp>
         <p:nvSpPr>
-          <p:cNvPr id="9" name="Rectangle 8">
+          <p:cNvPr id="10" name="Rectangle 9">
             <a:extLst>
               <a:ext uri="{FF2B5EF4-FFF2-40B4-BE49-F238E27FC236}">
                 <a16:creationId xmlns:a16="http://schemas.microsoft.com/office/drawing/2014/main" id="{867D4867-5BA7-4462-B2F6-A23F4A622AA7}"/>
               </a:ext>
               <a:ext uri="{C183D7F6-B498-43B3-948B-1728B52AA6E4}">
-                <adec:decorative xmlns:adec="http://schemas.microsoft.com/office/drawing/2017/decorative" val="1"/>
+                <adec:decorative xmlns:adec="http://schemas.microsoft.com/office/drawing/2017/decorative" xmlns="" val="1"/>
               </a:ext>
             </a:extLst>
           </p:cNvPr>
@@ -4704,7 +5393,7 @@
           <p:cNvPr id="2" name="Title 1">
             <a:extLst>
               <a:ext uri="{FF2B5EF4-FFF2-40B4-BE49-F238E27FC236}">
-                <a16:creationId xmlns:a16="http://schemas.microsoft.com/office/drawing/2014/main" id="{1F1DA602-949B-496C-961C-5E796565F4F4}"/>
+                <a16:creationId xmlns:a16="http://schemas.microsoft.com/office/drawing/2014/main" id="{ACC3A3CF-225B-4657-B864-F82FBCA64E4F}"/>
               </a:ext>
             </a:extLst>
           </p:cNvPr>
@@ -4734,1787 +5423,6 @@
           <a:lstStyle/>
           <a:p>
             <a:pPr algn="ctr"/>
-            <a:r>
-              <a:rPr lang="ru-RU" sz="2800" dirty="0">
-                <a:solidFill>
-                  <a:schemeClr val="bg1"/>
-                </a:solidFill>
-              </a:rPr>
-              <a:t>Пример</a:t>
-            </a:r>
-            <a:endParaRPr lang="en-US" sz="2800" dirty="0">
-              <a:solidFill>
-                <a:schemeClr val="bg1"/>
-              </a:solidFill>
-            </a:endParaRPr>
-          </a:p>
-        </p:txBody>
-      </p:sp>
-      <mc:AlternateContent xmlns:mc="http://schemas.openxmlformats.org/markup-compatibility/2006">
-        <mc:Choice xmlns:a14="http://schemas.microsoft.com/office/drawing/2010/main" Requires="a14">
-          <p:sp>
-            <p:nvSpPr>
-              <p:cNvPr id="3" name="Content Placeholder 2">
-                <a:extLst>
-                  <a:ext uri="{FF2B5EF4-FFF2-40B4-BE49-F238E27FC236}">
-                    <a16:creationId xmlns:a16="http://schemas.microsoft.com/office/drawing/2014/main" id="{F88ABB61-70A5-43BF-ADF3-1F5CB608E172}"/>
-                  </a:ext>
-                </a:extLst>
-              </p:cNvPr>
-              <p:cNvSpPr>
-                <a:spLocks noGrp="1"/>
-              </p:cNvSpPr>
-              <p:nvPr>
-                <p:ph idx="1"/>
-              </p:nvPr>
-            </p:nvSpPr>
-            <p:spPr>
-              <a:xfrm>
-                <a:off x="0" y="2638044"/>
-                <a:ext cx="4654296" cy="4219956"/>
-              </a:xfrm>
-            </p:spPr>
-            <p:txBody>
-              <a:bodyPr>
-                <a:normAutofit fontScale="70000" lnSpcReduction="20000"/>
-              </a:bodyPr>
-              <a:lstStyle/>
-              <a:p>
-                <a:pPr marL="0" indent="0">
-                  <a:buNone/>
-                </a:pPr>
-                <a14:m>
-                  <m:oMath xmlns:m="http://schemas.openxmlformats.org/officeDocument/2006/math">
-                    <m:sSub>
-                      <m:sSubPr>
-                        <m:ctrlPr>
-                          <a:rPr lang="en-US" sz="2900" i="1" smtClean="0">
-                            <a:solidFill>
-                              <a:schemeClr val="bg1"/>
-                            </a:solidFill>
-                            <a:latin typeface="Cambria Math" panose="02040503050406030204" pitchFamily="18" charset="0"/>
-                          </a:rPr>
-                        </m:ctrlPr>
-                      </m:sSubPr>
-                      <m:e>
-                        <m:r>
-                          <a:rPr lang="en-US" sz="2900" i="1">
-                            <a:solidFill>
-                              <a:schemeClr val="bg1"/>
-                            </a:solidFill>
-                            <a:latin typeface="Cambria Math" panose="02040503050406030204" pitchFamily="18" charset="0"/>
-                          </a:rPr>
-                          <m:t>𝑦</m:t>
-                        </m:r>
-                      </m:e>
-                      <m:sub>
-                        <m:r>
-                          <a:rPr lang="en-US" sz="2900">
-                            <a:solidFill>
-                              <a:schemeClr val="bg1"/>
-                            </a:solidFill>
-                            <a:latin typeface="Cambria Math" panose="02040503050406030204" pitchFamily="18" charset="0"/>
-                          </a:rPr>
-                          <m:t>6</m:t>
-                        </m:r>
-                      </m:sub>
-                    </m:sSub>
-                    <m:r>
-                      <a:rPr lang="en-US" sz="2900">
-                        <a:solidFill>
-                          <a:schemeClr val="bg1"/>
-                        </a:solidFill>
-                        <a:latin typeface="Cambria Math" panose="02040503050406030204" pitchFamily="18" charset="0"/>
-                      </a:rPr>
-                      <m:t>=</m:t>
-                    </m:r>
-                    <m:r>
-                      <a:rPr lang="en-US" sz="2900" i="1">
-                        <a:solidFill>
-                          <a:schemeClr val="bg1"/>
-                        </a:solidFill>
-                        <a:latin typeface="Cambria Math" panose="02040503050406030204" pitchFamily="18" charset="0"/>
-                      </a:rPr>
-                      <m:t>𝑓</m:t>
-                    </m:r>
-                    <m:d>
-                      <m:dPr>
-                        <m:ctrlPr>
-                          <a:rPr lang="en-US" sz="2900" i="1">
-                            <a:solidFill>
-                              <a:schemeClr val="bg1"/>
-                            </a:solidFill>
-                            <a:latin typeface="Cambria Math" panose="02040503050406030204" pitchFamily="18" charset="0"/>
-                          </a:rPr>
-                        </m:ctrlPr>
-                      </m:dPr>
-                      <m:e>
-                        <m:sSub>
-                          <m:sSubPr>
-                            <m:ctrlPr>
-                              <a:rPr lang="en-US" sz="2900" i="1">
-                                <a:solidFill>
-                                  <a:schemeClr val="bg1"/>
-                                </a:solidFill>
-                                <a:latin typeface="Cambria Math" panose="02040503050406030204" pitchFamily="18" charset="0"/>
-                              </a:rPr>
-                            </m:ctrlPr>
-                          </m:sSubPr>
-                          <m:e>
-                            <m:r>
-                              <a:rPr lang="en-US" sz="2900" i="1">
-                                <a:solidFill>
-                                  <a:schemeClr val="bg1"/>
-                                </a:solidFill>
-                                <a:latin typeface="Cambria Math" panose="02040503050406030204" pitchFamily="18" charset="0"/>
-                              </a:rPr>
-                              <m:t>𝑥</m:t>
-                            </m:r>
-                          </m:e>
-                          <m:sub>
-                            <m:r>
-                              <a:rPr lang="en-US" sz="2900">
-                                <a:solidFill>
-                                  <a:schemeClr val="bg1"/>
-                                </a:solidFill>
-                                <a:latin typeface="Cambria Math" panose="02040503050406030204" pitchFamily="18" charset="0"/>
-                              </a:rPr>
-                              <m:t>3</m:t>
-                            </m:r>
-                          </m:sub>
-                        </m:sSub>
-                        <m:r>
-                          <a:rPr lang="en-US" sz="2900">
-                            <a:solidFill>
-                              <a:schemeClr val="bg1"/>
-                            </a:solidFill>
-                            <a:latin typeface="Cambria Math" panose="02040503050406030204" pitchFamily="18" charset="0"/>
-                          </a:rPr>
-                          <m:t>,</m:t>
-                        </m:r>
-                        <m:sSub>
-                          <m:sSubPr>
-                            <m:ctrlPr>
-                              <a:rPr lang="en-US" sz="2900" i="1">
-                                <a:solidFill>
-                                  <a:schemeClr val="bg1"/>
-                                </a:solidFill>
-                                <a:latin typeface="Cambria Math" panose="02040503050406030204" pitchFamily="18" charset="0"/>
-                              </a:rPr>
-                            </m:ctrlPr>
-                          </m:sSubPr>
-                          <m:e>
-                            <m:r>
-                              <a:rPr lang="en-US" sz="2900" i="1">
-                                <a:solidFill>
-                                  <a:schemeClr val="bg1"/>
-                                </a:solidFill>
-                                <a:latin typeface="Cambria Math" panose="02040503050406030204" pitchFamily="18" charset="0"/>
-                              </a:rPr>
-                              <m:t>𝑥</m:t>
-                            </m:r>
-                          </m:e>
-                          <m:sub>
-                            <m:r>
-                              <a:rPr lang="en-US" sz="2900">
-                                <a:solidFill>
-                                  <a:schemeClr val="bg1"/>
-                                </a:solidFill>
-                                <a:latin typeface="Cambria Math" panose="02040503050406030204" pitchFamily="18" charset="0"/>
-                              </a:rPr>
-                              <m:t>4</m:t>
-                            </m:r>
-                          </m:sub>
-                        </m:sSub>
-                        <m:r>
-                          <a:rPr lang="en-US" sz="2900">
-                            <a:solidFill>
-                              <a:schemeClr val="bg1"/>
-                            </a:solidFill>
-                            <a:latin typeface="Cambria Math" panose="02040503050406030204" pitchFamily="18" charset="0"/>
-                          </a:rPr>
-                          <m:t>,</m:t>
-                        </m:r>
-                        <m:sSub>
-                          <m:sSubPr>
-                            <m:ctrlPr>
-                              <a:rPr lang="en-US" sz="2900" i="1">
-                                <a:solidFill>
-                                  <a:schemeClr val="bg1"/>
-                                </a:solidFill>
-                                <a:latin typeface="Cambria Math" panose="02040503050406030204" pitchFamily="18" charset="0"/>
-                              </a:rPr>
-                            </m:ctrlPr>
-                          </m:sSubPr>
-                          <m:e>
-                            <m:r>
-                              <a:rPr lang="en-US" sz="2900" i="1">
-                                <a:solidFill>
-                                  <a:schemeClr val="bg1"/>
-                                </a:solidFill>
-                                <a:latin typeface="Cambria Math" panose="02040503050406030204" pitchFamily="18" charset="0"/>
-                              </a:rPr>
-                              <m:t>𝑥</m:t>
-                            </m:r>
-                          </m:e>
-                          <m:sub>
-                            <m:r>
-                              <a:rPr lang="en-US" sz="2900">
-                                <a:solidFill>
-                                  <a:schemeClr val="bg1"/>
-                                </a:solidFill>
-                                <a:latin typeface="Cambria Math" panose="02040503050406030204" pitchFamily="18" charset="0"/>
-                              </a:rPr>
-                              <m:t>5</m:t>
-                            </m:r>
-                          </m:sub>
-                        </m:sSub>
-                        <m:r>
-                          <a:rPr lang="en-US" sz="2900">
-                            <a:solidFill>
-                              <a:schemeClr val="bg1"/>
-                            </a:solidFill>
-                            <a:latin typeface="Cambria Math" panose="02040503050406030204" pitchFamily="18" charset="0"/>
-                          </a:rPr>
-                          <m:t>,</m:t>
-                        </m:r>
-                        <m:sSub>
-                          <m:sSubPr>
-                            <m:ctrlPr>
-                              <a:rPr lang="en-US" sz="2900" i="1">
-                                <a:solidFill>
-                                  <a:schemeClr val="bg1"/>
-                                </a:solidFill>
-                                <a:latin typeface="Cambria Math" panose="02040503050406030204" pitchFamily="18" charset="0"/>
-                              </a:rPr>
-                            </m:ctrlPr>
-                          </m:sSubPr>
-                          <m:e>
-                            <m:r>
-                              <a:rPr lang="en-US" sz="2900" i="1">
-                                <a:solidFill>
-                                  <a:schemeClr val="bg1"/>
-                                </a:solidFill>
-                                <a:latin typeface="Cambria Math" panose="02040503050406030204" pitchFamily="18" charset="0"/>
-                              </a:rPr>
-                              <m:t>𝑠</m:t>
-                            </m:r>
-                          </m:e>
-                          <m:sub>
-                            <m:r>
-                              <a:rPr lang="en-US" sz="2900">
-                                <a:solidFill>
-                                  <a:schemeClr val="bg1"/>
-                                </a:solidFill>
-                                <a:latin typeface="Cambria Math" panose="02040503050406030204" pitchFamily="18" charset="0"/>
-                              </a:rPr>
-                              <m:t>2</m:t>
-                            </m:r>
-                          </m:sub>
-                        </m:sSub>
-                      </m:e>
-                    </m:d>
-                    <m:r>
-                      <a:rPr lang="en-US" sz="2900">
-                        <a:solidFill>
-                          <a:schemeClr val="bg1"/>
-                        </a:solidFill>
-                        <a:latin typeface="Cambria Math" panose="02040503050406030204" pitchFamily="18" charset="0"/>
-                      </a:rPr>
-                      <m:t>=</m:t>
-                    </m:r>
-                    <m:r>
-                      <a:rPr lang="en-US" sz="2900" i="1">
-                        <a:solidFill>
-                          <a:schemeClr val="bg1"/>
-                        </a:solidFill>
-                        <a:latin typeface="Cambria Math" panose="02040503050406030204" pitchFamily="18" charset="0"/>
-                      </a:rPr>
-                      <m:t>𝑓</m:t>
-                    </m:r>
-                    <m:d>
-                      <m:dPr>
-                        <m:ctrlPr>
-                          <a:rPr lang="en-US" sz="2900" i="1">
-                            <a:solidFill>
-                              <a:schemeClr val="bg1"/>
-                            </a:solidFill>
-                            <a:latin typeface="Cambria Math" panose="02040503050406030204" pitchFamily="18" charset="0"/>
-                          </a:rPr>
-                        </m:ctrlPr>
-                      </m:dPr>
-                      <m:e>
-                        <m:sSub>
-                          <m:sSubPr>
-                            <m:ctrlPr>
-                              <a:rPr lang="en-US" sz="2900" i="1">
-                                <a:solidFill>
-                                  <a:schemeClr val="bg1"/>
-                                </a:solidFill>
-                                <a:latin typeface="Cambria Math" panose="02040503050406030204" pitchFamily="18" charset="0"/>
-                              </a:rPr>
-                            </m:ctrlPr>
-                          </m:sSubPr>
-                          <m:e>
-                            <m:r>
-                              <a:rPr lang="en-US" sz="2900" i="1">
-                                <a:solidFill>
-                                  <a:schemeClr val="bg1"/>
-                                </a:solidFill>
-                                <a:latin typeface="Cambria Math" panose="02040503050406030204" pitchFamily="18" charset="0"/>
-                              </a:rPr>
-                              <m:t>𝑥</m:t>
-                            </m:r>
-                          </m:e>
-                          <m:sub>
-                            <m:r>
-                              <a:rPr lang="en-US" sz="2900">
-                                <a:solidFill>
-                                  <a:schemeClr val="bg1"/>
-                                </a:solidFill>
-                                <a:latin typeface="Cambria Math" panose="02040503050406030204" pitchFamily="18" charset="0"/>
-                              </a:rPr>
-                              <m:t>3</m:t>
-                            </m:r>
-                          </m:sub>
-                        </m:sSub>
-                        <m:r>
-                          <a:rPr lang="en-US" sz="2900">
-                            <a:solidFill>
-                              <a:schemeClr val="bg1"/>
-                            </a:solidFill>
-                            <a:latin typeface="Cambria Math" panose="02040503050406030204" pitchFamily="18" charset="0"/>
-                          </a:rPr>
-                          <m:t>,</m:t>
-                        </m:r>
-                        <m:sSub>
-                          <m:sSubPr>
-                            <m:ctrlPr>
-                              <a:rPr lang="en-US" sz="2900" i="1">
-                                <a:solidFill>
-                                  <a:schemeClr val="bg1"/>
-                                </a:solidFill>
-                                <a:latin typeface="Cambria Math" panose="02040503050406030204" pitchFamily="18" charset="0"/>
-                              </a:rPr>
-                            </m:ctrlPr>
-                          </m:sSubPr>
-                          <m:e>
-                            <m:r>
-                              <a:rPr lang="en-US" sz="2900" i="1">
-                                <a:solidFill>
-                                  <a:schemeClr val="bg1"/>
-                                </a:solidFill>
-                                <a:latin typeface="Cambria Math" panose="02040503050406030204" pitchFamily="18" charset="0"/>
-                              </a:rPr>
-                              <m:t>𝑥</m:t>
-                            </m:r>
-                          </m:e>
-                          <m:sub>
-                            <m:r>
-                              <a:rPr lang="en-US" sz="2900">
-                                <a:solidFill>
-                                  <a:schemeClr val="bg1"/>
-                                </a:solidFill>
-                                <a:latin typeface="Cambria Math" panose="02040503050406030204" pitchFamily="18" charset="0"/>
-                              </a:rPr>
-                              <m:t>4</m:t>
-                            </m:r>
-                          </m:sub>
-                        </m:sSub>
-                        <m:r>
-                          <a:rPr lang="en-US" sz="2900">
-                            <a:solidFill>
-                              <a:schemeClr val="bg1"/>
-                            </a:solidFill>
-                            <a:latin typeface="Cambria Math" panose="02040503050406030204" pitchFamily="18" charset="0"/>
-                          </a:rPr>
-                          <m:t>,</m:t>
-                        </m:r>
-                        <m:sSub>
-                          <m:sSubPr>
-                            <m:ctrlPr>
-                              <a:rPr lang="en-US" sz="2900" i="1">
-                                <a:solidFill>
-                                  <a:schemeClr val="bg1"/>
-                                </a:solidFill>
-                                <a:latin typeface="Cambria Math" panose="02040503050406030204" pitchFamily="18" charset="0"/>
-                              </a:rPr>
-                            </m:ctrlPr>
-                          </m:sSubPr>
-                          <m:e>
-                            <m:r>
-                              <a:rPr lang="en-US" sz="2900" i="1">
-                                <a:solidFill>
-                                  <a:schemeClr val="bg1"/>
-                                </a:solidFill>
-                                <a:latin typeface="Cambria Math" panose="02040503050406030204" pitchFamily="18" charset="0"/>
-                              </a:rPr>
-                              <m:t>𝑥</m:t>
-                            </m:r>
-                          </m:e>
-                          <m:sub>
-                            <m:r>
-                              <a:rPr lang="en-US" sz="2900">
-                                <a:solidFill>
-                                  <a:schemeClr val="bg1"/>
-                                </a:solidFill>
-                                <a:latin typeface="Cambria Math" panose="02040503050406030204" pitchFamily="18" charset="0"/>
-                              </a:rPr>
-                              <m:t>5</m:t>
-                            </m:r>
-                          </m:sub>
-                        </m:sSub>
-                        <m:r>
-                          <a:rPr lang="en-US" sz="2900" i="1">
-                            <a:solidFill>
-                              <a:schemeClr val="bg1"/>
-                            </a:solidFill>
-                            <a:latin typeface="Cambria Math" panose="02040503050406030204" pitchFamily="18" charset="0"/>
-                          </a:rPr>
-                          <m:t>,</m:t>
-                        </m:r>
-                        <m:r>
-                          <a:rPr lang="en-US" sz="2900" i="1">
-                            <a:solidFill>
-                              <a:schemeClr val="bg1"/>
-                            </a:solidFill>
-                            <a:latin typeface="Cambria Math" panose="02040503050406030204" pitchFamily="18" charset="0"/>
-                          </a:rPr>
-                          <m:t>h</m:t>
-                        </m:r>
-                        <m:r>
-                          <a:rPr lang="en-US" sz="2900" i="1">
-                            <a:solidFill>
-                              <a:schemeClr val="bg1"/>
-                            </a:solidFill>
-                            <a:latin typeface="Cambria Math" panose="02040503050406030204" pitchFamily="18" charset="0"/>
-                          </a:rPr>
-                          <m:t>(</m:t>
-                        </m:r>
-                        <m:sSub>
-                          <m:sSubPr>
-                            <m:ctrlPr>
-                              <a:rPr lang="en-US" sz="2900" i="1">
-                                <a:solidFill>
-                                  <a:schemeClr val="bg1"/>
-                                </a:solidFill>
-                                <a:latin typeface="Cambria Math" panose="02040503050406030204" pitchFamily="18" charset="0"/>
-                              </a:rPr>
-                            </m:ctrlPr>
-                          </m:sSubPr>
-                          <m:e>
-                            <m:r>
-                              <a:rPr lang="en-US" sz="2900" i="1">
-                                <a:solidFill>
-                                  <a:schemeClr val="bg1"/>
-                                </a:solidFill>
-                                <a:latin typeface="Cambria Math" panose="02040503050406030204" pitchFamily="18" charset="0"/>
-                              </a:rPr>
-                              <m:t>𝑥</m:t>
-                            </m:r>
-                          </m:e>
-                          <m:sub>
-                            <m:r>
-                              <a:rPr lang="en-US" sz="2900">
-                                <a:solidFill>
-                                  <a:schemeClr val="bg1"/>
-                                </a:solidFill>
-                                <a:latin typeface="Cambria Math" panose="02040503050406030204" pitchFamily="18" charset="0"/>
-                              </a:rPr>
-                              <m:t>2</m:t>
-                            </m:r>
-                          </m:sub>
-                        </m:sSub>
-                        <m:r>
-                          <a:rPr lang="en-US" sz="2900">
-                            <a:solidFill>
-                              <a:schemeClr val="bg1"/>
-                            </a:solidFill>
-                            <a:latin typeface="Cambria Math" panose="02040503050406030204" pitchFamily="18" charset="0"/>
-                          </a:rPr>
-                          <m:t>,</m:t>
-                        </m:r>
-                        <m:sSub>
-                          <m:sSubPr>
-                            <m:ctrlPr>
-                              <a:rPr lang="en-US" sz="2900" i="1">
-                                <a:solidFill>
-                                  <a:schemeClr val="bg1"/>
-                                </a:solidFill>
-                                <a:latin typeface="Cambria Math" panose="02040503050406030204" pitchFamily="18" charset="0"/>
-                              </a:rPr>
-                            </m:ctrlPr>
-                          </m:sSubPr>
-                          <m:e>
-                            <m:r>
-                              <a:rPr lang="en-US" sz="2900" i="1">
-                                <a:solidFill>
-                                  <a:schemeClr val="bg1"/>
-                                </a:solidFill>
-                                <a:latin typeface="Cambria Math" panose="02040503050406030204" pitchFamily="18" charset="0"/>
-                              </a:rPr>
-                              <m:t>𝑥</m:t>
-                            </m:r>
-                          </m:e>
-                          <m:sub>
-                            <m:r>
-                              <a:rPr lang="en-US" sz="2900">
-                                <a:solidFill>
-                                  <a:schemeClr val="bg1"/>
-                                </a:solidFill>
-                                <a:latin typeface="Cambria Math" panose="02040503050406030204" pitchFamily="18" charset="0"/>
-                              </a:rPr>
-                              <m:t>3</m:t>
-                            </m:r>
-                          </m:sub>
-                        </m:sSub>
-                        <m:r>
-                          <a:rPr lang="en-US" sz="2900">
-                            <a:solidFill>
-                              <a:schemeClr val="bg1"/>
-                            </a:solidFill>
-                            <a:latin typeface="Cambria Math" panose="02040503050406030204" pitchFamily="18" charset="0"/>
-                          </a:rPr>
-                          <m:t>,</m:t>
-                        </m:r>
-                        <m:sSub>
-                          <m:sSubPr>
-                            <m:ctrlPr>
-                              <a:rPr lang="en-US" sz="2900" i="1">
-                                <a:solidFill>
-                                  <a:schemeClr val="bg1"/>
-                                </a:solidFill>
-                                <a:latin typeface="Cambria Math" panose="02040503050406030204" pitchFamily="18" charset="0"/>
-                              </a:rPr>
-                            </m:ctrlPr>
-                          </m:sSubPr>
-                          <m:e>
-                            <m:r>
-                              <a:rPr lang="en-US" sz="2900" i="1">
-                                <a:solidFill>
-                                  <a:schemeClr val="bg1"/>
-                                </a:solidFill>
-                                <a:latin typeface="Cambria Math" panose="02040503050406030204" pitchFamily="18" charset="0"/>
-                              </a:rPr>
-                              <m:t>𝑥</m:t>
-                            </m:r>
-                          </m:e>
-                          <m:sub>
-                            <m:r>
-                              <a:rPr lang="en-US" sz="2900">
-                                <a:solidFill>
-                                  <a:schemeClr val="bg1"/>
-                                </a:solidFill>
-                                <a:latin typeface="Cambria Math" panose="02040503050406030204" pitchFamily="18" charset="0"/>
-                              </a:rPr>
-                              <m:t>4</m:t>
-                            </m:r>
-                          </m:sub>
-                        </m:sSub>
-                        <m:r>
-                          <a:rPr lang="en-US" sz="2900" i="1">
-                            <a:solidFill>
-                              <a:schemeClr val="bg1"/>
-                            </a:solidFill>
-                            <a:latin typeface="Cambria Math" panose="02040503050406030204" pitchFamily="18" charset="0"/>
-                          </a:rPr>
-                          <m:t>,</m:t>
-                        </m:r>
-                        <m:sSub>
-                          <m:sSubPr>
-                            <m:ctrlPr>
-                              <a:rPr lang="en-US" sz="2900" i="1">
-                                <a:solidFill>
-                                  <a:schemeClr val="bg1"/>
-                                </a:solidFill>
-                                <a:latin typeface="Cambria Math" panose="02040503050406030204" pitchFamily="18" charset="0"/>
-                              </a:rPr>
-                            </m:ctrlPr>
-                          </m:sSubPr>
-                          <m:e>
-                            <m:r>
-                              <a:rPr lang="en-US" sz="2900" i="1">
-                                <a:solidFill>
-                                  <a:schemeClr val="bg1"/>
-                                </a:solidFill>
-                                <a:latin typeface="Cambria Math" panose="02040503050406030204" pitchFamily="18" charset="0"/>
-                              </a:rPr>
-                              <m:t>𝑠</m:t>
-                            </m:r>
-                          </m:e>
-                          <m:sub>
-                            <m:r>
-                              <a:rPr lang="en-US" sz="2900">
-                                <a:solidFill>
-                                  <a:schemeClr val="bg1"/>
-                                </a:solidFill>
-                                <a:latin typeface="Cambria Math" panose="02040503050406030204" pitchFamily="18" charset="0"/>
-                              </a:rPr>
-                              <m:t>1</m:t>
-                            </m:r>
-                          </m:sub>
-                        </m:sSub>
-                        <m:r>
-                          <a:rPr lang="en-US" sz="2900" i="1">
-                            <a:solidFill>
-                              <a:schemeClr val="bg1"/>
-                            </a:solidFill>
-                            <a:latin typeface="Cambria Math" panose="02040503050406030204" pitchFamily="18" charset="0"/>
-                          </a:rPr>
-                          <m:t>)</m:t>
-                        </m:r>
-                      </m:e>
-                    </m:d>
-                    <m:r>
-                      <a:rPr lang="en-US" sz="2900" dirty="0">
-                        <a:solidFill>
-                          <a:schemeClr val="bg1"/>
-                        </a:solidFill>
-                        <a:latin typeface="Cambria Math" panose="02040503050406030204" pitchFamily="18" charset="0"/>
-                      </a:rPr>
-                      <m:t>=</m:t>
-                    </m:r>
-                  </m:oMath>
-                </a14:m>
-                <a:r>
-                  <a:rPr lang="en-US" sz="2900" dirty="0">
-                    <a:solidFill>
-                      <a:schemeClr val="bg1"/>
-                    </a:solidFill>
-                  </a:rPr>
-                  <a:t> </a:t>
-                </a:r>
-                <a14:m>
-                  <m:oMath xmlns:m="http://schemas.openxmlformats.org/officeDocument/2006/math">
-                    <m:r>
-                      <a:rPr lang="en-US" sz="2900" i="1">
-                        <a:solidFill>
-                          <a:schemeClr val="bg1"/>
-                        </a:solidFill>
-                        <a:latin typeface="Cambria Math" panose="02040503050406030204" pitchFamily="18" charset="0"/>
-                      </a:rPr>
-                      <m:t>𝑓</m:t>
-                    </m:r>
-                    <m:d>
-                      <m:dPr>
-                        <m:ctrlPr>
-                          <a:rPr lang="en-US" sz="2900" i="1">
-                            <a:solidFill>
-                              <a:schemeClr val="bg1"/>
-                            </a:solidFill>
-                            <a:latin typeface="Cambria Math" panose="02040503050406030204" pitchFamily="18" charset="0"/>
-                          </a:rPr>
-                        </m:ctrlPr>
-                      </m:dPr>
-                      <m:e>
-                        <m:sSub>
-                          <m:sSubPr>
-                            <m:ctrlPr>
-                              <a:rPr lang="en-US" sz="2900" i="1">
-                                <a:solidFill>
-                                  <a:schemeClr val="bg1"/>
-                                </a:solidFill>
-                                <a:latin typeface="Cambria Math" panose="02040503050406030204" pitchFamily="18" charset="0"/>
-                              </a:rPr>
-                            </m:ctrlPr>
-                          </m:sSubPr>
-                          <m:e>
-                            <m:r>
-                              <a:rPr lang="en-US" sz="2900" i="1">
-                                <a:solidFill>
-                                  <a:schemeClr val="bg1"/>
-                                </a:solidFill>
-                                <a:latin typeface="Cambria Math" panose="02040503050406030204" pitchFamily="18" charset="0"/>
-                              </a:rPr>
-                              <m:t>𝑥</m:t>
-                            </m:r>
-                          </m:e>
-                          <m:sub>
-                            <m:r>
-                              <a:rPr lang="en-US" sz="2900">
-                                <a:solidFill>
-                                  <a:schemeClr val="bg1"/>
-                                </a:solidFill>
-                                <a:latin typeface="Cambria Math" panose="02040503050406030204" pitchFamily="18" charset="0"/>
-                              </a:rPr>
-                              <m:t>3</m:t>
-                            </m:r>
-                          </m:sub>
-                        </m:sSub>
-                        <m:r>
-                          <a:rPr lang="en-US" sz="2900">
-                            <a:solidFill>
-                              <a:schemeClr val="bg1"/>
-                            </a:solidFill>
-                            <a:latin typeface="Cambria Math" panose="02040503050406030204" pitchFamily="18" charset="0"/>
-                          </a:rPr>
-                          <m:t>,</m:t>
-                        </m:r>
-                        <m:sSub>
-                          <m:sSubPr>
-                            <m:ctrlPr>
-                              <a:rPr lang="en-US" sz="2900" i="1">
-                                <a:solidFill>
-                                  <a:schemeClr val="bg1"/>
-                                </a:solidFill>
-                                <a:latin typeface="Cambria Math" panose="02040503050406030204" pitchFamily="18" charset="0"/>
-                              </a:rPr>
-                            </m:ctrlPr>
-                          </m:sSubPr>
-                          <m:e>
-                            <m:r>
-                              <a:rPr lang="en-US" sz="2900" i="1">
-                                <a:solidFill>
-                                  <a:schemeClr val="bg1"/>
-                                </a:solidFill>
-                                <a:latin typeface="Cambria Math" panose="02040503050406030204" pitchFamily="18" charset="0"/>
-                              </a:rPr>
-                              <m:t>𝑥</m:t>
-                            </m:r>
-                          </m:e>
-                          <m:sub>
-                            <m:r>
-                              <a:rPr lang="en-US" sz="2900">
-                                <a:solidFill>
-                                  <a:schemeClr val="bg1"/>
-                                </a:solidFill>
-                                <a:latin typeface="Cambria Math" panose="02040503050406030204" pitchFamily="18" charset="0"/>
-                              </a:rPr>
-                              <m:t>4</m:t>
-                            </m:r>
-                          </m:sub>
-                        </m:sSub>
-                        <m:r>
-                          <a:rPr lang="en-US" sz="2900">
-                            <a:solidFill>
-                              <a:schemeClr val="bg1"/>
-                            </a:solidFill>
-                            <a:latin typeface="Cambria Math" panose="02040503050406030204" pitchFamily="18" charset="0"/>
-                          </a:rPr>
-                          <m:t>,</m:t>
-                        </m:r>
-                        <m:sSub>
-                          <m:sSubPr>
-                            <m:ctrlPr>
-                              <a:rPr lang="en-US" sz="2900" i="1">
-                                <a:solidFill>
-                                  <a:schemeClr val="bg1"/>
-                                </a:solidFill>
-                                <a:latin typeface="Cambria Math" panose="02040503050406030204" pitchFamily="18" charset="0"/>
-                              </a:rPr>
-                            </m:ctrlPr>
-                          </m:sSubPr>
-                          <m:e>
-                            <m:r>
-                              <a:rPr lang="en-US" sz="2900" i="1">
-                                <a:solidFill>
-                                  <a:schemeClr val="bg1"/>
-                                </a:solidFill>
-                                <a:latin typeface="Cambria Math" panose="02040503050406030204" pitchFamily="18" charset="0"/>
-                              </a:rPr>
-                              <m:t>𝑥</m:t>
-                            </m:r>
-                          </m:e>
-                          <m:sub>
-                            <m:r>
-                              <a:rPr lang="en-US" sz="2900">
-                                <a:solidFill>
-                                  <a:schemeClr val="bg1"/>
-                                </a:solidFill>
-                                <a:latin typeface="Cambria Math" panose="02040503050406030204" pitchFamily="18" charset="0"/>
-                              </a:rPr>
-                              <m:t>5</m:t>
-                            </m:r>
-                          </m:sub>
-                        </m:sSub>
-                        <m:r>
-                          <a:rPr lang="en-US" sz="2900" i="1">
-                            <a:solidFill>
-                              <a:schemeClr val="bg1"/>
-                            </a:solidFill>
-                            <a:latin typeface="Cambria Math" panose="02040503050406030204" pitchFamily="18" charset="0"/>
-                          </a:rPr>
-                          <m:t>,</m:t>
-                        </m:r>
-                        <m:r>
-                          <a:rPr lang="en-US" sz="2900" i="1">
-                            <a:solidFill>
-                              <a:schemeClr val="bg1"/>
-                            </a:solidFill>
-                            <a:latin typeface="Cambria Math" panose="02040503050406030204" pitchFamily="18" charset="0"/>
-                          </a:rPr>
-                          <m:t>h</m:t>
-                        </m:r>
-                        <m:r>
-                          <a:rPr lang="en-US" sz="2900" i="1">
-                            <a:solidFill>
-                              <a:schemeClr val="bg1"/>
-                            </a:solidFill>
-                            <a:latin typeface="Cambria Math" panose="02040503050406030204" pitchFamily="18" charset="0"/>
-                          </a:rPr>
-                          <m:t>(</m:t>
-                        </m:r>
-                        <m:sSub>
-                          <m:sSubPr>
-                            <m:ctrlPr>
-                              <a:rPr lang="en-US" sz="2900" i="1">
-                                <a:solidFill>
-                                  <a:schemeClr val="bg1"/>
-                                </a:solidFill>
-                                <a:latin typeface="Cambria Math" panose="02040503050406030204" pitchFamily="18" charset="0"/>
-                              </a:rPr>
-                            </m:ctrlPr>
-                          </m:sSubPr>
-                          <m:e>
-                            <m:r>
-                              <a:rPr lang="en-US" sz="2900" i="1">
-                                <a:solidFill>
-                                  <a:schemeClr val="bg1"/>
-                                </a:solidFill>
-                                <a:latin typeface="Cambria Math" panose="02040503050406030204" pitchFamily="18" charset="0"/>
-                              </a:rPr>
-                              <m:t>𝑥</m:t>
-                            </m:r>
-                          </m:e>
-                          <m:sub>
-                            <m:r>
-                              <a:rPr lang="en-US" sz="2900">
-                                <a:solidFill>
-                                  <a:schemeClr val="bg1"/>
-                                </a:solidFill>
-                                <a:latin typeface="Cambria Math" panose="02040503050406030204" pitchFamily="18" charset="0"/>
-                              </a:rPr>
-                              <m:t>2</m:t>
-                            </m:r>
-                          </m:sub>
-                        </m:sSub>
-                        <m:r>
-                          <a:rPr lang="en-US" sz="2900">
-                            <a:solidFill>
-                              <a:schemeClr val="bg1"/>
-                            </a:solidFill>
-                            <a:latin typeface="Cambria Math" panose="02040503050406030204" pitchFamily="18" charset="0"/>
-                          </a:rPr>
-                          <m:t>,</m:t>
-                        </m:r>
-                        <m:sSub>
-                          <m:sSubPr>
-                            <m:ctrlPr>
-                              <a:rPr lang="en-US" sz="2900" i="1">
-                                <a:solidFill>
-                                  <a:schemeClr val="bg1"/>
-                                </a:solidFill>
-                                <a:latin typeface="Cambria Math" panose="02040503050406030204" pitchFamily="18" charset="0"/>
-                              </a:rPr>
-                            </m:ctrlPr>
-                          </m:sSubPr>
-                          <m:e>
-                            <m:r>
-                              <a:rPr lang="en-US" sz="2900" i="1">
-                                <a:solidFill>
-                                  <a:schemeClr val="bg1"/>
-                                </a:solidFill>
-                                <a:latin typeface="Cambria Math" panose="02040503050406030204" pitchFamily="18" charset="0"/>
-                              </a:rPr>
-                              <m:t>𝑥</m:t>
-                            </m:r>
-                          </m:e>
-                          <m:sub>
-                            <m:r>
-                              <a:rPr lang="en-US" sz="2900">
-                                <a:solidFill>
-                                  <a:schemeClr val="bg1"/>
-                                </a:solidFill>
-                                <a:latin typeface="Cambria Math" panose="02040503050406030204" pitchFamily="18" charset="0"/>
-                              </a:rPr>
-                              <m:t>3</m:t>
-                            </m:r>
-                          </m:sub>
-                        </m:sSub>
-                        <m:r>
-                          <a:rPr lang="en-US" sz="2900">
-                            <a:solidFill>
-                              <a:schemeClr val="bg1"/>
-                            </a:solidFill>
-                            <a:latin typeface="Cambria Math" panose="02040503050406030204" pitchFamily="18" charset="0"/>
-                          </a:rPr>
-                          <m:t>,</m:t>
-                        </m:r>
-                        <m:sSub>
-                          <m:sSubPr>
-                            <m:ctrlPr>
-                              <a:rPr lang="en-US" sz="2900" i="1">
-                                <a:solidFill>
-                                  <a:schemeClr val="bg1"/>
-                                </a:solidFill>
-                                <a:latin typeface="Cambria Math" panose="02040503050406030204" pitchFamily="18" charset="0"/>
-                              </a:rPr>
-                            </m:ctrlPr>
-                          </m:sSubPr>
-                          <m:e>
-                            <m:r>
-                              <a:rPr lang="en-US" sz="2900" i="1">
-                                <a:solidFill>
-                                  <a:schemeClr val="bg1"/>
-                                </a:solidFill>
-                                <a:latin typeface="Cambria Math" panose="02040503050406030204" pitchFamily="18" charset="0"/>
-                              </a:rPr>
-                              <m:t>𝑥</m:t>
-                            </m:r>
-                          </m:e>
-                          <m:sub>
-                            <m:r>
-                              <a:rPr lang="en-US" sz="2900">
-                                <a:solidFill>
-                                  <a:schemeClr val="bg1"/>
-                                </a:solidFill>
-                                <a:latin typeface="Cambria Math" panose="02040503050406030204" pitchFamily="18" charset="0"/>
-                              </a:rPr>
-                              <m:t>4</m:t>
-                            </m:r>
-                          </m:sub>
-                        </m:sSub>
-                        <m:r>
-                          <a:rPr lang="en-US" sz="2900" i="1">
-                            <a:solidFill>
-                              <a:schemeClr val="bg1"/>
-                            </a:solidFill>
-                            <a:latin typeface="Cambria Math" panose="02040503050406030204" pitchFamily="18" charset="0"/>
-                          </a:rPr>
-                          <m:t>,</m:t>
-                        </m:r>
-                        <m:r>
-                          <a:rPr lang="en-US" sz="2900" i="1">
-                            <a:solidFill>
-                              <a:schemeClr val="bg1"/>
-                            </a:solidFill>
-                            <a:latin typeface="Cambria Math" panose="02040503050406030204" pitchFamily="18" charset="0"/>
-                          </a:rPr>
-                          <m:t>h</m:t>
-                        </m:r>
-                        <m:r>
-                          <a:rPr lang="en-US" sz="2900" i="1">
-                            <a:solidFill>
-                              <a:schemeClr val="bg1"/>
-                            </a:solidFill>
-                            <a:latin typeface="Cambria Math" panose="02040503050406030204" pitchFamily="18" charset="0"/>
-                          </a:rPr>
-                          <m:t>(</m:t>
-                        </m:r>
-                        <m:sSub>
-                          <m:sSubPr>
-                            <m:ctrlPr>
-                              <a:rPr lang="en-US" sz="2900" i="1">
-                                <a:solidFill>
-                                  <a:schemeClr val="bg1"/>
-                                </a:solidFill>
-                                <a:latin typeface="Cambria Math" panose="02040503050406030204" pitchFamily="18" charset="0"/>
-                              </a:rPr>
-                            </m:ctrlPr>
-                          </m:sSubPr>
-                          <m:e>
-                            <m:r>
-                              <a:rPr lang="en-US" sz="2900" i="1">
-                                <a:solidFill>
-                                  <a:schemeClr val="bg1"/>
-                                </a:solidFill>
-                                <a:latin typeface="Cambria Math" panose="02040503050406030204" pitchFamily="18" charset="0"/>
-                              </a:rPr>
-                              <m:t>𝑥</m:t>
-                            </m:r>
-                          </m:e>
-                          <m:sub>
-                            <m:r>
-                              <a:rPr lang="en-US" sz="2900">
-                                <a:solidFill>
-                                  <a:schemeClr val="bg1"/>
-                                </a:solidFill>
-                                <a:latin typeface="Cambria Math" panose="02040503050406030204" pitchFamily="18" charset="0"/>
-                              </a:rPr>
-                              <m:t>1</m:t>
-                            </m:r>
-                          </m:sub>
-                        </m:sSub>
-                        <m:r>
-                          <a:rPr lang="en-US" sz="2900">
-                            <a:solidFill>
-                              <a:schemeClr val="bg1"/>
-                            </a:solidFill>
-                            <a:latin typeface="Cambria Math" panose="02040503050406030204" pitchFamily="18" charset="0"/>
-                          </a:rPr>
-                          <m:t>,</m:t>
-                        </m:r>
-                        <m:sSub>
-                          <m:sSubPr>
-                            <m:ctrlPr>
-                              <a:rPr lang="en-US" sz="2900" i="1">
-                                <a:solidFill>
-                                  <a:schemeClr val="bg1"/>
-                                </a:solidFill>
-                                <a:latin typeface="Cambria Math" panose="02040503050406030204" pitchFamily="18" charset="0"/>
-                              </a:rPr>
-                            </m:ctrlPr>
-                          </m:sSubPr>
-                          <m:e>
-                            <m:r>
-                              <a:rPr lang="en-US" sz="2900" i="1">
-                                <a:solidFill>
-                                  <a:schemeClr val="bg1"/>
-                                </a:solidFill>
-                                <a:latin typeface="Cambria Math" panose="02040503050406030204" pitchFamily="18" charset="0"/>
-                              </a:rPr>
-                              <m:t>𝑥</m:t>
-                            </m:r>
-                          </m:e>
-                          <m:sub>
-                            <m:r>
-                              <a:rPr lang="en-US" sz="2900">
-                                <a:solidFill>
-                                  <a:schemeClr val="bg1"/>
-                                </a:solidFill>
-                                <a:latin typeface="Cambria Math" panose="02040503050406030204" pitchFamily="18" charset="0"/>
-                              </a:rPr>
-                              <m:t>2</m:t>
-                            </m:r>
-                          </m:sub>
-                        </m:sSub>
-                        <m:r>
-                          <a:rPr lang="en-US" sz="2900">
-                            <a:solidFill>
-                              <a:schemeClr val="bg1"/>
-                            </a:solidFill>
-                            <a:latin typeface="Cambria Math" panose="02040503050406030204" pitchFamily="18" charset="0"/>
-                          </a:rPr>
-                          <m:t>,</m:t>
-                        </m:r>
-                        <m:sSub>
-                          <m:sSubPr>
-                            <m:ctrlPr>
-                              <a:rPr lang="en-US" sz="2900" i="1">
-                                <a:solidFill>
-                                  <a:schemeClr val="bg1"/>
-                                </a:solidFill>
-                                <a:latin typeface="Cambria Math" panose="02040503050406030204" pitchFamily="18" charset="0"/>
-                              </a:rPr>
-                            </m:ctrlPr>
-                          </m:sSubPr>
-                          <m:e>
-                            <m:r>
-                              <a:rPr lang="en-US" sz="2900" i="1">
-                                <a:solidFill>
-                                  <a:schemeClr val="bg1"/>
-                                </a:solidFill>
-                                <a:latin typeface="Cambria Math" panose="02040503050406030204" pitchFamily="18" charset="0"/>
-                              </a:rPr>
-                              <m:t>𝑥</m:t>
-                            </m:r>
-                          </m:e>
-                          <m:sub>
-                            <m:r>
-                              <a:rPr lang="en-US" sz="2900">
-                                <a:solidFill>
-                                  <a:schemeClr val="bg1"/>
-                                </a:solidFill>
-                                <a:latin typeface="Cambria Math" panose="02040503050406030204" pitchFamily="18" charset="0"/>
-                              </a:rPr>
-                              <m:t>3</m:t>
-                            </m:r>
-                          </m:sub>
-                        </m:sSub>
-                        <m:r>
-                          <a:rPr lang="en-US" sz="2900" i="1">
-                            <a:solidFill>
-                              <a:schemeClr val="bg1"/>
-                            </a:solidFill>
-                            <a:latin typeface="Cambria Math" panose="02040503050406030204" pitchFamily="18" charset="0"/>
-                          </a:rPr>
-                          <m:t>,</m:t>
-                        </m:r>
-                        <m:sSub>
-                          <m:sSubPr>
-                            <m:ctrlPr>
-                              <a:rPr lang="en-US" sz="2900" i="1">
-                                <a:solidFill>
-                                  <a:schemeClr val="bg1"/>
-                                </a:solidFill>
-                                <a:latin typeface="Cambria Math" panose="02040503050406030204" pitchFamily="18" charset="0"/>
-                              </a:rPr>
-                            </m:ctrlPr>
-                          </m:sSubPr>
-                          <m:e>
-                            <m:r>
-                              <a:rPr lang="en-US" sz="2900" i="1">
-                                <a:solidFill>
-                                  <a:schemeClr val="bg1"/>
-                                </a:solidFill>
-                                <a:latin typeface="Cambria Math" panose="02040503050406030204" pitchFamily="18" charset="0"/>
-                              </a:rPr>
-                              <m:t>𝑠</m:t>
-                            </m:r>
-                          </m:e>
-                          <m:sub>
-                            <m:r>
-                              <a:rPr lang="en-US" sz="2900">
-                                <a:solidFill>
-                                  <a:schemeClr val="bg1"/>
-                                </a:solidFill>
-                                <a:latin typeface="Cambria Math" panose="02040503050406030204" pitchFamily="18" charset="0"/>
-                              </a:rPr>
-                              <m:t>0</m:t>
-                            </m:r>
-                          </m:sub>
-                        </m:sSub>
-                        <m:r>
-                          <a:rPr lang="en-US" sz="2900" i="1">
-                            <a:solidFill>
-                              <a:schemeClr val="bg1"/>
-                            </a:solidFill>
-                            <a:latin typeface="Cambria Math" panose="02040503050406030204" pitchFamily="18" charset="0"/>
-                          </a:rPr>
-                          <m:t>)</m:t>
-                        </m:r>
-                      </m:e>
-                    </m:d>
-                    <m:r>
-                      <a:rPr lang="en-US" sz="2900">
-                        <a:solidFill>
-                          <a:schemeClr val="bg1"/>
-                        </a:solidFill>
-                        <a:latin typeface="Cambria Math" panose="02040503050406030204" pitchFamily="18" charset="0"/>
-                      </a:rPr>
-                      <m:t>)</m:t>
-                    </m:r>
-                  </m:oMath>
-                </a14:m>
-                <a:endParaRPr lang="en-US" sz="2900" dirty="0">
-                  <a:solidFill>
-                    <a:schemeClr val="bg1"/>
-                  </a:solidFill>
-                </a:endParaRPr>
-              </a:p>
-              <a:p>
-                <a:pPr marL="0" indent="0">
-                  <a:buNone/>
-                </a:pPr>
-                <a:endParaRPr lang="ru-RU" sz="2900" dirty="0">
-                  <a:solidFill>
-                    <a:schemeClr val="bg1"/>
-                  </a:solidFill>
-                </a:endParaRPr>
-              </a:p>
-              <a:p>
-                <a:pPr marL="0" indent="0">
-                  <a:buNone/>
-                </a:pPr>
-                <a:r>
-                  <a:rPr lang="ru-RU" sz="2900" dirty="0">
-                    <a:solidFill>
-                      <a:schemeClr val="bg1"/>
-                    </a:solidFill>
-                  </a:rPr>
-                  <a:t>где </a:t>
-                </a:r>
-                <a14:m>
-                  <m:oMath xmlns:m="http://schemas.openxmlformats.org/officeDocument/2006/math">
-                    <m:sSub>
-                      <m:sSubPr>
-                        <m:ctrlPr>
-                          <a:rPr lang="en-US" sz="2900" i="1" dirty="0">
-                            <a:solidFill>
-                              <a:schemeClr val="bg1"/>
-                            </a:solidFill>
-                            <a:latin typeface="Cambria Math" panose="02040503050406030204" pitchFamily="18" charset="0"/>
-                          </a:rPr>
-                        </m:ctrlPr>
-                      </m:sSubPr>
-                      <m:e>
-                        <m:r>
-                          <a:rPr lang="en-US" sz="2900" i="1" dirty="0">
-                            <a:solidFill>
-                              <a:schemeClr val="bg1"/>
-                            </a:solidFill>
-                            <a:latin typeface="Cambria Math" panose="02040503050406030204" pitchFamily="18" charset="0"/>
-                          </a:rPr>
-                          <m:t>𝑠</m:t>
-                        </m:r>
-                      </m:e>
-                      <m:sub>
-                        <m:r>
-                          <a:rPr lang="en-US" sz="2900" i="1" dirty="0">
-                            <a:solidFill>
-                              <a:schemeClr val="bg1"/>
-                            </a:solidFill>
-                            <a:latin typeface="Cambria Math" panose="02040503050406030204" pitchFamily="18" charset="0"/>
-                          </a:rPr>
-                          <m:t>𝑖</m:t>
-                        </m:r>
-                      </m:sub>
-                    </m:sSub>
-                    <m:r>
-                      <a:rPr lang="en-US" sz="2900" dirty="0">
-                        <a:solidFill>
-                          <a:schemeClr val="bg1"/>
-                        </a:solidFill>
-                        <a:latin typeface="Cambria Math" panose="02040503050406030204" pitchFamily="18" charset="0"/>
-                      </a:rPr>
-                      <m:t>=</m:t>
-                    </m:r>
-                    <m:r>
-                      <a:rPr lang="en-US" sz="2900" i="1" dirty="0">
-                        <a:solidFill>
-                          <a:schemeClr val="bg1"/>
-                        </a:solidFill>
-                        <a:latin typeface="Cambria Math" panose="02040503050406030204" pitchFamily="18" charset="0"/>
-                      </a:rPr>
-                      <m:t>h</m:t>
-                    </m:r>
-                    <m:d>
-                      <m:dPr>
-                        <m:ctrlPr>
-                          <a:rPr lang="en-US" sz="2900" i="1" dirty="0">
-                            <a:solidFill>
-                              <a:schemeClr val="bg1"/>
-                            </a:solidFill>
-                            <a:latin typeface="Cambria Math" panose="02040503050406030204" pitchFamily="18" charset="0"/>
-                          </a:rPr>
-                        </m:ctrlPr>
-                      </m:dPr>
-                      <m:e>
-                        <m:sSub>
-                          <m:sSubPr>
-                            <m:ctrlPr>
-                              <a:rPr lang="en-US" sz="2900" i="1" dirty="0">
-                                <a:solidFill>
-                                  <a:schemeClr val="bg1"/>
-                                </a:solidFill>
-                                <a:latin typeface="Cambria Math" panose="02040503050406030204" pitchFamily="18" charset="0"/>
-                              </a:rPr>
-                            </m:ctrlPr>
-                          </m:sSubPr>
-                          <m:e>
-                            <m:r>
-                              <a:rPr lang="en-US" sz="2900" i="1" dirty="0">
-                                <a:solidFill>
-                                  <a:schemeClr val="bg1"/>
-                                </a:solidFill>
-                                <a:latin typeface="Cambria Math" panose="02040503050406030204" pitchFamily="18" charset="0"/>
-                              </a:rPr>
-                              <m:t>𝑥</m:t>
-                            </m:r>
-                          </m:e>
-                          <m:sub>
-                            <m:r>
-                              <a:rPr lang="en-US" sz="2900" i="1" dirty="0">
-                                <a:solidFill>
-                                  <a:schemeClr val="bg1"/>
-                                </a:solidFill>
-                                <a:latin typeface="Cambria Math" panose="02040503050406030204" pitchFamily="18" charset="0"/>
-                              </a:rPr>
-                              <m:t>𝑖</m:t>
-                            </m:r>
-                          </m:sub>
-                        </m:sSub>
-                        <m:r>
-                          <a:rPr lang="en-US" sz="2900" dirty="0">
-                            <a:solidFill>
-                              <a:schemeClr val="bg1"/>
-                            </a:solidFill>
-                            <a:latin typeface="Cambria Math" panose="02040503050406030204" pitchFamily="18" charset="0"/>
-                          </a:rPr>
-                          <m:t>,</m:t>
-                        </m:r>
-                        <m:sSub>
-                          <m:sSubPr>
-                            <m:ctrlPr>
-                              <a:rPr lang="en-US" sz="2900" i="1" dirty="0">
-                                <a:solidFill>
-                                  <a:schemeClr val="bg1"/>
-                                </a:solidFill>
-                                <a:latin typeface="Cambria Math" panose="02040503050406030204" pitchFamily="18" charset="0"/>
-                              </a:rPr>
-                            </m:ctrlPr>
-                          </m:sSubPr>
-                          <m:e>
-                            <m:r>
-                              <a:rPr lang="en-US" sz="2900" i="1" dirty="0">
-                                <a:solidFill>
-                                  <a:schemeClr val="bg1"/>
-                                </a:solidFill>
-                                <a:latin typeface="Cambria Math" panose="02040503050406030204" pitchFamily="18" charset="0"/>
-                              </a:rPr>
-                              <m:t>𝑥</m:t>
-                            </m:r>
-                          </m:e>
-                          <m:sub>
-                            <m:r>
-                              <a:rPr lang="en-US" sz="2900" i="1" dirty="0">
-                                <a:solidFill>
-                                  <a:schemeClr val="bg1"/>
-                                </a:solidFill>
-                                <a:latin typeface="Cambria Math" panose="02040503050406030204" pitchFamily="18" charset="0"/>
-                              </a:rPr>
-                              <m:t>𝑖</m:t>
-                            </m:r>
-                            <m:r>
-                              <a:rPr lang="en-US" sz="2900" dirty="0">
-                                <a:solidFill>
-                                  <a:schemeClr val="bg1"/>
-                                </a:solidFill>
-                                <a:latin typeface="Cambria Math" panose="02040503050406030204" pitchFamily="18" charset="0"/>
-                              </a:rPr>
-                              <m:t>+1</m:t>
-                            </m:r>
-                          </m:sub>
-                        </m:sSub>
-                        <m:r>
-                          <a:rPr lang="en-US" sz="2900" dirty="0">
-                            <a:solidFill>
-                              <a:schemeClr val="bg1"/>
-                            </a:solidFill>
-                            <a:latin typeface="Cambria Math" panose="02040503050406030204" pitchFamily="18" charset="0"/>
-                          </a:rPr>
-                          <m:t>,</m:t>
-                        </m:r>
-                        <m:sSub>
-                          <m:sSubPr>
-                            <m:ctrlPr>
-                              <a:rPr lang="en-US" sz="2900" i="1" dirty="0">
-                                <a:solidFill>
-                                  <a:schemeClr val="bg1"/>
-                                </a:solidFill>
-                                <a:latin typeface="Cambria Math" panose="02040503050406030204" pitchFamily="18" charset="0"/>
-                              </a:rPr>
-                            </m:ctrlPr>
-                          </m:sSubPr>
-                          <m:e>
-                            <m:r>
-                              <a:rPr lang="en-US" sz="2900" i="1" dirty="0">
-                                <a:solidFill>
-                                  <a:schemeClr val="bg1"/>
-                                </a:solidFill>
-                                <a:latin typeface="Cambria Math" panose="02040503050406030204" pitchFamily="18" charset="0"/>
-                              </a:rPr>
-                              <m:t>𝑥</m:t>
-                            </m:r>
-                          </m:e>
-                          <m:sub>
-                            <m:r>
-                              <a:rPr lang="en-US" sz="2900" i="1" dirty="0">
-                                <a:solidFill>
-                                  <a:schemeClr val="bg1"/>
-                                </a:solidFill>
-                                <a:latin typeface="Cambria Math" panose="02040503050406030204" pitchFamily="18" charset="0"/>
-                              </a:rPr>
-                              <m:t>𝑖</m:t>
-                            </m:r>
-                            <m:r>
-                              <a:rPr lang="en-US" sz="2900" dirty="0">
-                                <a:solidFill>
-                                  <a:schemeClr val="bg1"/>
-                                </a:solidFill>
-                                <a:latin typeface="Cambria Math" panose="02040503050406030204" pitchFamily="18" charset="0"/>
-                              </a:rPr>
-                              <m:t>+</m:t>
-                            </m:r>
-                            <m:r>
-                              <a:rPr lang="ru-RU" sz="2900" i="1" dirty="0">
-                                <a:solidFill>
-                                  <a:schemeClr val="bg1"/>
-                                </a:solidFill>
-                                <a:latin typeface="Cambria Math" panose="02040503050406030204" pitchFamily="18" charset="0"/>
-                              </a:rPr>
-                              <m:t>2</m:t>
-                            </m:r>
-                          </m:sub>
-                        </m:sSub>
-                        <m:r>
-                          <a:rPr lang="en-US" sz="2900" i="1" dirty="0">
-                            <a:solidFill>
-                              <a:schemeClr val="bg1"/>
-                            </a:solidFill>
-                            <a:latin typeface="Cambria Math" panose="02040503050406030204" pitchFamily="18" charset="0"/>
-                          </a:rPr>
-                          <m:t>,</m:t>
-                        </m:r>
-                        <m:sSub>
-                          <m:sSubPr>
-                            <m:ctrlPr>
-                              <a:rPr lang="en-US" sz="2900" i="1" dirty="0">
-                                <a:solidFill>
-                                  <a:schemeClr val="bg1"/>
-                                </a:solidFill>
-                                <a:latin typeface="Cambria Math" panose="02040503050406030204" pitchFamily="18" charset="0"/>
-                              </a:rPr>
-                            </m:ctrlPr>
-                          </m:sSubPr>
-                          <m:e>
-                            <m:r>
-                              <a:rPr lang="en-US" sz="2900" i="1" dirty="0">
-                                <a:solidFill>
-                                  <a:schemeClr val="bg1"/>
-                                </a:solidFill>
-                                <a:latin typeface="Cambria Math" panose="02040503050406030204" pitchFamily="18" charset="0"/>
-                              </a:rPr>
-                              <m:t>𝑠</m:t>
-                            </m:r>
-                          </m:e>
-                          <m:sub>
-                            <m:r>
-                              <a:rPr lang="en-US" sz="2900" i="1" dirty="0">
-                                <a:solidFill>
-                                  <a:schemeClr val="bg1"/>
-                                </a:solidFill>
-                                <a:latin typeface="Cambria Math" panose="02040503050406030204" pitchFamily="18" charset="0"/>
-                              </a:rPr>
-                              <m:t>𝑖</m:t>
-                            </m:r>
-                            <m:r>
-                              <a:rPr lang="en-US" sz="2900" dirty="0">
-                                <a:solidFill>
-                                  <a:schemeClr val="bg1"/>
-                                </a:solidFill>
-                                <a:latin typeface="Cambria Math" panose="02040503050406030204" pitchFamily="18" charset="0"/>
-                              </a:rPr>
-                              <m:t>−1</m:t>
-                            </m:r>
-                          </m:sub>
-                        </m:sSub>
-                      </m:e>
-                    </m:d>
-                    <m:r>
-                      <a:rPr lang="en-US" sz="2900" dirty="0">
-                        <a:solidFill>
-                          <a:schemeClr val="bg1"/>
-                        </a:solidFill>
-                        <a:latin typeface="Cambria Math" panose="02040503050406030204" pitchFamily="18" charset="0"/>
-                      </a:rPr>
-                      <m:t>,</m:t>
-                    </m:r>
-                  </m:oMath>
-                </a14:m>
-                <a:r>
-                  <a:rPr lang="en-US" sz="2900" dirty="0">
-                    <a:solidFill>
-                      <a:schemeClr val="bg1"/>
-                    </a:solidFill>
-                  </a:rPr>
-                  <a:t> </a:t>
-                </a:r>
-                <a:r>
-                  <a:rPr lang="ru-RU" sz="2900" dirty="0">
-                    <a:solidFill>
-                      <a:schemeClr val="bg1"/>
-                    </a:solidFill>
-                  </a:rPr>
-                  <a:t>а</a:t>
-                </a:r>
-                <a14:m>
-                  <m:oMath xmlns:m="http://schemas.openxmlformats.org/officeDocument/2006/math">
-                    <m:r>
-                      <a:rPr lang="ru-RU" sz="2900" dirty="0">
-                        <a:solidFill>
-                          <a:schemeClr val="bg1"/>
-                        </a:solidFill>
-                        <a:latin typeface="Cambria Math" panose="02040503050406030204" pitchFamily="18" charset="0"/>
-                      </a:rPr>
-                      <m:t> </m:t>
-                    </m:r>
-                    <m:sSub>
-                      <m:sSubPr>
-                        <m:ctrlPr>
-                          <a:rPr lang="en-US" sz="2900" i="1" dirty="0">
-                            <a:solidFill>
-                              <a:schemeClr val="bg1"/>
-                            </a:solidFill>
-                            <a:latin typeface="Cambria Math" panose="02040503050406030204" pitchFamily="18" charset="0"/>
-                          </a:rPr>
-                        </m:ctrlPr>
-                      </m:sSubPr>
-                      <m:e>
-                        <m:r>
-                          <a:rPr lang="en-US" sz="2900" i="1" dirty="0">
-                            <a:solidFill>
-                              <a:schemeClr val="bg1"/>
-                            </a:solidFill>
-                            <a:latin typeface="Cambria Math" panose="02040503050406030204" pitchFamily="18" charset="0"/>
-                          </a:rPr>
-                          <m:t>𝑠</m:t>
-                        </m:r>
-                      </m:e>
-                      <m:sub>
-                        <m:r>
-                          <a:rPr lang="en-US" sz="2900" dirty="0">
-                            <a:solidFill>
-                              <a:schemeClr val="bg1"/>
-                            </a:solidFill>
-                            <a:latin typeface="Cambria Math" panose="02040503050406030204" pitchFamily="18" charset="0"/>
-                          </a:rPr>
-                          <m:t>0</m:t>
-                        </m:r>
-                      </m:sub>
-                    </m:sSub>
-                  </m:oMath>
-                </a14:m>
-                <a:r>
-                  <a:rPr lang="en-US" sz="2900" dirty="0">
-                    <a:solidFill>
-                      <a:schemeClr val="bg1"/>
-                    </a:solidFill>
-                  </a:rPr>
-                  <a:t> -</a:t>
-                </a:r>
-                <a:r>
-                  <a:rPr lang="ru-RU" sz="2900" dirty="0">
-                    <a:solidFill>
-                      <a:schemeClr val="bg1"/>
-                    </a:solidFill>
-                  </a:rPr>
-                  <a:t> </a:t>
-                </a:r>
-              </a:p>
-              <a:p>
-                <a:pPr marL="0" indent="0">
-                  <a:buNone/>
-                </a:pPr>
-                <a:r>
-                  <a:rPr lang="ru-RU" sz="2900" dirty="0">
-                    <a:solidFill>
-                      <a:schemeClr val="bg1"/>
-                    </a:solidFill>
-                  </a:rPr>
-                  <a:t>начальное состояние сети </a:t>
-                </a:r>
-              </a:p>
-              <a:p>
-                <a:pPr marL="0" indent="0">
-                  <a:buNone/>
-                </a:pPr>
-                <a:endParaRPr lang="en-US" sz="2000" dirty="0">
-                  <a:solidFill>
-                    <a:schemeClr val="bg1"/>
-                  </a:solidFill>
-                </a:endParaRPr>
-              </a:p>
-            </p:txBody>
-          </p:sp>
-        </mc:Choice>
-        <mc:Fallback>
-          <p:sp>
-            <p:nvSpPr>
-              <p:cNvPr id="3" name="Content Placeholder 2">
-                <a:extLst>
-                  <a:ext uri="{FF2B5EF4-FFF2-40B4-BE49-F238E27FC236}">
-                    <a16:creationId xmlns:a16="http://schemas.microsoft.com/office/drawing/2014/main" id="{F88ABB61-70A5-43BF-ADF3-1F5CB608E172}"/>
-                  </a:ext>
-                </a:extLst>
-              </p:cNvPr>
-              <p:cNvSpPr>
-                <a:spLocks noGrp="1" noRot="1" noChangeAspect="1" noMove="1" noResize="1" noEditPoints="1" noAdjustHandles="1" noChangeArrowheads="1" noChangeShapeType="1" noTextEdit="1"/>
-              </p:cNvSpPr>
-              <p:nvPr>
-                <p:ph idx="1"/>
-              </p:nvPr>
-            </p:nvSpPr>
-            <p:spPr>
-              <a:xfrm>
-                <a:off x="0" y="2638044"/>
-                <a:ext cx="4654296" cy="4219956"/>
-              </a:xfrm>
-              <a:blipFill>
-                <a:blip r:embed="rId2"/>
-                <a:stretch>
-                  <a:fillRect l="-1309" t="-867"/>
-                </a:stretch>
-              </a:blipFill>
-            </p:spPr>
-            <p:txBody>
-              <a:bodyPr/>
-              <a:lstStyle/>
-              <a:p>
-                <a:r>
-                  <a:rPr lang="en-US">
-                    <a:noFill/>
-                  </a:rPr>
-                  <a:t> </a:t>
-                </a:r>
-              </a:p>
-            </p:txBody>
-          </p:sp>
-        </mc:Fallback>
-      </mc:AlternateContent>
-      <p:pic>
-        <p:nvPicPr>
-          <p:cNvPr id="4" name="Picture 3">
-            <a:extLst>
-              <a:ext uri="{FF2B5EF4-FFF2-40B4-BE49-F238E27FC236}">
-                <a16:creationId xmlns:a16="http://schemas.microsoft.com/office/drawing/2014/main" id="{C25F412C-D83E-428D-98F3-CE1EF9305855}"/>
-              </a:ext>
-            </a:extLst>
-          </p:cNvPr>
-          <p:cNvPicPr>
-            <a:picLocks noChangeAspect="1"/>
-          </p:cNvPicPr>
-          <p:nvPr/>
-        </p:nvPicPr>
-        <p:blipFill>
-          <a:blip r:embed="rId3">
-            <a:extLst>
-              <a:ext uri="{28A0092B-C50C-407E-A947-70E740481C1C}">
-                <a14:useLocalDpi xmlns:a14="http://schemas.microsoft.com/office/drawing/2010/main" val="0"/>
-              </a:ext>
-            </a:extLst>
-          </a:blip>
-          <a:stretch>
-            <a:fillRect/>
-          </a:stretch>
-        </p:blipFill>
-        <p:spPr>
-          <a:xfrm>
-            <a:off x="5297763" y="1895263"/>
-            <a:ext cx="6250769" cy="2906606"/>
-          </a:xfrm>
-          <a:prstGeom prst="rect">
-            <a:avLst/>
-          </a:prstGeom>
-        </p:spPr>
-      </p:pic>
-    </p:spTree>
-    <p:extLst>
-      <p:ext uri="{BB962C8B-B14F-4D97-AF65-F5344CB8AC3E}">
-        <p14:creationId xmlns:p14="http://schemas.microsoft.com/office/powerpoint/2010/main" val="2464148020"/>
-      </p:ext>
-    </p:extLst>
-  </p:cSld>
-  <p:clrMapOvr>
-    <a:masterClrMapping/>
-  </p:clrMapOvr>
-</p:sld>
-</file>
-
-<file path=ppt/slides/slide6.xml><?xml version="1.0" encoding="utf-8"?>
-<p:sld xmlns:a="http://schemas.openxmlformats.org/drawingml/2006/main" xmlns:r="http://schemas.openxmlformats.org/officeDocument/2006/relationships" xmlns:p="http://schemas.openxmlformats.org/presentationml/2006/main">
-  <p:cSld>
-    <p:bg>
-      <p:bgPr>
-        <a:solidFill>
-          <a:schemeClr val="bg1"/>
-        </a:solidFill>
-        <a:effectLst/>
-      </p:bgPr>
-    </p:bg>
-    <p:spTree>
-      <p:nvGrpSpPr>
-        <p:cNvPr id="1" name=""/>
-        <p:cNvGrpSpPr/>
-        <p:nvPr/>
-      </p:nvGrpSpPr>
-      <p:grpSpPr>
-        <a:xfrm>
-          <a:off x="0" y="0"/>
-          <a:ext cx="0" cy="0"/>
-          <a:chOff x="0" y="0"/>
-          <a:chExt cx="0" cy="0"/>
-        </a:xfrm>
-      </p:grpSpPr>
-      <p:sp>
-        <p:nvSpPr>
-          <p:cNvPr id="10" name="Rectangle 9">
-            <a:extLst>
-              <a:ext uri="{FF2B5EF4-FFF2-40B4-BE49-F238E27FC236}">
-                <a16:creationId xmlns:a16="http://schemas.microsoft.com/office/drawing/2014/main" id="{867D4867-5BA7-4462-B2F6-A23F4A622AA7}"/>
-              </a:ext>
-              <a:ext uri="{C183D7F6-B498-43B3-948B-1728B52AA6E4}">
-                <adec:decorative xmlns:adec="http://schemas.microsoft.com/office/drawing/2017/decorative" val="1"/>
-              </a:ext>
-            </a:extLst>
-          </p:cNvPr>
-          <p:cNvSpPr>
-            <a:spLocks noGrp="1" noRot="1" noChangeAspect="1" noMove="1" noResize="1" noEditPoints="1" noAdjustHandles="1" noChangeArrowheads="1" noChangeShapeType="1" noTextEdit="1"/>
-          </p:cNvSpPr>
-          <p:nvPr>
-            <p:extLst>
-              <p:ext uri="{386F3935-93C4-4BCD-93E2-E3B085C9AB24}">
-                <p16:designElem xmlns:p16="http://schemas.microsoft.com/office/powerpoint/2015/main" val="1"/>
-              </p:ext>
-            </p:extLst>
-          </p:nvPr>
-        </p:nvSpPr>
-        <p:spPr>
-          <a:xfrm>
-            <a:off x="0" y="0"/>
-            <a:ext cx="4654296" cy="6858000"/>
-          </a:xfrm>
-          <a:prstGeom prst="rect">
-            <a:avLst/>
-          </a:prstGeom>
-          <a:solidFill>
-            <a:schemeClr val="tx1">
-              <a:lumMod val="75000"/>
-              <a:lumOff val="25000"/>
-            </a:schemeClr>
-          </a:solidFill>
-          <a:ln>
-            <a:noFill/>
-          </a:ln>
-        </p:spPr>
-        <p:style>
-          <a:lnRef idx="0">
-            <a:scrgbClr r="0" g="0" b="0"/>
-          </a:lnRef>
-          <a:fillRef idx="0">
-            <a:scrgbClr r="0" g="0" b="0"/>
-          </a:fillRef>
-          <a:effectRef idx="0">
-            <a:scrgbClr r="0" g="0" b="0"/>
-          </a:effectRef>
-          <a:fontRef idx="minor">
-            <a:schemeClr val="lt1"/>
-          </a:fontRef>
-        </p:style>
-        <p:txBody>
-          <a:bodyPr rtlCol="0" anchor="ctr"/>
-          <a:lstStyle/>
-          <a:p>
-            <a:pPr algn="ctr"/>
-            <a:endParaRPr lang="en-US"/>
-          </a:p>
-        </p:txBody>
-      </p:sp>
-      <p:sp>
-        <p:nvSpPr>
-          <p:cNvPr id="2" name="Title 1">
-            <a:extLst>
-              <a:ext uri="{FF2B5EF4-FFF2-40B4-BE49-F238E27FC236}">
-                <a16:creationId xmlns:a16="http://schemas.microsoft.com/office/drawing/2014/main" id="{ACC3A3CF-225B-4657-B864-F82FBCA64E4F}"/>
-              </a:ext>
-            </a:extLst>
-          </p:cNvPr>
-          <p:cNvSpPr>
-            <a:spLocks noGrp="1"/>
-          </p:cNvSpPr>
-          <p:nvPr>
-            <p:ph type="title"/>
-          </p:nvPr>
-        </p:nvSpPr>
-        <p:spPr>
-          <a:xfrm>
-            <a:off x="643467" y="643467"/>
-            <a:ext cx="3363974" cy="1597315"/>
-          </a:xfrm>
-          <a:noFill/>
-          <a:ln w="19050">
-            <a:solidFill>
-              <a:schemeClr val="bg1"/>
-            </a:solidFill>
-          </a:ln>
-        </p:spPr>
-        <p:txBody>
-          <a:bodyPr wrap="square">
-            <a:normAutofit/>
-          </a:bodyPr>
-          <a:lstStyle/>
-          <a:p>
-            <a:pPr algn="ctr"/>
             <a:endParaRPr lang="en-US" sz="2800">
               <a:solidFill>
                 <a:schemeClr val="bg1"/>
@@ -6523,8 +5431,8 @@
           </a:p>
         </p:txBody>
       </p:sp>
-      <mc:AlternateContent xmlns:mc="http://schemas.openxmlformats.org/markup-compatibility/2006">
-        <mc:Choice xmlns:a14="http://schemas.microsoft.com/office/drawing/2010/main" Requires="a14">
+      <mc:AlternateContent xmlns:mc="http://schemas.openxmlformats.org/markup-compatibility/2006" xmlns:a14="http://schemas.microsoft.com/office/drawing/2010/main">
+        <mc:Choice Requires="a14">
           <p:sp>
             <p:nvSpPr>
               <p:cNvPr id="3" name="Content Placeholder 2">
@@ -7112,7 +6020,7 @@
             </p:txBody>
           </p:sp>
         </mc:Choice>
-        <mc:Fallback>
+        <mc:Fallback xmlns="">
           <p:sp>
             <p:nvSpPr>
               <p:cNvPr id="3" name="Content Placeholder 2">
@@ -7196,19 +6104,23 @@
   <p:clrMapOvr>
     <a:masterClrMapping/>
   </p:clrMapOvr>
+  <p:timing>
+    <p:tnLst>
+      <p:par>
+        <p:cTn id="1" dur="indefinite" restart="never" nodeType="tmRoot"/>
+      </p:par>
+    </p:tnLst>
+  </p:timing>
 </p:sld>
 </file>
 
-<file path=ppt/slides/slide7.xml><?xml version="1.0" encoding="utf-8"?>
+<file path=ppt/slides/slide6.xml><?xml version="1.0" encoding="utf-8"?>
 <p:sld xmlns:a="http://schemas.openxmlformats.org/drawingml/2006/main" xmlns:r="http://schemas.openxmlformats.org/officeDocument/2006/relationships" xmlns:p="http://schemas.openxmlformats.org/presentationml/2006/main">
   <p:cSld>
     <p:bg>
       <p:bgPr>
         <a:solidFill>
-          <a:schemeClr val="bg1">
-            <a:tint val="95000"/>
-            <a:satMod val="170000"/>
-          </a:schemeClr>
+          <a:schemeClr val="bg1"/>
         </a:solidFill>
         <a:effectLst/>
       </p:bgPr>
@@ -7229,13 +6141,13 @@
       </p:grpSpPr>
       <p:sp>
         <p:nvSpPr>
-          <p:cNvPr id="8" name="Freeform: Shape 7">
-            <a:extLst>
-              <a:ext uri="{FF2B5EF4-FFF2-40B4-BE49-F238E27FC236}">
-                <a16:creationId xmlns:a16="http://schemas.microsoft.com/office/drawing/2014/main" id="{48A740BC-A0AA-45E0-B899-2AE9C6FE11CA}"/>
+          <p:cNvPr id="9" name="Rectangle 8">
+            <a:extLst>
+              <a:ext uri="{FF2B5EF4-FFF2-40B4-BE49-F238E27FC236}">
+                <a16:creationId xmlns:a16="http://schemas.microsoft.com/office/drawing/2014/main" id="{867D4867-5BA7-4462-B2F6-A23F4A622AA7}"/>
               </a:ext>
               <a:ext uri="{C183D7F6-B498-43B3-948B-1728B52AA6E4}">
-                <adec:decorative xmlns:adec="http://schemas.microsoft.com/office/drawing/2017/decorative" val="1"/>
+                <adec:decorative xmlns:adec="http://schemas.microsoft.com/office/drawing/2017/decorative" xmlns="" val="1"/>
               </a:ext>
             </a:extLst>
           </p:cNvPr>
@@ -7252,88 +6164,16 @@
         </p:nvSpPr>
         <p:spPr>
           <a:xfrm>
-            <a:off x="5913121" y="-2"/>
-            <a:ext cx="6278879" cy="6858002"/>
+            <a:off x="0" y="0"/>
+            <a:ext cx="4654296" cy="6858000"/>
           </a:xfrm>
-          <a:custGeom>
+          <a:prstGeom prst="rect">
             <a:avLst/>
-            <a:gdLst>
-              <a:gd name="connsiteX0" fmla="*/ 45572 w 6278879"/>
-              <a:gd name="connsiteY0" fmla="*/ 0 h 6858002"/>
-              <a:gd name="connsiteX1" fmla="*/ 6278879 w 6278879"/>
-              <a:gd name="connsiteY1" fmla="*/ 0 h 6858002"/>
-              <a:gd name="connsiteX2" fmla="*/ 6278879 w 6278879"/>
-              <a:gd name="connsiteY2" fmla="*/ 6858002 h 6858002"/>
-              <a:gd name="connsiteX3" fmla="*/ 3292308 w 6278879"/>
-              <a:gd name="connsiteY3" fmla="*/ 6858002 h 6858002"/>
-              <a:gd name="connsiteX4" fmla="*/ 3181526 w 6278879"/>
-              <a:gd name="connsiteY4" fmla="*/ 6786982 h 6858002"/>
-              <a:gd name="connsiteX5" fmla="*/ 0 w 6278879"/>
-              <a:gd name="connsiteY5" fmla="*/ 803254 h 6858002"/>
-              <a:gd name="connsiteX6" fmla="*/ 37255 w 6278879"/>
-              <a:gd name="connsiteY6" fmla="*/ 65447 h 6858002"/>
-            </a:gdLst>
-            <a:ahLst/>
-            <a:cxnLst>
-              <a:cxn ang="0">
-                <a:pos x="connsiteX0" y="connsiteY0"/>
-              </a:cxn>
-              <a:cxn ang="0">
-                <a:pos x="connsiteX1" y="connsiteY1"/>
-              </a:cxn>
-              <a:cxn ang="0">
-                <a:pos x="connsiteX2" y="connsiteY2"/>
-              </a:cxn>
-              <a:cxn ang="0">
-                <a:pos x="connsiteX3" y="connsiteY3"/>
-              </a:cxn>
-              <a:cxn ang="0">
-                <a:pos x="connsiteX4" y="connsiteY4"/>
-              </a:cxn>
-              <a:cxn ang="0">
-                <a:pos x="connsiteX5" y="connsiteY5"/>
-              </a:cxn>
-              <a:cxn ang="0">
-                <a:pos x="connsiteX6" y="connsiteY6"/>
-              </a:cxn>
-            </a:cxnLst>
-            <a:rect l="l" t="t" r="r" b="b"/>
-            <a:pathLst>
-              <a:path w="6278879" h="6858002">
-                <a:moveTo>
-                  <a:pt x="45572" y="0"/>
-                </a:moveTo>
-                <a:lnTo>
-                  <a:pt x="6278879" y="0"/>
-                </a:lnTo>
-                <a:lnTo>
-                  <a:pt x="6278879" y="6858002"/>
-                </a:lnTo>
-                <a:lnTo>
-                  <a:pt x="3292308" y="6858002"/>
-                </a:lnTo>
-                <a:lnTo>
-                  <a:pt x="3181526" y="6786982"/>
-                </a:lnTo>
-                <a:cubicBezTo>
-                  <a:pt x="1262021" y="5490191"/>
-                  <a:pt x="0" y="3294103"/>
-                  <a:pt x="0" y="803254"/>
-                </a:cubicBezTo>
-                <a:cubicBezTo>
-                  <a:pt x="0" y="554169"/>
-                  <a:pt x="12620" y="308032"/>
-                  <a:pt x="37255" y="65447"/>
-                </a:cubicBezTo>
-                <a:close/>
-              </a:path>
-            </a:pathLst>
-          </a:custGeom>
+          </a:prstGeom>
           <a:solidFill>
-            <a:schemeClr val="bg1">
-              <a:lumMod val="85000"/>
-              <a:lumOff val="15000"/>
-              <a:alpha val="70000"/>
+            <a:schemeClr val="tx1">
+              <a:lumMod val="75000"/>
+              <a:lumOff val="25000"/>
             </a:schemeClr>
           </a:solidFill>
           <a:ln>
@@ -7341,16 +6181,14 @@
           </a:ln>
         </p:spPr>
         <p:style>
-          <a:lnRef idx="2">
-            <a:schemeClr val="accent1">
-              <a:shade val="50000"/>
-            </a:schemeClr>
+          <a:lnRef idx="0">
+            <a:scrgbClr r="0" g="0" b="0"/>
           </a:lnRef>
-          <a:fillRef idx="1">
-            <a:schemeClr val="accent1"/>
+          <a:fillRef idx="0">
+            <a:scrgbClr r="0" g="0" b="0"/>
           </a:fillRef>
           <a:effectRef idx="0">
-            <a:schemeClr val="accent1"/>
+            <a:scrgbClr r="0" g="0" b="0"/>
           </a:effectRef>
           <a:fontRef idx="minor">
             <a:schemeClr val="lt1"/>
@@ -7360,37 +6198,8 @@
           <a:bodyPr rtlCol="0" anchor="ctr"/>
           <a:lstStyle/>
           <a:p>
-            <a:pPr marL="0" marR="0" lvl="0" indent="0" algn="ctr" defTabSz="914400" rtl="0" eaLnBrk="1" fontAlgn="auto" latinLnBrk="0" hangingPunct="1">
-              <a:lnSpc>
-                <a:spcPct val="100000"/>
-              </a:lnSpc>
-              <a:spcBef>
-                <a:spcPts val="0"/>
-              </a:spcBef>
-              <a:spcAft>
-                <a:spcPts val="0"/>
-              </a:spcAft>
-              <a:buClrTx/>
-              <a:buSzTx/>
-              <a:buFontTx/>
-              <a:buNone/>
-              <a:tabLst/>
-              <a:defRPr/>
-            </a:pPr>
-            <a:endParaRPr kumimoji="0" lang="en-US" sz="1800" b="0" i="0" u="none" strike="noStrike" kern="1200" cap="none" spc="0" normalizeH="0" baseline="0" noProof="0">
-              <a:ln>
-                <a:noFill/>
-              </a:ln>
-              <a:solidFill>
-                <a:prstClr val="white"/>
-              </a:solidFill>
-              <a:effectLst/>
-              <a:uLnTx/>
-              <a:uFillTx/>
-              <a:latin typeface="Calibri" panose="020F0502020204030204"/>
-              <a:ea typeface="+mn-ea"/>
-              <a:cs typeface="+mn-cs"/>
-            </a:endParaRPr>
+            <a:pPr algn="ctr"/>
+            <a:endParaRPr lang="en-US"/>
           </a:p>
         </p:txBody>
       </p:sp>
@@ -7399,7 +6208,7 @@
           <p:cNvPr id="2" name="Title 1">
             <a:extLst>
               <a:ext uri="{FF2B5EF4-FFF2-40B4-BE49-F238E27FC236}">
-                <a16:creationId xmlns:a16="http://schemas.microsoft.com/office/drawing/2014/main" id="{A9AC9347-D784-42D1-AAD5-0A1168A45E7F}"/>
+                <a16:creationId xmlns:a16="http://schemas.microsoft.com/office/drawing/2014/main" id="{1F1DA602-949B-496C-961C-5E796565F4F4}"/>
               </a:ext>
             </a:extLst>
           </p:cNvPr>
@@ -7412,190 +6221,1944 @@
         </p:nvSpPr>
         <p:spPr>
           <a:xfrm>
-            <a:off x="655320" y="365125"/>
-            <a:ext cx="9013052" cy="1623312"/>
+            <a:off x="643467" y="643467"/>
+            <a:ext cx="3363974" cy="1597315"/>
           </a:xfrm>
+          <a:noFill/>
+          <a:ln w="19050">
+            <a:solidFill>
+              <a:schemeClr val="bg1"/>
+            </a:solidFill>
+          </a:ln>
         </p:spPr>
         <p:txBody>
-          <a:bodyPr anchor="b">
+          <a:bodyPr wrap="square">
             <a:normAutofit/>
           </a:bodyPr>
           <a:lstStyle/>
           <a:p>
-            <a:r>
-              <a:rPr lang="ru-RU" sz="4000" dirty="0"/>
-              <a:t>литература</a:t>
-            </a:r>
-            <a:endParaRPr lang="en-US" sz="4000" dirty="0"/>
-          </a:p>
-        </p:txBody>
-      </p:sp>
-      <p:cxnSp>
-        <p:nvCxnSpPr>
-          <p:cNvPr id="10" name="Straight Arrow Connector 9">
-            <a:extLst>
-              <a:ext uri="{FF2B5EF4-FFF2-40B4-BE49-F238E27FC236}">
-                <a16:creationId xmlns:a16="http://schemas.microsoft.com/office/drawing/2014/main" id="{B874EF51-C858-4BB9-97C3-D17755787127}"/>
-              </a:ext>
-              <a:ext uri="{C183D7F6-B498-43B3-948B-1728B52AA6E4}">
-                <adec:decorative xmlns:adec="http://schemas.microsoft.com/office/drawing/2017/decorative" val="1"/>
-              </a:ext>
-            </a:extLst>
-          </p:cNvPr>
-          <p:cNvCxnSpPr>
-            <a:cxnSpLocks noGrp="1" noRot="1" noChangeAspect="1" noMove="1" noResize="1" noEditPoints="1" noAdjustHandles="1" noChangeArrowheads="1" noChangeShapeType="1"/>
-          </p:cNvCxnSpPr>
-          <p:nvPr>
-            <p:extLst>
-              <p:ext uri="{386F3935-93C4-4BCD-93E2-E3B085C9AB24}">
-                <p16:designElem xmlns:p16="http://schemas.microsoft.com/office/powerpoint/2015/main" val="1"/>
-              </p:ext>
-            </p:extLst>
-          </p:nvPr>
-        </p:nvCxnSpPr>
+            <a:pPr algn="ctr"/>
+            <a:r>
+              <a:rPr lang="ru-RU" sz="2800" dirty="0">
+                <a:solidFill>
+                  <a:schemeClr val="bg1"/>
+                </a:solidFill>
+              </a:rPr>
+              <a:t>Пример</a:t>
+            </a:r>
+            <a:endParaRPr lang="en-US" sz="2800" dirty="0">
+              <a:solidFill>
+                <a:schemeClr val="bg1"/>
+              </a:solidFill>
+            </a:endParaRPr>
+          </a:p>
+        </p:txBody>
+      </p:sp>
+      <mc:AlternateContent xmlns:mc="http://schemas.openxmlformats.org/markup-compatibility/2006" xmlns:a14="http://schemas.microsoft.com/office/drawing/2010/main">
+        <mc:Choice Requires="a14">
+          <p:sp>
+            <p:nvSpPr>
+              <p:cNvPr id="3" name="Content Placeholder 2">
+                <a:extLst>
+                  <a:ext uri="{FF2B5EF4-FFF2-40B4-BE49-F238E27FC236}">
+                    <a16:creationId xmlns:a16="http://schemas.microsoft.com/office/drawing/2014/main" id="{F88ABB61-70A5-43BF-ADF3-1F5CB608E172}"/>
+                  </a:ext>
+                </a:extLst>
+              </p:cNvPr>
+              <p:cNvSpPr>
+                <a:spLocks noGrp="1"/>
+              </p:cNvSpPr>
+              <p:nvPr>
+                <p:ph idx="1"/>
+              </p:nvPr>
+            </p:nvSpPr>
+            <p:spPr>
+              <a:xfrm>
+                <a:off x="0" y="2638044"/>
+                <a:ext cx="4654296" cy="4219956"/>
+              </a:xfrm>
+            </p:spPr>
+            <p:txBody>
+              <a:bodyPr>
+                <a:normAutofit fontScale="70000" lnSpcReduction="20000"/>
+              </a:bodyPr>
+              <a:lstStyle/>
+              <a:p>
+                <a:pPr marL="0" indent="0">
+                  <a:buNone/>
+                </a:pPr>
+                <a14:m>
+                  <m:oMath xmlns:m="http://schemas.openxmlformats.org/officeDocument/2006/math">
+                    <m:sSub>
+                      <m:sSubPr>
+                        <m:ctrlPr>
+                          <a:rPr lang="en-US" sz="2900" i="1" smtClean="0">
+                            <a:solidFill>
+                              <a:schemeClr val="bg1"/>
+                            </a:solidFill>
+                            <a:latin typeface="Cambria Math" panose="02040503050406030204" pitchFamily="18" charset="0"/>
+                          </a:rPr>
+                        </m:ctrlPr>
+                      </m:sSubPr>
+                      <m:e>
+                        <m:r>
+                          <a:rPr lang="en-US" sz="2900" i="1">
+                            <a:solidFill>
+                              <a:schemeClr val="bg1"/>
+                            </a:solidFill>
+                            <a:latin typeface="Cambria Math" panose="02040503050406030204" pitchFamily="18" charset="0"/>
+                          </a:rPr>
+                          <m:t>𝑦</m:t>
+                        </m:r>
+                      </m:e>
+                      <m:sub>
+                        <m:r>
+                          <a:rPr lang="en-US" sz="2900">
+                            <a:solidFill>
+                              <a:schemeClr val="bg1"/>
+                            </a:solidFill>
+                            <a:latin typeface="Cambria Math" panose="02040503050406030204" pitchFamily="18" charset="0"/>
+                          </a:rPr>
+                          <m:t>6</m:t>
+                        </m:r>
+                      </m:sub>
+                    </m:sSub>
+                    <m:r>
+                      <a:rPr lang="en-US" sz="2900">
+                        <a:solidFill>
+                          <a:schemeClr val="bg1"/>
+                        </a:solidFill>
+                        <a:latin typeface="Cambria Math" panose="02040503050406030204" pitchFamily="18" charset="0"/>
+                      </a:rPr>
+                      <m:t>=</m:t>
+                    </m:r>
+                    <m:r>
+                      <a:rPr lang="en-US" sz="2900" i="1">
+                        <a:solidFill>
+                          <a:schemeClr val="bg1"/>
+                        </a:solidFill>
+                        <a:latin typeface="Cambria Math" panose="02040503050406030204" pitchFamily="18" charset="0"/>
+                      </a:rPr>
+                      <m:t>𝑓</m:t>
+                    </m:r>
+                    <m:d>
+                      <m:dPr>
+                        <m:ctrlPr>
+                          <a:rPr lang="en-US" sz="2900" i="1">
+                            <a:solidFill>
+                              <a:schemeClr val="bg1"/>
+                            </a:solidFill>
+                            <a:latin typeface="Cambria Math" panose="02040503050406030204" pitchFamily="18" charset="0"/>
+                          </a:rPr>
+                        </m:ctrlPr>
+                      </m:dPr>
+                      <m:e>
+                        <m:sSub>
+                          <m:sSubPr>
+                            <m:ctrlPr>
+                              <a:rPr lang="en-US" sz="2900" i="1">
+                                <a:solidFill>
+                                  <a:schemeClr val="bg1"/>
+                                </a:solidFill>
+                                <a:latin typeface="Cambria Math" panose="02040503050406030204" pitchFamily="18" charset="0"/>
+                              </a:rPr>
+                            </m:ctrlPr>
+                          </m:sSubPr>
+                          <m:e>
+                            <m:r>
+                              <a:rPr lang="en-US" sz="2900" i="1">
+                                <a:solidFill>
+                                  <a:schemeClr val="bg1"/>
+                                </a:solidFill>
+                                <a:latin typeface="Cambria Math" panose="02040503050406030204" pitchFamily="18" charset="0"/>
+                              </a:rPr>
+                              <m:t>𝑥</m:t>
+                            </m:r>
+                          </m:e>
+                          <m:sub>
+                            <m:r>
+                              <a:rPr lang="en-US" sz="2900">
+                                <a:solidFill>
+                                  <a:schemeClr val="bg1"/>
+                                </a:solidFill>
+                                <a:latin typeface="Cambria Math" panose="02040503050406030204" pitchFamily="18" charset="0"/>
+                              </a:rPr>
+                              <m:t>3</m:t>
+                            </m:r>
+                          </m:sub>
+                        </m:sSub>
+                        <m:r>
+                          <a:rPr lang="en-US" sz="2900">
+                            <a:solidFill>
+                              <a:schemeClr val="bg1"/>
+                            </a:solidFill>
+                            <a:latin typeface="Cambria Math" panose="02040503050406030204" pitchFamily="18" charset="0"/>
+                          </a:rPr>
+                          <m:t>,</m:t>
+                        </m:r>
+                        <m:sSub>
+                          <m:sSubPr>
+                            <m:ctrlPr>
+                              <a:rPr lang="en-US" sz="2900" i="1">
+                                <a:solidFill>
+                                  <a:schemeClr val="bg1"/>
+                                </a:solidFill>
+                                <a:latin typeface="Cambria Math" panose="02040503050406030204" pitchFamily="18" charset="0"/>
+                              </a:rPr>
+                            </m:ctrlPr>
+                          </m:sSubPr>
+                          <m:e>
+                            <m:r>
+                              <a:rPr lang="en-US" sz="2900" i="1">
+                                <a:solidFill>
+                                  <a:schemeClr val="bg1"/>
+                                </a:solidFill>
+                                <a:latin typeface="Cambria Math" panose="02040503050406030204" pitchFamily="18" charset="0"/>
+                              </a:rPr>
+                              <m:t>𝑥</m:t>
+                            </m:r>
+                          </m:e>
+                          <m:sub>
+                            <m:r>
+                              <a:rPr lang="en-US" sz="2900">
+                                <a:solidFill>
+                                  <a:schemeClr val="bg1"/>
+                                </a:solidFill>
+                                <a:latin typeface="Cambria Math" panose="02040503050406030204" pitchFamily="18" charset="0"/>
+                              </a:rPr>
+                              <m:t>4</m:t>
+                            </m:r>
+                          </m:sub>
+                        </m:sSub>
+                        <m:r>
+                          <a:rPr lang="en-US" sz="2900">
+                            <a:solidFill>
+                              <a:schemeClr val="bg1"/>
+                            </a:solidFill>
+                            <a:latin typeface="Cambria Math" panose="02040503050406030204" pitchFamily="18" charset="0"/>
+                          </a:rPr>
+                          <m:t>,</m:t>
+                        </m:r>
+                        <m:sSub>
+                          <m:sSubPr>
+                            <m:ctrlPr>
+                              <a:rPr lang="en-US" sz="2900" i="1">
+                                <a:solidFill>
+                                  <a:schemeClr val="bg1"/>
+                                </a:solidFill>
+                                <a:latin typeface="Cambria Math" panose="02040503050406030204" pitchFamily="18" charset="0"/>
+                              </a:rPr>
+                            </m:ctrlPr>
+                          </m:sSubPr>
+                          <m:e>
+                            <m:r>
+                              <a:rPr lang="en-US" sz="2900" i="1">
+                                <a:solidFill>
+                                  <a:schemeClr val="bg1"/>
+                                </a:solidFill>
+                                <a:latin typeface="Cambria Math" panose="02040503050406030204" pitchFamily="18" charset="0"/>
+                              </a:rPr>
+                              <m:t>𝑥</m:t>
+                            </m:r>
+                          </m:e>
+                          <m:sub>
+                            <m:r>
+                              <a:rPr lang="en-US" sz="2900">
+                                <a:solidFill>
+                                  <a:schemeClr val="bg1"/>
+                                </a:solidFill>
+                                <a:latin typeface="Cambria Math" panose="02040503050406030204" pitchFamily="18" charset="0"/>
+                              </a:rPr>
+                              <m:t>5</m:t>
+                            </m:r>
+                          </m:sub>
+                        </m:sSub>
+                        <m:r>
+                          <a:rPr lang="en-US" sz="2900">
+                            <a:solidFill>
+                              <a:schemeClr val="bg1"/>
+                            </a:solidFill>
+                            <a:latin typeface="Cambria Math" panose="02040503050406030204" pitchFamily="18" charset="0"/>
+                          </a:rPr>
+                          <m:t>,</m:t>
+                        </m:r>
+                        <m:sSub>
+                          <m:sSubPr>
+                            <m:ctrlPr>
+                              <a:rPr lang="en-US" sz="2900" i="1">
+                                <a:solidFill>
+                                  <a:schemeClr val="bg1"/>
+                                </a:solidFill>
+                                <a:latin typeface="Cambria Math" panose="02040503050406030204" pitchFamily="18" charset="0"/>
+                              </a:rPr>
+                            </m:ctrlPr>
+                          </m:sSubPr>
+                          <m:e>
+                            <m:r>
+                              <a:rPr lang="en-US" sz="2900" i="1">
+                                <a:solidFill>
+                                  <a:schemeClr val="bg1"/>
+                                </a:solidFill>
+                                <a:latin typeface="Cambria Math" panose="02040503050406030204" pitchFamily="18" charset="0"/>
+                              </a:rPr>
+                              <m:t>𝑠</m:t>
+                            </m:r>
+                          </m:e>
+                          <m:sub>
+                            <m:r>
+                              <a:rPr lang="en-US" sz="2900">
+                                <a:solidFill>
+                                  <a:schemeClr val="bg1"/>
+                                </a:solidFill>
+                                <a:latin typeface="Cambria Math" panose="02040503050406030204" pitchFamily="18" charset="0"/>
+                              </a:rPr>
+                              <m:t>2</m:t>
+                            </m:r>
+                          </m:sub>
+                        </m:sSub>
+                      </m:e>
+                    </m:d>
+                    <m:r>
+                      <a:rPr lang="en-US" sz="2900">
+                        <a:solidFill>
+                          <a:schemeClr val="bg1"/>
+                        </a:solidFill>
+                        <a:latin typeface="Cambria Math" panose="02040503050406030204" pitchFamily="18" charset="0"/>
+                      </a:rPr>
+                      <m:t>=</m:t>
+                    </m:r>
+                    <m:r>
+                      <a:rPr lang="en-US" sz="2900" i="1">
+                        <a:solidFill>
+                          <a:schemeClr val="bg1"/>
+                        </a:solidFill>
+                        <a:latin typeface="Cambria Math" panose="02040503050406030204" pitchFamily="18" charset="0"/>
+                      </a:rPr>
+                      <m:t>𝑓</m:t>
+                    </m:r>
+                    <m:d>
+                      <m:dPr>
+                        <m:ctrlPr>
+                          <a:rPr lang="en-US" sz="2900" i="1">
+                            <a:solidFill>
+                              <a:schemeClr val="bg1"/>
+                            </a:solidFill>
+                            <a:latin typeface="Cambria Math" panose="02040503050406030204" pitchFamily="18" charset="0"/>
+                          </a:rPr>
+                        </m:ctrlPr>
+                      </m:dPr>
+                      <m:e>
+                        <m:sSub>
+                          <m:sSubPr>
+                            <m:ctrlPr>
+                              <a:rPr lang="en-US" sz="2900" i="1">
+                                <a:solidFill>
+                                  <a:schemeClr val="bg1"/>
+                                </a:solidFill>
+                                <a:latin typeface="Cambria Math" panose="02040503050406030204" pitchFamily="18" charset="0"/>
+                              </a:rPr>
+                            </m:ctrlPr>
+                          </m:sSubPr>
+                          <m:e>
+                            <m:r>
+                              <a:rPr lang="en-US" sz="2900" i="1">
+                                <a:solidFill>
+                                  <a:schemeClr val="bg1"/>
+                                </a:solidFill>
+                                <a:latin typeface="Cambria Math" panose="02040503050406030204" pitchFamily="18" charset="0"/>
+                              </a:rPr>
+                              <m:t>𝑥</m:t>
+                            </m:r>
+                          </m:e>
+                          <m:sub>
+                            <m:r>
+                              <a:rPr lang="en-US" sz="2900">
+                                <a:solidFill>
+                                  <a:schemeClr val="bg1"/>
+                                </a:solidFill>
+                                <a:latin typeface="Cambria Math" panose="02040503050406030204" pitchFamily="18" charset="0"/>
+                              </a:rPr>
+                              <m:t>3</m:t>
+                            </m:r>
+                          </m:sub>
+                        </m:sSub>
+                        <m:r>
+                          <a:rPr lang="en-US" sz="2900">
+                            <a:solidFill>
+                              <a:schemeClr val="bg1"/>
+                            </a:solidFill>
+                            <a:latin typeface="Cambria Math" panose="02040503050406030204" pitchFamily="18" charset="0"/>
+                          </a:rPr>
+                          <m:t>,</m:t>
+                        </m:r>
+                        <m:sSub>
+                          <m:sSubPr>
+                            <m:ctrlPr>
+                              <a:rPr lang="en-US" sz="2900" i="1">
+                                <a:solidFill>
+                                  <a:schemeClr val="bg1"/>
+                                </a:solidFill>
+                                <a:latin typeface="Cambria Math" panose="02040503050406030204" pitchFamily="18" charset="0"/>
+                              </a:rPr>
+                            </m:ctrlPr>
+                          </m:sSubPr>
+                          <m:e>
+                            <m:r>
+                              <a:rPr lang="en-US" sz="2900" i="1">
+                                <a:solidFill>
+                                  <a:schemeClr val="bg1"/>
+                                </a:solidFill>
+                                <a:latin typeface="Cambria Math" panose="02040503050406030204" pitchFamily="18" charset="0"/>
+                              </a:rPr>
+                              <m:t>𝑥</m:t>
+                            </m:r>
+                          </m:e>
+                          <m:sub>
+                            <m:r>
+                              <a:rPr lang="en-US" sz="2900">
+                                <a:solidFill>
+                                  <a:schemeClr val="bg1"/>
+                                </a:solidFill>
+                                <a:latin typeface="Cambria Math" panose="02040503050406030204" pitchFamily="18" charset="0"/>
+                              </a:rPr>
+                              <m:t>4</m:t>
+                            </m:r>
+                          </m:sub>
+                        </m:sSub>
+                        <m:r>
+                          <a:rPr lang="en-US" sz="2900">
+                            <a:solidFill>
+                              <a:schemeClr val="bg1"/>
+                            </a:solidFill>
+                            <a:latin typeface="Cambria Math" panose="02040503050406030204" pitchFamily="18" charset="0"/>
+                          </a:rPr>
+                          <m:t>,</m:t>
+                        </m:r>
+                        <m:sSub>
+                          <m:sSubPr>
+                            <m:ctrlPr>
+                              <a:rPr lang="en-US" sz="2900" i="1">
+                                <a:solidFill>
+                                  <a:schemeClr val="bg1"/>
+                                </a:solidFill>
+                                <a:latin typeface="Cambria Math" panose="02040503050406030204" pitchFamily="18" charset="0"/>
+                              </a:rPr>
+                            </m:ctrlPr>
+                          </m:sSubPr>
+                          <m:e>
+                            <m:r>
+                              <a:rPr lang="en-US" sz="2900" i="1">
+                                <a:solidFill>
+                                  <a:schemeClr val="bg1"/>
+                                </a:solidFill>
+                                <a:latin typeface="Cambria Math" panose="02040503050406030204" pitchFamily="18" charset="0"/>
+                              </a:rPr>
+                              <m:t>𝑥</m:t>
+                            </m:r>
+                          </m:e>
+                          <m:sub>
+                            <m:r>
+                              <a:rPr lang="en-US" sz="2900">
+                                <a:solidFill>
+                                  <a:schemeClr val="bg1"/>
+                                </a:solidFill>
+                                <a:latin typeface="Cambria Math" panose="02040503050406030204" pitchFamily="18" charset="0"/>
+                              </a:rPr>
+                              <m:t>5</m:t>
+                            </m:r>
+                          </m:sub>
+                        </m:sSub>
+                        <m:r>
+                          <a:rPr lang="en-US" sz="2900" i="1">
+                            <a:solidFill>
+                              <a:schemeClr val="bg1"/>
+                            </a:solidFill>
+                            <a:latin typeface="Cambria Math" panose="02040503050406030204" pitchFamily="18" charset="0"/>
+                          </a:rPr>
+                          <m:t>,</m:t>
+                        </m:r>
+                        <m:r>
+                          <a:rPr lang="en-US" sz="2900" i="1">
+                            <a:solidFill>
+                              <a:schemeClr val="bg1"/>
+                            </a:solidFill>
+                            <a:latin typeface="Cambria Math" panose="02040503050406030204" pitchFamily="18" charset="0"/>
+                          </a:rPr>
+                          <m:t>h</m:t>
+                        </m:r>
+                        <m:r>
+                          <a:rPr lang="en-US" sz="2900" i="1">
+                            <a:solidFill>
+                              <a:schemeClr val="bg1"/>
+                            </a:solidFill>
+                            <a:latin typeface="Cambria Math" panose="02040503050406030204" pitchFamily="18" charset="0"/>
+                          </a:rPr>
+                          <m:t>(</m:t>
+                        </m:r>
+                        <m:sSub>
+                          <m:sSubPr>
+                            <m:ctrlPr>
+                              <a:rPr lang="en-US" sz="2900" i="1">
+                                <a:solidFill>
+                                  <a:schemeClr val="bg1"/>
+                                </a:solidFill>
+                                <a:latin typeface="Cambria Math" panose="02040503050406030204" pitchFamily="18" charset="0"/>
+                              </a:rPr>
+                            </m:ctrlPr>
+                          </m:sSubPr>
+                          <m:e>
+                            <m:r>
+                              <a:rPr lang="en-US" sz="2900" i="1">
+                                <a:solidFill>
+                                  <a:schemeClr val="bg1"/>
+                                </a:solidFill>
+                                <a:latin typeface="Cambria Math" panose="02040503050406030204" pitchFamily="18" charset="0"/>
+                              </a:rPr>
+                              <m:t>𝑥</m:t>
+                            </m:r>
+                          </m:e>
+                          <m:sub>
+                            <m:r>
+                              <a:rPr lang="en-US" sz="2900">
+                                <a:solidFill>
+                                  <a:schemeClr val="bg1"/>
+                                </a:solidFill>
+                                <a:latin typeface="Cambria Math" panose="02040503050406030204" pitchFamily="18" charset="0"/>
+                              </a:rPr>
+                              <m:t>2</m:t>
+                            </m:r>
+                          </m:sub>
+                        </m:sSub>
+                        <m:r>
+                          <a:rPr lang="en-US" sz="2900">
+                            <a:solidFill>
+                              <a:schemeClr val="bg1"/>
+                            </a:solidFill>
+                            <a:latin typeface="Cambria Math" panose="02040503050406030204" pitchFamily="18" charset="0"/>
+                          </a:rPr>
+                          <m:t>,</m:t>
+                        </m:r>
+                        <m:sSub>
+                          <m:sSubPr>
+                            <m:ctrlPr>
+                              <a:rPr lang="en-US" sz="2900" i="1">
+                                <a:solidFill>
+                                  <a:schemeClr val="bg1"/>
+                                </a:solidFill>
+                                <a:latin typeface="Cambria Math" panose="02040503050406030204" pitchFamily="18" charset="0"/>
+                              </a:rPr>
+                            </m:ctrlPr>
+                          </m:sSubPr>
+                          <m:e>
+                            <m:r>
+                              <a:rPr lang="en-US" sz="2900" i="1">
+                                <a:solidFill>
+                                  <a:schemeClr val="bg1"/>
+                                </a:solidFill>
+                                <a:latin typeface="Cambria Math" panose="02040503050406030204" pitchFamily="18" charset="0"/>
+                              </a:rPr>
+                              <m:t>𝑥</m:t>
+                            </m:r>
+                          </m:e>
+                          <m:sub>
+                            <m:r>
+                              <a:rPr lang="en-US" sz="2900">
+                                <a:solidFill>
+                                  <a:schemeClr val="bg1"/>
+                                </a:solidFill>
+                                <a:latin typeface="Cambria Math" panose="02040503050406030204" pitchFamily="18" charset="0"/>
+                              </a:rPr>
+                              <m:t>3</m:t>
+                            </m:r>
+                          </m:sub>
+                        </m:sSub>
+                        <m:r>
+                          <a:rPr lang="en-US" sz="2900">
+                            <a:solidFill>
+                              <a:schemeClr val="bg1"/>
+                            </a:solidFill>
+                            <a:latin typeface="Cambria Math" panose="02040503050406030204" pitchFamily="18" charset="0"/>
+                          </a:rPr>
+                          <m:t>,</m:t>
+                        </m:r>
+                        <m:sSub>
+                          <m:sSubPr>
+                            <m:ctrlPr>
+                              <a:rPr lang="en-US" sz="2900" i="1">
+                                <a:solidFill>
+                                  <a:schemeClr val="bg1"/>
+                                </a:solidFill>
+                                <a:latin typeface="Cambria Math" panose="02040503050406030204" pitchFamily="18" charset="0"/>
+                              </a:rPr>
+                            </m:ctrlPr>
+                          </m:sSubPr>
+                          <m:e>
+                            <m:r>
+                              <a:rPr lang="en-US" sz="2900" i="1">
+                                <a:solidFill>
+                                  <a:schemeClr val="bg1"/>
+                                </a:solidFill>
+                                <a:latin typeface="Cambria Math" panose="02040503050406030204" pitchFamily="18" charset="0"/>
+                              </a:rPr>
+                              <m:t>𝑥</m:t>
+                            </m:r>
+                          </m:e>
+                          <m:sub>
+                            <m:r>
+                              <a:rPr lang="en-US" sz="2900">
+                                <a:solidFill>
+                                  <a:schemeClr val="bg1"/>
+                                </a:solidFill>
+                                <a:latin typeface="Cambria Math" panose="02040503050406030204" pitchFamily="18" charset="0"/>
+                              </a:rPr>
+                              <m:t>4</m:t>
+                            </m:r>
+                          </m:sub>
+                        </m:sSub>
+                        <m:r>
+                          <a:rPr lang="en-US" sz="2900" i="1">
+                            <a:solidFill>
+                              <a:schemeClr val="bg1"/>
+                            </a:solidFill>
+                            <a:latin typeface="Cambria Math" panose="02040503050406030204" pitchFamily="18" charset="0"/>
+                          </a:rPr>
+                          <m:t>,</m:t>
+                        </m:r>
+                        <m:sSub>
+                          <m:sSubPr>
+                            <m:ctrlPr>
+                              <a:rPr lang="en-US" sz="2900" i="1">
+                                <a:solidFill>
+                                  <a:schemeClr val="bg1"/>
+                                </a:solidFill>
+                                <a:latin typeface="Cambria Math" panose="02040503050406030204" pitchFamily="18" charset="0"/>
+                              </a:rPr>
+                            </m:ctrlPr>
+                          </m:sSubPr>
+                          <m:e>
+                            <m:r>
+                              <a:rPr lang="en-US" sz="2900" i="1">
+                                <a:solidFill>
+                                  <a:schemeClr val="bg1"/>
+                                </a:solidFill>
+                                <a:latin typeface="Cambria Math" panose="02040503050406030204" pitchFamily="18" charset="0"/>
+                              </a:rPr>
+                              <m:t>𝑠</m:t>
+                            </m:r>
+                          </m:e>
+                          <m:sub>
+                            <m:r>
+                              <a:rPr lang="en-US" sz="2900">
+                                <a:solidFill>
+                                  <a:schemeClr val="bg1"/>
+                                </a:solidFill>
+                                <a:latin typeface="Cambria Math" panose="02040503050406030204" pitchFamily="18" charset="0"/>
+                              </a:rPr>
+                              <m:t>1</m:t>
+                            </m:r>
+                          </m:sub>
+                        </m:sSub>
+                        <m:r>
+                          <a:rPr lang="en-US" sz="2900" i="1">
+                            <a:solidFill>
+                              <a:schemeClr val="bg1"/>
+                            </a:solidFill>
+                            <a:latin typeface="Cambria Math" panose="02040503050406030204" pitchFamily="18" charset="0"/>
+                          </a:rPr>
+                          <m:t>)</m:t>
+                        </m:r>
+                      </m:e>
+                    </m:d>
+                    <m:r>
+                      <a:rPr lang="en-US" sz="2900" dirty="0">
+                        <a:solidFill>
+                          <a:schemeClr val="bg1"/>
+                        </a:solidFill>
+                        <a:latin typeface="Cambria Math" panose="02040503050406030204" pitchFamily="18" charset="0"/>
+                      </a:rPr>
+                      <m:t>=</m:t>
+                    </m:r>
+                  </m:oMath>
+                </a14:m>
+                <a:r>
+                  <a:rPr lang="en-US" sz="2900" dirty="0">
+                    <a:solidFill>
+                      <a:schemeClr val="bg1"/>
+                    </a:solidFill>
+                  </a:rPr>
+                  <a:t> </a:t>
+                </a:r>
+                <a14:m>
+                  <m:oMath xmlns:m="http://schemas.openxmlformats.org/officeDocument/2006/math">
+                    <m:r>
+                      <a:rPr lang="en-US" sz="2900" i="1">
+                        <a:solidFill>
+                          <a:schemeClr val="bg1"/>
+                        </a:solidFill>
+                        <a:latin typeface="Cambria Math" panose="02040503050406030204" pitchFamily="18" charset="0"/>
+                      </a:rPr>
+                      <m:t>𝑓</m:t>
+                    </m:r>
+                    <m:d>
+                      <m:dPr>
+                        <m:ctrlPr>
+                          <a:rPr lang="en-US" sz="2900" i="1">
+                            <a:solidFill>
+                              <a:schemeClr val="bg1"/>
+                            </a:solidFill>
+                            <a:latin typeface="Cambria Math" panose="02040503050406030204" pitchFamily="18" charset="0"/>
+                          </a:rPr>
+                        </m:ctrlPr>
+                      </m:dPr>
+                      <m:e>
+                        <m:sSub>
+                          <m:sSubPr>
+                            <m:ctrlPr>
+                              <a:rPr lang="en-US" sz="2900" i="1">
+                                <a:solidFill>
+                                  <a:schemeClr val="bg1"/>
+                                </a:solidFill>
+                                <a:latin typeface="Cambria Math" panose="02040503050406030204" pitchFamily="18" charset="0"/>
+                              </a:rPr>
+                            </m:ctrlPr>
+                          </m:sSubPr>
+                          <m:e>
+                            <m:r>
+                              <a:rPr lang="en-US" sz="2900" i="1">
+                                <a:solidFill>
+                                  <a:schemeClr val="bg1"/>
+                                </a:solidFill>
+                                <a:latin typeface="Cambria Math" panose="02040503050406030204" pitchFamily="18" charset="0"/>
+                              </a:rPr>
+                              <m:t>𝑥</m:t>
+                            </m:r>
+                          </m:e>
+                          <m:sub>
+                            <m:r>
+                              <a:rPr lang="en-US" sz="2900">
+                                <a:solidFill>
+                                  <a:schemeClr val="bg1"/>
+                                </a:solidFill>
+                                <a:latin typeface="Cambria Math" panose="02040503050406030204" pitchFamily="18" charset="0"/>
+                              </a:rPr>
+                              <m:t>3</m:t>
+                            </m:r>
+                          </m:sub>
+                        </m:sSub>
+                        <m:r>
+                          <a:rPr lang="en-US" sz="2900">
+                            <a:solidFill>
+                              <a:schemeClr val="bg1"/>
+                            </a:solidFill>
+                            <a:latin typeface="Cambria Math" panose="02040503050406030204" pitchFamily="18" charset="0"/>
+                          </a:rPr>
+                          <m:t>,</m:t>
+                        </m:r>
+                        <m:sSub>
+                          <m:sSubPr>
+                            <m:ctrlPr>
+                              <a:rPr lang="en-US" sz="2900" i="1">
+                                <a:solidFill>
+                                  <a:schemeClr val="bg1"/>
+                                </a:solidFill>
+                                <a:latin typeface="Cambria Math" panose="02040503050406030204" pitchFamily="18" charset="0"/>
+                              </a:rPr>
+                            </m:ctrlPr>
+                          </m:sSubPr>
+                          <m:e>
+                            <m:r>
+                              <a:rPr lang="en-US" sz="2900" i="1">
+                                <a:solidFill>
+                                  <a:schemeClr val="bg1"/>
+                                </a:solidFill>
+                                <a:latin typeface="Cambria Math" panose="02040503050406030204" pitchFamily="18" charset="0"/>
+                              </a:rPr>
+                              <m:t>𝑥</m:t>
+                            </m:r>
+                          </m:e>
+                          <m:sub>
+                            <m:r>
+                              <a:rPr lang="en-US" sz="2900">
+                                <a:solidFill>
+                                  <a:schemeClr val="bg1"/>
+                                </a:solidFill>
+                                <a:latin typeface="Cambria Math" panose="02040503050406030204" pitchFamily="18" charset="0"/>
+                              </a:rPr>
+                              <m:t>4</m:t>
+                            </m:r>
+                          </m:sub>
+                        </m:sSub>
+                        <m:r>
+                          <a:rPr lang="en-US" sz="2900">
+                            <a:solidFill>
+                              <a:schemeClr val="bg1"/>
+                            </a:solidFill>
+                            <a:latin typeface="Cambria Math" panose="02040503050406030204" pitchFamily="18" charset="0"/>
+                          </a:rPr>
+                          <m:t>,</m:t>
+                        </m:r>
+                        <m:sSub>
+                          <m:sSubPr>
+                            <m:ctrlPr>
+                              <a:rPr lang="en-US" sz="2900" i="1">
+                                <a:solidFill>
+                                  <a:schemeClr val="bg1"/>
+                                </a:solidFill>
+                                <a:latin typeface="Cambria Math" panose="02040503050406030204" pitchFamily="18" charset="0"/>
+                              </a:rPr>
+                            </m:ctrlPr>
+                          </m:sSubPr>
+                          <m:e>
+                            <m:r>
+                              <a:rPr lang="en-US" sz="2900" i="1">
+                                <a:solidFill>
+                                  <a:schemeClr val="bg1"/>
+                                </a:solidFill>
+                                <a:latin typeface="Cambria Math" panose="02040503050406030204" pitchFamily="18" charset="0"/>
+                              </a:rPr>
+                              <m:t>𝑥</m:t>
+                            </m:r>
+                          </m:e>
+                          <m:sub>
+                            <m:r>
+                              <a:rPr lang="en-US" sz="2900">
+                                <a:solidFill>
+                                  <a:schemeClr val="bg1"/>
+                                </a:solidFill>
+                                <a:latin typeface="Cambria Math" panose="02040503050406030204" pitchFamily="18" charset="0"/>
+                              </a:rPr>
+                              <m:t>5</m:t>
+                            </m:r>
+                          </m:sub>
+                        </m:sSub>
+                        <m:r>
+                          <a:rPr lang="en-US" sz="2900" i="1">
+                            <a:solidFill>
+                              <a:schemeClr val="bg1"/>
+                            </a:solidFill>
+                            <a:latin typeface="Cambria Math" panose="02040503050406030204" pitchFamily="18" charset="0"/>
+                          </a:rPr>
+                          <m:t>,</m:t>
+                        </m:r>
+                        <m:r>
+                          <a:rPr lang="en-US" sz="2900" i="1">
+                            <a:solidFill>
+                              <a:schemeClr val="bg1"/>
+                            </a:solidFill>
+                            <a:latin typeface="Cambria Math" panose="02040503050406030204" pitchFamily="18" charset="0"/>
+                          </a:rPr>
+                          <m:t>h</m:t>
+                        </m:r>
+                        <m:r>
+                          <a:rPr lang="en-US" sz="2900" i="1">
+                            <a:solidFill>
+                              <a:schemeClr val="bg1"/>
+                            </a:solidFill>
+                            <a:latin typeface="Cambria Math" panose="02040503050406030204" pitchFamily="18" charset="0"/>
+                          </a:rPr>
+                          <m:t>(</m:t>
+                        </m:r>
+                        <m:sSub>
+                          <m:sSubPr>
+                            <m:ctrlPr>
+                              <a:rPr lang="en-US" sz="2900" i="1">
+                                <a:solidFill>
+                                  <a:schemeClr val="bg1"/>
+                                </a:solidFill>
+                                <a:latin typeface="Cambria Math" panose="02040503050406030204" pitchFamily="18" charset="0"/>
+                              </a:rPr>
+                            </m:ctrlPr>
+                          </m:sSubPr>
+                          <m:e>
+                            <m:r>
+                              <a:rPr lang="en-US" sz="2900" i="1">
+                                <a:solidFill>
+                                  <a:schemeClr val="bg1"/>
+                                </a:solidFill>
+                                <a:latin typeface="Cambria Math" panose="02040503050406030204" pitchFamily="18" charset="0"/>
+                              </a:rPr>
+                              <m:t>𝑥</m:t>
+                            </m:r>
+                          </m:e>
+                          <m:sub>
+                            <m:r>
+                              <a:rPr lang="en-US" sz="2900">
+                                <a:solidFill>
+                                  <a:schemeClr val="bg1"/>
+                                </a:solidFill>
+                                <a:latin typeface="Cambria Math" panose="02040503050406030204" pitchFamily="18" charset="0"/>
+                              </a:rPr>
+                              <m:t>2</m:t>
+                            </m:r>
+                          </m:sub>
+                        </m:sSub>
+                        <m:r>
+                          <a:rPr lang="en-US" sz="2900">
+                            <a:solidFill>
+                              <a:schemeClr val="bg1"/>
+                            </a:solidFill>
+                            <a:latin typeface="Cambria Math" panose="02040503050406030204" pitchFamily="18" charset="0"/>
+                          </a:rPr>
+                          <m:t>,</m:t>
+                        </m:r>
+                        <m:sSub>
+                          <m:sSubPr>
+                            <m:ctrlPr>
+                              <a:rPr lang="en-US" sz="2900" i="1">
+                                <a:solidFill>
+                                  <a:schemeClr val="bg1"/>
+                                </a:solidFill>
+                                <a:latin typeface="Cambria Math" panose="02040503050406030204" pitchFamily="18" charset="0"/>
+                              </a:rPr>
+                            </m:ctrlPr>
+                          </m:sSubPr>
+                          <m:e>
+                            <m:r>
+                              <a:rPr lang="en-US" sz="2900" i="1">
+                                <a:solidFill>
+                                  <a:schemeClr val="bg1"/>
+                                </a:solidFill>
+                                <a:latin typeface="Cambria Math" panose="02040503050406030204" pitchFamily="18" charset="0"/>
+                              </a:rPr>
+                              <m:t>𝑥</m:t>
+                            </m:r>
+                          </m:e>
+                          <m:sub>
+                            <m:r>
+                              <a:rPr lang="en-US" sz="2900">
+                                <a:solidFill>
+                                  <a:schemeClr val="bg1"/>
+                                </a:solidFill>
+                                <a:latin typeface="Cambria Math" panose="02040503050406030204" pitchFamily="18" charset="0"/>
+                              </a:rPr>
+                              <m:t>3</m:t>
+                            </m:r>
+                          </m:sub>
+                        </m:sSub>
+                        <m:r>
+                          <a:rPr lang="en-US" sz="2900">
+                            <a:solidFill>
+                              <a:schemeClr val="bg1"/>
+                            </a:solidFill>
+                            <a:latin typeface="Cambria Math" panose="02040503050406030204" pitchFamily="18" charset="0"/>
+                          </a:rPr>
+                          <m:t>,</m:t>
+                        </m:r>
+                        <m:sSub>
+                          <m:sSubPr>
+                            <m:ctrlPr>
+                              <a:rPr lang="en-US" sz="2900" i="1">
+                                <a:solidFill>
+                                  <a:schemeClr val="bg1"/>
+                                </a:solidFill>
+                                <a:latin typeface="Cambria Math" panose="02040503050406030204" pitchFamily="18" charset="0"/>
+                              </a:rPr>
+                            </m:ctrlPr>
+                          </m:sSubPr>
+                          <m:e>
+                            <m:r>
+                              <a:rPr lang="en-US" sz="2900" i="1">
+                                <a:solidFill>
+                                  <a:schemeClr val="bg1"/>
+                                </a:solidFill>
+                                <a:latin typeface="Cambria Math" panose="02040503050406030204" pitchFamily="18" charset="0"/>
+                              </a:rPr>
+                              <m:t>𝑥</m:t>
+                            </m:r>
+                          </m:e>
+                          <m:sub>
+                            <m:r>
+                              <a:rPr lang="en-US" sz="2900">
+                                <a:solidFill>
+                                  <a:schemeClr val="bg1"/>
+                                </a:solidFill>
+                                <a:latin typeface="Cambria Math" panose="02040503050406030204" pitchFamily="18" charset="0"/>
+                              </a:rPr>
+                              <m:t>4</m:t>
+                            </m:r>
+                          </m:sub>
+                        </m:sSub>
+                        <m:r>
+                          <a:rPr lang="en-US" sz="2900" i="1">
+                            <a:solidFill>
+                              <a:schemeClr val="bg1"/>
+                            </a:solidFill>
+                            <a:latin typeface="Cambria Math" panose="02040503050406030204" pitchFamily="18" charset="0"/>
+                          </a:rPr>
+                          <m:t>,</m:t>
+                        </m:r>
+                        <m:r>
+                          <a:rPr lang="en-US" sz="2900" i="1">
+                            <a:solidFill>
+                              <a:schemeClr val="bg1"/>
+                            </a:solidFill>
+                            <a:latin typeface="Cambria Math" panose="02040503050406030204" pitchFamily="18" charset="0"/>
+                          </a:rPr>
+                          <m:t>h</m:t>
+                        </m:r>
+                        <m:r>
+                          <a:rPr lang="en-US" sz="2900" i="1">
+                            <a:solidFill>
+                              <a:schemeClr val="bg1"/>
+                            </a:solidFill>
+                            <a:latin typeface="Cambria Math" panose="02040503050406030204" pitchFamily="18" charset="0"/>
+                          </a:rPr>
+                          <m:t>(</m:t>
+                        </m:r>
+                        <m:sSub>
+                          <m:sSubPr>
+                            <m:ctrlPr>
+                              <a:rPr lang="en-US" sz="2900" i="1">
+                                <a:solidFill>
+                                  <a:schemeClr val="bg1"/>
+                                </a:solidFill>
+                                <a:latin typeface="Cambria Math" panose="02040503050406030204" pitchFamily="18" charset="0"/>
+                              </a:rPr>
+                            </m:ctrlPr>
+                          </m:sSubPr>
+                          <m:e>
+                            <m:r>
+                              <a:rPr lang="en-US" sz="2900" i="1">
+                                <a:solidFill>
+                                  <a:schemeClr val="bg1"/>
+                                </a:solidFill>
+                                <a:latin typeface="Cambria Math" panose="02040503050406030204" pitchFamily="18" charset="0"/>
+                              </a:rPr>
+                              <m:t>𝑥</m:t>
+                            </m:r>
+                          </m:e>
+                          <m:sub>
+                            <m:r>
+                              <a:rPr lang="en-US" sz="2900">
+                                <a:solidFill>
+                                  <a:schemeClr val="bg1"/>
+                                </a:solidFill>
+                                <a:latin typeface="Cambria Math" panose="02040503050406030204" pitchFamily="18" charset="0"/>
+                              </a:rPr>
+                              <m:t>1</m:t>
+                            </m:r>
+                          </m:sub>
+                        </m:sSub>
+                        <m:r>
+                          <a:rPr lang="en-US" sz="2900">
+                            <a:solidFill>
+                              <a:schemeClr val="bg1"/>
+                            </a:solidFill>
+                            <a:latin typeface="Cambria Math" panose="02040503050406030204" pitchFamily="18" charset="0"/>
+                          </a:rPr>
+                          <m:t>,</m:t>
+                        </m:r>
+                        <m:sSub>
+                          <m:sSubPr>
+                            <m:ctrlPr>
+                              <a:rPr lang="en-US" sz="2900" i="1">
+                                <a:solidFill>
+                                  <a:schemeClr val="bg1"/>
+                                </a:solidFill>
+                                <a:latin typeface="Cambria Math" panose="02040503050406030204" pitchFamily="18" charset="0"/>
+                              </a:rPr>
+                            </m:ctrlPr>
+                          </m:sSubPr>
+                          <m:e>
+                            <m:r>
+                              <a:rPr lang="en-US" sz="2900" i="1">
+                                <a:solidFill>
+                                  <a:schemeClr val="bg1"/>
+                                </a:solidFill>
+                                <a:latin typeface="Cambria Math" panose="02040503050406030204" pitchFamily="18" charset="0"/>
+                              </a:rPr>
+                              <m:t>𝑥</m:t>
+                            </m:r>
+                          </m:e>
+                          <m:sub>
+                            <m:r>
+                              <a:rPr lang="en-US" sz="2900">
+                                <a:solidFill>
+                                  <a:schemeClr val="bg1"/>
+                                </a:solidFill>
+                                <a:latin typeface="Cambria Math" panose="02040503050406030204" pitchFamily="18" charset="0"/>
+                              </a:rPr>
+                              <m:t>2</m:t>
+                            </m:r>
+                          </m:sub>
+                        </m:sSub>
+                        <m:r>
+                          <a:rPr lang="en-US" sz="2900">
+                            <a:solidFill>
+                              <a:schemeClr val="bg1"/>
+                            </a:solidFill>
+                            <a:latin typeface="Cambria Math" panose="02040503050406030204" pitchFamily="18" charset="0"/>
+                          </a:rPr>
+                          <m:t>,</m:t>
+                        </m:r>
+                        <m:sSub>
+                          <m:sSubPr>
+                            <m:ctrlPr>
+                              <a:rPr lang="en-US" sz="2900" i="1">
+                                <a:solidFill>
+                                  <a:schemeClr val="bg1"/>
+                                </a:solidFill>
+                                <a:latin typeface="Cambria Math" panose="02040503050406030204" pitchFamily="18" charset="0"/>
+                              </a:rPr>
+                            </m:ctrlPr>
+                          </m:sSubPr>
+                          <m:e>
+                            <m:r>
+                              <a:rPr lang="en-US" sz="2900" i="1">
+                                <a:solidFill>
+                                  <a:schemeClr val="bg1"/>
+                                </a:solidFill>
+                                <a:latin typeface="Cambria Math" panose="02040503050406030204" pitchFamily="18" charset="0"/>
+                              </a:rPr>
+                              <m:t>𝑥</m:t>
+                            </m:r>
+                          </m:e>
+                          <m:sub>
+                            <m:r>
+                              <a:rPr lang="en-US" sz="2900">
+                                <a:solidFill>
+                                  <a:schemeClr val="bg1"/>
+                                </a:solidFill>
+                                <a:latin typeface="Cambria Math" panose="02040503050406030204" pitchFamily="18" charset="0"/>
+                              </a:rPr>
+                              <m:t>3</m:t>
+                            </m:r>
+                          </m:sub>
+                        </m:sSub>
+                        <m:r>
+                          <a:rPr lang="en-US" sz="2900" i="1">
+                            <a:solidFill>
+                              <a:schemeClr val="bg1"/>
+                            </a:solidFill>
+                            <a:latin typeface="Cambria Math" panose="02040503050406030204" pitchFamily="18" charset="0"/>
+                          </a:rPr>
+                          <m:t>,</m:t>
+                        </m:r>
+                        <m:sSub>
+                          <m:sSubPr>
+                            <m:ctrlPr>
+                              <a:rPr lang="en-US" sz="2900" i="1">
+                                <a:solidFill>
+                                  <a:schemeClr val="bg1"/>
+                                </a:solidFill>
+                                <a:latin typeface="Cambria Math" panose="02040503050406030204" pitchFamily="18" charset="0"/>
+                              </a:rPr>
+                            </m:ctrlPr>
+                          </m:sSubPr>
+                          <m:e>
+                            <m:r>
+                              <a:rPr lang="en-US" sz="2900" i="1">
+                                <a:solidFill>
+                                  <a:schemeClr val="bg1"/>
+                                </a:solidFill>
+                                <a:latin typeface="Cambria Math" panose="02040503050406030204" pitchFamily="18" charset="0"/>
+                              </a:rPr>
+                              <m:t>𝑠</m:t>
+                            </m:r>
+                          </m:e>
+                          <m:sub>
+                            <m:r>
+                              <a:rPr lang="en-US" sz="2900">
+                                <a:solidFill>
+                                  <a:schemeClr val="bg1"/>
+                                </a:solidFill>
+                                <a:latin typeface="Cambria Math" panose="02040503050406030204" pitchFamily="18" charset="0"/>
+                              </a:rPr>
+                              <m:t>0</m:t>
+                            </m:r>
+                          </m:sub>
+                        </m:sSub>
+                        <m:r>
+                          <a:rPr lang="en-US" sz="2900" i="1">
+                            <a:solidFill>
+                              <a:schemeClr val="bg1"/>
+                            </a:solidFill>
+                            <a:latin typeface="Cambria Math" panose="02040503050406030204" pitchFamily="18" charset="0"/>
+                          </a:rPr>
+                          <m:t>)</m:t>
+                        </m:r>
+                      </m:e>
+                    </m:d>
+                    <m:r>
+                      <a:rPr lang="en-US" sz="2900">
+                        <a:solidFill>
+                          <a:schemeClr val="bg1"/>
+                        </a:solidFill>
+                        <a:latin typeface="Cambria Math" panose="02040503050406030204" pitchFamily="18" charset="0"/>
+                      </a:rPr>
+                      <m:t>)</m:t>
+                    </m:r>
+                  </m:oMath>
+                </a14:m>
+                <a:endParaRPr lang="en-US" sz="2900" dirty="0">
+                  <a:solidFill>
+                    <a:schemeClr val="bg1"/>
+                  </a:solidFill>
+                </a:endParaRPr>
+              </a:p>
+              <a:p>
+                <a:pPr marL="0" indent="0">
+                  <a:buNone/>
+                </a:pPr>
+                <a:endParaRPr lang="ru-RU" sz="2900" dirty="0">
+                  <a:solidFill>
+                    <a:schemeClr val="bg1"/>
+                  </a:solidFill>
+                </a:endParaRPr>
+              </a:p>
+              <a:p>
+                <a:pPr marL="0" indent="0">
+                  <a:buNone/>
+                </a:pPr>
+                <a:r>
+                  <a:rPr lang="ru-RU" sz="2900" dirty="0">
+                    <a:solidFill>
+                      <a:schemeClr val="bg1"/>
+                    </a:solidFill>
+                  </a:rPr>
+                  <a:t>где </a:t>
+                </a:r>
+                <a14:m>
+                  <m:oMath xmlns:m="http://schemas.openxmlformats.org/officeDocument/2006/math">
+                    <m:sSub>
+                      <m:sSubPr>
+                        <m:ctrlPr>
+                          <a:rPr lang="en-US" sz="2900" i="1" dirty="0">
+                            <a:solidFill>
+                              <a:schemeClr val="bg1"/>
+                            </a:solidFill>
+                            <a:latin typeface="Cambria Math" panose="02040503050406030204" pitchFamily="18" charset="0"/>
+                          </a:rPr>
+                        </m:ctrlPr>
+                      </m:sSubPr>
+                      <m:e>
+                        <m:r>
+                          <a:rPr lang="en-US" sz="2900" i="1" dirty="0">
+                            <a:solidFill>
+                              <a:schemeClr val="bg1"/>
+                            </a:solidFill>
+                            <a:latin typeface="Cambria Math" panose="02040503050406030204" pitchFamily="18" charset="0"/>
+                          </a:rPr>
+                          <m:t>𝑠</m:t>
+                        </m:r>
+                      </m:e>
+                      <m:sub>
+                        <m:r>
+                          <a:rPr lang="en-US" sz="2900" i="1" dirty="0">
+                            <a:solidFill>
+                              <a:schemeClr val="bg1"/>
+                            </a:solidFill>
+                            <a:latin typeface="Cambria Math" panose="02040503050406030204" pitchFamily="18" charset="0"/>
+                          </a:rPr>
+                          <m:t>𝑖</m:t>
+                        </m:r>
+                      </m:sub>
+                    </m:sSub>
+                    <m:r>
+                      <a:rPr lang="en-US" sz="2900" dirty="0">
+                        <a:solidFill>
+                          <a:schemeClr val="bg1"/>
+                        </a:solidFill>
+                        <a:latin typeface="Cambria Math" panose="02040503050406030204" pitchFamily="18" charset="0"/>
+                      </a:rPr>
+                      <m:t>=</m:t>
+                    </m:r>
+                    <m:r>
+                      <a:rPr lang="en-US" sz="2900" i="1" dirty="0">
+                        <a:solidFill>
+                          <a:schemeClr val="bg1"/>
+                        </a:solidFill>
+                        <a:latin typeface="Cambria Math" panose="02040503050406030204" pitchFamily="18" charset="0"/>
+                      </a:rPr>
+                      <m:t>h</m:t>
+                    </m:r>
+                    <m:d>
+                      <m:dPr>
+                        <m:ctrlPr>
+                          <a:rPr lang="en-US" sz="2900" i="1" dirty="0">
+                            <a:solidFill>
+                              <a:schemeClr val="bg1"/>
+                            </a:solidFill>
+                            <a:latin typeface="Cambria Math" panose="02040503050406030204" pitchFamily="18" charset="0"/>
+                          </a:rPr>
+                        </m:ctrlPr>
+                      </m:dPr>
+                      <m:e>
+                        <m:sSub>
+                          <m:sSubPr>
+                            <m:ctrlPr>
+                              <a:rPr lang="en-US" sz="2900" i="1" dirty="0">
+                                <a:solidFill>
+                                  <a:schemeClr val="bg1"/>
+                                </a:solidFill>
+                                <a:latin typeface="Cambria Math" panose="02040503050406030204" pitchFamily="18" charset="0"/>
+                              </a:rPr>
+                            </m:ctrlPr>
+                          </m:sSubPr>
+                          <m:e>
+                            <m:r>
+                              <a:rPr lang="en-US" sz="2900" i="1" dirty="0">
+                                <a:solidFill>
+                                  <a:schemeClr val="bg1"/>
+                                </a:solidFill>
+                                <a:latin typeface="Cambria Math" panose="02040503050406030204" pitchFamily="18" charset="0"/>
+                              </a:rPr>
+                              <m:t>𝑥</m:t>
+                            </m:r>
+                          </m:e>
+                          <m:sub>
+                            <m:r>
+                              <a:rPr lang="en-US" sz="2900" i="1" dirty="0">
+                                <a:solidFill>
+                                  <a:schemeClr val="bg1"/>
+                                </a:solidFill>
+                                <a:latin typeface="Cambria Math" panose="02040503050406030204" pitchFamily="18" charset="0"/>
+                              </a:rPr>
+                              <m:t>𝑖</m:t>
+                            </m:r>
+                          </m:sub>
+                        </m:sSub>
+                        <m:r>
+                          <a:rPr lang="en-US" sz="2900" dirty="0">
+                            <a:solidFill>
+                              <a:schemeClr val="bg1"/>
+                            </a:solidFill>
+                            <a:latin typeface="Cambria Math" panose="02040503050406030204" pitchFamily="18" charset="0"/>
+                          </a:rPr>
+                          <m:t>,</m:t>
+                        </m:r>
+                        <m:sSub>
+                          <m:sSubPr>
+                            <m:ctrlPr>
+                              <a:rPr lang="en-US" sz="2900" i="1" dirty="0">
+                                <a:solidFill>
+                                  <a:schemeClr val="bg1"/>
+                                </a:solidFill>
+                                <a:latin typeface="Cambria Math" panose="02040503050406030204" pitchFamily="18" charset="0"/>
+                              </a:rPr>
+                            </m:ctrlPr>
+                          </m:sSubPr>
+                          <m:e>
+                            <m:r>
+                              <a:rPr lang="en-US" sz="2900" i="1" dirty="0">
+                                <a:solidFill>
+                                  <a:schemeClr val="bg1"/>
+                                </a:solidFill>
+                                <a:latin typeface="Cambria Math" panose="02040503050406030204" pitchFamily="18" charset="0"/>
+                              </a:rPr>
+                              <m:t>𝑥</m:t>
+                            </m:r>
+                          </m:e>
+                          <m:sub>
+                            <m:r>
+                              <a:rPr lang="en-US" sz="2900" i="1" dirty="0">
+                                <a:solidFill>
+                                  <a:schemeClr val="bg1"/>
+                                </a:solidFill>
+                                <a:latin typeface="Cambria Math" panose="02040503050406030204" pitchFamily="18" charset="0"/>
+                              </a:rPr>
+                              <m:t>𝑖</m:t>
+                            </m:r>
+                            <m:r>
+                              <a:rPr lang="en-US" sz="2900" dirty="0">
+                                <a:solidFill>
+                                  <a:schemeClr val="bg1"/>
+                                </a:solidFill>
+                                <a:latin typeface="Cambria Math" panose="02040503050406030204" pitchFamily="18" charset="0"/>
+                              </a:rPr>
+                              <m:t>+1</m:t>
+                            </m:r>
+                          </m:sub>
+                        </m:sSub>
+                        <m:r>
+                          <a:rPr lang="en-US" sz="2900" dirty="0">
+                            <a:solidFill>
+                              <a:schemeClr val="bg1"/>
+                            </a:solidFill>
+                            <a:latin typeface="Cambria Math" panose="02040503050406030204" pitchFamily="18" charset="0"/>
+                          </a:rPr>
+                          <m:t>,</m:t>
+                        </m:r>
+                        <m:sSub>
+                          <m:sSubPr>
+                            <m:ctrlPr>
+                              <a:rPr lang="en-US" sz="2900" i="1" dirty="0">
+                                <a:solidFill>
+                                  <a:schemeClr val="bg1"/>
+                                </a:solidFill>
+                                <a:latin typeface="Cambria Math" panose="02040503050406030204" pitchFamily="18" charset="0"/>
+                              </a:rPr>
+                            </m:ctrlPr>
+                          </m:sSubPr>
+                          <m:e>
+                            <m:r>
+                              <a:rPr lang="en-US" sz="2900" i="1" dirty="0">
+                                <a:solidFill>
+                                  <a:schemeClr val="bg1"/>
+                                </a:solidFill>
+                                <a:latin typeface="Cambria Math" panose="02040503050406030204" pitchFamily="18" charset="0"/>
+                              </a:rPr>
+                              <m:t>𝑥</m:t>
+                            </m:r>
+                          </m:e>
+                          <m:sub>
+                            <m:r>
+                              <a:rPr lang="en-US" sz="2900" i="1" dirty="0">
+                                <a:solidFill>
+                                  <a:schemeClr val="bg1"/>
+                                </a:solidFill>
+                                <a:latin typeface="Cambria Math" panose="02040503050406030204" pitchFamily="18" charset="0"/>
+                              </a:rPr>
+                              <m:t>𝑖</m:t>
+                            </m:r>
+                            <m:r>
+                              <a:rPr lang="en-US" sz="2900" dirty="0">
+                                <a:solidFill>
+                                  <a:schemeClr val="bg1"/>
+                                </a:solidFill>
+                                <a:latin typeface="Cambria Math" panose="02040503050406030204" pitchFamily="18" charset="0"/>
+                              </a:rPr>
+                              <m:t>+</m:t>
+                            </m:r>
+                            <m:r>
+                              <a:rPr lang="ru-RU" sz="2900" i="1" dirty="0">
+                                <a:solidFill>
+                                  <a:schemeClr val="bg1"/>
+                                </a:solidFill>
+                                <a:latin typeface="Cambria Math" panose="02040503050406030204" pitchFamily="18" charset="0"/>
+                              </a:rPr>
+                              <m:t>2</m:t>
+                            </m:r>
+                          </m:sub>
+                        </m:sSub>
+                        <m:r>
+                          <a:rPr lang="en-US" sz="2900" i="1" dirty="0">
+                            <a:solidFill>
+                              <a:schemeClr val="bg1"/>
+                            </a:solidFill>
+                            <a:latin typeface="Cambria Math" panose="02040503050406030204" pitchFamily="18" charset="0"/>
+                          </a:rPr>
+                          <m:t>,</m:t>
+                        </m:r>
+                        <m:sSub>
+                          <m:sSubPr>
+                            <m:ctrlPr>
+                              <a:rPr lang="en-US" sz="2900" i="1" dirty="0">
+                                <a:solidFill>
+                                  <a:schemeClr val="bg1"/>
+                                </a:solidFill>
+                                <a:latin typeface="Cambria Math" panose="02040503050406030204" pitchFamily="18" charset="0"/>
+                              </a:rPr>
+                            </m:ctrlPr>
+                          </m:sSubPr>
+                          <m:e>
+                            <m:r>
+                              <a:rPr lang="en-US" sz="2900" i="1" dirty="0">
+                                <a:solidFill>
+                                  <a:schemeClr val="bg1"/>
+                                </a:solidFill>
+                                <a:latin typeface="Cambria Math" panose="02040503050406030204" pitchFamily="18" charset="0"/>
+                              </a:rPr>
+                              <m:t>𝑠</m:t>
+                            </m:r>
+                          </m:e>
+                          <m:sub>
+                            <m:r>
+                              <a:rPr lang="en-US" sz="2900" i="1" dirty="0">
+                                <a:solidFill>
+                                  <a:schemeClr val="bg1"/>
+                                </a:solidFill>
+                                <a:latin typeface="Cambria Math" panose="02040503050406030204" pitchFamily="18" charset="0"/>
+                              </a:rPr>
+                              <m:t>𝑖</m:t>
+                            </m:r>
+                            <m:r>
+                              <a:rPr lang="en-US" sz="2900" dirty="0">
+                                <a:solidFill>
+                                  <a:schemeClr val="bg1"/>
+                                </a:solidFill>
+                                <a:latin typeface="Cambria Math" panose="02040503050406030204" pitchFamily="18" charset="0"/>
+                              </a:rPr>
+                              <m:t>−1</m:t>
+                            </m:r>
+                          </m:sub>
+                        </m:sSub>
+                      </m:e>
+                    </m:d>
+                    <m:r>
+                      <a:rPr lang="en-US" sz="2900" dirty="0">
+                        <a:solidFill>
+                          <a:schemeClr val="bg1"/>
+                        </a:solidFill>
+                        <a:latin typeface="Cambria Math" panose="02040503050406030204" pitchFamily="18" charset="0"/>
+                      </a:rPr>
+                      <m:t>,</m:t>
+                    </m:r>
+                  </m:oMath>
+                </a14:m>
+                <a:r>
+                  <a:rPr lang="en-US" sz="2900" dirty="0">
+                    <a:solidFill>
+                      <a:schemeClr val="bg1"/>
+                    </a:solidFill>
+                  </a:rPr>
+                  <a:t> </a:t>
+                </a:r>
+                <a:r>
+                  <a:rPr lang="ru-RU" sz="2900" dirty="0">
+                    <a:solidFill>
+                      <a:schemeClr val="bg1"/>
+                    </a:solidFill>
+                  </a:rPr>
+                  <a:t>а</a:t>
+                </a:r>
+                <a14:m>
+                  <m:oMath xmlns:m="http://schemas.openxmlformats.org/officeDocument/2006/math">
+                    <m:r>
+                      <a:rPr lang="ru-RU" sz="2900" dirty="0">
+                        <a:solidFill>
+                          <a:schemeClr val="bg1"/>
+                        </a:solidFill>
+                        <a:latin typeface="Cambria Math" panose="02040503050406030204" pitchFamily="18" charset="0"/>
+                      </a:rPr>
+                      <m:t> </m:t>
+                    </m:r>
+                    <m:sSub>
+                      <m:sSubPr>
+                        <m:ctrlPr>
+                          <a:rPr lang="en-US" sz="2900" i="1" dirty="0">
+                            <a:solidFill>
+                              <a:schemeClr val="bg1"/>
+                            </a:solidFill>
+                            <a:latin typeface="Cambria Math" panose="02040503050406030204" pitchFamily="18" charset="0"/>
+                          </a:rPr>
+                        </m:ctrlPr>
+                      </m:sSubPr>
+                      <m:e>
+                        <m:r>
+                          <a:rPr lang="en-US" sz="2900" i="1" dirty="0">
+                            <a:solidFill>
+                              <a:schemeClr val="bg1"/>
+                            </a:solidFill>
+                            <a:latin typeface="Cambria Math" panose="02040503050406030204" pitchFamily="18" charset="0"/>
+                          </a:rPr>
+                          <m:t>𝑠</m:t>
+                        </m:r>
+                      </m:e>
+                      <m:sub>
+                        <m:r>
+                          <a:rPr lang="en-US" sz="2900" dirty="0">
+                            <a:solidFill>
+                              <a:schemeClr val="bg1"/>
+                            </a:solidFill>
+                            <a:latin typeface="Cambria Math" panose="02040503050406030204" pitchFamily="18" charset="0"/>
+                          </a:rPr>
+                          <m:t>0</m:t>
+                        </m:r>
+                      </m:sub>
+                    </m:sSub>
+                  </m:oMath>
+                </a14:m>
+                <a:r>
+                  <a:rPr lang="en-US" sz="2900" dirty="0">
+                    <a:solidFill>
+                      <a:schemeClr val="bg1"/>
+                    </a:solidFill>
+                  </a:rPr>
+                  <a:t> -</a:t>
+                </a:r>
+                <a:r>
+                  <a:rPr lang="ru-RU" sz="2900" dirty="0">
+                    <a:solidFill>
+                      <a:schemeClr val="bg1"/>
+                    </a:solidFill>
+                  </a:rPr>
+                  <a:t> </a:t>
+                </a:r>
+              </a:p>
+              <a:p>
+                <a:pPr marL="0" indent="0">
+                  <a:buNone/>
+                </a:pPr>
+                <a:r>
+                  <a:rPr lang="ru-RU" sz="2900" dirty="0">
+                    <a:solidFill>
+                      <a:schemeClr val="bg1"/>
+                    </a:solidFill>
+                  </a:rPr>
+                  <a:t>начальное состояние сети </a:t>
+                </a:r>
+              </a:p>
+              <a:p>
+                <a:pPr marL="0" indent="0">
+                  <a:buNone/>
+                </a:pPr>
+                <a:endParaRPr lang="en-US" sz="2000" dirty="0">
+                  <a:solidFill>
+                    <a:schemeClr val="bg1"/>
+                  </a:solidFill>
+                </a:endParaRPr>
+              </a:p>
+            </p:txBody>
+          </p:sp>
+        </mc:Choice>
+        <mc:Fallback xmlns="">
+          <p:sp>
+            <p:nvSpPr>
+              <p:cNvPr id="3" name="Content Placeholder 2">
+                <a:extLst>
+                  <a:ext uri="{FF2B5EF4-FFF2-40B4-BE49-F238E27FC236}">
+                    <a16:creationId xmlns:a16="http://schemas.microsoft.com/office/drawing/2014/main" id="{F88ABB61-70A5-43BF-ADF3-1F5CB608E172}"/>
+                  </a:ext>
+                </a:extLst>
+              </p:cNvPr>
+              <p:cNvSpPr>
+                <a:spLocks noGrp="1" noRot="1" noChangeAspect="1" noMove="1" noResize="1" noEditPoints="1" noAdjustHandles="1" noChangeArrowheads="1" noChangeShapeType="1" noTextEdit="1"/>
+              </p:cNvSpPr>
+              <p:nvPr>
+                <p:ph idx="1"/>
+              </p:nvPr>
+            </p:nvSpPr>
+            <p:spPr>
+              <a:xfrm>
+                <a:off x="0" y="2638044"/>
+                <a:ext cx="4654296" cy="4219956"/>
+              </a:xfrm>
+              <a:blipFill>
+                <a:blip r:embed="rId2"/>
+                <a:stretch>
+                  <a:fillRect l="-1309" t="-867"/>
+                </a:stretch>
+              </a:blipFill>
+            </p:spPr>
+            <p:txBody>
+              <a:bodyPr/>
+              <a:lstStyle/>
+              <a:p>
+                <a:r>
+                  <a:rPr lang="en-US">
+                    <a:noFill/>
+                  </a:rPr>
+                  <a:t> </a:t>
+                </a:r>
+              </a:p>
+            </p:txBody>
+          </p:sp>
+        </mc:Fallback>
+      </mc:AlternateContent>
+      <p:pic>
+        <p:nvPicPr>
+          <p:cNvPr id="4" name="Picture 3">
+            <a:extLst>
+              <a:ext uri="{FF2B5EF4-FFF2-40B4-BE49-F238E27FC236}">
+                <a16:creationId xmlns:a16="http://schemas.microsoft.com/office/drawing/2014/main" id="{C25F412C-D83E-428D-98F3-CE1EF9305855}"/>
+              </a:ext>
+            </a:extLst>
+          </p:cNvPr>
+          <p:cNvPicPr>
+            <a:picLocks noChangeAspect="1"/>
+          </p:cNvPicPr>
+          <p:nvPr/>
+        </p:nvPicPr>
+        <p:blipFill>
+          <a:blip r:embed="rId3">
+            <a:extLst>
+              <a:ext uri="{28A0092B-C50C-407E-A947-70E740481C1C}">
+                <a14:useLocalDpi xmlns:a14="http://schemas.microsoft.com/office/drawing/2010/main" val="0"/>
+              </a:ext>
+            </a:extLst>
+          </a:blip>
+          <a:stretch>
+            <a:fillRect/>
+          </a:stretch>
+        </p:blipFill>
         <p:spPr>
           <a:xfrm>
-            <a:off x="763661" y="2316480"/>
-            <a:ext cx="8229600" cy="0"/>
+            <a:off x="5297763" y="1895263"/>
+            <a:ext cx="6250769" cy="2906606"/>
           </a:xfrm>
-          <a:prstGeom prst="straightConnector1">
+          <a:prstGeom prst="rect">
             <a:avLst/>
           </a:prstGeom>
-          <a:ln w="19050" cap="sq">
-            <a:solidFill>
-              <a:schemeClr val="tx1"/>
-            </a:solidFill>
-            <a:tailEnd type="none"/>
-          </a:ln>
         </p:spPr>
-        <p:style>
-          <a:lnRef idx="1">
-            <a:schemeClr val="accent1"/>
-          </a:lnRef>
-          <a:fillRef idx="0">
-            <a:schemeClr val="accent1"/>
-          </a:fillRef>
-          <a:effectRef idx="0">
-            <a:schemeClr val="accent1"/>
-          </a:effectRef>
-          <a:fontRef idx="minor">
-            <a:schemeClr val="tx1"/>
-          </a:fontRef>
-        </p:style>
-      </p:cxnSp>
-      <p:sp>
-        <p:nvSpPr>
-          <p:cNvPr id="3" name="Content Placeholder 2">
-            <a:extLst>
-              <a:ext uri="{FF2B5EF4-FFF2-40B4-BE49-F238E27FC236}">
-                <a16:creationId xmlns:a16="http://schemas.microsoft.com/office/drawing/2014/main" id="{250C8FB2-4BB0-4A44-8374-D2F0E7A47640}"/>
-              </a:ext>
-            </a:extLst>
-          </p:cNvPr>
-          <p:cNvSpPr>
-            <a:spLocks noGrp="1"/>
-          </p:cNvSpPr>
-          <p:nvPr>
-            <p:ph idx="1"/>
-          </p:nvPr>
-        </p:nvSpPr>
-        <p:spPr>
-          <a:xfrm>
-            <a:off x="655320" y="2644518"/>
-            <a:ext cx="9013052" cy="3327251"/>
-          </a:xfrm>
-        </p:spPr>
-        <p:txBody>
-          <a:bodyPr>
-            <a:normAutofit/>
-          </a:bodyPr>
-          <a:lstStyle/>
-          <a:p>
-            <a:pPr marL="0" indent="0">
-              <a:buNone/>
-            </a:pPr>
-            <a:r>
-              <a:rPr lang="en-US" sz="2000"/>
-              <a:t>1) </a:t>
-            </a:r>
-            <a:r>
-              <a:rPr lang="ru-RU" sz="2000"/>
-              <a:t>Бенджио, Гудфеллоу, Курвилль: Глубокое обучение</a:t>
-            </a:r>
-          </a:p>
-          <a:p>
-            <a:pPr marL="0" indent="0">
-              <a:buNone/>
-            </a:pPr>
-            <a:r>
-              <a:rPr lang="en-US" sz="2000"/>
-              <a:t>2) </a:t>
-            </a:r>
-            <a:r>
-              <a:rPr lang="ru-RU" sz="2000"/>
-              <a:t>Сергей Николенко</a:t>
-            </a:r>
-            <a:r>
-              <a:rPr lang="en-US" sz="2000"/>
-              <a:t>: </a:t>
-            </a:r>
-            <a:r>
-              <a:rPr lang="ru-RU" sz="2000"/>
-              <a:t>Глубокое обучение. Погружение в мир нейронных сетей</a:t>
-            </a:r>
-            <a:endParaRPr lang="en-US" sz="2000"/>
-          </a:p>
-          <a:p>
-            <a:pPr marL="0" indent="0">
-              <a:buNone/>
-            </a:pPr>
-            <a:r>
-              <a:rPr lang="en-US" sz="2000"/>
-              <a:t>3) </a:t>
-            </a:r>
-            <a:r>
-              <a:rPr lang="ru-RU" sz="2000"/>
-              <a:t>Хайкин</a:t>
-            </a:r>
-            <a:r>
-              <a:rPr lang="en-US" sz="2000"/>
-              <a:t>:</a:t>
-            </a:r>
-            <a:r>
-              <a:rPr lang="ru-RU" sz="2000"/>
-              <a:t>Нейронные сети. Полный курс</a:t>
-            </a:r>
-          </a:p>
-          <a:p>
-            <a:pPr marL="0" indent="0">
-              <a:buNone/>
-            </a:pPr>
-            <a:endParaRPr lang="ru-RU" sz="2000"/>
-          </a:p>
-          <a:p>
-            <a:pPr marL="0" indent="0">
-              <a:buNone/>
-            </a:pPr>
-            <a:endParaRPr lang="ru-RU" sz="2000"/>
-          </a:p>
-          <a:p>
-            <a:pPr marL="0" indent="0">
-              <a:buNone/>
-            </a:pPr>
-            <a:endParaRPr lang="en-US" sz="2000"/>
-          </a:p>
-        </p:txBody>
-      </p:sp>
+      </p:pic>
     </p:spTree>
     <p:extLst>
       <p:ext uri="{BB962C8B-B14F-4D97-AF65-F5344CB8AC3E}">
-        <p14:creationId xmlns:p14="http://schemas.microsoft.com/office/powerpoint/2010/main" val="689145014"/>
+        <p14:creationId xmlns:p14="http://schemas.microsoft.com/office/powerpoint/2010/main" val="2464148020"/>
       </p:ext>
     </p:extLst>
   </p:cSld>
   <p:clrMapOvr>
-    <a:overrideClrMapping bg1="dk1" tx1="lt1" bg2="dk2" tx2="lt2" accent1="accent1" accent2="accent2" accent3="accent3" accent4="accent4" accent5="accent5" accent6="accent6" hlink="hlink" folHlink="folHlink"/>
+    <a:masterClrMapping/>
   </p:clrMapOvr>
+  <p:timing>
+    <p:tnLst>
+      <p:par>
+        <p:cTn id="1" dur="indefinite" restart="never" nodeType="tmRoot"/>
+      </p:par>
+    </p:tnLst>
+  </p:timing>
+</p:sld>
+</file>
+
+<file path=ppt/slides/slide7.xml><?xml version="1.0" encoding="utf-8"?>
+<p:sld xmlns:a="http://schemas.openxmlformats.org/drawingml/2006/main" xmlns:r="http://schemas.openxmlformats.org/officeDocument/2006/relationships" xmlns:p="http://schemas.openxmlformats.org/presentationml/2006/main">
+  <p:cSld>
+    <p:spTree>
+      <p:nvGrpSpPr>
+        <p:cNvPr id="1" name=""/>
+        <p:cNvGrpSpPr/>
+        <p:nvPr/>
+      </p:nvGrpSpPr>
+      <p:grpSpPr>
+        <a:xfrm>
+          <a:off x="0" y="0"/>
+          <a:ext cx="0" cy="0"/>
+          <a:chOff x="0" y="0"/>
+          <a:chExt cx="0" cy="0"/>
+        </a:xfrm>
+      </p:grpSpPr>
+      <p:sp>
+        <p:nvSpPr>
+          <p:cNvPr id="2" name="Заголовок 1"/>
+          <p:cNvSpPr>
+            <a:spLocks noGrp="1"/>
+          </p:cNvSpPr>
+          <p:nvPr>
+            <p:ph type="title"/>
+          </p:nvPr>
+        </p:nvSpPr>
+        <p:spPr/>
+        <p:txBody>
+          <a:bodyPr/>
+          <a:lstStyle/>
+          <a:p>
+            <a:pPr algn="ctr"/>
+            <a:r>
+              <a:rPr lang="en-US" dirty="0" smtClean="0"/>
+              <a:t>LSTM</a:t>
+            </a:r>
+            <a:endParaRPr lang="ru-RU" dirty="0"/>
+          </a:p>
+        </p:txBody>
+      </p:sp>
+      <p:pic>
+        <p:nvPicPr>
+          <p:cNvPr id="4" name="Объект 3"/>
+          <p:cNvPicPr>
+            <a:picLocks noGrp="1" noChangeAspect="1"/>
+          </p:cNvPicPr>
+          <p:nvPr>
+            <p:ph idx="1"/>
+          </p:nvPr>
+        </p:nvPicPr>
+        <p:blipFill>
+          <a:blip r:embed="rId2">
+            <a:extLst>
+              <a:ext uri="{28A0092B-C50C-407E-A947-70E740481C1C}">
+                <a14:useLocalDpi xmlns:a14="http://schemas.microsoft.com/office/drawing/2010/main" val="0"/>
+              </a:ext>
+            </a:extLst>
+          </a:blip>
+          <a:stretch>
+            <a:fillRect/>
+          </a:stretch>
+        </p:blipFill>
+        <p:spPr>
+          <a:xfrm>
+            <a:off x="838200" y="2026881"/>
+            <a:ext cx="10515600" cy="3948826"/>
+          </a:xfrm>
+        </p:spPr>
+      </p:pic>
+    </p:spTree>
+    <p:extLst>
+      <p:ext uri="{BB962C8B-B14F-4D97-AF65-F5344CB8AC3E}">
+        <p14:creationId xmlns:p14="http://schemas.microsoft.com/office/powerpoint/2010/main" val="175003848"/>
+      </p:ext>
+    </p:extLst>
+  </p:cSld>
+  <p:clrMapOvr>
+    <a:masterClrMapping/>
+  </p:clrMapOvr>
+  <p:timing>
+    <p:tnLst>
+      <p:par>
+        <p:cTn id="1" dur="indefinite" restart="never" nodeType="tmRoot"/>
+      </p:par>
+    </p:tnLst>
+  </p:timing>
+</p:sld>
+</file>
+
+<file path=ppt/slides/slide8.xml><?xml version="1.0" encoding="utf-8"?>
+<p:sld xmlns:a="http://schemas.openxmlformats.org/drawingml/2006/main" xmlns:r="http://schemas.openxmlformats.org/officeDocument/2006/relationships" xmlns:p="http://schemas.openxmlformats.org/presentationml/2006/main">
+  <p:cSld>
+    <p:spTree>
+      <p:nvGrpSpPr>
+        <p:cNvPr id="1" name=""/>
+        <p:cNvGrpSpPr/>
+        <p:nvPr/>
+      </p:nvGrpSpPr>
+      <p:grpSpPr>
+        <a:xfrm>
+          <a:off x="0" y="0"/>
+          <a:ext cx="0" cy="0"/>
+          <a:chOff x="0" y="0"/>
+          <a:chExt cx="0" cy="0"/>
+        </a:xfrm>
+      </p:grpSpPr>
+      <p:sp>
+        <p:nvSpPr>
+          <p:cNvPr id="2" name="Заголовок 1"/>
+          <p:cNvSpPr>
+            <a:spLocks noGrp="1"/>
+          </p:cNvSpPr>
+          <p:nvPr>
+            <p:ph type="title"/>
+          </p:nvPr>
+        </p:nvSpPr>
+        <p:spPr/>
+        <p:txBody>
+          <a:bodyPr/>
+          <a:lstStyle/>
+          <a:p>
+            <a:endParaRPr lang="ru-RU"/>
+          </a:p>
+        </p:txBody>
+      </p:sp>
+      <p:pic>
+        <p:nvPicPr>
+          <p:cNvPr id="4" name="Объект 3"/>
+          <p:cNvPicPr>
+            <a:picLocks noGrp="1" noChangeAspect="1"/>
+          </p:cNvPicPr>
+          <p:nvPr>
+            <p:ph idx="1"/>
+          </p:nvPr>
+        </p:nvPicPr>
+        <p:blipFill>
+          <a:blip r:embed="rId2">
+            <a:extLst>
+              <a:ext uri="{28A0092B-C50C-407E-A947-70E740481C1C}">
+                <a14:useLocalDpi xmlns:a14="http://schemas.microsoft.com/office/drawing/2010/main" val="0"/>
+              </a:ext>
+            </a:extLst>
+          </a:blip>
+          <a:stretch>
+            <a:fillRect/>
+          </a:stretch>
+        </p:blipFill>
+        <p:spPr>
+          <a:xfrm>
+            <a:off x="838200" y="2403812"/>
+            <a:ext cx="10515600" cy="3247972"/>
+          </a:xfrm>
+        </p:spPr>
+      </p:pic>
+    </p:spTree>
+    <p:extLst>
+      <p:ext uri="{BB962C8B-B14F-4D97-AF65-F5344CB8AC3E}">
+        <p14:creationId xmlns:p14="http://schemas.microsoft.com/office/powerpoint/2010/main" val="3841659305"/>
+      </p:ext>
+    </p:extLst>
+  </p:cSld>
+  <p:clrMapOvr>
+    <a:masterClrMapping/>
+  </p:clrMapOvr>
+  <p:timing>
+    <p:tnLst>
+      <p:par>
+        <p:cTn id="1" dur="indefinite" restart="never" nodeType="tmRoot"/>
+      </p:par>
+    </p:tnLst>
+  </p:timing>
+</p:sld>
+</file>
+
+<file path=ppt/slides/slide9.xml><?xml version="1.0" encoding="utf-8"?>
+<p:sld xmlns:a="http://schemas.openxmlformats.org/drawingml/2006/main" xmlns:r="http://schemas.openxmlformats.org/officeDocument/2006/relationships" xmlns:p="http://schemas.openxmlformats.org/presentationml/2006/main">
+  <p:cSld>
+    <p:spTree>
+      <p:nvGrpSpPr>
+        <p:cNvPr id="1" name=""/>
+        <p:cNvGrpSpPr/>
+        <p:nvPr/>
+      </p:nvGrpSpPr>
+      <p:grpSpPr>
+        <a:xfrm>
+          <a:off x="0" y="0"/>
+          <a:ext cx="0" cy="0"/>
+          <a:chOff x="0" y="0"/>
+          <a:chExt cx="0" cy="0"/>
+        </a:xfrm>
+      </p:grpSpPr>
+      <p:sp>
+        <p:nvSpPr>
+          <p:cNvPr id="2" name="Заголовок 1"/>
+          <p:cNvSpPr>
+            <a:spLocks noGrp="1"/>
+          </p:cNvSpPr>
+          <p:nvPr>
+            <p:ph type="title"/>
+          </p:nvPr>
+        </p:nvSpPr>
+        <p:spPr/>
+        <p:txBody>
+          <a:bodyPr/>
+          <a:lstStyle/>
+          <a:p>
+            <a:endParaRPr lang="ru-RU"/>
+          </a:p>
+        </p:txBody>
+      </p:sp>
+      <p:pic>
+        <p:nvPicPr>
+          <p:cNvPr id="4" name="Объект 3"/>
+          <p:cNvPicPr>
+            <a:picLocks noGrp="1" noChangeAspect="1"/>
+          </p:cNvPicPr>
+          <p:nvPr>
+            <p:ph idx="1"/>
+          </p:nvPr>
+        </p:nvPicPr>
+        <p:blipFill>
+          <a:blip r:embed="rId2">
+            <a:extLst>
+              <a:ext uri="{28A0092B-C50C-407E-A947-70E740481C1C}">
+                <a14:useLocalDpi xmlns:a14="http://schemas.microsoft.com/office/drawing/2010/main" val="0"/>
+              </a:ext>
+            </a:extLst>
+          </a:blip>
+          <a:stretch>
+            <a:fillRect/>
+          </a:stretch>
+        </p:blipFill>
+        <p:spPr>
+          <a:xfrm>
+            <a:off x="2581163" y="1812373"/>
+            <a:ext cx="7029674" cy="4351338"/>
+          </a:xfrm>
+        </p:spPr>
+      </p:pic>
+    </p:spTree>
+    <p:extLst>
+      <p:ext uri="{BB962C8B-B14F-4D97-AF65-F5344CB8AC3E}">
+        <p14:creationId xmlns:p14="http://schemas.microsoft.com/office/powerpoint/2010/main" val="1224287272"/>
+      </p:ext>
+    </p:extLst>
+  </p:cSld>
+  <p:clrMapOvr>
+    <a:masterClrMapping/>
+  </p:clrMapOvr>
+  <p:timing>
+    <p:tnLst>
+      <p:par>
+        <p:cTn id="1" dur="indefinite" restart="never" nodeType="tmRoot"/>
+      </p:par>
+    </p:tnLst>
+  </p:timing>
 </p:sld>
 </file>
 

--- a/Рекуррентные нейронные сети.pptx
+++ b/Рекуррентные нейронные сети.pptx
@@ -6,18 +6,20 @@
   </p:sldMasterIdLst>
   <p:sldIdLst>
     <p:sldId id="256" r:id="rId2"/>
-    <p:sldId id="257" r:id="rId3"/>
-    <p:sldId id="258" r:id="rId4"/>
-    <p:sldId id="259" r:id="rId5"/>
-    <p:sldId id="266" r:id="rId6"/>
-    <p:sldId id="265" r:id="rId7"/>
-    <p:sldId id="267" r:id="rId8"/>
-    <p:sldId id="270" r:id="rId9"/>
-    <p:sldId id="268" r:id="rId10"/>
-    <p:sldId id="271" r:id="rId11"/>
-    <p:sldId id="269" r:id="rId12"/>
-    <p:sldId id="272" r:id="rId13"/>
-    <p:sldId id="263" r:id="rId14"/>
+    <p:sldId id="273" r:id="rId3"/>
+    <p:sldId id="274" r:id="rId4"/>
+    <p:sldId id="257" r:id="rId5"/>
+    <p:sldId id="258" r:id="rId6"/>
+    <p:sldId id="259" r:id="rId7"/>
+    <p:sldId id="266" r:id="rId8"/>
+    <p:sldId id="265" r:id="rId9"/>
+    <p:sldId id="267" r:id="rId10"/>
+    <p:sldId id="270" r:id="rId11"/>
+    <p:sldId id="268" r:id="rId12"/>
+    <p:sldId id="271" r:id="rId13"/>
+    <p:sldId id="269" r:id="rId14"/>
+    <p:sldId id="272" r:id="rId15"/>
+    <p:sldId id="263" r:id="rId16"/>
   </p:sldIdLst>
   <p:sldSz cx="12192000" cy="6858000"/>
   <p:notesSz cx="6858000" cy="9144000"/>
@@ -271,7 +273,7 @@
           <a:p>
             <a:fld id="{DF0CBDF5-34A4-4D60-8634-D4F4D520FA69}" type="datetimeFigureOut">
               <a:rPr lang="en-US" smtClean="0"/>
-              <a:t>1/9/2019</a:t>
+              <a:t>1/10/2019</a:t>
             </a:fld>
             <a:endParaRPr lang="en-US"/>
           </a:p>
@@ -469,7 +471,7 @@
           <a:p>
             <a:fld id="{DF0CBDF5-34A4-4D60-8634-D4F4D520FA69}" type="datetimeFigureOut">
               <a:rPr lang="en-US" smtClean="0"/>
-              <a:t>1/9/2019</a:t>
+              <a:t>1/10/2019</a:t>
             </a:fld>
             <a:endParaRPr lang="en-US"/>
           </a:p>
@@ -677,7 +679,7 @@
           <a:p>
             <a:fld id="{DF0CBDF5-34A4-4D60-8634-D4F4D520FA69}" type="datetimeFigureOut">
               <a:rPr lang="en-US" smtClean="0"/>
-              <a:t>1/9/2019</a:t>
+              <a:t>1/10/2019</a:t>
             </a:fld>
             <a:endParaRPr lang="en-US"/>
           </a:p>
@@ -875,7 +877,7 @@
           <a:p>
             <a:fld id="{DF0CBDF5-34A4-4D60-8634-D4F4D520FA69}" type="datetimeFigureOut">
               <a:rPr lang="en-US" smtClean="0"/>
-              <a:t>1/9/2019</a:t>
+              <a:t>1/10/2019</a:t>
             </a:fld>
             <a:endParaRPr lang="en-US"/>
           </a:p>
@@ -1150,7 +1152,7 @@
           <a:p>
             <a:fld id="{DF0CBDF5-34A4-4D60-8634-D4F4D520FA69}" type="datetimeFigureOut">
               <a:rPr lang="en-US" smtClean="0"/>
-              <a:t>1/9/2019</a:t>
+              <a:t>1/10/2019</a:t>
             </a:fld>
             <a:endParaRPr lang="en-US"/>
           </a:p>
@@ -1415,7 +1417,7 @@
           <a:p>
             <a:fld id="{DF0CBDF5-34A4-4D60-8634-D4F4D520FA69}" type="datetimeFigureOut">
               <a:rPr lang="en-US" smtClean="0"/>
-              <a:t>1/9/2019</a:t>
+              <a:t>1/10/2019</a:t>
             </a:fld>
             <a:endParaRPr lang="en-US"/>
           </a:p>
@@ -1827,7 +1829,7 @@
           <a:p>
             <a:fld id="{DF0CBDF5-34A4-4D60-8634-D4F4D520FA69}" type="datetimeFigureOut">
               <a:rPr lang="en-US" smtClean="0"/>
-              <a:t>1/9/2019</a:t>
+              <a:t>1/10/2019</a:t>
             </a:fld>
             <a:endParaRPr lang="en-US"/>
           </a:p>
@@ -1968,7 +1970,7 @@
           <a:p>
             <a:fld id="{DF0CBDF5-34A4-4D60-8634-D4F4D520FA69}" type="datetimeFigureOut">
               <a:rPr lang="en-US" smtClean="0"/>
-              <a:t>1/9/2019</a:t>
+              <a:t>1/10/2019</a:t>
             </a:fld>
             <a:endParaRPr lang="en-US"/>
           </a:p>
@@ -2081,7 +2083,7 @@
           <a:p>
             <a:fld id="{DF0CBDF5-34A4-4D60-8634-D4F4D520FA69}" type="datetimeFigureOut">
               <a:rPr lang="en-US" smtClean="0"/>
-              <a:t>1/9/2019</a:t>
+              <a:t>1/10/2019</a:t>
             </a:fld>
             <a:endParaRPr lang="en-US"/>
           </a:p>
@@ -2392,7 +2394,7 @@
           <a:p>
             <a:fld id="{DF0CBDF5-34A4-4D60-8634-D4F4D520FA69}" type="datetimeFigureOut">
               <a:rPr lang="en-US" smtClean="0"/>
-              <a:t>1/9/2019</a:t>
+              <a:t>1/10/2019</a:t>
             </a:fld>
             <a:endParaRPr lang="en-US"/>
           </a:p>
@@ -2680,7 +2682,7 @@
           <a:p>
             <a:fld id="{DF0CBDF5-34A4-4D60-8634-D4F4D520FA69}" type="datetimeFigureOut">
               <a:rPr lang="en-US" smtClean="0"/>
-              <a:t>1/9/2019</a:t>
+              <a:t>1/10/2019</a:t>
             </a:fld>
             <a:endParaRPr lang="en-US"/>
           </a:p>
@@ -2921,7 +2923,7 @@
           <a:p>
             <a:fld id="{DF0CBDF5-34A4-4D60-8634-D4F4D520FA69}" type="datetimeFigureOut">
               <a:rPr lang="en-US" smtClean="0"/>
-              <a:t>1/9/2019</a:t>
+              <a:t>1/10/2019</a:t>
             </a:fld>
             <a:endParaRPr lang="en-US"/>
           </a:p>
@@ -3354,7 +3356,7 @@
                 <a16:creationId xmlns:a16="http://schemas.microsoft.com/office/drawing/2014/main" id="{2A8AA5BC-4F7A-4226-8F99-6D824B226A97}"/>
               </a:ext>
               <a:ext uri="{C183D7F6-B498-43B3-948B-1728B52AA6E4}">
-                <adec:decorative xmlns:adec="http://schemas.microsoft.com/office/drawing/2017/decorative" xmlns="" val="1"/>
+                <adec:decorative xmlns:adec="http://schemas.microsoft.com/office/drawing/2017/decorative" val="1"/>
               </a:ext>
             </a:extLst>
           </p:cNvPr>
@@ -3417,7 +3419,7 @@
                 <a16:creationId xmlns:a16="http://schemas.microsoft.com/office/drawing/2014/main" id="{3E5445C6-DD42-4979-86FF-03730E8C6DB0}"/>
               </a:ext>
               <a:ext uri="{C183D7F6-B498-43B3-948B-1728B52AA6E4}">
-                <adec:decorative xmlns:adec="http://schemas.microsoft.com/office/drawing/2017/decorative" xmlns="" val="1"/>
+                <adec:decorative xmlns:adec="http://schemas.microsoft.com/office/drawing/2017/decorative" val="1"/>
               </a:ext>
             </a:extLst>
           </p:cNvPr>
@@ -3560,7 +3562,7 @@
                 <a16:creationId xmlns:a16="http://schemas.microsoft.com/office/drawing/2014/main" id="{45000665-DFC7-417E-8FD7-516A0F15C975}"/>
               </a:ext>
               <a:ext uri="{C183D7F6-B498-43B3-948B-1728B52AA6E4}">
-                <adec:decorative xmlns:adec="http://schemas.microsoft.com/office/drawing/2017/decorative" xmlns="" val="1"/>
+                <adec:decorative xmlns:adec="http://schemas.microsoft.com/office/drawing/2017/decorative" val="1"/>
               </a:ext>
             </a:extLst>
           </p:cNvPr>
@@ -3616,19 +3618,20 @@
   <p:clrMapOvr>
     <a:overrideClrMapping bg1="dk1" tx1="lt1" bg2="dk2" tx2="lt2" accent1="accent1" accent2="accent2" accent3="accent3" accent4="accent4" accent5="accent5" accent6="accent6" hlink="hlink" folHlink="folHlink"/>
   </p:clrMapOvr>
-  <p:timing>
-    <p:tnLst>
-      <p:par>
-        <p:cTn id="1" dur="indefinite" restart="never" nodeType="tmRoot"/>
-      </p:par>
-    </p:tnLst>
-  </p:timing>
 </p:sld>
 </file>
 
 <file path=ppt/slides/slide10.xml><?xml version="1.0" encoding="utf-8"?>
 <p:sld xmlns:a="http://schemas.openxmlformats.org/drawingml/2006/main" xmlns:r="http://schemas.openxmlformats.org/officeDocument/2006/relationships" xmlns:p="http://schemas.openxmlformats.org/presentationml/2006/main">
   <p:cSld>
+    <p:bg>
+      <p:bgPr>
+        <a:solidFill>
+          <a:schemeClr val="bg1"/>
+        </a:solidFill>
+        <a:effectLst/>
+      </p:bgPr>
+    </p:bg>
     <p:spTree>
       <p:nvGrpSpPr>
         <p:cNvPr id="1" name=""/>
@@ -3645,6 +3648,100 @@
       </p:grpSpPr>
       <p:sp>
         <p:nvSpPr>
+          <p:cNvPr id="9" name="Rectangle 8">
+            <a:extLst>
+              <a:ext uri="{FF2B5EF4-FFF2-40B4-BE49-F238E27FC236}">
+                <a16:creationId xmlns:a16="http://schemas.microsoft.com/office/drawing/2014/main" id="{823AC064-BC96-4F32-8AE1-B2FD38754823}"/>
+              </a:ext>
+              <a:ext uri="{C183D7F6-B498-43B3-948B-1728B52AA6E4}">
+                <adec:decorative xmlns:adec="http://schemas.microsoft.com/office/drawing/2017/decorative" val="1"/>
+              </a:ext>
+            </a:extLst>
+          </p:cNvPr>
+          <p:cNvSpPr>
+            <a:spLocks noGrp="1" noRot="1" noChangeAspect="1" noMove="1" noResize="1" noEditPoints="1" noAdjustHandles="1" noChangeArrowheads="1" noChangeShapeType="1" noTextEdit="1"/>
+          </p:cNvSpPr>
+          <p:nvPr>
+            <p:extLst>
+              <p:ext uri="{386F3935-93C4-4BCD-93E2-E3B085C9AB24}">
+                <p16:designElem xmlns:p16="http://schemas.microsoft.com/office/powerpoint/2015/main" val="1"/>
+              </p:ext>
+            </p:extLst>
+          </p:nvPr>
+        </p:nvSpPr>
+        <p:spPr bwMode="ltGray">
+          <a:xfrm>
+            <a:off x="378068" y="343486"/>
+            <a:ext cx="11438793" cy="1844256"/>
+          </a:xfrm>
+          <a:prstGeom prst="rect">
+            <a:avLst/>
+          </a:prstGeom>
+          <a:solidFill>
+            <a:srgbClr val="404040"/>
+          </a:solidFill>
+          <a:ln w="127000" cap="sq" cmpd="thinThick">
+            <a:solidFill>
+              <a:srgbClr val="404040"/>
+            </a:solidFill>
+          </a:ln>
+        </p:spPr>
+        <p:style>
+          <a:lnRef idx="2">
+            <a:schemeClr val="accent1">
+              <a:shade val="50000"/>
+            </a:schemeClr>
+          </a:lnRef>
+          <a:fillRef idx="1">
+            <a:schemeClr val="accent1"/>
+          </a:fillRef>
+          <a:effectRef idx="0">
+            <a:schemeClr val="accent1"/>
+          </a:effectRef>
+          <a:fontRef idx="minor">
+            <a:schemeClr val="lt1"/>
+          </a:fontRef>
+        </p:style>
+        <p:txBody>
+          <a:bodyPr rtlCol="0" anchor="ctr"/>
+          <a:lstStyle/>
+          <a:p>
+            <a:pPr marL="0" marR="0" lvl="0" indent="0" algn="ctr" defTabSz="914400" rtl="0" eaLnBrk="1" fontAlgn="auto" latinLnBrk="0" hangingPunct="1">
+              <a:lnSpc>
+                <a:spcPct val="100000"/>
+              </a:lnSpc>
+              <a:spcBef>
+                <a:spcPts val="0"/>
+              </a:spcBef>
+              <a:spcAft>
+                <a:spcPts val="0"/>
+              </a:spcAft>
+              <a:buClrTx/>
+              <a:buSzTx/>
+              <a:buFontTx/>
+              <a:buNone/>
+              <a:tabLst/>
+              <a:defRPr/>
+            </a:pPr>
+            <a:endParaRPr kumimoji="0" lang="en-US" sz="1800" b="0" i="0" u="none" strike="noStrike" kern="1200" cap="none" spc="0" normalizeH="0" baseline="0" noProof="0">
+              <a:ln>
+                <a:noFill/>
+              </a:ln>
+              <a:solidFill>
+                <a:prstClr val="white"/>
+              </a:solidFill>
+              <a:effectLst/>
+              <a:uLnTx/>
+              <a:uFillTx/>
+              <a:latin typeface="Calibri" panose="020F0502020204030204"/>
+              <a:ea typeface="+mn-ea"/>
+              <a:cs typeface="+mn-cs"/>
+            </a:endParaRPr>
+          </a:p>
+        </p:txBody>
+      </p:sp>
+      <p:sp>
+        <p:nvSpPr>
           <p:cNvPr id="2" name="Заголовок 1"/>
           <p:cNvSpPr>
             <a:spLocks noGrp="1"/>
@@ -3653,15 +3750,85 @@
             <p:ph type="title"/>
           </p:nvPr>
         </p:nvSpPr>
-        <p:spPr/>
+        <p:spPr>
+          <a:xfrm>
+            <a:off x="526073" y="466578"/>
+            <a:ext cx="11139854" cy="930447"/>
+          </a:xfrm>
+        </p:spPr>
         <p:txBody>
-          <a:bodyPr/>
+          <a:bodyPr vert="horz" lIns="91440" tIns="45720" rIns="91440" bIns="45720" rtlCol="0" anchor="b">
+            <a:normAutofit/>
+          </a:bodyPr>
           <a:lstStyle/>
           <a:p>
-            <a:endParaRPr lang="ru-RU"/>
+            <a:pPr algn="ctr"/>
+            <a:r>
+              <a:rPr lang="en-US" sz="5400" kern="1200">
+                <a:solidFill>
+                  <a:srgbClr val="FFFFFF"/>
+                </a:solidFill>
+                <a:latin typeface="+mj-lt"/>
+                <a:ea typeface="+mj-ea"/>
+                <a:cs typeface="+mj-cs"/>
+              </a:rPr>
+              <a:t>Cell-state</a:t>
+            </a:r>
           </a:p>
         </p:txBody>
       </p:sp>
+      <p:cxnSp>
+        <p:nvCxnSpPr>
+          <p:cNvPr id="11" name="Straight Connector 10">
+            <a:extLst>
+              <a:ext uri="{FF2B5EF4-FFF2-40B4-BE49-F238E27FC236}">
+                <a16:creationId xmlns:a16="http://schemas.microsoft.com/office/drawing/2014/main" id="{7E7C77BC-7138-40B1-A15B-20F57A494629}"/>
+              </a:ext>
+              <a:ext uri="{C183D7F6-B498-43B3-948B-1728B52AA6E4}">
+                <adec:decorative xmlns:adec="http://schemas.microsoft.com/office/drawing/2017/decorative" val="1"/>
+              </a:ext>
+            </a:extLst>
+          </p:cNvPr>
+          <p:cNvCxnSpPr>
+            <a:cxnSpLocks noGrp="1" noRot="1" noChangeAspect="1" noMove="1" noResize="1" noEditPoints="1" noAdjustHandles="1" noChangeArrowheads="1" noChangeShapeType="1"/>
+          </p:cNvCxnSpPr>
+          <p:nvPr>
+            <p:extLst>
+              <p:ext uri="{386F3935-93C4-4BCD-93E2-E3B085C9AB24}">
+                <p16:designElem xmlns:p16="http://schemas.microsoft.com/office/powerpoint/2015/main" val="1"/>
+              </p:ext>
+            </p:extLst>
+          </p:nvPr>
+        </p:nvCxnSpPr>
+        <p:spPr>
+          <a:xfrm>
+            <a:off x="2209800" y="1448631"/>
+            <a:ext cx="7772400" cy="0"/>
+          </a:xfrm>
+          <a:prstGeom prst="line">
+            <a:avLst/>
+          </a:prstGeom>
+          <a:ln w="22225">
+            <a:solidFill>
+              <a:srgbClr val="D9D9D9"/>
+            </a:solidFill>
+          </a:ln>
+        </p:spPr>
+        <p:style>
+          <a:lnRef idx="1">
+            <a:schemeClr val="accent1"/>
+          </a:lnRef>
+          <a:fillRef idx="0">
+            <a:schemeClr val="accent1"/>
+          </a:fillRef>
+          <a:effectRef idx="0">
+            <a:schemeClr val="accent1"/>
+          </a:effectRef>
+          <a:fontRef idx="minor">
+            <a:schemeClr val="tx1"/>
+          </a:fontRef>
+        </p:style>
+      </p:cxnSp>
       <p:pic>
         <p:nvPicPr>
           <p:cNvPr id="4" name="Объект 3"/>
@@ -3686,34 +3853,38 @@
         </p:blipFill>
         <p:spPr>
           <a:xfrm>
-            <a:off x="2542791" y="1878634"/>
-            <a:ext cx="7106418" cy="4351338"/>
+            <a:off x="320040" y="2726722"/>
+            <a:ext cx="11496821" cy="3564014"/>
           </a:xfrm>
+          <a:prstGeom prst="rect">
+            <a:avLst/>
+          </a:prstGeom>
         </p:spPr>
       </p:pic>
     </p:spTree>
     <p:extLst>
       <p:ext uri="{BB962C8B-B14F-4D97-AF65-F5344CB8AC3E}">
-        <p14:creationId xmlns:p14="http://schemas.microsoft.com/office/powerpoint/2010/main" val="652017496"/>
+        <p14:creationId xmlns:p14="http://schemas.microsoft.com/office/powerpoint/2010/main" val="3841659305"/>
       </p:ext>
     </p:extLst>
   </p:cSld>
   <p:clrMapOvr>
     <a:masterClrMapping/>
   </p:clrMapOvr>
-  <p:timing>
-    <p:tnLst>
-      <p:par>
-        <p:cTn id="1" dur="indefinite" restart="never" nodeType="tmRoot"/>
-      </p:par>
-    </p:tnLst>
-  </p:timing>
 </p:sld>
 </file>
 
 <file path=ppt/slides/slide11.xml><?xml version="1.0" encoding="utf-8"?>
 <p:sld xmlns:a="http://schemas.openxmlformats.org/drawingml/2006/main" xmlns:r="http://schemas.openxmlformats.org/officeDocument/2006/relationships" xmlns:p="http://schemas.openxmlformats.org/presentationml/2006/main">
   <p:cSld>
+    <p:bg>
+      <p:bgPr>
+        <a:solidFill>
+          <a:schemeClr val="bg1"/>
+        </a:solidFill>
+        <a:effectLst/>
+      </p:bgPr>
+    </p:bg>
     <p:spTree>
       <p:nvGrpSpPr>
         <p:cNvPr id="1" name=""/>
@@ -3730,6 +3901,100 @@
       </p:grpSpPr>
       <p:sp>
         <p:nvSpPr>
+          <p:cNvPr id="9" name="Rectangle 8">
+            <a:extLst>
+              <a:ext uri="{FF2B5EF4-FFF2-40B4-BE49-F238E27FC236}">
+                <a16:creationId xmlns:a16="http://schemas.microsoft.com/office/drawing/2014/main" id="{823AC064-BC96-4F32-8AE1-B2FD38754823}"/>
+              </a:ext>
+              <a:ext uri="{C183D7F6-B498-43B3-948B-1728B52AA6E4}">
+                <adec:decorative xmlns:adec="http://schemas.microsoft.com/office/drawing/2017/decorative" val="1"/>
+              </a:ext>
+            </a:extLst>
+          </p:cNvPr>
+          <p:cNvSpPr>
+            <a:spLocks noGrp="1" noRot="1" noChangeAspect="1" noMove="1" noResize="1" noEditPoints="1" noAdjustHandles="1" noChangeArrowheads="1" noChangeShapeType="1" noTextEdit="1"/>
+          </p:cNvSpPr>
+          <p:nvPr>
+            <p:extLst>
+              <p:ext uri="{386F3935-93C4-4BCD-93E2-E3B085C9AB24}">
+                <p16:designElem xmlns:p16="http://schemas.microsoft.com/office/powerpoint/2015/main" val="1"/>
+              </p:ext>
+            </p:extLst>
+          </p:nvPr>
+        </p:nvSpPr>
+        <p:spPr bwMode="ltGray">
+          <a:xfrm>
+            <a:off x="378068" y="343486"/>
+            <a:ext cx="11438793" cy="1844256"/>
+          </a:xfrm>
+          <a:prstGeom prst="rect">
+            <a:avLst/>
+          </a:prstGeom>
+          <a:solidFill>
+            <a:srgbClr val="404040"/>
+          </a:solidFill>
+          <a:ln w="127000" cap="sq" cmpd="thinThick">
+            <a:solidFill>
+              <a:srgbClr val="404040"/>
+            </a:solidFill>
+          </a:ln>
+        </p:spPr>
+        <p:style>
+          <a:lnRef idx="2">
+            <a:schemeClr val="accent1">
+              <a:shade val="50000"/>
+            </a:schemeClr>
+          </a:lnRef>
+          <a:fillRef idx="1">
+            <a:schemeClr val="accent1"/>
+          </a:fillRef>
+          <a:effectRef idx="0">
+            <a:schemeClr val="accent1"/>
+          </a:effectRef>
+          <a:fontRef idx="minor">
+            <a:schemeClr val="lt1"/>
+          </a:fontRef>
+        </p:style>
+        <p:txBody>
+          <a:bodyPr rtlCol="0" anchor="ctr"/>
+          <a:lstStyle/>
+          <a:p>
+            <a:pPr marL="0" marR="0" lvl="0" indent="0" algn="ctr" defTabSz="914400" rtl="0" eaLnBrk="1" fontAlgn="auto" latinLnBrk="0" hangingPunct="1">
+              <a:lnSpc>
+                <a:spcPct val="100000"/>
+              </a:lnSpc>
+              <a:spcBef>
+                <a:spcPts val="0"/>
+              </a:spcBef>
+              <a:spcAft>
+                <a:spcPts val="0"/>
+              </a:spcAft>
+              <a:buClrTx/>
+              <a:buSzTx/>
+              <a:buFontTx/>
+              <a:buNone/>
+              <a:tabLst/>
+              <a:defRPr/>
+            </a:pPr>
+            <a:endParaRPr kumimoji="0" lang="en-US" sz="1800" b="0" i="0" u="none" strike="noStrike" kern="1200" cap="none" spc="0" normalizeH="0" baseline="0" noProof="0">
+              <a:ln>
+                <a:noFill/>
+              </a:ln>
+              <a:solidFill>
+                <a:prstClr val="white"/>
+              </a:solidFill>
+              <a:effectLst/>
+              <a:uLnTx/>
+              <a:uFillTx/>
+              <a:latin typeface="Calibri" panose="020F0502020204030204"/>
+              <a:ea typeface="+mn-ea"/>
+              <a:cs typeface="+mn-cs"/>
+            </a:endParaRPr>
+          </a:p>
+        </p:txBody>
+      </p:sp>
+      <p:sp>
+        <p:nvSpPr>
           <p:cNvPr id="2" name="Заголовок 1"/>
           <p:cNvSpPr>
             <a:spLocks noGrp="1"/>
@@ -3738,15 +4003,85 @@
             <p:ph type="title"/>
           </p:nvPr>
         </p:nvSpPr>
-        <p:spPr/>
+        <p:spPr>
+          <a:xfrm>
+            <a:off x="526073" y="466578"/>
+            <a:ext cx="11139854" cy="930447"/>
+          </a:xfrm>
+        </p:spPr>
         <p:txBody>
-          <a:bodyPr/>
+          <a:bodyPr vert="horz" lIns="91440" tIns="45720" rIns="91440" bIns="45720" rtlCol="0" anchor="b">
+            <a:normAutofit/>
+          </a:bodyPr>
           <a:lstStyle/>
           <a:p>
-            <a:endParaRPr lang="ru-RU"/>
+            <a:pPr algn="ctr"/>
+            <a:r>
+              <a:rPr lang="en-US" sz="5400" kern="1200">
+                <a:solidFill>
+                  <a:srgbClr val="FFFFFF"/>
+                </a:solidFill>
+                <a:latin typeface="+mj-lt"/>
+                <a:ea typeface="+mj-ea"/>
+                <a:cs typeface="+mj-cs"/>
+              </a:rPr>
+              <a:t>Forget gate layer</a:t>
+            </a:r>
           </a:p>
         </p:txBody>
       </p:sp>
+      <p:cxnSp>
+        <p:nvCxnSpPr>
+          <p:cNvPr id="11" name="Straight Connector 10">
+            <a:extLst>
+              <a:ext uri="{FF2B5EF4-FFF2-40B4-BE49-F238E27FC236}">
+                <a16:creationId xmlns:a16="http://schemas.microsoft.com/office/drawing/2014/main" id="{7E7C77BC-7138-40B1-A15B-20F57A494629}"/>
+              </a:ext>
+              <a:ext uri="{C183D7F6-B498-43B3-948B-1728B52AA6E4}">
+                <adec:decorative xmlns:adec="http://schemas.microsoft.com/office/drawing/2017/decorative" val="1"/>
+              </a:ext>
+            </a:extLst>
+          </p:cNvPr>
+          <p:cNvCxnSpPr>
+            <a:cxnSpLocks noGrp="1" noRot="1" noChangeAspect="1" noMove="1" noResize="1" noEditPoints="1" noAdjustHandles="1" noChangeArrowheads="1" noChangeShapeType="1"/>
+          </p:cNvCxnSpPr>
+          <p:nvPr>
+            <p:extLst>
+              <p:ext uri="{386F3935-93C4-4BCD-93E2-E3B085C9AB24}">
+                <p16:designElem xmlns:p16="http://schemas.microsoft.com/office/powerpoint/2015/main" val="1"/>
+              </p:ext>
+            </p:extLst>
+          </p:nvPr>
+        </p:nvCxnSpPr>
+        <p:spPr>
+          <a:xfrm>
+            <a:off x="2209800" y="1448631"/>
+            <a:ext cx="7772400" cy="0"/>
+          </a:xfrm>
+          <a:prstGeom prst="line">
+            <a:avLst/>
+          </a:prstGeom>
+          <a:ln w="22225">
+            <a:solidFill>
+              <a:srgbClr val="D9D9D9"/>
+            </a:solidFill>
+          </a:ln>
+        </p:spPr>
+        <p:style>
+          <a:lnRef idx="1">
+            <a:schemeClr val="accent1"/>
+          </a:lnRef>
+          <a:fillRef idx="0">
+            <a:schemeClr val="accent1"/>
+          </a:fillRef>
+          <a:effectRef idx="0">
+            <a:schemeClr val="accent1"/>
+          </a:effectRef>
+          <a:fontRef idx="minor">
+            <a:schemeClr val="tx1"/>
+          </a:fontRef>
+        </p:style>
+      </p:cxnSp>
       <p:pic>
         <p:nvPicPr>
           <p:cNvPr id="4" name="Объект 3"/>
@@ -3771,34 +4106,38 @@
         </p:blipFill>
         <p:spPr>
           <a:xfrm>
-            <a:off x="2610293" y="1838877"/>
-            <a:ext cx="6971414" cy="4351338"/>
+            <a:off x="2844550" y="2509911"/>
+            <a:ext cx="6447801" cy="3997637"/>
           </a:xfrm>
+          <a:prstGeom prst="rect">
+            <a:avLst/>
+          </a:prstGeom>
         </p:spPr>
       </p:pic>
     </p:spTree>
     <p:extLst>
       <p:ext uri="{BB962C8B-B14F-4D97-AF65-F5344CB8AC3E}">
-        <p14:creationId xmlns:p14="http://schemas.microsoft.com/office/powerpoint/2010/main" val="3381462482"/>
+        <p14:creationId xmlns:p14="http://schemas.microsoft.com/office/powerpoint/2010/main" val="1224287272"/>
       </p:ext>
     </p:extLst>
   </p:cSld>
   <p:clrMapOvr>
     <a:masterClrMapping/>
   </p:clrMapOvr>
-  <p:timing>
-    <p:tnLst>
-      <p:par>
-        <p:cTn id="1" dur="indefinite" restart="never" nodeType="tmRoot"/>
-      </p:par>
-    </p:tnLst>
-  </p:timing>
 </p:sld>
 </file>
 
 <file path=ppt/slides/slide12.xml><?xml version="1.0" encoding="utf-8"?>
 <p:sld xmlns:a="http://schemas.openxmlformats.org/drawingml/2006/main" xmlns:r="http://schemas.openxmlformats.org/officeDocument/2006/relationships" xmlns:p="http://schemas.openxmlformats.org/presentationml/2006/main">
   <p:cSld>
+    <p:bg>
+      <p:bgPr>
+        <a:solidFill>
+          <a:schemeClr val="bg1"/>
+        </a:solidFill>
+        <a:effectLst/>
+      </p:bgPr>
+    </p:bg>
     <p:spTree>
       <p:nvGrpSpPr>
         <p:cNvPr id="1" name=""/>
@@ -3815,6 +4154,100 @@
       </p:grpSpPr>
       <p:sp>
         <p:nvSpPr>
+          <p:cNvPr id="9" name="Rectangle 8">
+            <a:extLst>
+              <a:ext uri="{FF2B5EF4-FFF2-40B4-BE49-F238E27FC236}">
+                <a16:creationId xmlns:a16="http://schemas.microsoft.com/office/drawing/2014/main" id="{823AC064-BC96-4F32-8AE1-B2FD38754823}"/>
+              </a:ext>
+              <a:ext uri="{C183D7F6-B498-43B3-948B-1728B52AA6E4}">
+                <adec:decorative xmlns:adec="http://schemas.microsoft.com/office/drawing/2017/decorative" val="1"/>
+              </a:ext>
+            </a:extLst>
+          </p:cNvPr>
+          <p:cNvSpPr>
+            <a:spLocks noGrp="1" noRot="1" noChangeAspect="1" noMove="1" noResize="1" noEditPoints="1" noAdjustHandles="1" noChangeArrowheads="1" noChangeShapeType="1" noTextEdit="1"/>
+          </p:cNvSpPr>
+          <p:nvPr>
+            <p:extLst>
+              <p:ext uri="{386F3935-93C4-4BCD-93E2-E3B085C9AB24}">
+                <p16:designElem xmlns:p16="http://schemas.microsoft.com/office/powerpoint/2015/main" val="1"/>
+              </p:ext>
+            </p:extLst>
+          </p:nvPr>
+        </p:nvSpPr>
+        <p:spPr bwMode="ltGray">
+          <a:xfrm>
+            <a:off x="378068" y="343486"/>
+            <a:ext cx="11438793" cy="1844256"/>
+          </a:xfrm>
+          <a:prstGeom prst="rect">
+            <a:avLst/>
+          </a:prstGeom>
+          <a:solidFill>
+            <a:srgbClr val="404040"/>
+          </a:solidFill>
+          <a:ln w="127000" cap="sq" cmpd="thinThick">
+            <a:solidFill>
+              <a:srgbClr val="404040"/>
+            </a:solidFill>
+          </a:ln>
+        </p:spPr>
+        <p:style>
+          <a:lnRef idx="2">
+            <a:schemeClr val="accent1">
+              <a:shade val="50000"/>
+            </a:schemeClr>
+          </a:lnRef>
+          <a:fillRef idx="1">
+            <a:schemeClr val="accent1"/>
+          </a:fillRef>
+          <a:effectRef idx="0">
+            <a:schemeClr val="accent1"/>
+          </a:effectRef>
+          <a:fontRef idx="minor">
+            <a:schemeClr val="lt1"/>
+          </a:fontRef>
+        </p:style>
+        <p:txBody>
+          <a:bodyPr rtlCol="0" anchor="ctr"/>
+          <a:lstStyle/>
+          <a:p>
+            <a:pPr marL="0" marR="0" lvl="0" indent="0" algn="ctr" defTabSz="914400" rtl="0" eaLnBrk="1" fontAlgn="auto" latinLnBrk="0" hangingPunct="1">
+              <a:lnSpc>
+                <a:spcPct val="100000"/>
+              </a:lnSpc>
+              <a:spcBef>
+                <a:spcPts val="0"/>
+              </a:spcBef>
+              <a:spcAft>
+                <a:spcPts val="0"/>
+              </a:spcAft>
+              <a:buClrTx/>
+              <a:buSzTx/>
+              <a:buFontTx/>
+              <a:buNone/>
+              <a:tabLst/>
+              <a:defRPr/>
+            </a:pPr>
+            <a:endParaRPr kumimoji="0" lang="en-US" sz="1800" b="0" i="0" u="none" strike="noStrike" kern="1200" cap="none" spc="0" normalizeH="0" baseline="0" noProof="0">
+              <a:ln>
+                <a:noFill/>
+              </a:ln>
+              <a:solidFill>
+                <a:prstClr val="white"/>
+              </a:solidFill>
+              <a:effectLst/>
+              <a:uLnTx/>
+              <a:uFillTx/>
+              <a:latin typeface="Calibri" panose="020F0502020204030204"/>
+              <a:ea typeface="+mn-ea"/>
+              <a:cs typeface="+mn-cs"/>
+            </a:endParaRPr>
+          </a:p>
+        </p:txBody>
+      </p:sp>
+      <p:sp>
+        <p:nvSpPr>
           <p:cNvPr id="2" name="Заголовок 1"/>
           <p:cNvSpPr>
             <a:spLocks noGrp="1"/>
@@ -3823,15 +4256,85 @@
             <p:ph type="title"/>
           </p:nvPr>
         </p:nvSpPr>
-        <p:spPr/>
+        <p:spPr>
+          <a:xfrm>
+            <a:off x="526073" y="466578"/>
+            <a:ext cx="11139854" cy="930447"/>
+          </a:xfrm>
+        </p:spPr>
         <p:txBody>
-          <a:bodyPr/>
+          <a:bodyPr vert="horz" lIns="91440" tIns="45720" rIns="91440" bIns="45720" rtlCol="0" anchor="b">
+            <a:normAutofit/>
+          </a:bodyPr>
           <a:lstStyle/>
           <a:p>
-            <a:endParaRPr lang="ru-RU"/>
+            <a:pPr algn="ctr"/>
+            <a:r>
+              <a:rPr lang="en-US" sz="5400" kern="1200">
+                <a:solidFill>
+                  <a:srgbClr val="FFFFFF"/>
+                </a:solidFill>
+                <a:latin typeface="+mj-lt"/>
+                <a:ea typeface="+mj-ea"/>
+                <a:cs typeface="+mj-cs"/>
+              </a:rPr>
+              <a:t>Input layer gate</a:t>
+            </a:r>
           </a:p>
         </p:txBody>
       </p:sp>
+      <p:cxnSp>
+        <p:nvCxnSpPr>
+          <p:cNvPr id="11" name="Straight Connector 10">
+            <a:extLst>
+              <a:ext uri="{FF2B5EF4-FFF2-40B4-BE49-F238E27FC236}">
+                <a16:creationId xmlns:a16="http://schemas.microsoft.com/office/drawing/2014/main" id="{7E7C77BC-7138-40B1-A15B-20F57A494629}"/>
+              </a:ext>
+              <a:ext uri="{C183D7F6-B498-43B3-948B-1728B52AA6E4}">
+                <adec:decorative xmlns:adec="http://schemas.microsoft.com/office/drawing/2017/decorative" val="1"/>
+              </a:ext>
+            </a:extLst>
+          </p:cNvPr>
+          <p:cNvCxnSpPr>
+            <a:cxnSpLocks noGrp="1" noRot="1" noChangeAspect="1" noMove="1" noResize="1" noEditPoints="1" noAdjustHandles="1" noChangeArrowheads="1" noChangeShapeType="1"/>
+          </p:cNvCxnSpPr>
+          <p:nvPr>
+            <p:extLst>
+              <p:ext uri="{386F3935-93C4-4BCD-93E2-E3B085C9AB24}">
+                <p16:designElem xmlns:p16="http://schemas.microsoft.com/office/powerpoint/2015/main" val="1"/>
+              </p:ext>
+            </p:extLst>
+          </p:nvPr>
+        </p:nvCxnSpPr>
+        <p:spPr>
+          <a:xfrm>
+            <a:off x="2209800" y="1448631"/>
+            <a:ext cx="7772400" cy="0"/>
+          </a:xfrm>
+          <a:prstGeom prst="line">
+            <a:avLst/>
+          </a:prstGeom>
+          <a:ln w="22225">
+            <a:solidFill>
+              <a:srgbClr val="D9D9D9"/>
+            </a:solidFill>
+          </a:ln>
+        </p:spPr>
+        <p:style>
+          <a:lnRef idx="1">
+            <a:schemeClr val="accent1"/>
+          </a:lnRef>
+          <a:fillRef idx="0">
+            <a:schemeClr val="accent1"/>
+          </a:fillRef>
+          <a:effectRef idx="0">
+            <a:schemeClr val="accent1"/>
+          </a:effectRef>
+          <a:fontRef idx="minor">
+            <a:schemeClr val="tx1"/>
+          </a:fontRef>
+        </p:style>
+      </p:cxnSp>
       <p:pic>
         <p:nvPicPr>
           <p:cNvPr id="4" name="Объект 3"/>
@@ -3856,9 +4359,512 @@
         </p:blipFill>
         <p:spPr>
           <a:xfrm>
-            <a:off x="2488048" y="1878634"/>
-            <a:ext cx="7215904" cy="4351338"/>
+            <a:off x="2805074" y="2509911"/>
+            <a:ext cx="6526753" cy="3997637"/>
           </a:xfrm>
+          <a:prstGeom prst="rect">
+            <a:avLst/>
+          </a:prstGeom>
+        </p:spPr>
+      </p:pic>
+    </p:spTree>
+    <p:extLst>
+      <p:ext uri="{BB962C8B-B14F-4D97-AF65-F5344CB8AC3E}">
+        <p14:creationId xmlns:p14="http://schemas.microsoft.com/office/powerpoint/2010/main" val="652017496"/>
+      </p:ext>
+    </p:extLst>
+  </p:cSld>
+  <p:clrMapOvr>
+    <a:masterClrMapping/>
+  </p:clrMapOvr>
+</p:sld>
+</file>
+
+<file path=ppt/slides/slide13.xml><?xml version="1.0" encoding="utf-8"?>
+<p:sld xmlns:a="http://schemas.openxmlformats.org/drawingml/2006/main" xmlns:r="http://schemas.openxmlformats.org/officeDocument/2006/relationships" xmlns:p="http://schemas.openxmlformats.org/presentationml/2006/main">
+  <p:cSld>
+    <p:bg>
+      <p:bgPr>
+        <a:solidFill>
+          <a:schemeClr val="bg1"/>
+        </a:solidFill>
+        <a:effectLst/>
+      </p:bgPr>
+    </p:bg>
+    <p:spTree>
+      <p:nvGrpSpPr>
+        <p:cNvPr id="1" name=""/>
+        <p:cNvGrpSpPr/>
+        <p:nvPr/>
+      </p:nvGrpSpPr>
+      <p:grpSpPr>
+        <a:xfrm>
+          <a:off x="0" y="0"/>
+          <a:ext cx="0" cy="0"/>
+          <a:chOff x="0" y="0"/>
+          <a:chExt cx="0" cy="0"/>
+        </a:xfrm>
+      </p:grpSpPr>
+      <p:sp>
+        <p:nvSpPr>
+          <p:cNvPr id="9" name="Rectangle 8">
+            <a:extLst>
+              <a:ext uri="{FF2B5EF4-FFF2-40B4-BE49-F238E27FC236}">
+                <a16:creationId xmlns:a16="http://schemas.microsoft.com/office/drawing/2014/main" id="{823AC064-BC96-4F32-8AE1-B2FD38754823}"/>
+              </a:ext>
+              <a:ext uri="{C183D7F6-B498-43B3-948B-1728B52AA6E4}">
+                <adec:decorative xmlns:adec="http://schemas.microsoft.com/office/drawing/2017/decorative" val="1"/>
+              </a:ext>
+            </a:extLst>
+          </p:cNvPr>
+          <p:cNvSpPr>
+            <a:spLocks noGrp="1" noRot="1" noChangeAspect="1" noMove="1" noResize="1" noEditPoints="1" noAdjustHandles="1" noChangeArrowheads="1" noChangeShapeType="1" noTextEdit="1"/>
+          </p:cNvSpPr>
+          <p:nvPr>
+            <p:extLst>
+              <p:ext uri="{386F3935-93C4-4BCD-93E2-E3B085C9AB24}">
+                <p16:designElem xmlns:p16="http://schemas.microsoft.com/office/powerpoint/2015/main" val="1"/>
+              </p:ext>
+            </p:extLst>
+          </p:nvPr>
+        </p:nvSpPr>
+        <p:spPr bwMode="ltGray">
+          <a:xfrm>
+            <a:off x="378068" y="343486"/>
+            <a:ext cx="11438793" cy="1844256"/>
+          </a:xfrm>
+          <a:prstGeom prst="rect">
+            <a:avLst/>
+          </a:prstGeom>
+          <a:solidFill>
+            <a:srgbClr val="404040"/>
+          </a:solidFill>
+          <a:ln w="127000" cap="sq" cmpd="thinThick">
+            <a:solidFill>
+              <a:srgbClr val="404040"/>
+            </a:solidFill>
+          </a:ln>
+        </p:spPr>
+        <p:style>
+          <a:lnRef idx="2">
+            <a:schemeClr val="accent1">
+              <a:shade val="50000"/>
+            </a:schemeClr>
+          </a:lnRef>
+          <a:fillRef idx="1">
+            <a:schemeClr val="accent1"/>
+          </a:fillRef>
+          <a:effectRef idx="0">
+            <a:schemeClr val="accent1"/>
+          </a:effectRef>
+          <a:fontRef idx="minor">
+            <a:schemeClr val="lt1"/>
+          </a:fontRef>
+        </p:style>
+        <p:txBody>
+          <a:bodyPr rtlCol="0" anchor="ctr"/>
+          <a:lstStyle/>
+          <a:p>
+            <a:pPr marL="0" marR="0" lvl="0" indent="0" algn="ctr" defTabSz="914400" rtl="0" eaLnBrk="1" fontAlgn="auto" latinLnBrk="0" hangingPunct="1">
+              <a:lnSpc>
+                <a:spcPct val="100000"/>
+              </a:lnSpc>
+              <a:spcBef>
+                <a:spcPts val="0"/>
+              </a:spcBef>
+              <a:spcAft>
+                <a:spcPts val="0"/>
+              </a:spcAft>
+              <a:buClrTx/>
+              <a:buSzTx/>
+              <a:buFontTx/>
+              <a:buNone/>
+              <a:tabLst/>
+              <a:defRPr/>
+            </a:pPr>
+            <a:endParaRPr kumimoji="0" lang="en-US" sz="1800" b="0" i="0" u="none" strike="noStrike" kern="1200" cap="none" spc="0" normalizeH="0" baseline="0" noProof="0">
+              <a:ln>
+                <a:noFill/>
+              </a:ln>
+              <a:solidFill>
+                <a:prstClr val="white"/>
+              </a:solidFill>
+              <a:effectLst/>
+              <a:uLnTx/>
+              <a:uFillTx/>
+              <a:latin typeface="Calibri" panose="020F0502020204030204"/>
+              <a:ea typeface="+mn-ea"/>
+              <a:cs typeface="+mn-cs"/>
+            </a:endParaRPr>
+          </a:p>
+        </p:txBody>
+      </p:sp>
+      <p:sp>
+        <p:nvSpPr>
+          <p:cNvPr id="2" name="Заголовок 1"/>
+          <p:cNvSpPr>
+            <a:spLocks noGrp="1"/>
+          </p:cNvSpPr>
+          <p:nvPr>
+            <p:ph type="title"/>
+          </p:nvPr>
+        </p:nvSpPr>
+        <p:spPr>
+          <a:xfrm>
+            <a:off x="526073" y="466578"/>
+            <a:ext cx="11139854" cy="930447"/>
+          </a:xfrm>
+        </p:spPr>
+        <p:txBody>
+          <a:bodyPr vert="horz" lIns="91440" tIns="45720" rIns="91440" bIns="45720" rtlCol="0" anchor="b">
+            <a:normAutofit/>
+          </a:bodyPr>
+          <a:lstStyle/>
+          <a:p>
+            <a:pPr algn="ctr"/>
+            <a:endParaRPr lang="en-US" sz="5400" kern="1200" dirty="0">
+              <a:solidFill>
+                <a:srgbClr val="FFFFFF"/>
+              </a:solidFill>
+              <a:latin typeface="+mj-lt"/>
+              <a:ea typeface="+mj-ea"/>
+              <a:cs typeface="+mj-cs"/>
+            </a:endParaRPr>
+          </a:p>
+        </p:txBody>
+      </p:sp>
+      <p:cxnSp>
+        <p:nvCxnSpPr>
+          <p:cNvPr id="11" name="Straight Connector 10">
+            <a:extLst>
+              <a:ext uri="{FF2B5EF4-FFF2-40B4-BE49-F238E27FC236}">
+                <a16:creationId xmlns:a16="http://schemas.microsoft.com/office/drawing/2014/main" id="{7E7C77BC-7138-40B1-A15B-20F57A494629}"/>
+              </a:ext>
+              <a:ext uri="{C183D7F6-B498-43B3-948B-1728B52AA6E4}">
+                <adec:decorative xmlns:adec="http://schemas.microsoft.com/office/drawing/2017/decorative" val="1"/>
+              </a:ext>
+            </a:extLst>
+          </p:cNvPr>
+          <p:cNvCxnSpPr>
+            <a:cxnSpLocks noGrp="1" noRot="1" noChangeAspect="1" noMove="1" noResize="1" noEditPoints="1" noAdjustHandles="1" noChangeArrowheads="1" noChangeShapeType="1"/>
+          </p:cNvCxnSpPr>
+          <p:nvPr>
+            <p:extLst>
+              <p:ext uri="{386F3935-93C4-4BCD-93E2-E3B085C9AB24}">
+                <p16:designElem xmlns:p16="http://schemas.microsoft.com/office/powerpoint/2015/main" val="1"/>
+              </p:ext>
+            </p:extLst>
+          </p:nvPr>
+        </p:nvCxnSpPr>
+        <p:spPr>
+          <a:xfrm>
+            <a:off x="2209800" y="1448631"/>
+            <a:ext cx="7772400" cy="0"/>
+          </a:xfrm>
+          <a:prstGeom prst="line">
+            <a:avLst/>
+          </a:prstGeom>
+          <a:ln w="22225">
+            <a:solidFill>
+              <a:srgbClr val="D9D9D9"/>
+            </a:solidFill>
+          </a:ln>
+        </p:spPr>
+        <p:style>
+          <a:lnRef idx="1">
+            <a:schemeClr val="accent1"/>
+          </a:lnRef>
+          <a:fillRef idx="0">
+            <a:schemeClr val="accent1"/>
+          </a:fillRef>
+          <a:effectRef idx="0">
+            <a:schemeClr val="accent1"/>
+          </a:effectRef>
+          <a:fontRef idx="minor">
+            <a:schemeClr val="tx1"/>
+          </a:fontRef>
+        </p:style>
+      </p:cxnSp>
+      <p:pic>
+        <p:nvPicPr>
+          <p:cNvPr id="4" name="Объект 3"/>
+          <p:cNvPicPr>
+            <a:picLocks noGrp="1" noChangeAspect="1"/>
+          </p:cNvPicPr>
+          <p:nvPr>
+            <p:ph idx="1"/>
+          </p:nvPr>
+        </p:nvPicPr>
+        <p:blipFill>
+          <a:blip r:embed="rId2">
+            <a:extLst>
+              <a:ext uri="{28A0092B-C50C-407E-A947-70E740481C1C}">
+                <a14:useLocalDpi xmlns:a14="http://schemas.microsoft.com/office/drawing/2010/main" val="0"/>
+              </a:ext>
+            </a:extLst>
+          </a:blip>
+          <a:stretch>
+            <a:fillRect/>
+          </a:stretch>
+        </p:blipFill>
+        <p:spPr>
+          <a:xfrm>
+            <a:off x="2870340" y="2509911"/>
+            <a:ext cx="6396220" cy="3997637"/>
+          </a:xfrm>
+          <a:prstGeom prst="rect">
+            <a:avLst/>
+          </a:prstGeom>
+        </p:spPr>
+      </p:pic>
+    </p:spTree>
+    <p:extLst>
+      <p:ext uri="{BB962C8B-B14F-4D97-AF65-F5344CB8AC3E}">
+        <p14:creationId xmlns:p14="http://schemas.microsoft.com/office/powerpoint/2010/main" val="3381462482"/>
+      </p:ext>
+    </p:extLst>
+  </p:cSld>
+  <p:clrMapOvr>
+    <a:masterClrMapping/>
+  </p:clrMapOvr>
+</p:sld>
+</file>
+
+<file path=ppt/slides/slide14.xml><?xml version="1.0" encoding="utf-8"?>
+<p:sld xmlns:a="http://schemas.openxmlformats.org/drawingml/2006/main" xmlns:r="http://schemas.openxmlformats.org/officeDocument/2006/relationships" xmlns:p="http://schemas.openxmlformats.org/presentationml/2006/main">
+  <p:cSld>
+    <p:bg>
+      <p:bgPr>
+        <a:solidFill>
+          <a:schemeClr val="bg1"/>
+        </a:solidFill>
+        <a:effectLst/>
+      </p:bgPr>
+    </p:bg>
+    <p:spTree>
+      <p:nvGrpSpPr>
+        <p:cNvPr id="1" name=""/>
+        <p:cNvGrpSpPr/>
+        <p:nvPr/>
+      </p:nvGrpSpPr>
+      <p:grpSpPr>
+        <a:xfrm>
+          <a:off x="0" y="0"/>
+          <a:ext cx="0" cy="0"/>
+          <a:chOff x="0" y="0"/>
+          <a:chExt cx="0" cy="0"/>
+        </a:xfrm>
+      </p:grpSpPr>
+      <p:sp>
+        <p:nvSpPr>
+          <p:cNvPr id="9" name="Rectangle 8">
+            <a:extLst>
+              <a:ext uri="{FF2B5EF4-FFF2-40B4-BE49-F238E27FC236}">
+                <a16:creationId xmlns:a16="http://schemas.microsoft.com/office/drawing/2014/main" id="{823AC064-BC96-4F32-8AE1-B2FD38754823}"/>
+              </a:ext>
+              <a:ext uri="{C183D7F6-B498-43B3-948B-1728B52AA6E4}">
+                <adec:decorative xmlns:adec="http://schemas.microsoft.com/office/drawing/2017/decorative" val="1"/>
+              </a:ext>
+            </a:extLst>
+          </p:cNvPr>
+          <p:cNvSpPr>
+            <a:spLocks noGrp="1" noRot="1" noChangeAspect="1" noMove="1" noResize="1" noEditPoints="1" noAdjustHandles="1" noChangeArrowheads="1" noChangeShapeType="1" noTextEdit="1"/>
+          </p:cNvSpPr>
+          <p:nvPr>
+            <p:extLst>
+              <p:ext uri="{386F3935-93C4-4BCD-93E2-E3B085C9AB24}">
+                <p16:designElem xmlns:p16="http://schemas.microsoft.com/office/powerpoint/2015/main" val="1"/>
+              </p:ext>
+            </p:extLst>
+          </p:nvPr>
+        </p:nvSpPr>
+        <p:spPr bwMode="ltGray">
+          <a:xfrm>
+            <a:off x="378068" y="343486"/>
+            <a:ext cx="11438793" cy="1844256"/>
+          </a:xfrm>
+          <a:prstGeom prst="rect">
+            <a:avLst/>
+          </a:prstGeom>
+          <a:solidFill>
+            <a:srgbClr val="404040"/>
+          </a:solidFill>
+          <a:ln w="127000" cap="sq" cmpd="thinThick">
+            <a:solidFill>
+              <a:srgbClr val="404040"/>
+            </a:solidFill>
+          </a:ln>
+        </p:spPr>
+        <p:style>
+          <a:lnRef idx="2">
+            <a:schemeClr val="accent1">
+              <a:shade val="50000"/>
+            </a:schemeClr>
+          </a:lnRef>
+          <a:fillRef idx="1">
+            <a:schemeClr val="accent1"/>
+          </a:fillRef>
+          <a:effectRef idx="0">
+            <a:schemeClr val="accent1"/>
+          </a:effectRef>
+          <a:fontRef idx="minor">
+            <a:schemeClr val="lt1"/>
+          </a:fontRef>
+        </p:style>
+        <p:txBody>
+          <a:bodyPr rtlCol="0" anchor="ctr"/>
+          <a:lstStyle/>
+          <a:p>
+            <a:pPr marL="0" marR="0" lvl="0" indent="0" algn="ctr" defTabSz="914400" rtl="0" eaLnBrk="1" fontAlgn="auto" latinLnBrk="0" hangingPunct="1">
+              <a:lnSpc>
+                <a:spcPct val="100000"/>
+              </a:lnSpc>
+              <a:spcBef>
+                <a:spcPts val="0"/>
+              </a:spcBef>
+              <a:spcAft>
+                <a:spcPts val="0"/>
+              </a:spcAft>
+              <a:buClrTx/>
+              <a:buSzTx/>
+              <a:buFontTx/>
+              <a:buNone/>
+              <a:tabLst/>
+              <a:defRPr/>
+            </a:pPr>
+            <a:endParaRPr kumimoji="0" lang="en-US" sz="1800" b="0" i="0" u="none" strike="noStrike" kern="1200" cap="none" spc="0" normalizeH="0" baseline="0" noProof="0">
+              <a:ln>
+                <a:noFill/>
+              </a:ln>
+              <a:solidFill>
+                <a:prstClr val="white"/>
+              </a:solidFill>
+              <a:effectLst/>
+              <a:uLnTx/>
+              <a:uFillTx/>
+              <a:latin typeface="Calibri" panose="020F0502020204030204"/>
+              <a:ea typeface="+mn-ea"/>
+              <a:cs typeface="+mn-cs"/>
+            </a:endParaRPr>
+          </a:p>
+        </p:txBody>
+      </p:sp>
+      <p:sp>
+        <p:nvSpPr>
+          <p:cNvPr id="2" name="Заголовок 1"/>
+          <p:cNvSpPr>
+            <a:spLocks noGrp="1"/>
+          </p:cNvSpPr>
+          <p:nvPr>
+            <p:ph type="title"/>
+          </p:nvPr>
+        </p:nvSpPr>
+        <p:spPr>
+          <a:xfrm>
+            <a:off x="526073" y="466578"/>
+            <a:ext cx="11139854" cy="930447"/>
+          </a:xfrm>
+        </p:spPr>
+        <p:txBody>
+          <a:bodyPr vert="horz" lIns="91440" tIns="45720" rIns="91440" bIns="45720" rtlCol="0" anchor="b">
+            <a:normAutofit/>
+          </a:bodyPr>
+          <a:lstStyle/>
+          <a:p>
+            <a:pPr algn="ctr"/>
+            <a:endParaRPr lang="en-US" sz="5400" kern="1200">
+              <a:solidFill>
+                <a:srgbClr val="FFFFFF"/>
+              </a:solidFill>
+              <a:latin typeface="+mj-lt"/>
+              <a:ea typeface="+mj-ea"/>
+              <a:cs typeface="+mj-cs"/>
+            </a:endParaRPr>
+          </a:p>
+        </p:txBody>
+      </p:sp>
+      <p:cxnSp>
+        <p:nvCxnSpPr>
+          <p:cNvPr id="11" name="Straight Connector 10">
+            <a:extLst>
+              <a:ext uri="{FF2B5EF4-FFF2-40B4-BE49-F238E27FC236}">
+                <a16:creationId xmlns:a16="http://schemas.microsoft.com/office/drawing/2014/main" id="{7E7C77BC-7138-40B1-A15B-20F57A494629}"/>
+              </a:ext>
+              <a:ext uri="{C183D7F6-B498-43B3-948B-1728B52AA6E4}">
+                <adec:decorative xmlns:adec="http://schemas.microsoft.com/office/drawing/2017/decorative" val="1"/>
+              </a:ext>
+            </a:extLst>
+          </p:cNvPr>
+          <p:cNvCxnSpPr>
+            <a:cxnSpLocks noGrp="1" noRot="1" noChangeAspect="1" noMove="1" noResize="1" noEditPoints="1" noAdjustHandles="1" noChangeArrowheads="1" noChangeShapeType="1"/>
+          </p:cNvCxnSpPr>
+          <p:nvPr>
+            <p:extLst>
+              <p:ext uri="{386F3935-93C4-4BCD-93E2-E3B085C9AB24}">
+                <p16:designElem xmlns:p16="http://schemas.microsoft.com/office/powerpoint/2015/main" val="1"/>
+              </p:ext>
+            </p:extLst>
+          </p:nvPr>
+        </p:nvCxnSpPr>
+        <p:spPr>
+          <a:xfrm>
+            <a:off x="2209800" y="1448631"/>
+            <a:ext cx="7772400" cy="0"/>
+          </a:xfrm>
+          <a:prstGeom prst="line">
+            <a:avLst/>
+          </a:prstGeom>
+          <a:ln w="22225">
+            <a:solidFill>
+              <a:srgbClr val="D9D9D9"/>
+            </a:solidFill>
+          </a:ln>
+        </p:spPr>
+        <p:style>
+          <a:lnRef idx="1">
+            <a:schemeClr val="accent1"/>
+          </a:lnRef>
+          <a:fillRef idx="0">
+            <a:schemeClr val="accent1"/>
+          </a:fillRef>
+          <a:effectRef idx="0">
+            <a:schemeClr val="accent1"/>
+          </a:effectRef>
+          <a:fontRef idx="minor">
+            <a:schemeClr val="tx1"/>
+          </a:fontRef>
+        </p:style>
+      </p:cxnSp>
+      <p:pic>
+        <p:nvPicPr>
+          <p:cNvPr id="4" name="Объект 3"/>
+          <p:cNvPicPr>
+            <a:picLocks noGrp="1" noChangeAspect="1"/>
+          </p:cNvPicPr>
+          <p:nvPr>
+            <p:ph idx="1"/>
+          </p:nvPr>
+        </p:nvPicPr>
+        <p:blipFill>
+          <a:blip r:embed="rId2">
+            <a:extLst>
+              <a:ext uri="{28A0092B-C50C-407E-A947-70E740481C1C}">
+                <a14:useLocalDpi xmlns:a14="http://schemas.microsoft.com/office/drawing/2010/main" val="0"/>
+              </a:ext>
+            </a:extLst>
+          </a:blip>
+          <a:stretch>
+            <a:fillRect/>
+          </a:stretch>
+        </p:blipFill>
+        <p:spPr>
+          <a:xfrm>
+            <a:off x="2750909" y="2509911"/>
+            <a:ext cx="6635083" cy="3997637"/>
+          </a:xfrm>
+          <a:prstGeom prst="rect">
+            <a:avLst/>
+          </a:prstGeom>
         </p:spPr>
       </p:pic>
     </p:spTree>
@@ -3871,17 +4877,10 @@
   <p:clrMapOvr>
     <a:masterClrMapping/>
   </p:clrMapOvr>
-  <p:timing>
-    <p:tnLst>
-      <p:par>
-        <p:cTn id="1" dur="indefinite" restart="never" nodeType="tmRoot"/>
-      </p:par>
-    </p:tnLst>
-  </p:timing>
 </p:sld>
 </file>
 
-<file path=ppt/slides/slide13.xml><?xml version="1.0" encoding="utf-8"?>
+<file path=ppt/slides/slide15.xml><?xml version="1.0" encoding="utf-8"?>
 <p:sld xmlns:a="http://schemas.openxmlformats.org/drawingml/2006/main" xmlns:r="http://schemas.openxmlformats.org/officeDocument/2006/relationships" xmlns:p="http://schemas.openxmlformats.org/presentationml/2006/main">
   <p:cSld>
     <p:bg>
@@ -3917,7 +4916,7 @@
                 <a16:creationId xmlns:a16="http://schemas.microsoft.com/office/drawing/2014/main" id="{48A740BC-A0AA-45E0-B899-2AE9C6FE11CA}"/>
               </a:ext>
               <a:ext uri="{C183D7F6-B498-43B3-948B-1728B52AA6E4}">
-                <adec:decorative xmlns:adec="http://schemas.microsoft.com/office/drawing/2017/decorative" xmlns="" val="1"/>
+                <adec:decorative xmlns:adec="http://schemas.microsoft.com/office/drawing/2017/decorative" val="1"/>
               </a:ext>
             </a:extLst>
           </p:cNvPr>
@@ -4120,7 +5119,7 @@
                 <a16:creationId xmlns:a16="http://schemas.microsoft.com/office/drawing/2014/main" id="{B874EF51-C858-4BB9-97C3-D17755787127}"/>
               </a:ext>
               <a:ext uri="{C183D7F6-B498-43B3-948B-1728B52AA6E4}">
-                <adec:decorative xmlns:adec="http://schemas.microsoft.com/office/drawing/2017/decorative" xmlns="" val="1"/>
+                <adec:decorative xmlns:adec="http://schemas.microsoft.com/office/drawing/2017/decorative" val="1"/>
               </a:ext>
             </a:extLst>
           </p:cNvPr>
@@ -4311,13 +5310,2082 @@
       </p:grpSpPr>
       <p:sp>
         <p:nvSpPr>
+          <p:cNvPr id="15" name="Rectangle 14">
+            <a:extLst>
+              <a:ext uri="{FF2B5EF4-FFF2-40B4-BE49-F238E27FC236}">
+                <a16:creationId xmlns:a16="http://schemas.microsoft.com/office/drawing/2014/main" id="{EE1FC7B4-E4A7-4452-B413-1A623E3A7230}"/>
+              </a:ext>
+              <a:ext uri="{C183D7F6-B498-43B3-948B-1728B52AA6E4}">
+                <adec:decorative xmlns:adec="http://schemas.microsoft.com/office/drawing/2017/decorative" val="1"/>
+              </a:ext>
+            </a:extLst>
+          </p:cNvPr>
+          <p:cNvSpPr>
+            <a:spLocks noGrp="1" noRot="1" noChangeAspect="1" noMove="1" noResize="1" noEditPoints="1" noAdjustHandles="1" noChangeArrowheads="1" noChangeShapeType="1" noTextEdit="1"/>
+          </p:cNvSpPr>
+          <p:nvPr>
+            <p:extLst>
+              <p:ext uri="{386F3935-93C4-4BCD-93E2-E3B085C9AB24}">
+                <p16:designElem xmlns:p16="http://schemas.microsoft.com/office/powerpoint/2015/main" val="1"/>
+              </p:ext>
+            </p:extLst>
+          </p:nvPr>
+        </p:nvSpPr>
+        <p:spPr>
+          <a:xfrm>
+            <a:off x="0" y="-3324"/>
+            <a:ext cx="12192000" cy="6861324"/>
+          </a:xfrm>
+          <a:prstGeom prst="rect">
+            <a:avLst/>
+          </a:prstGeom>
+          <a:solidFill>
+            <a:schemeClr val="bg1">
+              <a:alpha val="9000"/>
+            </a:schemeClr>
+          </a:solidFill>
+          <a:ln>
+            <a:noFill/>
+          </a:ln>
+        </p:spPr>
+        <p:style>
+          <a:lnRef idx="2">
+            <a:schemeClr val="accent1">
+              <a:shade val="50000"/>
+            </a:schemeClr>
+          </a:lnRef>
+          <a:fillRef idx="1">
+            <a:schemeClr val="accent1"/>
+          </a:fillRef>
+          <a:effectRef idx="0">
+            <a:schemeClr val="accent1"/>
+          </a:effectRef>
+          <a:fontRef idx="minor">
+            <a:schemeClr val="lt1"/>
+          </a:fontRef>
+        </p:style>
+        <p:txBody>
+          <a:bodyPr rtlCol="0" anchor="ctr"/>
+          <a:lstStyle/>
+          <a:p>
+            <a:pPr algn="ctr"/>
+            <a:endParaRPr lang="en-US"/>
+          </a:p>
+        </p:txBody>
+      </p:sp>
+      <p:sp>
+        <p:nvSpPr>
+          <p:cNvPr id="17" name="Freeform 13">
+            <a:extLst>
+              <a:ext uri="{FF2B5EF4-FFF2-40B4-BE49-F238E27FC236}">
+                <a16:creationId xmlns:a16="http://schemas.microsoft.com/office/drawing/2014/main" id="{E0709AF0-24F0-4486-B189-BE6386BDB198}"/>
+              </a:ext>
+              <a:ext uri="{C183D7F6-B498-43B3-948B-1728B52AA6E4}">
+                <adec:decorative xmlns:adec="http://schemas.microsoft.com/office/drawing/2017/decorative" val="1"/>
+              </a:ext>
+            </a:extLst>
+          </p:cNvPr>
+          <p:cNvSpPr>
+            <a:spLocks noGrp="1" noRot="1" noChangeAspect="1" noMove="1" noResize="1" noEditPoints="1" noAdjustHandles="1" noChangeArrowheads="1" noChangeShapeType="1" noTextEdit="1"/>
+          </p:cNvSpPr>
+          <p:nvPr>
+            <p:extLst>
+              <p:ext uri="{386F3935-93C4-4BCD-93E2-E3B085C9AB24}">
+                <p16:designElem xmlns:p16="http://schemas.microsoft.com/office/powerpoint/2015/main" val="1"/>
+              </p:ext>
+            </p:extLst>
+          </p:nvPr>
+        </p:nvSpPr>
+        <p:spPr>
+          <a:xfrm>
+            <a:off x="0" y="0"/>
+            <a:ext cx="11786754" cy="6858000"/>
+          </a:xfrm>
+          <a:custGeom>
+            <a:avLst/>
+            <a:gdLst>
+              <a:gd name="connsiteX0" fmla="*/ 0 w 11786754"/>
+              <a:gd name="connsiteY0" fmla="*/ 0 h 6858000"/>
+              <a:gd name="connsiteX1" fmla="*/ 8610600 w 11786754"/>
+              <a:gd name="connsiteY1" fmla="*/ 0 h 6858000"/>
+              <a:gd name="connsiteX2" fmla="*/ 11786754 w 11786754"/>
+              <a:gd name="connsiteY2" fmla="*/ 6858000 h 6858000"/>
+              <a:gd name="connsiteX3" fmla="*/ 0 w 11786754"/>
+              <a:gd name="connsiteY3" fmla="*/ 6858000 h 6858000"/>
+            </a:gdLst>
+            <a:ahLst/>
+            <a:cxnLst>
+              <a:cxn ang="0">
+                <a:pos x="connsiteX0" y="connsiteY0"/>
+              </a:cxn>
+              <a:cxn ang="0">
+                <a:pos x="connsiteX1" y="connsiteY1"/>
+              </a:cxn>
+              <a:cxn ang="0">
+                <a:pos x="connsiteX2" y="connsiteY2"/>
+              </a:cxn>
+              <a:cxn ang="0">
+                <a:pos x="connsiteX3" y="connsiteY3"/>
+              </a:cxn>
+            </a:cxnLst>
+            <a:rect l="l" t="t" r="r" b="b"/>
+            <a:pathLst>
+              <a:path w="11786754" h="6858000">
+                <a:moveTo>
+                  <a:pt x="0" y="0"/>
+                </a:moveTo>
+                <a:lnTo>
+                  <a:pt x="8610600" y="0"/>
+                </a:lnTo>
+                <a:lnTo>
+                  <a:pt x="11786754" y="6858000"/>
+                </a:lnTo>
+                <a:lnTo>
+                  <a:pt x="0" y="6858000"/>
+                </a:lnTo>
+                <a:close/>
+              </a:path>
+            </a:pathLst>
+          </a:custGeom>
+          <a:solidFill>
+            <a:schemeClr val="bg1">
+              <a:alpha val="30000"/>
+            </a:schemeClr>
+          </a:solidFill>
+          <a:ln>
+            <a:noFill/>
+          </a:ln>
+        </p:spPr>
+        <p:style>
+          <a:lnRef idx="2">
+            <a:schemeClr val="accent1">
+              <a:shade val="50000"/>
+            </a:schemeClr>
+          </a:lnRef>
+          <a:fillRef idx="1">
+            <a:schemeClr val="accent1"/>
+          </a:fillRef>
+          <a:effectRef idx="0">
+            <a:schemeClr val="accent1"/>
+          </a:effectRef>
+          <a:fontRef idx="minor">
+            <a:schemeClr val="lt1"/>
+          </a:fontRef>
+        </p:style>
+        <p:txBody>
+          <a:bodyPr rtlCol="0" anchor="ctr"/>
+          <a:lstStyle/>
+          <a:p>
+            <a:pPr algn="ctr"/>
+            <a:endParaRPr lang="en-US"/>
+          </a:p>
+        </p:txBody>
+      </p:sp>
+      <p:sp>
+        <p:nvSpPr>
+          <p:cNvPr id="19" name="Freeform 11">
+            <a:extLst>
+              <a:ext uri="{FF2B5EF4-FFF2-40B4-BE49-F238E27FC236}">
+                <a16:creationId xmlns:a16="http://schemas.microsoft.com/office/drawing/2014/main" id="{FBE3B62F-5853-4A3C-B050-6186351A7176}"/>
+              </a:ext>
+              <a:ext uri="{C183D7F6-B498-43B3-948B-1728B52AA6E4}">
+                <adec:decorative xmlns:adec="http://schemas.microsoft.com/office/drawing/2017/decorative" val="1"/>
+              </a:ext>
+            </a:extLst>
+          </p:cNvPr>
+          <p:cNvSpPr>
+            <a:spLocks noGrp="1" noRot="1" noChangeAspect="1" noMove="1" noResize="1" noEditPoints="1" noAdjustHandles="1" noChangeArrowheads="1" noChangeShapeType="1" noTextEdit="1"/>
+          </p:cNvSpPr>
+          <p:nvPr>
+            <p:extLst>
+              <p:ext uri="{386F3935-93C4-4BCD-93E2-E3B085C9AB24}">
+                <p16:designElem xmlns:p16="http://schemas.microsoft.com/office/powerpoint/2015/main" val="1"/>
+              </p:ext>
+            </p:extLst>
+          </p:nvPr>
+        </p:nvSpPr>
+        <p:spPr>
+          <a:xfrm>
+            <a:off x="0" y="0"/>
+            <a:ext cx="3581400" cy="6858000"/>
+          </a:xfrm>
+          <a:custGeom>
+            <a:avLst/>
+            <a:gdLst>
+              <a:gd name="connsiteX0" fmla="*/ 0 w 3581400"/>
+              <a:gd name="connsiteY0" fmla="*/ 0 h 6858000"/>
+              <a:gd name="connsiteX1" fmla="*/ 405246 w 3581400"/>
+              <a:gd name="connsiteY1" fmla="*/ 0 h 6858000"/>
+              <a:gd name="connsiteX2" fmla="*/ 3581400 w 3581400"/>
+              <a:gd name="connsiteY2" fmla="*/ 6858000 h 6858000"/>
+              <a:gd name="connsiteX3" fmla="*/ 0 w 3581400"/>
+              <a:gd name="connsiteY3" fmla="*/ 6858000 h 6858000"/>
+            </a:gdLst>
+            <a:ahLst/>
+            <a:cxnLst>
+              <a:cxn ang="0">
+                <a:pos x="connsiteX0" y="connsiteY0"/>
+              </a:cxn>
+              <a:cxn ang="0">
+                <a:pos x="connsiteX1" y="connsiteY1"/>
+              </a:cxn>
+              <a:cxn ang="0">
+                <a:pos x="connsiteX2" y="connsiteY2"/>
+              </a:cxn>
+              <a:cxn ang="0">
+                <a:pos x="connsiteX3" y="connsiteY3"/>
+              </a:cxn>
+            </a:cxnLst>
+            <a:rect l="l" t="t" r="r" b="b"/>
+            <a:pathLst>
+              <a:path w="3581400" h="6858000">
+                <a:moveTo>
+                  <a:pt x="0" y="0"/>
+                </a:moveTo>
+                <a:lnTo>
+                  <a:pt x="405246" y="0"/>
+                </a:lnTo>
+                <a:lnTo>
+                  <a:pt x="3581400" y="6858000"/>
+                </a:lnTo>
+                <a:lnTo>
+                  <a:pt x="0" y="6858000"/>
+                </a:lnTo>
+                <a:close/>
+              </a:path>
+            </a:pathLst>
+          </a:custGeom>
+          <a:solidFill>
+            <a:schemeClr val="bg1">
+              <a:alpha val="30000"/>
+            </a:schemeClr>
+          </a:solidFill>
+          <a:ln>
+            <a:noFill/>
+          </a:ln>
+        </p:spPr>
+        <p:style>
+          <a:lnRef idx="2">
+            <a:schemeClr val="accent1">
+              <a:shade val="50000"/>
+            </a:schemeClr>
+          </a:lnRef>
+          <a:fillRef idx="1">
+            <a:schemeClr val="accent1"/>
+          </a:fillRef>
+          <a:effectRef idx="0">
+            <a:schemeClr val="accent1"/>
+          </a:effectRef>
+          <a:fontRef idx="minor">
+            <a:schemeClr val="lt1"/>
+          </a:fontRef>
+        </p:style>
+        <p:txBody>
+          <a:bodyPr wrap="square" rtlCol="0" anchor="ctr">
+            <a:noAutofit/>
+          </a:bodyPr>
+          <a:lstStyle/>
+          <a:p>
+            <a:pPr algn="ctr"/>
+            <a:endParaRPr lang="en-US"/>
+          </a:p>
+        </p:txBody>
+      </p:sp>
+      <p:sp>
+        <p:nvSpPr>
+          <p:cNvPr id="2" name="Title 1">
+            <a:extLst>
+              <a:ext uri="{FF2B5EF4-FFF2-40B4-BE49-F238E27FC236}">
+                <a16:creationId xmlns:a16="http://schemas.microsoft.com/office/drawing/2014/main" id="{8AC749BC-200D-4D93-ABFB-38B7FC587DA0}"/>
+              </a:ext>
+            </a:extLst>
+          </p:cNvPr>
+          <p:cNvSpPr>
+            <a:spLocks noGrp="1"/>
+          </p:cNvSpPr>
+          <p:nvPr>
+            <p:ph type="title"/>
+          </p:nvPr>
+        </p:nvSpPr>
+        <p:spPr>
+          <a:xfrm>
+            <a:off x="833002" y="448253"/>
+            <a:ext cx="10520702" cy="1325563"/>
+          </a:xfrm>
+        </p:spPr>
+        <p:txBody>
+          <a:bodyPr>
+            <a:normAutofit/>
+          </a:bodyPr>
+          <a:lstStyle/>
+          <a:p>
+            <a:r>
+              <a:rPr lang="ru-RU"/>
+              <a:t>Напоминание</a:t>
+            </a:r>
+            <a:r>
+              <a:rPr lang="en-US"/>
+              <a:t>.</a:t>
+            </a:r>
+            <a:r>
+              <a:rPr lang="ru-RU"/>
+              <a:t>Нейронные сети прямого распространения </a:t>
+            </a:r>
+            <a:endParaRPr lang="en-US"/>
+          </a:p>
+        </p:txBody>
+      </p:sp>
+      <mc:AlternateContent xmlns:mc="http://schemas.openxmlformats.org/markup-compatibility/2006">
+        <mc:Choice xmlns:a14="http://schemas.microsoft.com/office/drawing/2010/main" Requires="a14">
+          <p:sp>
+            <p:nvSpPr>
+              <p:cNvPr id="3" name="Content Placeholder 2">
+                <a:extLst>
+                  <a:ext uri="{FF2B5EF4-FFF2-40B4-BE49-F238E27FC236}">
+                    <a16:creationId xmlns:a16="http://schemas.microsoft.com/office/drawing/2014/main" id="{6AAA7167-8BA5-42EC-B5E0-F25C5DED699F}"/>
+                  </a:ext>
+                </a:extLst>
+              </p:cNvPr>
+              <p:cNvSpPr>
+                <a:spLocks noGrp="1"/>
+              </p:cNvSpPr>
+              <p:nvPr>
+                <p:ph idx="1"/>
+              </p:nvPr>
+            </p:nvSpPr>
+            <p:spPr>
+              <a:xfrm>
+                <a:off x="838200" y="2191807"/>
+                <a:ext cx="4936067" cy="3985155"/>
+              </a:xfrm>
+            </p:spPr>
+            <p:txBody>
+              <a:bodyPr>
+                <a:normAutofit/>
+              </a:bodyPr>
+              <a:lstStyle/>
+              <a:p>
+                <a:pPr marL="0" indent="0">
+                  <a:buNone/>
+                </a:pPr>
+                <a:r>
+                  <a:rPr lang="ru-RU" dirty="0"/>
+                  <a:t>Вход</a:t>
+                </a:r>
+                <a:r>
+                  <a:rPr lang="en-US" dirty="0"/>
+                  <a:t>: </a:t>
+                </a:r>
+                <a:r>
+                  <a:rPr lang="ru-RU" dirty="0"/>
+                  <a:t>вектор </a:t>
+                </a:r>
+                <a14:m>
+                  <m:oMath xmlns:m="http://schemas.openxmlformats.org/officeDocument/2006/math">
+                    <m:r>
+                      <a:rPr lang="en-US" i="1">
+                        <a:latin typeface="Cambria Math" panose="02040503050406030204" pitchFamily="18" charset="0"/>
+                      </a:rPr>
+                      <m:t>𝑥</m:t>
+                    </m:r>
+                  </m:oMath>
+                </a14:m>
+                <a:endParaRPr lang="ru-RU" dirty="0"/>
+              </a:p>
+              <a:p>
+                <a:pPr marL="0" indent="0">
+                  <a:buNone/>
+                </a:pPr>
+                <a:endParaRPr lang="ru-RU" dirty="0"/>
+              </a:p>
+              <a:p>
+                <a:pPr marL="0" indent="0">
+                  <a:buNone/>
+                </a:pPr>
+                <a:r>
+                  <a:rPr lang="ru-RU" dirty="0"/>
+                  <a:t>Выход</a:t>
+                </a:r>
+                <a:r>
+                  <a:rPr lang="en-US" dirty="0"/>
+                  <a:t>: y </a:t>
+                </a:r>
+              </a:p>
+              <a:p>
+                <a:pPr marL="0" indent="0">
+                  <a:buNone/>
+                </a:pPr>
+                <a:endParaRPr lang="ru-RU" dirty="0"/>
+              </a:p>
+              <a:p>
+                <a:pPr marL="0" indent="0">
+                  <a:buNone/>
+                </a:pPr>
+                <a:r>
+                  <a:rPr lang="ru-RU" dirty="0"/>
+                  <a:t>Операция</a:t>
+                </a:r>
+                <a:r>
+                  <a:rPr lang="en-US" dirty="0"/>
+                  <a:t>: </a:t>
+                </a:r>
+                <a:r>
+                  <a:rPr lang="ru-RU" dirty="0"/>
+                  <a:t>Прогноз выходов по входам</a:t>
+                </a:r>
+                <a:r>
+                  <a:rPr lang="en-US" dirty="0"/>
+                  <a:t>, </a:t>
+                </a:r>
+                <a:r>
+                  <a:rPr lang="ru-RU" dirty="0"/>
+                  <a:t>причем каждый следующий вход не зависит от предыдущего</a:t>
+                </a:r>
+                <a:r>
+                  <a:rPr lang="en-US" dirty="0"/>
+                  <a:t>.</a:t>
+                </a:r>
+              </a:p>
+              <a:p>
+                <a:pPr marL="0" indent="0">
+                  <a:buNone/>
+                </a:pPr>
+                <a:endParaRPr lang="en-US" sz="2000" dirty="0"/>
+              </a:p>
+              <a:p>
+                <a:pPr marL="0" indent="0">
+                  <a:buNone/>
+                </a:pPr>
+                <a:endParaRPr lang="en-US" sz="2000" dirty="0"/>
+              </a:p>
+              <a:p>
+                <a:pPr marL="0" indent="0">
+                  <a:buNone/>
+                </a:pPr>
+                <a:endParaRPr lang="en-US" sz="2000" dirty="0"/>
+              </a:p>
+              <a:p>
+                <a:pPr marL="0" indent="0">
+                  <a:buNone/>
+                </a:pPr>
+                <a:endParaRPr lang="en-US" sz="2000" dirty="0"/>
+              </a:p>
+            </p:txBody>
+          </p:sp>
+        </mc:Choice>
+        <mc:Fallback>
+          <p:sp>
+            <p:nvSpPr>
+              <p:cNvPr id="3" name="Content Placeholder 2">
+                <a:extLst>
+                  <a:ext uri="{FF2B5EF4-FFF2-40B4-BE49-F238E27FC236}">
+                    <a16:creationId xmlns:a16="http://schemas.microsoft.com/office/drawing/2014/main" id="{6AAA7167-8BA5-42EC-B5E0-F25C5DED699F}"/>
+                  </a:ext>
+                </a:extLst>
+              </p:cNvPr>
+              <p:cNvSpPr>
+                <a:spLocks noGrp="1" noRot="1" noChangeAspect="1" noMove="1" noResize="1" noEditPoints="1" noAdjustHandles="1" noChangeArrowheads="1" noChangeShapeType="1" noTextEdit="1"/>
+              </p:cNvSpPr>
+              <p:nvPr>
+                <p:ph idx="1"/>
+              </p:nvPr>
+            </p:nvSpPr>
+            <p:spPr>
+              <a:xfrm>
+                <a:off x="838200" y="2191807"/>
+                <a:ext cx="4936067" cy="3985155"/>
+              </a:xfrm>
+              <a:blipFill>
+                <a:blip r:embed="rId2"/>
+                <a:stretch>
+                  <a:fillRect l="-2596" t="-2603" r="-4079"/>
+                </a:stretch>
+              </a:blipFill>
+            </p:spPr>
+            <p:txBody>
+              <a:bodyPr/>
+              <a:lstStyle/>
+              <a:p>
+                <a:r>
+                  <a:rPr lang="en-US">
+                    <a:noFill/>
+                  </a:rPr>
+                  <a:t> </a:t>
+                </a:r>
+              </a:p>
+            </p:txBody>
+          </p:sp>
+        </mc:Fallback>
+      </mc:AlternateContent>
+      <p:pic>
+        <p:nvPicPr>
+          <p:cNvPr id="5" name="Picture 4">
+            <a:extLst>
+              <a:ext uri="{FF2B5EF4-FFF2-40B4-BE49-F238E27FC236}">
+                <a16:creationId xmlns:a16="http://schemas.microsoft.com/office/drawing/2014/main" id="{F164EA9E-6DF7-4809-9E5C-03AC88D5CBAA}"/>
+              </a:ext>
+            </a:extLst>
+          </p:cNvPr>
+          <p:cNvPicPr>
+            <a:picLocks noChangeAspect="1"/>
+          </p:cNvPicPr>
+          <p:nvPr/>
+        </p:nvPicPr>
+        <p:blipFill>
+          <a:blip r:embed="rId3">
+            <a:extLst>
+              <a:ext uri="{28A0092B-C50C-407E-A947-70E740481C1C}">
+                <a14:useLocalDpi xmlns:a14="http://schemas.microsoft.com/office/drawing/2010/main" val="0"/>
+              </a:ext>
+            </a:extLst>
+          </a:blip>
+          <a:stretch>
+            <a:fillRect/>
+          </a:stretch>
+        </p:blipFill>
+        <p:spPr>
+          <a:xfrm>
+            <a:off x="6417734" y="2333396"/>
+            <a:ext cx="4935970" cy="3701977"/>
+          </a:xfrm>
+          <a:prstGeom prst="rect">
+            <a:avLst/>
+          </a:prstGeom>
+        </p:spPr>
+      </p:pic>
+    </p:spTree>
+    <p:extLst>
+      <p:ext uri="{BB962C8B-B14F-4D97-AF65-F5344CB8AC3E}">
+        <p14:creationId xmlns:p14="http://schemas.microsoft.com/office/powerpoint/2010/main" val="3248731268"/>
+      </p:ext>
+    </p:extLst>
+  </p:cSld>
+  <p:clrMapOvr>
+    <a:overrideClrMapping bg1="dk1" tx1="lt1" bg2="dk2" tx2="lt2" accent1="accent1" accent2="accent2" accent3="accent3" accent4="accent4" accent5="accent5" accent6="accent6" hlink="hlink" folHlink="folHlink"/>
+  </p:clrMapOvr>
+</p:sld>
+</file>
+
+<file path=ppt/slides/slide3.xml><?xml version="1.0" encoding="utf-8"?>
+<p:sld xmlns:a="http://schemas.openxmlformats.org/drawingml/2006/main" xmlns:r="http://schemas.openxmlformats.org/officeDocument/2006/relationships" xmlns:p="http://schemas.openxmlformats.org/presentationml/2006/main">
+  <p:cSld>
+    <p:bg>
+      <p:bgPr>
+        <a:solidFill>
+          <a:schemeClr val="bg1"/>
+        </a:solidFill>
+        <a:effectLst/>
+      </p:bgPr>
+    </p:bg>
+    <p:spTree>
+      <p:nvGrpSpPr>
+        <p:cNvPr id="1" name=""/>
+        <p:cNvGrpSpPr/>
+        <p:nvPr/>
+      </p:nvGrpSpPr>
+      <p:grpSpPr>
+        <a:xfrm>
+          <a:off x="0" y="0"/>
+          <a:ext cx="0" cy="0"/>
+          <a:chOff x="0" y="0"/>
+          <a:chExt cx="0" cy="0"/>
+        </a:xfrm>
+      </p:grpSpPr>
+      <p:sp>
+        <p:nvSpPr>
+          <p:cNvPr id="17" name="Rectangle 16">
+            <a:extLst>
+              <a:ext uri="{FF2B5EF4-FFF2-40B4-BE49-F238E27FC236}">
+                <a16:creationId xmlns:a16="http://schemas.microsoft.com/office/drawing/2014/main" id="{867D4867-5BA7-4462-B2F6-A23F4A622AA7}"/>
+              </a:ext>
+              <a:ext uri="{C183D7F6-B498-43B3-948B-1728B52AA6E4}">
+                <adec:decorative xmlns:adec="http://schemas.microsoft.com/office/drawing/2017/decorative" val="1"/>
+              </a:ext>
+            </a:extLst>
+          </p:cNvPr>
+          <p:cNvSpPr>
+            <a:spLocks noGrp="1" noRot="1" noChangeAspect="1" noMove="1" noResize="1" noEditPoints="1" noAdjustHandles="1" noChangeArrowheads="1" noChangeShapeType="1" noTextEdit="1"/>
+          </p:cNvSpPr>
+          <p:nvPr>
+            <p:extLst>
+              <p:ext uri="{386F3935-93C4-4BCD-93E2-E3B085C9AB24}">
+                <p16:designElem xmlns:p16="http://schemas.microsoft.com/office/powerpoint/2015/main" val="1"/>
+              </p:ext>
+            </p:extLst>
+          </p:nvPr>
+        </p:nvSpPr>
+        <p:spPr>
+          <a:xfrm>
+            <a:off x="0" y="0"/>
+            <a:ext cx="4654296" cy="6858000"/>
+          </a:xfrm>
+          <a:prstGeom prst="rect">
+            <a:avLst/>
+          </a:prstGeom>
+          <a:solidFill>
+            <a:schemeClr val="tx1">
+              <a:lumMod val="75000"/>
+              <a:lumOff val="25000"/>
+            </a:schemeClr>
+          </a:solidFill>
+          <a:ln>
+            <a:noFill/>
+          </a:ln>
+        </p:spPr>
+        <p:style>
+          <a:lnRef idx="0">
+            <a:scrgbClr r="0" g="0" b="0"/>
+          </a:lnRef>
+          <a:fillRef idx="0">
+            <a:scrgbClr r="0" g="0" b="0"/>
+          </a:fillRef>
+          <a:effectRef idx="0">
+            <a:scrgbClr r="0" g="0" b="0"/>
+          </a:effectRef>
+          <a:fontRef idx="minor">
+            <a:schemeClr val="lt1"/>
+          </a:fontRef>
+        </p:style>
+        <p:txBody>
+          <a:bodyPr rtlCol="0" anchor="ctr"/>
+          <a:lstStyle/>
+          <a:p>
+            <a:pPr algn="ctr"/>
+            <a:endParaRPr lang="en-US"/>
+          </a:p>
+        </p:txBody>
+      </p:sp>
+      <p:sp>
+        <p:nvSpPr>
+          <p:cNvPr id="2" name="Title 1">
+            <a:extLst>
+              <a:ext uri="{FF2B5EF4-FFF2-40B4-BE49-F238E27FC236}">
+                <a16:creationId xmlns:a16="http://schemas.microsoft.com/office/drawing/2014/main" id="{D5A7C209-65BE-4269-AF25-2D4C7D221D47}"/>
+              </a:ext>
+            </a:extLst>
+          </p:cNvPr>
+          <p:cNvSpPr>
+            <a:spLocks noGrp="1"/>
+          </p:cNvSpPr>
+          <p:nvPr>
+            <p:ph type="title"/>
+          </p:nvPr>
+        </p:nvSpPr>
+        <p:spPr>
+          <a:xfrm>
+            <a:off x="643467" y="643467"/>
+            <a:ext cx="3363974" cy="1597315"/>
+          </a:xfrm>
+          <a:noFill/>
+          <a:ln w="19050">
+            <a:solidFill>
+              <a:schemeClr val="bg1"/>
+            </a:solidFill>
+          </a:ln>
+        </p:spPr>
+        <p:txBody>
+          <a:bodyPr wrap="square">
+            <a:normAutofit/>
+          </a:bodyPr>
+          <a:lstStyle/>
+          <a:p>
+            <a:pPr algn="ctr"/>
+            <a:r>
+              <a:rPr lang="ru-RU" sz="2800" dirty="0">
+                <a:solidFill>
+                  <a:schemeClr val="bg1"/>
+                </a:solidFill>
+              </a:rPr>
+              <a:t>Сети прямого распространения и последовательности </a:t>
+            </a:r>
+            <a:endParaRPr lang="en-US" sz="2800" dirty="0">
+              <a:solidFill>
+                <a:schemeClr val="bg1"/>
+              </a:solidFill>
+            </a:endParaRPr>
+          </a:p>
+        </p:txBody>
+      </p:sp>
+      <mc:AlternateContent xmlns:mc="http://schemas.openxmlformats.org/markup-compatibility/2006">
+        <mc:Choice xmlns:a14="http://schemas.microsoft.com/office/drawing/2010/main" Requires="a14">
+          <p:sp>
+            <p:nvSpPr>
+              <p:cNvPr id="3" name="Content Placeholder 2">
+                <a:extLst>
+                  <a:ext uri="{FF2B5EF4-FFF2-40B4-BE49-F238E27FC236}">
+                    <a16:creationId xmlns:a16="http://schemas.microsoft.com/office/drawing/2014/main" id="{B3B0F132-386D-4D36-A1DA-BD2E3FCBBA6B}"/>
+                  </a:ext>
+                </a:extLst>
+              </p:cNvPr>
+              <p:cNvSpPr>
+                <a:spLocks noGrp="1"/>
+              </p:cNvSpPr>
+              <p:nvPr>
+                <p:ph idx="1"/>
+              </p:nvPr>
+            </p:nvSpPr>
+            <p:spPr>
+              <a:xfrm>
+                <a:off x="0" y="2638044"/>
+                <a:ext cx="4654296" cy="4219956"/>
+              </a:xfrm>
+            </p:spPr>
+            <p:txBody>
+              <a:bodyPr>
+                <a:normAutofit/>
+              </a:bodyPr>
+              <a:lstStyle/>
+              <a:p>
+                <a:pPr marL="0" indent="0">
+                  <a:buNone/>
+                </a:pPr>
+                <a:r>
+                  <a:rPr lang="ru-RU" sz="2400" dirty="0">
+                    <a:solidFill>
+                      <a:schemeClr val="bg1"/>
+                    </a:solidFill>
+                  </a:rPr>
+                  <a:t>Исходная последовательность</a:t>
+                </a:r>
+                <a:r>
+                  <a:rPr lang="en-US" sz="2400" dirty="0">
+                    <a:solidFill>
+                      <a:schemeClr val="bg1"/>
+                    </a:solidFill>
+                  </a:rPr>
+                  <a:t>: </a:t>
+                </a:r>
+                <a14:m>
+                  <m:oMath xmlns:m="http://schemas.openxmlformats.org/officeDocument/2006/math">
+                    <m:sSub>
+                      <m:sSubPr>
+                        <m:ctrlPr>
+                          <a:rPr lang="en-US" sz="2400" i="1">
+                            <a:solidFill>
+                              <a:schemeClr val="bg1"/>
+                            </a:solidFill>
+                            <a:latin typeface="Cambria Math" panose="02040503050406030204" pitchFamily="18" charset="0"/>
+                          </a:rPr>
+                        </m:ctrlPr>
+                      </m:sSubPr>
+                      <m:e>
+                        <m:r>
+                          <a:rPr lang="en-US" sz="2400" i="1">
+                            <a:solidFill>
+                              <a:schemeClr val="bg1"/>
+                            </a:solidFill>
+                            <a:latin typeface="Cambria Math" panose="02040503050406030204" pitchFamily="18" charset="0"/>
+                          </a:rPr>
+                          <m:t>𝑥</m:t>
+                        </m:r>
+                      </m:e>
+                      <m:sub>
+                        <m:r>
+                          <a:rPr lang="en-US" sz="2400" i="0">
+                            <a:solidFill>
+                              <a:schemeClr val="bg1"/>
+                            </a:solidFill>
+                            <a:latin typeface="Cambria Math" panose="02040503050406030204" pitchFamily="18" charset="0"/>
+                          </a:rPr>
+                          <m:t>1</m:t>
+                        </m:r>
+                      </m:sub>
+                    </m:sSub>
+                    <m:r>
+                      <a:rPr lang="en-US" sz="2400" i="0">
+                        <a:solidFill>
+                          <a:schemeClr val="bg1"/>
+                        </a:solidFill>
+                        <a:latin typeface="Cambria Math" panose="02040503050406030204" pitchFamily="18" charset="0"/>
+                      </a:rPr>
+                      <m:t>,</m:t>
+                    </m:r>
+                    <m:sSub>
+                      <m:sSubPr>
+                        <m:ctrlPr>
+                          <a:rPr lang="en-US" sz="2400" i="1">
+                            <a:solidFill>
+                              <a:schemeClr val="bg1"/>
+                            </a:solidFill>
+                            <a:latin typeface="Cambria Math" panose="02040503050406030204" pitchFamily="18" charset="0"/>
+                          </a:rPr>
+                        </m:ctrlPr>
+                      </m:sSubPr>
+                      <m:e>
+                        <m:r>
+                          <a:rPr lang="en-US" sz="2400" i="1">
+                            <a:solidFill>
+                              <a:schemeClr val="bg1"/>
+                            </a:solidFill>
+                            <a:latin typeface="Cambria Math" panose="02040503050406030204" pitchFamily="18" charset="0"/>
+                          </a:rPr>
+                          <m:t>𝑥</m:t>
+                        </m:r>
+                      </m:e>
+                      <m:sub>
+                        <m:r>
+                          <a:rPr lang="en-US" sz="2400" i="0">
+                            <a:solidFill>
+                              <a:schemeClr val="bg1"/>
+                            </a:solidFill>
+                            <a:latin typeface="Cambria Math" panose="02040503050406030204" pitchFamily="18" charset="0"/>
+                          </a:rPr>
+                          <m:t>2</m:t>
+                        </m:r>
+                      </m:sub>
+                    </m:sSub>
+                    <m:r>
+                      <a:rPr lang="en-US" sz="2400" i="0">
+                        <a:solidFill>
+                          <a:schemeClr val="bg1"/>
+                        </a:solidFill>
+                        <a:latin typeface="Cambria Math" panose="02040503050406030204" pitchFamily="18" charset="0"/>
+                      </a:rPr>
+                      <m:t>,…,</m:t>
+                    </m:r>
+                    <m:sSub>
+                      <m:sSubPr>
+                        <m:ctrlPr>
+                          <a:rPr lang="en-US" sz="2400" i="1">
+                            <a:solidFill>
+                              <a:schemeClr val="bg1"/>
+                            </a:solidFill>
+                            <a:latin typeface="Cambria Math" panose="02040503050406030204" pitchFamily="18" charset="0"/>
+                          </a:rPr>
+                        </m:ctrlPr>
+                      </m:sSubPr>
+                      <m:e>
+                        <m:r>
+                          <a:rPr lang="en-US" sz="2400" i="1">
+                            <a:solidFill>
+                              <a:schemeClr val="bg1"/>
+                            </a:solidFill>
+                            <a:latin typeface="Cambria Math" panose="02040503050406030204" pitchFamily="18" charset="0"/>
+                          </a:rPr>
+                          <m:t>𝑥</m:t>
+                        </m:r>
+                      </m:e>
+                      <m:sub>
+                        <m:r>
+                          <a:rPr lang="en-US" sz="2400" i="1">
+                            <a:solidFill>
+                              <a:schemeClr val="bg1"/>
+                            </a:solidFill>
+                            <a:latin typeface="Cambria Math" panose="02040503050406030204" pitchFamily="18" charset="0"/>
+                          </a:rPr>
+                          <m:t>𝑛</m:t>
+                        </m:r>
+                      </m:sub>
+                    </m:sSub>
+                  </m:oMath>
+                </a14:m>
+                <a:endParaRPr lang="en-US" sz="2400" dirty="0">
+                  <a:solidFill>
+                    <a:schemeClr val="bg1"/>
+                  </a:solidFill>
+                </a:endParaRPr>
+              </a:p>
+              <a:p>
+                <a:pPr marL="0" indent="0">
+                  <a:buNone/>
+                </a:pPr>
+                <a:r>
+                  <a:rPr lang="ru-RU" sz="2400" dirty="0">
+                    <a:solidFill>
+                      <a:schemeClr val="bg1"/>
+                    </a:solidFill>
+                  </a:rPr>
+                  <a:t>Будем пытаться предсказать </a:t>
+                </a:r>
+                <a14:m>
+                  <m:oMath xmlns:m="http://schemas.openxmlformats.org/officeDocument/2006/math">
+                    <m:sSub>
+                      <m:sSubPr>
+                        <m:ctrlPr>
+                          <a:rPr lang="en-US" sz="2400" i="1">
+                            <a:solidFill>
+                              <a:schemeClr val="bg1"/>
+                            </a:solidFill>
+                            <a:latin typeface="Cambria Math" panose="02040503050406030204" pitchFamily="18" charset="0"/>
+                          </a:rPr>
+                        </m:ctrlPr>
+                      </m:sSubPr>
+                      <m:e>
+                        <m:r>
+                          <a:rPr lang="en-US" sz="2400" i="1">
+                            <a:solidFill>
+                              <a:schemeClr val="bg1"/>
+                            </a:solidFill>
+                            <a:latin typeface="Cambria Math" panose="02040503050406030204" pitchFamily="18" charset="0"/>
+                          </a:rPr>
+                          <m:t>𝑥</m:t>
+                        </m:r>
+                      </m:e>
+                      <m:sub>
+                        <m:r>
+                          <a:rPr lang="en-US" sz="2400" i="1">
+                            <a:solidFill>
+                              <a:schemeClr val="bg1"/>
+                            </a:solidFill>
+                            <a:latin typeface="Cambria Math" panose="02040503050406030204" pitchFamily="18" charset="0"/>
+                          </a:rPr>
+                          <m:t>𝑛</m:t>
+                        </m:r>
+                      </m:sub>
+                    </m:sSub>
+                  </m:oMath>
+                </a14:m>
+                <a:r>
+                  <a:rPr lang="ru-RU" sz="2400" dirty="0">
+                    <a:solidFill>
+                      <a:schemeClr val="bg1"/>
+                    </a:solidFill>
+                  </a:rPr>
+                  <a:t> из ряда </a:t>
+                </a:r>
+                <a14:m>
+                  <m:oMath xmlns:m="http://schemas.openxmlformats.org/officeDocument/2006/math">
+                    <m:sSub>
+                      <m:sSubPr>
+                        <m:ctrlPr>
+                          <a:rPr lang="en-US" sz="2400" i="1">
+                            <a:solidFill>
+                              <a:schemeClr val="bg1"/>
+                            </a:solidFill>
+                            <a:latin typeface="Cambria Math" panose="02040503050406030204" pitchFamily="18" charset="0"/>
+                          </a:rPr>
+                        </m:ctrlPr>
+                      </m:sSubPr>
+                      <m:e>
+                        <m:r>
+                          <a:rPr lang="en-US" sz="2400" i="1">
+                            <a:solidFill>
+                              <a:schemeClr val="bg1"/>
+                            </a:solidFill>
+                            <a:latin typeface="Cambria Math" panose="02040503050406030204" pitchFamily="18" charset="0"/>
+                          </a:rPr>
+                          <m:t>𝑥</m:t>
+                        </m:r>
+                      </m:e>
+                      <m:sub>
+                        <m:r>
+                          <a:rPr lang="en-US" sz="2400">
+                            <a:solidFill>
+                              <a:schemeClr val="bg1"/>
+                            </a:solidFill>
+                            <a:latin typeface="Cambria Math" panose="02040503050406030204" pitchFamily="18" charset="0"/>
+                          </a:rPr>
+                          <m:t>1</m:t>
+                        </m:r>
+                      </m:sub>
+                    </m:sSub>
+                    <m:r>
+                      <a:rPr lang="en-US" sz="2400">
+                        <a:solidFill>
+                          <a:schemeClr val="bg1"/>
+                        </a:solidFill>
+                        <a:latin typeface="Cambria Math" panose="02040503050406030204" pitchFamily="18" charset="0"/>
+                      </a:rPr>
+                      <m:t>,</m:t>
+                    </m:r>
+                    <m:sSub>
+                      <m:sSubPr>
+                        <m:ctrlPr>
+                          <a:rPr lang="en-US" sz="2400" i="1">
+                            <a:solidFill>
+                              <a:schemeClr val="bg1"/>
+                            </a:solidFill>
+                            <a:latin typeface="Cambria Math" panose="02040503050406030204" pitchFamily="18" charset="0"/>
+                          </a:rPr>
+                        </m:ctrlPr>
+                      </m:sSubPr>
+                      <m:e>
+                        <m:r>
+                          <a:rPr lang="en-US" sz="2400" i="1">
+                            <a:solidFill>
+                              <a:schemeClr val="bg1"/>
+                            </a:solidFill>
+                            <a:latin typeface="Cambria Math" panose="02040503050406030204" pitchFamily="18" charset="0"/>
+                          </a:rPr>
+                          <m:t>𝑥</m:t>
+                        </m:r>
+                      </m:e>
+                      <m:sub>
+                        <m:r>
+                          <a:rPr lang="en-US" sz="2400">
+                            <a:solidFill>
+                              <a:schemeClr val="bg1"/>
+                            </a:solidFill>
+                            <a:latin typeface="Cambria Math" panose="02040503050406030204" pitchFamily="18" charset="0"/>
+                          </a:rPr>
+                          <m:t>2</m:t>
+                        </m:r>
+                      </m:sub>
+                    </m:sSub>
+                    <m:r>
+                      <a:rPr lang="en-US" sz="2400">
+                        <a:solidFill>
+                          <a:schemeClr val="bg1"/>
+                        </a:solidFill>
+                        <a:latin typeface="Cambria Math" panose="02040503050406030204" pitchFamily="18" charset="0"/>
+                      </a:rPr>
+                      <m:t>,…,</m:t>
+                    </m:r>
+                    <m:sSub>
+                      <m:sSubPr>
+                        <m:ctrlPr>
+                          <a:rPr lang="en-US" sz="2400" i="1">
+                            <a:solidFill>
+                              <a:schemeClr val="bg1"/>
+                            </a:solidFill>
+                            <a:latin typeface="Cambria Math" panose="02040503050406030204" pitchFamily="18" charset="0"/>
+                          </a:rPr>
+                        </m:ctrlPr>
+                      </m:sSubPr>
+                      <m:e>
+                        <m:r>
+                          <a:rPr lang="en-US" sz="2400" b="0" i="1">
+                            <a:solidFill>
+                              <a:schemeClr val="bg1"/>
+                            </a:solidFill>
+                            <a:latin typeface="Cambria Math" panose="02040503050406030204" pitchFamily="18" charset="0"/>
+                          </a:rPr>
+                          <m:t>,</m:t>
+                        </m:r>
+                        <m:r>
+                          <a:rPr lang="en-US" sz="2400" i="1">
+                            <a:solidFill>
+                              <a:schemeClr val="bg1"/>
+                            </a:solidFill>
+                            <a:latin typeface="Cambria Math" panose="02040503050406030204" pitchFamily="18" charset="0"/>
+                          </a:rPr>
+                          <m:t>𝑥</m:t>
+                        </m:r>
+                      </m:e>
+                      <m:sub>
+                        <m:r>
+                          <a:rPr lang="en-US" sz="2400" i="1">
+                            <a:solidFill>
+                              <a:schemeClr val="bg1"/>
+                            </a:solidFill>
+                            <a:latin typeface="Cambria Math" panose="02040503050406030204" pitchFamily="18" charset="0"/>
+                          </a:rPr>
+                          <m:t>𝑛</m:t>
+                        </m:r>
+                        <m:r>
+                          <a:rPr lang="ru-RU" sz="2400" b="0" i="1">
+                            <a:solidFill>
+                              <a:schemeClr val="bg1"/>
+                            </a:solidFill>
+                            <a:latin typeface="Cambria Math" panose="02040503050406030204" pitchFamily="18" charset="0"/>
+                          </a:rPr>
+                          <m:t>−1</m:t>
+                        </m:r>
+                      </m:sub>
+                    </m:sSub>
+                  </m:oMath>
+                </a14:m>
+                <a:r>
+                  <a:rPr lang="en-US" sz="2400" dirty="0">
+                    <a:solidFill>
+                      <a:schemeClr val="bg1"/>
+                    </a:solidFill>
+                  </a:rPr>
+                  <a:t> </a:t>
+                </a:r>
+                <a:r>
+                  <a:rPr lang="ru-RU" sz="2400" dirty="0">
+                    <a:solidFill>
+                      <a:schemeClr val="bg1"/>
+                    </a:solidFill>
+                  </a:rPr>
+                  <a:t>как функцию </a:t>
+                </a:r>
+                <a14:m>
+                  <m:oMath xmlns:m="http://schemas.openxmlformats.org/officeDocument/2006/math">
+                    <m:sSub>
+                      <m:sSubPr>
+                        <m:ctrlPr>
+                          <a:rPr lang="en-US" sz="2400" i="1">
+                            <a:solidFill>
+                              <a:schemeClr val="bg1"/>
+                            </a:solidFill>
+                            <a:latin typeface="Cambria Math" panose="02040503050406030204" pitchFamily="18" charset="0"/>
+                          </a:rPr>
+                        </m:ctrlPr>
+                      </m:sSubPr>
+                      <m:e>
+                        <m:r>
+                          <a:rPr lang="en-US" sz="2400" i="1">
+                            <a:solidFill>
+                              <a:schemeClr val="bg1"/>
+                            </a:solidFill>
+                            <a:latin typeface="Cambria Math" panose="02040503050406030204" pitchFamily="18" charset="0"/>
+                          </a:rPr>
+                          <m:t>𝑥</m:t>
+                        </m:r>
+                      </m:e>
+                      <m:sub>
+                        <m:r>
+                          <a:rPr lang="en-US" sz="2400" i="1">
+                            <a:solidFill>
+                              <a:schemeClr val="bg1"/>
+                            </a:solidFill>
+                            <a:latin typeface="Cambria Math" panose="02040503050406030204" pitchFamily="18" charset="0"/>
+                          </a:rPr>
+                          <m:t>𝑛</m:t>
+                        </m:r>
+                      </m:sub>
+                    </m:sSub>
+                    <m:r>
+                      <a:rPr lang="ru-RU" sz="2400" b="0" i="1">
+                        <a:solidFill>
+                          <a:schemeClr val="bg1"/>
+                        </a:solidFill>
+                        <a:latin typeface="Cambria Math" panose="02040503050406030204" pitchFamily="18" charset="0"/>
+                      </a:rPr>
+                      <m:t>=</m:t>
+                    </m:r>
+                    <m:r>
+                      <a:rPr lang="en-US" sz="2400" i="1">
+                        <a:solidFill>
+                          <a:schemeClr val="bg1"/>
+                        </a:solidFill>
+                        <a:latin typeface="Cambria Math" panose="02040503050406030204" pitchFamily="18" charset="0"/>
+                      </a:rPr>
+                      <m:t>𝑓</m:t>
+                    </m:r>
+                    <m:d>
+                      <m:dPr>
+                        <m:ctrlPr>
+                          <a:rPr lang="en-US" sz="2400" i="1">
+                            <a:solidFill>
+                              <a:schemeClr val="bg1"/>
+                            </a:solidFill>
+                            <a:latin typeface="Cambria Math" panose="02040503050406030204" pitchFamily="18" charset="0"/>
+                          </a:rPr>
+                        </m:ctrlPr>
+                      </m:dPr>
+                      <m:e>
+                        <m:sSub>
+                          <m:sSubPr>
+                            <m:ctrlPr>
+                              <a:rPr lang="en-US" sz="2400" i="1">
+                                <a:solidFill>
+                                  <a:schemeClr val="bg1"/>
+                                </a:solidFill>
+                                <a:latin typeface="Cambria Math" panose="02040503050406030204" pitchFamily="18" charset="0"/>
+                              </a:rPr>
+                            </m:ctrlPr>
+                          </m:sSubPr>
+                          <m:e>
+                            <m:r>
+                              <a:rPr lang="en-US" sz="2400" i="1">
+                                <a:solidFill>
+                                  <a:schemeClr val="bg1"/>
+                                </a:solidFill>
+                                <a:latin typeface="Cambria Math" panose="02040503050406030204" pitchFamily="18" charset="0"/>
+                              </a:rPr>
+                              <m:t>𝑥</m:t>
+                            </m:r>
+                          </m:e>
+                          <m:sub>
+                            <m:r>
+                              <a:rPr lang="en-US" sz="2400" i="1">
+                                <a:solidFill>
+                                  <a:schemeClr val="bg1"/>
+                                </a:solidFill>
+                                <a:latin typeface="Cambria Math" panose="02040503050406030204" pitchFamily="18" charset="0"/>
+                              </a:rPr>
+                              <m:t>𝑛</m:t>
+                            </m:r>
+                            <m:r>
+                              <a:rPr lang="en-US" sz="2400" i="0">
+                                <a:solidFill>
+                                  <a:schemeClr val="bg1"/>
+                                </a:solidFill>
+                                <a:latin typeface="Cambria Math" panose="02040503050406030204" pitchFamily="18" charset="0"/>
+                              </a:rPr>
+                              <m:t>−1</m:t>
+                            </m:r>
+                          </m:sub>
+                        </m:sSub>
+                        <m:r>
+                          <a:rPr lang="en-US" sz="2400" i="0">
+                            <a:solidFill>
+                              <a:schemeClr val="bg1"/>
+                            </a:solidFill>
+                            <a:latin typeface="Cambria Math" panose="02040503050406030204" pitchFamily="18" charset="0"/>
+                          </a:rPr>
+                          <m:t>,…,</m:t>
+                        </m:r>
+                        <m:sSub>
+                          <m:sSubPr>
+                            <m:ctrlPr>
+                              <a:rPr lang="en-US" sz="2400" i="1">
+                                <a:solidFill>
+                                  <a:schemeClr val="bg1"/>
+                                </a:solidFill>
+                                <a:latin typeface="Cambria Math" panose="02040503050406030204" pitchFamily="18" charset="0"/>
+                              </a:rPr>
+                            </m:ctrlPr>
+                          </m:sSubPr>
+                          <m:e>
+                            <m:r>
+                              <a:rPr lang="en-US" sz="2400" i="1">
+                                <a:solidFill>
+                                  <a:schemeClr val="bg1"/>
+                                </a:solidFill>
+                                <a:latin typeface="Cambria Math" panose="02040503050406030204" pitchFamily="18" charset="0"/>
+                              </a:rPr>
+                              <m:t>𝑥</m:t>
+                            </m:r>
+                          </m:e>
+                          <m:sub>
+                            <m:r>
+                              <a:rPr lang="en-US" sz="2400" i="1">
+                                <a:solidFill>
+                                  <a:schemeClr val="bg1"/>
+                                </a:solidFill>
+                                <a:latin typeface="Cambria Math" panose="02040503050406030204" pitchFamily="18" charset="0"/>
+                              </a:rPr>
+                              <m:t>𝑛</m:t>
+                            </m:r>
+                            <m:r>
+                              <a:rPr lang="en-US" sz="2400" i="0">
+                                <a:solidFill>
+                                  <a:schemeClr val="bg1"/>
+                                </a:solidFill>
+                                <a:latin typeface="Cambria Math" panose="02040503050406030204" pitchFamily="18" charset="0"/>
+                              </a:rPr>
+                              <m:t>−</m:t>
+                            </m:r>
+                            <m:r>
+                              <a:rPr lang="en-US" sz="2400" i="1">
+                                <a:solidFill>
+                                  <a:schemeClr val="bg1"/>
+                                </a:solidFill>
+                                <a:latin typeface="Cambria Math" panose="02040503050406030204" pitchFamily="18" charset="0"/>
+                              </a:rPr>
+                              <m:t>𝑙</m:t>
+                            </m:r>
+                          </m:sub>
+                        </m:sSub>
+                      </m:e>
+                    </m:d>
+                  </m:oMath>
+                </a14:m>
+                <a:endParaRPr lang="ru-RU" sz="2400" dirty="0">
+                  <a:solidFill>
+                    <a:schemeClr val="bg1"/>
+                  </a:solidFill>
+                </a:endParaRPr>
+              </a:p>
+              <a:p>
+                <a:pPr marL="0" indent="0">
+                  <a:buNone/>
+                </a:pPr>
+                <a:endParaRPr lang="ru-RU" sz="2400" dirty="0">
+                  <a:solidFill>
+                    <a:schemeClr val="bg1"/>
+                  </a:solidFill>
+                </a:endParaRPr>
+              </a:p>
+              <a:p>
+                <a:pPr marL="0" indent="0">
+                  <a:buNone/>
+                </a:pPr>
+                <a:endParaRPr lang="ru-RU" sz="2400" dirty="0">
+                  <a:solidFill>
+                    <a:schemeClr val="bg1"/>
+                  </a:solidFill>
+                </a:endParaRPr>
+              </a:p>
+              <a:p>
+                <a:pPr marL="0" indent="0">
+                  <a:buNone/>
+                </a:pPr>
+                <a:r>
+                  <a:rPr lang="ru-RU" sz="2400" dirty="0">
+                    <a:solidFill>
+                      <a:schemeClr val="bg1"/>
+                    </a:solidFill>
+                  </a:rPr>
+                  <a:t> </a:t>
+                </a:r>
+                <a14:m>
+                  <m:oMath xmlns:m="http://schemas.openxmlformats.org/officeDocument/2006/math">
+                    <m:sSub>
+                      <m:sSubPr>
+                        <m:ctrlPr>
+                          <a:rPr lang="en-US" sz="2400" i="1">
+                            <a:solidFill>
+                              <a:schemeClr val="bg1"/>
+                            </a:solidFill>
+                            <a:latin typeface="Cambria Math" panose="02040503050406030204" pitchFamily="18" charset="0"/>
+                          </a:rPr>
+                        </m:ctrlPr>
+                      </m:sSubPr>
+                      <m:e>
+                        <m:r>
+                          <a:rPr lang="en-US" sz="2400" i="1">
+                            <a:solidFill>
+                              <a:schemeClr val="bg1"/>
+                            </a:solidFill>
+                            <a:latin typeface="Cambria Math" panose="02040503050406030204" pitchFamily="18" charset="0"/>
+                          </a:rPr>
+                          <m:t>𝑦</m:t>
+                        </m:r>
+                      </m:e>
+                      <m:sub>
+                        <m:r>
+                          <a:rPr lang="en-US" sz="2400" i="0">
+                            <a:solidFill>
+                              <a:schemeClr val="bg1"/>
+                            </a:solidFill>
+                            <a:latin typeface="Cambria Math" panose="02040503050406030204" pitchFamily="18" charset="0"/>
+                          </a:rPr>
+                          <m:t>4</m:t>
+                        </m:r>
+                      </m:sub>
+                    </m:sSub>
+                    <m:r>
+                      <a:rPr lang="en-US" sz="2400" i="0">
+                        <a:solidFill>
+                          <a:schemeClr val="bg1"/>
+                        </a:solidFill>
+                        <a:latin typeface="Cambria Math" panose="02040503050406030204" pitchFamily="18" charset="0"/>
+                      </a:rPr>
+                      <m:t>=</m:t>
+                    </m:r>
+                    <m:r>
+                      <a:rPr lang="en-US" sz="2400" i="1">
+                        <a:solidFill>
+                          <a:schemeClr val="bg1"/>
+                        </a:solidFill>
+                        <a:latin typeface="Cambria Math" panose="02040503050406030204" pitchFamily="18" charset="0"/>
+                      </a:rPr>
+                      <m:t>𝑓</m:t>
+                    </m:r>
+                    <m:d>
+                      <m:dPr>
+                        <m:ctrlPr>
+                          <a:rPr lang="en-US" sz="2400" i="1">
+                            <a:solidFill>
+                              <a:schemeClr val="bg1"/>
+                            </a:solidFill>
+                            <a:latin typeface="Cambria Math" panose="02040503050406030204" pitchFamily="18" charset="0"/>
+                          </a:rPr>
+                        </m:ctrlPr>
+                      </m:dPr>
+                      <m:e>
+                        <m:sSub>
+                          <m:sSubPr>
+                            <m:ctrlPr>
+                              <a:rPr lang="en-US" sz="2400" i="1">
+                                <a:solidFill>
+                                  <a:schemeClr val="bg1"/>
+                                </a:solidFill>
+                                <a:latin typeface="Cambria Math" panose="02040503050406030204" pitchFamily="18" charset="0"/>
+                              </a:rPr>
+                            </m:ctrlPr>
+                          </m:sSubPr>
+                          <m:e>
+                            <m:r>
+                              <a:rPr lang="en-US" sz="2400" i="1">
+                                <a:solidFill>
+                                  <a:schemeClr val="bg1"/>
+                                </a:solidFill>
+                                <a:latin typeface="Cambria Math" panose="02040503050406030204" pitchFamily="18" charset="0"/>
+                              </a:rPr>
+                              <m:t>𝑥</m:t>
+                            </m:r>
+                          </m:e>
+                          <m:sub>
+                            <m:r>
+                              <a:rPr lang="en-US" sz="2400" i="0">
+                                <a:solidFill>
+                                  <a:schemeClr val="bg1"/>
+                                </a:solidFill>
+                                <a:latin typeface="Cambria Math" panose="02040503050406030204" pitchFamily="18" charset="0"/>
+                              </a:rPr>
+                              <m:t>1</m:t>
+                            </m:r>
+                          </m:sub>
+                        </m:sSub>
+                        <m:r>
+                          <a:rPr lang="en-US" sz="2400" i="0">
+                            <a:solidFill>
+                              <a:schemeClr val="bg1"/>
+                            </a:solidFill>
+                            <a:latin typeface="Cambria Math" panose="02040503050406030204" pitchFamily="18" charset="0"/>
+                          </a:rPr>
+                          <m:t>,</m:t>
+                        </m:r>
+                        <m:sSub>
+                          <m:sSubPr>
+                            <m:ctrlPr>
+                              <a:rPr lang="en-US" sz="2400" i="1">
+                                <a:solidFill>
+                                  <a:schemeClr val="bg1"/>
+                                </a:solidFill>
+                                <a:latin typeface="Cambria Math" panose="02040503050406030204" pitchFamily="18" charset="0"/>
+                              </a:rPr>
+                            </m:ctrlPr>
+                          </m:sSubPr>
+                          <m:e>
+                            <m:r>
+                              <a:rPr lang="en-US" sz="2400" i="1">
+                                <a:solidFill>
+                                  <a:schemeClr val="bg1"/>
+                                </a:solidFill>
+                                <a:latin typeface="Cambria Math" panose="02040503050406030204" pitchFamily="18" charset="0"/>
+                              </a:rPr>
+                              <m:t>𝑥</m:t>
+                            </m:r>
+                          </m:e>
+                          <m:sub>
+                            <m:r>
+                              <a:rPr lang="en-US" sz="2400" i="0">
+                                <a:solidFill>
+                                  <a:schemeClr val="bg1"/>
+                                </a:solidFill>
+                                <a:latin typeface="Cambria Math" panose="02040503050406030204" pitchFamily="18" charset="0"/>
+                              </a:rPr>
+                              <m:t>2</m:t>
+                            </m:r>
+                          </m:sub>
+                        </m:sSub>
+                        <m:r>
+                          <a:rPr lang="en-US" sz="2400" i="0">
+                            <a:solidFill>
+                              <a:schemeClr val="bg1"/>
+                            </a:solidFill>
+                            <a:latin typeface="Cambria Math" panose="02040503050406030204" pitchFamily="18" charset="0"/>
+                          </a:rPr>
+                          <m:t>,</m:t>
+                        </m:r>
+                        <m:sSub>
+                          <m:sSubPr>
+                            <m:ctrlPr>
+                              <a:rPr lang="en-US" sz="2400" i="1">
+                                <a:solidFill>
+                                  <a:schemeClr val="bg1"/>
+                                </a:solidFill>
+                                <a:latin typeface="Cambria Math" panose="02040503050406030204" pitchFamily="18" charset="0"/>
+                              </a:rPr>
+                            </m:ctrlPr>
+                          </m:sSubPr>
+                          <m:e>
+                            <m:r>
+                              <a:rPr lang="en-US" sz="2400" i="1">
+                                <a:solidFill>
+                                  <a:schemeClr val="bg1"/>
+                                </a:solidFill>
+                                <a:latin typeface="Cambria Math" panose="02040503050406030204" pitchFamily="18" charset="0"/>
+                              </a:rPr>
+                              <m:t>𝑥</m:t>
+                            </m:r>
+                          </m:e>
+                          <m:sub>
+                            <m:r>
+                              <a:rPr lang="en-US" sz="2400" i="0">
+                                <a:solidFill>
+                                  <a:schemeClr val="bg1"/>
+                                </a:solidFill>
+                                <a:latin typeface="Cambria Math" panose="02040503050406030204" pitchFamily="18" charset="0"/>
+                              </a:rPr>
+                              <m:t>3</m:t>
+                            </m:r>
+                          </m:sub>
+                        </m:sSub>
+                      </m:e>
+                    </m:d>
+                  </m:oMath>
+                </a14:m>
+                <a:endParaRPr lang="ru-RU" sz="2400" dirty="0">
+                  <a:solidFill>
+                    <a:schemeClr val="bg1"/>
+                  </a:solidFill>
+                </a:endParaRPr>
+              </a:p>
+              <a:p>
+                <a:pPr marL="0" indent="0">
+                  <a:buNone/>
+                </a:pPr>
+                <a:r>
+                  <a:rPr lang="ru-RU" sz="2400" dirty="0">
+                    <a:solidFill>
+                      <a:schemeClr val="bg1"/>
+                    </a:solidFill>
+                  </a:rPr>
+                  <a:t> </a:t>
+                </a:r>
+                <a14:m>
+                  <m:oMath xmlns:m="http://schemas.openxmlformats.org/officeDocument/2006/math">
+                    <m:sSub>
+                      <m:sSubPr>
+                        <m:ctrlPr>
+                          <a:rPr lang="en-US" sz="2400" i="1">
+                            <a:solidFill>
+                              <a:schemeClr val="bg1"/>
+                            </a:solidFill>
+                            <a:latin typeface="Cambria Math" panose="02040503050406030204" pitchFamily="18" charset="0"/>
+                          </a:rPr>
+                        </m:ctrlPr>
+                      </m:sSubPr>
+                      <m:e>
+                        <m:r>
+                          <a:rPr lang="en-US" sz="2400" i="1">
+                            <a:solidFill>
+                              <a:schemeClr val="bg1"/>
+                            </a:solidFill>
+                            <a:latin typeface="Cambria Math" panose="02040503050406030204" pitchFamily="18" charset="0"/>
+                          </a:rPr>
+                          <m:t>𝑦</m:t>
+                        </m:r>
+                      </m:e>
+                      <m:sub>
+                        <m:r>
+                          <a:rPr lang="ru-RU" sz="2400" b="0" i="0">
+                            <a:solidFill>
+                              <a:schemeClr val="bg1"/>
+                            </a:solidFill>
+                            <a:latin typeface="Cambria Math" panose="02040503050406030204" pitchFamily="18" charset="0"/>
+                          </a:rPr>
+                          <m:t>5</m:t>
+                        </m:r>
+                      </m:sub>
+                    </m:sSub>
+                    <m:r>
+                      <a:rPr lang="en-US" sz="2400">
+                        <a:solidFill>
+                          <a:schemeClr val="bg1"/>
+                        </a:solidFill>
+                        <a:latin typeface="Cambria Math" panose="02040503050406030204" pitchFamily="18" charset="0"/>
+                      </a:rPr>
+                      <m:t>=</m:t>
+                    </m:r>
+                    <m:r>
+                      <a:rPr lang="en-US" sz="2400" i="1">
+                        <a:solidFill>
+                          <a:schemeClr val="bg1"/>
+                        </a:solidFill>
+                        <a:latin typeface="Cambria Math" panose="02040503050406030204" pitchFamily="18" charset="0"/>
+                      </a:rPr>
+                      <m:t>𝑓</m:t>
+                    </m:r>
+                    <m:d>
+                      <m:dPr>
+                        <m:ctrlPr>
+                          <a:rPr lang="en-US" sz="2400" i="1">
+                            <a:solidFill>
+                              <a:schemeClr val="bg1"/>
+                            </a:solidFill>
+                            <a:latin typeface="Cambria Math" panose="02040503050406030204" pitchFamily="18" charset="0"/>
+                          </a:rPr>
+                        </m:ctrlPr>
+                      </m:dPr>
+                      <m:e>
+                        <m:sSub>
+                          <m:sSubPr>
+                            <m:ctrlPr>
+                              <a:rPr lang="en-US" sz="2400" i="1">
+                                <a:solidFill>
+                                  <a:schemeClr val="bg1"/>
+                                </a:solidFill>
+                                <a:latin typeface="Cambria Math" panose="02040503050406030204" pitchFamily="18" charset="0"/>
+                              </a:rPr>
+                            </m:ctrlPr>
+                          </m:sSubPr>
+                          <m:e>
+                            <m:r>
+                              <a:rPr lang="en-US" sz="2400" i="1">
+                                <a:solidFill>
+                                  <a:schemeClr val="bg1"/>
+                                </a:solidFill>
+                                <a:latin typeface="Cambria Math" panose="02040503050406030204" pitchFamily="18" charset="0"/>
+                              </a:rPr>
+                              <m:t>𝑥</m:t>
+                            </m:r>
+                          </m:e>
+                          <m:sub>
+                            <m:r>
+                              <a:rPr lang="ru-RU" sz="2400" b="0" i="0">
+                                <a:solidFill>
+                                  <a:schemeClr val="bg1"/>
+                                </a:solidFill>
+                                <a:latin typeface="Cambria Math" panose="02040503050406030204" pitchFamily="18" charset="0"/>
+                              </a:rPr>
+                              <m:t>2</m:t>
+                            </m:r>
+                          </m:sub>
+                        </m:sSub>
+                        <m:r>
+                          <a:rPr lang="en-US" sz="2400">
+                            <a:solidFill>
+                              <a:schemeClr val="bg1"/>
+                            </a:solidFill>
+                            <a:latin typeface="Cambria Math" panose="02040503050406030204" pitchFamily="18" charset="0"/>
+                          </a:rPr>
+                          <m:t>,</m:t>
+                        </m:r>
+                        <m:sSub>
+                          <m:sSubPr>
+                            <m:ctrlPr>
+                              <a:rPr lang="en-US" sz="2400" i="1">
+                                <a:solidFill>
+                                  <a:schemeClr val="bg1"/>
+                                </a:solidFill>
+                                <a:latin typeface="Cambria Math" panose="02040503050406030204" pitchFamily="18" charset="0"/>
+                              </a:rPr>
+                            </m:ctrlPr>
+                          </m:sSubPr>
+                          <m:e>
+                            <m:r>
+                              <a:rPr lang="en-US" sz="2400" i="1">
+                                <a:solidFill>
+                                  <a:schemeClr val="bg1"/>
+                                </a:solidFill>
+                                <a:latin typeface="Cambria Math" panose="02040503050406030204" pitchFamily="18" charset="0"/>
+                              </a:rPr>
+                              <m:t>𝑥</m:t>
+                            </m:r>
+                          </m:e>
+                          <m:sub>
+                            <m:r>
+                              <a:rPr lang="ru-RU" sz="2400" b="0" i="0">
+                                <a:solidFill>
+                                  <a:schemeClr val="bg1"/>
+                                </a:solidFill>
+                                <a:latin typeface="Cambria Math" panose="02040503050406030204" pitchFamily="18" charset="0"/>
+                              </a:rPr>
+                              <m:t>3</m:t>
+                            </m:r>
+                          </m:sub>
+                        </m:sSub>
+                        <m:r>
+                          <a:rPr lang="en-US" sz="2400">
+                            <a:solidFill>
+                              <a:schemeClr val="bg1"/>
+                            </a:solidFill>
+                            <a:latin typeface="Cambria Math" panose="02040503050406030204" pitchFamily="18" charset="0"/>
+                          </a:rPr>
+                          <m:t>,</m:t>
+                        </m:r>
+                        <m:sSub>
+                          <m:sSubPr>
+                            <m:ctrlPr>
+                              <a:rPr lang="en-US" sz="2400" i="1">
+                                <a:solidFill>
+                                  <a:schemeClr val="bg1"/>
+                                </a:solidFill>
+                                <a:latin typeface="Cambria Math" panose="02040503050406030204" pitchFamily="18" charset="0"/>
+                              </a:rPr>
+                            </m:ctrlPr>
+                          </m:sSubPr>
+                          <m:e>
+                            <m:r>
+                              <a:rPr lang="en-US" sz="2400" i="1">
+                                <a:solidFill>
+                                  <a:schemeClr val="bg1"/>
+                                </a:solidFill>
+                                <a:latin typeface="Cambria Math" panose="02040503050406030204" pitchFamily="18" charset="0"/>
+                              </a:rPr>
+                              <m:t>𝑥</m:t>
+                            </m:r>
+                          </m:e>
+                          <m:sub>
+                            <m:r>
+                              <a:rPr lang="ru-RU" sz="2400" b="0" i="0">
+                                <a:solidFill>
+                                  <a:schemeClr val="bg1"/>
+                                </a:solidFill>
+                                <a:latin typeface="Cambria Math" panose="02040503050406030204" pitchFamily="18" charset="0"/>
+                              </a:rPr>
+                              <m:t>4</m:t>
+                            </m:r>
+                          </m:sub>
+                        </m:sSub>
+                      </m:e>
+                    </m:d>
+                  </m:oMath>
+                </a14:m>
+                <a:endParaRPr lang="ru-RU" sz="2400" dirty="0">
+                  <a:solidFill>
+                    <a:schemeClr val="bg1"/>
+                  </a:solidFill>
+                </a:endParaRPr>
+              </a:p>
+              <a:p>
+                <a:pPr marL="0" indent="0">
+                  <a:buNone/>
+                </a:pPr>
+                <a:r>
+                  <a:rPr lang="ru-RU" sz="2400" dirty="0">
+                    <a:solidFill>
+                      <a:schemeClr val="bg1"/>
+                    </a:solidFill>
+                  </a:rPr>
+                  <a:t> </a:t>
+                </a:r>
+                <a14:m>
+                  <m:oMath xmlns:m="http://schemas.openxmlformats.org/officeDocument/2006/math">
+                    <m:sSub>
+                      <m:sSubPr>
+                        <m:ctrlPr>
+                          <a:rPr lang="en-US" sz="2400" i="1">
+                            <a:solidFill>
+                              <a:schemeClr val="bg1"/>
+                            </a:solidFill>
+                            <a:latin typeface="Cambria Math" panose="02040503050406030204" pitchFamily="18" charset="0"/>
+                          </a:rPr>
+                        </m:ctrlPr>
+                      </m:sSubPr>
+                      <m:e>
+                        <m:r>
+                          <a:rPr lang="en-US" sz="2400" i="1">
+                            <a:solidFill>
+                              <a:schemeClr val="bg1"/>
+                            </a:solidFill>
+                            <a:latin typeface="Cambria Math" panose="02040503050406030204" pitchFamily="18" charset="0"/>
+                          </a:rPr>
+                          <m:t>𝑦</m:t>
+                        </m:r>
+                      </m:e>
+                      <m:sub>
+                        <m:r>
+                          <a:rPr lang="ru-RU" sz="2400" b="0" i="0">
+                            <a:solidFill>
+                              <a:schemeClr val="bg1"/>
+                            </a:solidFill>
+                            <a:latin typeface="Cambria Math" panose="02040503050406030204" pitchFamily="18" charset="0"/>
+                          </a:rPr>
+                          <m:t>6</m:t>
+                        </m:r>
+                      </m:sub>
+                    </m:sSub>
+                    <m:r>
+                      <a:rPr lang="en-US" sz="2400">
+                        <a:solidFill>
+                          <a:schemeClr val="bg1"/>
+                        </a:solidFill>
+                        <a:latin typeface="Cambria Math" panose="02040503050406030204" pitchFamily="18" charset="0"/>
+                      </a:rPr>
+                      <m:t>=</m:t>
+                    </m:r>
+                    <m:r>
+                      <a:rPr lang="en-US" sz="2400" i="1">
+                        <a:solidFill>
+                          <a:schemeClr val="bg1"/>
+                        </a:solidFill>
+                        <a:latin typeface="Cambria Math" panose="02040503050406030204" pitchFamily="18" charset="0"/>
+                      </a:rPr>
+                      <m:t>𝑓</m:t>
+                    </m:r>
+                    <m:d>
+                      <m:dPr>
+                        <m:ctrlPr>
+                          <a:rPr lang="en-US" sz="2400" i="1">
+                            <a:solidFill>
+                              <a:schemeClr val="bg1"/>
+                            </a:solidFill>
+                            <a:latin typeface="Cambria Math" panose="02040503050406030204" pitchFamily="18" charset="0"/>
+                          </a:rPr>
+                        </m:ctrlPr>
+                      </m:dPr>
+                      <m:e>
+                        <m:sSub>
+                          <m:sSubPr>
+                            <m:ctrlPr>
+                              <a:rPr lang="en-US" sz="2400" i="1">
+                                <a:solidFill>
+                                  <a:schemeClr val="bg1"/>
+                                </a:solidFill>
+                                <a:latin typeface="Cambria Math" panose="02040503050406030204" pitchFamily="18" charset="0"/>
+                              </a:rPr>
+                            </m:ctrlPr>
+                          </m:sSubPr>
+                          <m:e>
+                            <m:r>
+                              <a:rPr lang="en-US" sz="2400" i="1">
+                                <a:solidFill>
+                                  <a:schemeClr val="bg1"/>
+                                </a:solidFill>
+                                <a:latin typeface="Cambria Math" panose="02040503050406030204" pitchFamily="18" charset="0"/>
+                              </a:rPr>
+                              <m:t>𝑥</m:t>
+                            </m:r>
+                          </m:e>
+                          <m:sub>
+                            <m:r>
+                              <a:rPr lang="ru-RU" sz="2400" b="0" i="0">
+                                <a:solidFill>
+                                  <a:schemeClr val="bg1"/>
+                                </a:solidFill>
+                                <a:latin typeface="Cambria Math" panose="02040503050406030204" pitchFamily="18" charset="0"/>
+                              </a:rPr>
+                              <m:t>4</m:t>
+                            </m:r>
+                          </m:sub>
+                        </m:sSub>
+                        <m:r>
+                          <a:rPr lang="en-US" sz="2400">
+                            <a:solidFill>
+                              <a:schemeClr val="bg1"/>
+                            </a:solidFill>
+                            <a:latin typeface="Cambria Math" panose="02040503050406030204" pitchFamily="18" charset="0"/>
+                          </a:rPr>
+                          <m:t>,</m:t>
+                        </m:r>
+                        <m:sSub>
+                          <m:sSubPr>
+                            <m:ctrlPr>
+                              <a:rPr lang="en-US" sz="2400" i="1">
+                                <a:solidFill>
+                                  <a:schemeClr val="bg1"/>
+                                </a:solidFill>
+                                <a:latin typeface="Cambria Math" panose="02040503050406030204" pitchFamily="18" charset="0"/>
+                              </a:rPr>
+                            </m:ctrlPr>
+                          </m:sSubPr>
+                          <m:e>
+                            <m:r>
+                              <a:rPr lang="en-US" sz="2400" i="1">
+                                <a:solidFill>
+                                  <a:schemeClr val="bg1"/>
+                                </a:solidFill>
+                                <a:latin typeface="Cambria Math" panose="02040503050406030204" pitchFamily="18" charset="0"/>
+                              </a:rPr>
+                              <m:t>𝑥</m:t>
+                            </m:r>
+                          </m:e>
+                          <m:sub>
+                            <m:r>
+                              <a:rPr lang="ru-RU" sz="2400" b="0" i="0">
+                                <a:solidFill>
+                                  <a:schemeClr val="bg1"/>
+                                </a:solidFill>
+                                <a:latin typeface="Cambria Math" panose="02040503050406030204" pitchFamily="18" charset="0"/>
+                              </a:rPr>
+                              <m:t>5</m:t>
+                            </m:r>
+                          </m:sub>
+                        </m:sSub>
+                        <m:r>
+                          <a:rPr lang="en-US" sz="2400">
+                            <a:solidFill>
+                              <a:schemeClr val="bg1"/>
+                            </a:solidFill>
+                            <a:latin typeface="Cambria Math" panose="02040503050406030204" pitchFamily="18" charset="0"/>
+                          </a:rPr>
+                          <m:t>,</m:t>
+                        </m:r>
+                        <m:sSub>
+                          <m:sSubPr>
+                            <m:ctrlPr>
+                              <a:rPr lang="en-US" sz="2400" i="1">
+                                <a:solidFill>
+                                  <a:schemeClr val="bg1"/>
+                                </a:solidFill>
+                                <a:latin typeface="Cambria Math" panose="02040503050406030204" pitchFamily="18" charset="0"/>
+                              </a:rPr>
+                            </m:ctrlPr>
+                          </m:sSubPr>
+                          <m:e>
+                            <m:r>
+                              <a:rPr lang="en-US" sz="2400" i="1">
+                                <a:solidFill>
+                                  <a:schemeClr val="bg1"/>
+                                </a:solidFill>
+                                <a:latin typeface="Cambria Math" panose="02040503050406030204" pitchFamily="18" charset="0"/>
+                              </a:rPr>
+                              <m:t>𝑥</m:t>
+                            </m:r>
+                          </m:e>
+                          <m:sub>
+                            <m:r>
+                              <a:rPr lang="ru-RU" sz="2400" b="0" i="0">
+                                <a:solidFill>
+                                  <a:schemeClr val="bg1"/>
+                                </a:solidFill>
+                                <a:latin typeface="Cambria Math" panose="02040503050406030204" pitchFamily="18" charset="0"/>
+                              </a:rPr>
+                              <m:t>6</m:t>
+                            </m:r>
+                          </m:sub>
+                        </m:sSub>
+                      </m:e>
+                    </m:d>
+                  </m:oMath>
+                </a14:m>
+                <a:r>
+                  <a:rPr lang="ru-RU" sz="2400" dirty="0">
+                    <a:solidFill>
+                      <a:schemeClr val="bg1"/>
+                    </a:solidFill>
+                  </a:rPr>
+                  <a:t> </a:t>
+                </a:r>
+                <a:endParaRPr lang="en-US" sz="2400" dirty="0">
+                  <a:solidFill>
+                    <a:schemeClr val="bg1"/>
+                  </a:solidFill>
+                </a:endParaRPr>
+              </a:p>
+              <a:p>
+                <a:pPr marL="0" indent="0">
+                  <a:buNone/>
+                </a:pPr>
+                <a:endParaRPr lang="en-US" sz="1700" dirty="0">
+                  <a:solidFill>
+                    <a:schemeClr val="bg1"/>
+                  </a:solidFill>
+                </a:endParaRPr>
+              </a:p>
+              <a:p>
+                <a:pPr marL="0" indent="0">
+                  <a:buNone/>
+                </a:pPr>
+                <a:endParaRPr lang="en-US" sz="1700" dirty="0">
+                  <a:solidFill>
+                    <a:schemeClr val="bg1"/>
+                  </a:solidFill>
+                </a:endParaRPr>
+              </a:p>
+            </p:txBody>
+          </p:sp>
+        </mc:Choice>
+        <mc:Fallback>
+          <p:sp>
+            <p:nvSpPr>
+              <p:cNvPr id="3" name="Content Placeholder 2">
+                <a:extLst>
+                  <a:ext uri="{FF2B5EF4-FFF2-40B4-BE49-F238E27FC236}">
+                    <a16:creationId xmlns:a16="http://schemas.microsoft.com/office/drawing/2014/main" id="{B3B0F132-386D-4D36-A1DA-BD2E3FCBBA6B}"/>
+                  </a:ext>
+                </a:extLst>
+              </p:cNvPr>
+              <p:cNvSpPr>
+                <a:spLocks noGrp="1" noRot="1" noChangeAspect="1" noMove="1" noResize="1" noEditPoints="1" noAdjustHandles="1" noChangeArrowheads="1" noChangeShapeType="1" noTextEdit="1"/>
+              </p:cNvSpPr>
+              <p:nvPr>
+                <p:ph idx="1"/>
+              </p:nvPr>
+            </p:nvSpPr>
+            <p:spPr>
+              <a:xfrm>
+                <a:off x="0" y="2638044"/>
+                <a:ext cx="4654296" cy="4219956"/>
+              </a:xfrm>
+              <a:blipFill>
+                <a:blip r:embed="rId2"/>
+                <a:stretch>
+                  <a:fillRect l="-1963" t="-2023" r="-2487" b="-289"/>
+                </a:stretch>
+              </a:blipFill>
+            </p:spPr>
+            <p:txBody>
+              <a:bodyPr/>
+              <a:lstStyle/>
+              <a:p>
+                <a:r>
+                  <a:rPr lang="en-US">
+                    <a:noFill/>
+                  </a:rPr>
+                  <a:t> </a:t>
+                </a:r>
+              </a:p>
+            </p:txBody>
+          </p:sp>
+        </mc:Fallback>
+      </mc:AlternateContent>
+      <p:pic>
+        <p:nvPicPr>
+          <p:cNvPr id="5" name="Picture 4">
+            <a:extLst>
+              <a:ext uri="{FF2B5EF4-FFF2-40B4-BE49-F238E27FC236}">
+                <a16:creationId xmlns:a16="http://schemas.microsoft.com/office/drawing/2014/main" id="{2A08E256-0D3A-4AE7-BF3D-8A58901C4A3F}"/>
+              </a:ext>
+            </a:extLst>
+          </p:cNvPr>
+          <p:cNvPicPr>
+            <a:picLocks noChangeAspect="1"/>
+          </p:cNvPicPr>
+          <p:nvPr/>
+        </p:nvPicPr>
+        <p:blipFill>
+          <a:blip r:embed="rId3">
+            <a:extLst>
+              <a:ext uri="{28A0092B-C50C-407E-A947-70E740481C1C}">
+                <a14:useLocalDpi xmlns:a14="http://schemas.microsoft.com/office/drawing/2010/main" val="0"/>
+              </a:ext>
+            </a:extLst>
+          </a:blip>
+          <a:stretch>
+            <a:fillRect/>
+          </a:stretch>
+        </p:blipFill>
+        <p:spPr>
+          <a:xfrm>
+            <a:off x="5297763" y="2082786"/>
+            <a:ext cx="6250769" cy="2531560"/>
+          </a:xfrm>
+          <a:prstGeom prst="rect">
+            <a:avLst/>
+          </a:prstGeom>
+        </p:spPr>
+      </p:pic>
+    </p:spTree>
+    <p:extLst>
+      <p:ext uri="{BB962C8B-B14F-4D97-AF65-F5344CB8AC3E}">
+        <p14:creationId xmlns:p14="http://schemas.microsoft.com/office/powerpoint/2010/main" val="3709841864"/>
+      </p:ext>
+    </p:extLst>
+  </p:cSld>
+  <p:clrMapOvr>
+    <a:overrideClrMapping bg1="lt1" tx1="dk1" bg2="lt2" tx2="dk2" accent1="accent1" accent2="accent2" accent3="accent3" accent4="accent4" accent5="accent5" accent6="accent6" hlink="hlink" folHlink="folHlink"/>
+  </p:clrMapOvr>
+</p:sld>
+</file>
+
+<file path=ppt/slides/slide4.xml><?xml version="1.0" encoding="utf-8"?>
+<p:sld xmlns:a="http://schemas.openxmlformats.org/drawingml/2006/main" xmlns:r="http://schemas.openxmlformats.org/officeDocument/2006/relationships" xmlns:p="http://schemas.openxmlformats.org/presentationml/2006/main">
+  <p:cSld>
+    <p:bg>
+      <p:bgPr>
+        <a:solidFill>
+          <a:schemeClr val="bg1">
+            <a:tint val="95000"/>
+            <a:satMod val="170000"/>
+          </a:schemeClr>
+        </a:solidFill>
+        <a:effectLst/>
+      </p:bgPr>
+    </p:bg>
+    <p:spTree>
+      <p:nvGrpSpPr>
+        <p:cNvPr id="1" name=""/>
+        <p:cNvGrpSpPr/>
+        <p:nvPr/>
+      </p:nvGrpSpPr>
+      <p:grpSpPr>
+        <a:xfrm>
+          <a:off x="0" y="0"/>
+          <a:ext cx="0" cy="0"/>
+          <a:chOff x="0" y="0"/>
+          <a:chExt cx="0" cy="0"/>
+        </a:xfrm>
+      </p:grpSpPr>
+      <p:sp>
+        <p:nvSpPr>
           <p:cNvPr id="8" name="Freeform: Shape 7">
             <a:extLst>
               <a:ext uri="{FF2B5EF4-FFF2-40B4-BE49-F238E27FC236}">
                 <a16:creationId xmlns:a16="http://schemas.microsoft.com/office/drawing/2014/main" id="{48A740BC-A0AA-45E0-B899-2AE9C6FE11CA}"/>
               </a:ext>
               <a:ext uri="{C183D7F6-B498-43B3-948B-1728B52AA6E4}">
-                <adec:decorative xmlns:adec="http://schemas.microsoft.com/office/drawing/2017/decorative" xmlns="" val="1"/>
+                <adec:decorative xmlns:adec="http://schemas.microsoft.com/office/drawing/2017/decorative" val="1"/>
               </a:ext>
             </a:extLst>
           </p:cNvPr>
@@ -4520,7 +7588,7 @@
                 <a16:creationId xmlns:a16="http://schemas.microsoft.com/office/drawing/2014/main" id="{B874EF51-C858-4BB9-97C3-D17755787127}"/>
               </a:ext>
               <a:ext uri="{C183D7F6-B498-43B3-948B-1728B52AA6E4}">
-                <adec:decorative xmlns:adec="http://schemas.microsoft.com/office/drawing/2017/decorative" xmlns="" val="1"/>
+                <adec:decorative xmlns:adec="http://schemas.microsoft.com/office/drawing/2017/decorative" val="1"/>
               </a:ext>
             </a:extLst>
           </p:cNvPr>
@@ -4594,32 +7662,32 @@
           <a:lstStyle/>
           <a:p>
             <a:r>
-              <a:rPr lang="ru-RU" sz="2000" dirty="0"/>
+              <a:rPr lang="ru-RU" sz="2400" dirty="0"/>
               <a:t>Временные ряды (изменение цен акций</a:t>
             </a:r>
             <a:r>
-              <a:rPr lang="en-US" sz="2000" dirty="0"/>
+              <a:rPr lang="en-US" sz="2400" dirty="0"/>
               <a:t>, </a:t>
             </a:r>
             <a:r>
-              <a:rPr lang="ru-RU" sz="2000" dirty="0"/>
+              <a:rPr lang="ru-RU" sz="2400" dirty="0"/>
               <a:t>показания датчиков)</a:t>
             </a:r>
           </a:p>
           <a:p>
-            <a:endParaRPr lang="ru-RU" sz="2000" dirty="0"/>
+            <a:endParaRPr lang="ru-RU" sz="2400" dirty="0"/>
           </a:p>
           <a:p>
             <a:r>
-              <a:rPr lang="ru-RU" sz="2000" dirty="0"/>
+              <a:rPr lang="ru-RU" sz="2400" dirty="0"/>
               <a:t>Естественно возникающие последовательности с зависимыми элементами (предложения естественного языка</a:t>
             </a:r>
             <a:r>
-              <a:rPr lang="en-US" sz="2000" dirty="0"/>
+              <a:rPr lang="en-US" sz="2400" dirty="0"/>
               <a:t>, </a:t>
             </a:r>
             <a:r>
-              <a:rPr lang="ru-RU" sz="2000" dirty="0"/>
+              <a:rPr lang="ru-RU" sz="2400" dirty="0"/>
               <a:t>человеческая речь при распознавании)</a:t>
             </a:r>
           </a:p>
@@ -4638,17 +7706,10 @@
   <p:clrMapOvr>
     <a:overrideClrMapping bg1="dk1" tx1="lt1" bg2="dk2" tx2="lt2" accent1="accent1" accent2="accent2" accent3="accent3" accent4="accent4" accent5="accent5" accent6="accent6" hlink="hlink" folHlink="folHlink"/>
   </p:clrMapOvr>
-  <p:timing>
-    <p:tnLst>
-      <p:par>
-        <p:cTn id="1" dur="indefinite" restart="never" nodeType="tmRoot"/>
-      </p:par>
-    </p:tnLst>
-  </p:timing>
 </p:sld>
 </file>
 
-<file path=ppt/slides/slide3.xml><?xml version="1.0" encoding="utf-8"?>
+<file path=ppt/slides/slide5.xml><?xml version="1.0" encoding="utf-8"?>
 <p:sld xmlns:a="http://schemas.openxmlformats.org/drawingml/2006/main" xmlns:r="http://schemas.openxmlformats.org/officeDocument/2006/relationships" xmlns:p="http://schemas.openxmlformats.org/presentationml/2006/main">
   <p:cSld>
     <p:bg>
@@ -4681,7 +7742,7 @@
                 <a16:creationId xmlns:a16="http://schemas.microsoft.com/office/drawing/2014/main" id="{867D4867-5BA7-4462-B2F6-A23F4A622AA7}"/>
               </a:ext>
               <a:ext uri="{C183D7F6-B498-43B3-948B-1728B52AA6E4}">
-                <adec:decorative xmlns:adec="http://schemas.microsoft.com/office/drawing/2017/decorative" xmlns="" val="1"/>
+                <adec:decorative xmlns:adec="http://schemas.microsoft.com/office/drawing/2017/decorative" val="1"/>
               </a:ext>
             </a:extLst>
           </p:cNvPr>
@@ -4835,6 +7896,14 @@
               <a:buNone/>
             </a:pPr>
             <a:r>
+              <a:rPr lang="en-US" sz="2400" dirty="0">
+                <a:solidFill>
+                  <a:schemeClr val="bg1"/>
+                </a:solidFill>
+              </a:rPr>
+              <a:t>1) </a:t>
+            </a:r>
+            <a:r>
               <a:rPr lang="ru-RU" sz="2400" dirty="0">
                 <a:solidFill>
                   <a:schemeClr val="bg1"/>
@@ -4871,6 +7940,14 @@
             <a:pPr marL="0" indent="0">
               <a:buNone/>
             </a:pPr>
+            <a:r>
+              <a:rPr lang="en-US" sz="2400" dirty="0">
+                <a:solidFill>
+                  <a:schemeClr val="bg1"/>
+                </a:solidFill>
+              </a:rPr>
+              <a:t>2) </a:t>
+            </a:r>
             <a:r>
               <a:rPr lang="ru-RU" sz="2400" dirty="0">
                 <a:solidFill>
@@ -4909,6 +7986,14 @@
               <a:buNone/>
             </a:pPr>
             <a:r>
+              <a:rPr lang="en-US" sz="2400" dirty="0">
+                <a:solidFill>
+                  <a:schemeClr val="bg1"/>
+                </a:solidFill>
+              </a:rPr>
+              <a:t>3) </a:t>
+            </a:r>
+            <a:r>
               <a:rPr lang="ru-RU" sz="2400" dirty="0">
                 <a:solidFill>
                   <a:schemeClr val="bg1"/>
@@ -4946,6 +8031,14 @@
               <a:buNone/>
             </a:pPr>
             <a:r>
+              <a:rPr lang="en-US" sz="2400" dirty="0">
+                <a:solidFill>
+                  <a:schemeClr val="bg1"/>
+                </a:solidFill>
+              </a:rPr>
+              <a:t>4) </a:t>
+            </a:r>
+            <a:r>
               <a:rPr lang="ru-RU" sz="2400" dirty="0">
                 <a:solidFill>
                   <a:schemeClr val="bg1"/>
@@ -5002,7 +8095,7 @@
         </p:blipFill>
         <p:spPr>
           <a:xfrm>
-            <a:off x="5297763" y="2325003"/>
+            <a:off x="5297764" y="2638044"/>
             <a:ext cx="6250769" cy="2047126"/>
           </a:xfrm>
           <a:prstGeom prst="rect">
@@ -5020,17 +8113,10 @@
   <p:clrMapOvr>
     <a:masterClrMapping/>
   </p:clrMapOvr>
-  <p:timing>
-    <p:tnLst>
-      <p:par>
-        <p:cTn id="1" dur="indefinite" restart="never" nodeType="tmRoot"/>
-      </p:par>
-    </p:tnLst>
-  </p:timing>
 </p:sld>
 </file>
 
-<file path=ppt/slides/slide4.xml><?xml version="1.0" encoding="utf-8"?>
+<file path=ppt/slides/slide6.xml><?xml version="1.0" encoding="utf-8"?>
 <p:sld xmlns:a="http://schemas.openxmlformats.org/drawingml/2006/main" xmlns:r="http://schemas.openxmlformats.org/officeDocument/2006/relationships" xmlns:p="http://schemas.openxmlformats.org/presentationml/2006/main">
   <p:cSld>
     <p:bg>
@@ -5063,7 +8149,7 @@
                 <a16:creationId xmlns:a16="http://schemas.microsoft.com/office/drawing/2014/main" id="{823AC064-BC96-4F32-8AE1-B2FD38754823}"/>
               </a:ext>
               <a:ext uri="{C183D7F6-B498-43B3-948B-1728B52AA6E4}">
-                <adec:decorative xmlns:adec="http://schemas.microsoft.com/office/drawing/2017/decorative" xmlns="" val="1"/>
+                <adec:decorative xmlns:adec="http://schemas.microsoft.com/office/drawing/2017/decorative" val="1"/>
               </a:ext>
             </a:extLst>
           </p:cNvPr>
@@ -5200,7 +8286,7 @@
                 <a16:creationId xmlns:a16="http://schemas.microsoft.com/office/drawing/2014/main" id="{7E7C77BC-7138-40B1-A15B-20F57A494629}"/>
               </a:ext>
               <a:ext uri="{C183D7F6-B498-43B3-948B-1728B52AA6E4}">
-                <adec:decorative xmlns:adec="http://schemas.microsoft.com/office/drawing/2017/decorative" xmlns="" val="1"/>
+                <adec:decorative xmlns:adec="http://schemas.microsoft.com/office/drawing/2017/decorative" val="1"/>
               </a:ext>
             </a:extLst>
           </p:cNvPr>
@@ -5289,17 +8375,10 @@
   <p:clrMapOvr>
     <a:masterClrMapping/>
   </p:clrMapOvr>
-  <p:timing>
-    <p:tnLst>
-      <p:par>
-        <p:cTn id="1" dur="indefinite" restart="never" nodeType="tmRoot"/>
-      </p:par>
-    </p:tnLst>
-  </p:timing>
 </p:sld>
 </file>
 
-<file path=ppt/slides/slide5.xml><?xml version="1.0" encoding="utf-8"?>
+<file path=ppt/slides/slide7.xml><?xml version="1.0" encoding="utf-8"?>
 <p:sld xmlns:a="http://schemas.openxmlformats.org/drawingml/2006/main" xmlns:r="http://schemas.openxmlformats.org/officeDocument/2006/relationships" xmlns:p="http://schemas.openxmlformats.org/presentationml/2006/main">
   <p:cSld>
     <p:bg>
@@ -5332,7 +8411,7 @@
                 <a16:creationId xmlns:a16="http://schemas.microsoft.com/office/drawing/2014/main" id="{867D4867-5BA7-4462-B2F6-A23F4A622AA7}"/>
               </a:ext>
               <a:ext uri="{C183D7F6-B498-43B3-948B-1728B52AA6E4}">
-                <adec:decorative xmlns:adec="http://schemas.microsoft.com/office/drawing/2017/decorative" xmlns="" val="1"/>
+                <adec:decorative xmlns:adec="http://schemas.microsoft.com/office/drawing/2017/decorative" val="1"/>
               </a:ext>
             </a:extLst>
           </p:cNvPr>
@@ -5423,16 +8502,19 @@
           <a:lstStyle/>
           <a:p>
             <a:pPr algn="ctr"/>
-            <a:endParaRPr lang="en-US" sz="2800">
-              <a:solidFill>
-                <a:schemeClr val="bg1"/>
-              </a:solidFill>
-            </a:endParaRPr>
+            <a:r>
+              <a:rPr lang="en-US" sz="2800" dirty="0">
+                <a:solidFill>
+                  <a:schemeClr val="bg1"/>
+                </a:solidFill>
+              </a:rPr>
+              <a:t>Simple RNN</a:t>
+            </a:r>
           </a:p>
         </p:txBody>
       </p:sp>
-      <mc:AlternateContent xmlns:mc="http://schemas.openxmlformats.org/markup-compatibility/2006" xmlns:a14="http://schemas.microsoft.com/office/drawing/2010/main">
-        <mc:Choice Requires="a14">
+      <mc:AlternateContent xmlns:mc="http://schemas.openxmlformats.org/markup-compatibility/2006">
+        <mc:Choice xmlns:a14="http://schemas.microsoft.com/office/drawing/2010/main" Requires="a14">
           <p:sp>
             <p:nvSpPr>
               <p:cNvPr id="3" name="Content Placeholder 2">
@@ -5465,7 +8547,7 @@
                   <a:buNone/>
                 </a:pPr>
                 <a:r>
-                  <a:rPr lang="en-US" sz="2000" dirty="0">
+                  <a:rPr lang="en-US" sz="2400" b="1" dirty="0">
                     <a:solidFill>
                       <a:schemeClr val="bg1"/>
                     </a:solidFill>
@@ -5477,7 +8559,7 @@
                     <m:sSub>
                       <m:sSubPr>
                         <m:ctrlPr>
-                          <a:rPr lang="en-US" sz="2000" i="1">
+                          <a:rPr lang="en-US" sz="2400" b="1" i="1">
                             <a:solidFill>
                               <a:schemeClr val="bg1"/>
                             </a:solidFill>
@@ -5487,29 +8569,29 @@
                       </m:sSubPr>
                       <m:e>
                         <m:r>
-                          <a:rPr lang="en-US" sz="2000" i="1">
+                          <a:rPr lang="en-US" sz="2400" b="1" i="1">
                             <a:solidFill>
                               <a:schemeClr val="bg1"/>
                             </a:solidFill>
                             <a:latin typeface="Cambria Math" panose="02040503050406030204" pitchFamily="18" charset="0"/>
                           </a:rPr>
-                          <m:t>𝑎</m:t>
+                          <m:t>𝒂</m:t>
                         </m:r>
                       </m:e>
                       <m:sub>
                         <m:r>
-                          <a:rPr lang="en-US" sz="2000" i="1">
+                          <a:rPr lang="en-US" sz="2400" b="1" i="1">
                             <a:solidFill>
                               <a:schemeClr val="bg1"/>
                             </a:solidFill>
                             <a:latin typeface="Cambria Math" panose="02040503050406030204" pitchFamily="18" charset="0"/>
                           </a:rPr>
-                          <m:t>𝑡</m:t>
+                          <m:t>𝒕</m:t>
                         </m:r>
                       </m:sub>
                     </m:sSub>
                     <m:r>
-                      <a:rPr lang="en-US" sz="2000" i="0">
+                      <a:rPr lang="en-US" sz="2400" b="1" i="0">
                         <a:solidFill>
                           <a:schemeClr val="bg1"/>
                         </a:solidFill>
@@ -5518,16 +8600,16 @@
                       <m:t>=</m:t>
                     </m:r>
                     <m:r>
-                      <a:rPr lang="en-US" sz="2000" i="1">
+                      <a:rPr lang="en-US" sz="2400" b="1" i="1">
                         <a:solidFill>
                           <a:schemeClr val="bg1"/>
                         </a:solidFill>
                         <a:latin typeface="Cambria Math" panose="02040503050406030204" pitchFamily="18" charset="0"/>
                       </a:rPr>
-                      <m:t>𝑏</m:t>
+                      <m:t>𝒃</m:t>
                     </m:r>
                     <m:r>
-                      <a:rPr lang="en-US" sz="2000" i="0">
+                      <a:rPr lang="en-US" sz="2400" b="1" i="0">
                         <a:solidFill>
                           <a:schemeClr val="bg1"/>
                         </a:solidFill>
@@ -5536,18 +8618,18 @@
                       <m:t>+</m:t>
                     </m:r>
                     <m:r>
-                      <a:rPr lang="en-US" sz="2000" i="1">
+                      <a:rPr lang="en-US" sz="2400" b="1" i="1">
                         <a:solidFill>
                           <a:schemeClr val="bg1"/>
                         </a:solidFill>
                         <a:latin typeface="Cambria Math" panose="02040503050406030204" pitchFamily="18" charset="0"/>
                       </a:rPr>
-                      <m:t>𝑊</m:t>
+                      <m:t>𝑾</m:t>
                     </m:r>
                     <m:sSub>
                       <m:sSubPr>
                         <m:ctrlPr>
-                          <a:rPr lang="en-US" sz="2000" i="1">
+                          <a:rPr lang="en-US" sz="2400" b="1" i="1">
                             <a:solidFill>
                               <a:schemeClr val="bg1"/>
                             </a:solidFill>
@@ -5557,38 +8639,47 @@
                       </m:sSubPr>
                       <m:e>
                         <m:r>
-                          <a:rPr lang="en-US" sz="2000" i="1">
+                          <a:rPr lang="en-US" sz="2400" b="1" i="1">
                             <a:solidFill>
                               <a:schemeClr val="bg1"/>
                             </a:solidFill>
                             <a:latin typeface="Cambria Math" panose="02040503050406030204" pitchFamily="18" charset="0"/>
                           </a:rPr>
-                          <m:t>𝑠</m:t>
+                          <m:t>𝒔</m:t>
                         </m:r>
                       </m:e>
                       <m:sub>
                         <m:r>
-                          <a:rPr lang="en-US" sz="2000" i="1">
+                          <a:rPr lang="en-US" sz="2400" b="1" i="1">
                             <a:solidFill>
                               <a:schemeClr val="bg1"/>
                             </a:solidFill>
                             <a:latin typeface="Cambria Math" panose="02040503050406030204" pitchFamily="18" charset="0"/>
                           </a:rPr>
-                          <m:t>𝑡</m:t>
+                          <m:t>𝒕</m:t>
                         </m:r>
                         <m:r>
-                          <a:rPr lang="en-US" sz="2000" i="0">
+                          <a:rPr lang="en-US" sz="2400" b="1" i="0">
                             <a:solidFill>
                               <a:schemeClr val="bg1"/>
                             </a:solidFill>
                             <a:latin typeface="Cambria Math" panose="02040503050406030204" pitchFamily="18" charset="0"/>
                           </a:rPr>
-                          <m:t>−1</m:t>
+                          <m:t>−</m:t>
+                        </m:r>
+                        <m:r>
+                          <a:rPr lang="en-US" sz="2400" b="1" i="0">
+                            <a:solidFill>
+                              <a:schemeClr val="bg1"/>
+                            </a:solidFill>
+                            <a:latin typeface="Cambria Math" panose="02040503050406030204" pitchFamily="18" charset="0"/>
+                          </a:rPr>
+                          <m:t>𝟏</m:t>
                         </m:r>
                       </m:sub>
                     </m:sSub>
                     <m:r>
-                      <a:rPr lang="en-US" sz="2000" i="0">
+                      <a:rPr lang="en-US" sz="2400" b="1" i="0">
                         <a:solidFill>
                           <a:schemeClr val="bg1"/>
                         </a:solidFill>
@@ -5599,7 +8690,7 @@
                     <m:sSub>
                       <m:sSubPr>
                         <m:ctrlPr>
-                          <a:rPr lang="en-US" sz="2000" i="1">
+                          <a:rPr lang="en-US" sz="2400" b="1" i="1">
                             <a:solidFill>
                               <a:schemeClr val="bg1"/>
                             </a:solidFill>
@@ -5609,20 +8700,20 @@
                       </m:sSubPr>
                       <m:e>
                         <m:r>
-                          <a:rPr lang="en-US" sz="2000" i="1">
+                          <a:rPr lang="en-US" sz="2400" b="1" i="1">
                             <a:solidFill>
                               <a:schemeClr val="bg1"/>
                             </a:solidFill>
                             <a:latin typeface="Cambria Math" panose="02040503050406030204" pitchFamily="18" charset="0"/>
                           </a:rPr>
-                          <m:t>𝑈</m:t>
+                          <m:t>𝑼</m:t>
                         </m:r>
                       </m:e>
                       <m:sub>
                         <m:sSub>
                           <m:sSubPr>
                             <m:ctrlPr>
-                              <a:rPr lang="en-US" sz="2000" i="1">
+                              <a:rPr lang="en-US" sz="2400" b="1" i="1">
                                 <a:solidFill>
                                   <a:schemeClr val="bg1"/>
                                 </a:solidFill>
@@ -5632,31 +8723,31 @@
                           </m:sSubPr>
                           <m:e>
                             <m:r>
-                              <a:rPr lang="en-US" sz="2000" i="1">
-                                <a:solidFill>
-                                  <a:schemeClr val="bg1"/>
-                                </a:solidFill>
-                                <a:latin typeface="Cambria Math" panose="02040503050406030204" pitchFamily="18" charset="0"/>
-                              </a:rPr>
-                              <m:t>𝑥</m:t>
+                              <a:rPr lang="en-US" sz="2400" b="1" i="1">
+                                <a:solidFill>
+                                  <a:schemeClr val="bg1"/>
+                                </a:solidFill>
+                                <a:latin typeface="Cambria Math" panose="02040503050406030204" pitchFamily="18" charset="0"/>
+                              </a:rPr>
+                              <m:t>𝒙</m:t>
                             </m:r>
                           </m:e>
                           <m:sub>
                             <m:r>
-                              <a:rPr lang="en-US" sz="2000" i="1">
-                                <a:solidFill>
-                                  <a:schemeClr val="bg1"/>
-                                </a:solidFill>
-                                <a:latin typeface="Cambria Math" panose="02040503050406030204" pitchFamily="18" charset="0"/>
-                              </a:rPr>
-                              <m:t>𝑡</m:t>
+                              <a:rPr lang="en-US" sz="2400" b="1" i="1">
+                                <a:solidFill>
+                                  <a:schemeClr val="bg1"/>
+                                </a:solidFill>
+                                <a:latin typeface="Cambria Math" panose="02040503050406030204" pitchFamily="18" charset="0"/>
+                              </a:rPr>
+                              <m:t>𝒕</m:t>
                             </m:r>
                           </m:sub>
                         </m:sSub>
                       </m:sub>
                     </m:sSub>
                     <m:r>
-                      <a:rPr lang="en-US" sz="2000" b="0" i="1">
+                      <a:rPr lang="en-US" sz="2400" b="1" i="1">
                         <a:solidFill>
                           <a:schemeClr val="bg1"/>
                         </a:solidFill>
@@ -5664,10 +8755,19 @@
                       </a:rPr>
                       <m:t>,</m:t>
                     </m:r>
+                    <m:r>
+                      <a:rPr lang="en-US" sz="2400" b="1" i="1" smtClean="0">
+                        <a:solidFill>
+                          <a:schemeClr val="bg1"/>
+                        </a:solidFill>
+                        <a:latin typeface="Cambria Math" panose="02040503050406030204" pitchFamily="18" charset="0"/>
+                      </a:rPr>
+                      <m:t> </m:t>
+                    </m:r>
                     <m:sSub>
                       <m:sSubPr>
                         <m:ctrlPr>
-                          <a:rPr lang="en-US" sz="2000" i="1">
+                          <a:rPr lang="en-US" sz="2400" b="1" i="1">
                             <a:solidFill>
                               <a:schemeClr val="bg1"/>
                             </a:solidFill>
@@ -5677,29 +8777,29 @@
                       </m:sSubPr>
                       <m:e>
                         <m:r>
-                          <a:rPr lang="en-US" sz="2000" i="1">
+                          <a:rPr lang="en-US" sz="2400" b="1" i="1">
                             <a:solidFill>
                               <a:schemeClr val="bg1"/>
                             </a:solidFill>
                             <a:latin typeface="Cambria Math" panose="02040503050406030204" pitchFamily="18" charset="0"/>
                           </a:rPr>
-                          <m:t>𝑠</m:t>
+                          <m:t>𝒔</m:t>
                         </m:r>
                       </m:e>
                       <m:sub>
                         <m:r>
-                          <a:rPr lang="en-US" sz="2000" i="1">
+                          <a:rPr lang="en-US" sz="2400" b="1" i="1">
                             <a:solidFill>
                               <a:schemeClr val="bg1"/>
                             </a:solidFill>
                             <a:latin typeface="Cambria Math" panose="02040503050406030204" pitchFamily="18" charset="0"/>
                           </a:rPr>
-                          <m:t>𝑡</m:t>
+                          <m:t>𝒕</m:t>
                         </m:r>
                       </m:sub>
                     </m:sSub>
                     <m:r>
-                      <a:rPr lang="en-US" sz="2000" i="0">
+                      <a:rPr lang="en-US" sz="2400" b="1" i="0">
                         <a:solidFill>
                           <a:schemeClr val="bg1"/>
                         </a:solidFill>
@@ -5708,18 +8808,18 @@
                       <m:t>=</m:t>
                     </m:r>
                     <m:r>
-                      <a:rPr lang="en-US" sz="2000" i="1">
+                      <a:rPr lang="en-US" sz="2400" b="1" i="1">
                         <a:solidFill>
                           <a:schemeClr val="bg1"/>
                         </a:solidFill>
                         <a:latin typeface="Cambria Math" panose="02040503050406030204" pitchFamily="18" charset="0"/>
                       </a:rPr>
-                      <m:t>𝑓</m:t>
+                      <m:t>𝒇</m:t>
                     </m:r>
                     <m:d>
                       <m:dPr>
                         <m:ctrlPr>
-                          <a:rPr lang="en-US" sz="2000" i="1">
+                          <a:rPr lang="en-US" sz="2400" b="1" i="1">
                             <a:solidFill>
                               <a:schemeClr val="bg1"/>
                             </a:solidFill>
@@ -5731,7 +8831,7 @@
                         <m:sSub>
                           <m:sSubPr>
                             <m:ctrlPr>
-                              <a:rPr lang="en-US" sz="2000" i="1">
+                              <a:rPr lang="en-US" sz="2400" b="1" i="1">
                                 <a:solidFill>
                                   <a:schemeClr val="bg1"/>
                                 </a:solidFill>
@@ -5741,24 +8841,24 @@
                           </m:sSubPr>
                           <m:e>
                             <m:r>
-                              <a:rPr lang="en-US" sz="2000" i="1">
-                                <a:solidFill>
-                                  <a:schemeClr val="bg1"/>
-                                </a:solidFill>
-                                <a:latin typeface="Cambria Math" panose="02040503050406030204" pitchFamily="18" charset="0"/>
-                              </a:rPr>
-                              <m:t>𝑎</m:t>
+                              <a:rPr lang="en-US" sz="2400" b="1" i="1">
+                                <a:solidFill>
+                                  <a:schemeClr val="bg1"/>
+                                </a:solidFill>
+                                <a:latin typeface="Cambria Math" panose="02040503050406030204" pitchFamily="18" charset="0"/>
+                              </a:rPr>
+                              <m:t>𝒂</m:t>
                             </m:r>
                           </m:e>
                           <m:sub>
                             <m:r>
-                              <a:rPr lang="en-US" sz="2000" i="1">
-                                <a:solidFill>
-                                  <a:schemeClr val="bg1"/>
-                                </a:solidFill>
-                                <a:latin typeface="Cambria Math" panose="02040503050406030204" pitchFamily="18" charset="0"/>
-                              </a:rPr>
-                              <m:t>𝑡</m:t>
+                              <a:rPr lang="en-US" sz="2400" b="1" i="1">
+                                <a:solidFill>
+                                  <a:schemeClr val="bg1"/>
+                                </a:solidFill>
+                                <a:latin typeface="Cambria Math" panose="02040503050406030204" pitchFamily="18" charset="0"/>
+                              </a:rPr>
+                              <m:t>𝒕</m:t>
                             </m:r>
                           </m:sub>
                         </m:sSub>
@@ -5766,7 +8866,7 @@
                     </m:d>
                   </m:oMath>
                 </a14:m>
-                <a:endParaRPr lang="en-US" sz="2000" dirty="0">
+                <a:endParaRPr lang="en-US" sz="2400" b="1" dirty="0">
                   <a:solidFill>
                     <a:schemeClr val="bg1"/>
                   </a:solidFill>
@@ -5777,7 +8877,20 @@
                   <a:buNone/>
                 </a:pPr>
                 <a:r>
-                  <a:rPr lang="en-US" sz="2000" dirty="0">
+                  <a:rPr lang="en-US" sz="2400" b="1" dirty="0">
+                    <a:solidFill>
+                      <a:schemeClr val="bg1"/>
+                    </a:solidFill>
+                  </a:rPr>
+                  <a:t> </a:t>
+                </a:r>
+              </a:p>
+              <a:p>
+                <a:pPr marL="0" indent="0">
+                  <a:buNone/>
+                </a:pPr>
+                <a:r>
+                  <a:rPr lang="en-US" sz="2400" b="1" dirty="0">
                     <a:solidFill>
                       <a:schemeClr val="bg1"/>
                     </a:solidFill>
@@ -5789,7 +8902,7 @@
                     <m:sSub>
                       <m:sSubPr>
                         <m:ctrlPr>
-                          <a:rPr lang="en-US" sz="2000" i="1">
+                          <a:rPr lang="en-US" sz="2400" b="1" i="1">
                             <a:solidFill>
                               <a:schemeClr val="bg1"/>
                             </a:solidFill>
@@ -5799,29 +8912,29 @@
                       </m:sSubPr>
                       <m:e>
                         <m:r>
-                          <a:rPr lang="en-US" sz="2000" i="1">
+                          <a:rPr lang="en-US" sz="2400" b="1" i="1">
                             <a:solidFill>
                               <a:schemeClr val="bg1"/>
                             </a:solidFill>
                             <a:latin typeface="Cambria Math" panose="02040503050406030204" pitchFamily="18" charset="0"/>
                           </a:rPr>
-                          <m:t>𝑜</m:t>
+                          <m:t>𝒐</m:t>
                         </m:r>
                       </m:e>
                       <m:sub>
                         <m:r>
-                          <a:rPr lang="en-US" sz="2000" i="1">
+                          <a:rPr lang="en-US" sz="2400" b="1" i="1">
                             <a:solidFill>
                               <a:schemeClr val="bg1"/>
                             </a:solidFill>
                             <a:latin typeface="Cambria Math" panose="02040503050406030204" pitchFamily="18" charset="0"/>
                           </a:rPr>
-                          <m:t>𝑡</m:t>
+                          <m:t>𝒕</m:t>
                         </m:r>
                       </m:sub>
                     </m:sSub>
                     <m:r>
-                      <a:rPr lang="en-US" sz="2000" i="0">
+                      <a:rPr lang="en-US" sz="2400" b="1" i="0">
                         <a:solidFill>
                           <a:schemeClr val="bg1"/>
                         </a:solidFill>
@@ -5830,16 +8943,16 @@
                       <m:t>=</m:t>
                     </m:r>
                     <m:r>
-                      <a:rPr lang="en-US" sz="2000" i="1">
+                      <a:rPr lang="en-US" sz="2400" b="1" i="1">
                         <a:solidFill>
                           <a:schemeClr val="bg1"/>
                         </a:solidFill>
                         <a:latin typeface="Cambria Math" panose="02040503050406030204" pitchFamily="18" charset="0"/>
                       </a:rPr>
-                      <m:t>𝑐</m:t>
+                      <m:t>𝒄</m:t>
                     </m:r>
                     <m:r>
-                      <a:rPr lang="en-US" sz="2000" i="0">
+                      <a:rPr lang="en-US" sz="2400" b="1" i="0">
                         <a:solidFill>
                           <a:schemeClr val="bg1"/>
                         </a:solidFill>
@@ -5848,18 +8961,18 @@
                       <m:t>+</m:t>
                     </m:r>
                     <m:r>
-                      <a:rPr lang="en-US" sz="2000" i="1">
+                      <a:rPr lang="en-US" sz="2400" b="1" i="1">
                         <a:solidFill>
                           <a:schemeClr val="bg1"/>
                         </a:solidFill>
                         <a:latin typeface="Cambria Math" panose="02040503050406030204" pitchFamily="18" charset="0"/>
                       </a:rPr>
-                      <m:t>𝑉</m:t>
+                      <m:t>𝑽</m:t>
                     </m:r>
                     <m:sSub>
                       <m:sSubPr>
                         <m:ctrlPr>
-                          <a:rPr lang="en-US" sz="2000" i="1">
+                          <a:rPr lang="en-US" sz="2400" b="1" i="1">
                             <a:solidFill>
                               <a:schemeClr val="bg1"/>
                             </a:solidFill>
@@ -5869,29 +8982,29 @@
                       </m:sSubPr>
                       <m:e>
                         <m:r>
-                          <a:rPr lang="en-US" sz="2000" i="1">
+                          <a:rPr lang="en-US" sz="2400" b="1" i="1">
                             <a:solidFill>
                               <a:schemeClr val="bg1"/>
                             </a:solidFill>
                             <a:latin typeface="Cambria Math" panose="02040503050406030204" pitchFamily="18" charset="0"/>
                           </a:rPr>
-                          <m:t>𝑠</m:t>
+                          <m:t>𝒔</m:t>
                         </m:r>
                       </m:e>
                       <m:sub>
                         <m:r>
-                          <a:rPr lang="en-US" sz="2000" i="1">
+                          <a:rPr lang="en-US" sz="2400" b="1" i="1">
                             <a:solidFill>
                               <a:schemeClr val="bg1"/>
                             </a:solidFill>
                             <a:latin typeface="Cambria Math" panose="02040503050406030204" pitchFamily="18" charset="0"/>
                           </a:rPr>
-                          <m:t>𝑡</m:t>
+                          <m:t>𝒕</m:t>
                         </m:r>
                       </m:sub>
                     </m:sSub>
                     <m:r>
-                      <a:rPr lang="en-US" sz="2000">
+                      <a:rPr lang="en-US" sz="2400" b="1">
                         <a:solidFill>
                           <a:schemeClr val="bg1"/>
                         </a:solidFill>
@@ -5899,10 +9012,19 @@
                       </a:rPr>
                       <m:t>,</m:t>
                     </m:r>
+                    <m:r>
+                      <a:rPr lang="en-US" sz="2400" b="1" i="1" smtClean="0">
+                        <a:solidFill>
+                          <a:schemeClr val="bg1"/>
+                        </a:solidFill>
+                        <a:latin typeface="Cambria Math" panose="02040503050406030204" pitchFamily="18" charset="0"/>
+                      </a:rPr>
+                      <m:t>  </m:t>
+                    </m:r>
                     <m:sSub>
                       <m:sSubPr>
                         <m:ctrlPr>
-                          <a:rPr lang="en-US" sz="2000" i="1">
+                          <a:rPr lang="en-US" sz="2400" b="1" i="1">
                             <a:solidFill>
                               <a:schemeClr val="bg1"/>
                             </a:solidFill>
@@ -5912,29 +9034,29 @@
                       </m:sSubPr>
                       <m:e>
                         <m:r>
-                          <a:rPr lang="en-US" sz="2000" i="1">
+                          <a:rPr lang="en-US" sz="2400" b="1" i="1">
                             <a:solidFill>
                               <a:schemeClr val="bg1"/>
                             </a:solidFill>
                             <a:latin typeface="Cambria Math" panose="02040503050406030204" pitchFamily="18" charset="0"/>
                           </a:rPr>
-                          <m:t>𝑦</m:t>
+                          <m:t>𝒚</m:t>
                         </m:r>
                       </m:e>
                       <m:sub>
                         <m:r>
-                          <a:rPr lang="en-US" sz="2000" i="1">
+                          <a:rPr lang="en-US" sz="2400" b="1" i="1">
                             <a:solidFill>
                               <a:schemeClr val="bg1"/>
                             </a:solidFill>
                             <a:latin typeface="Cambria Math" panose="02040503050406030204" pitchFamily="18" charset="0"/>
                           </a:rPr>
-                          <m:t>𝑡</m:t>
+                          <m:t>𝒕</m:t>
                         </m:r>
                       </m:sub>
                     </m:sSub>
                     <m:r>
-                      <a:rPr lang="en-US" sz="2000" i="0">
+                      <a:rPr lang="en-US" sz="2400" b="1" i="0">
                         <a:solidFill>
                           <a:schemeClr val="bg1"/>
                         </a:solidFill>
@@ -5943,18 +9065,18 @@
                       <m:t>=</m:t>
                     </m:r>
                     <m:r>
-                      <a:rPr lang="en-US" sz="2000" i="1">
+                      <a:rPr lang="en-US" sz="2400" b="1" i="1">
                         <a:solidFill>
                           <a:schemeClr val="bg1"/>
                         </a:solidFill>
                         <a:latin typeface="Cambria Math" panose="02040503050406030204" pitchFamily="18" charset="0"/>
                       </a:rPr>
-                      <m:t>h</m:t>
+                      <m:t>𝒉</m:t>
                     </m:r>
                     <m:d>
                       <m:dPr>
                         <m:ctrlPr>
-                          <a:rPr lang="en-US" sz="2000" i="1">
+                          <a:rPr lang="en-US" sz="2400" b="1" i="1">
                             <a:solidFill>
                               <a:schemeClr val="bg1"/>
                             </a:solidFill>
@@ -5966,7 +9088,7 @@
                         <m:sSub>
                           <m:sSubPr>
                             <m:ctrlPr>
-                              <a:rPr lang="en-US" sz="2000" i="1">
+                              <a:rPr lang="en-US" sz="2400" b="1" i="1">
                                 <a:solidFill>
                                   <a:schemeClr val="bg1"/>
                                 </a:solidFill>
@@ -5976,24 +9098,24 @@
                           </m:sSubPr>
                           <m:e>
                             <m:r>
-                              <a:rPr lang="en-US" sz="2000" i="1">
-                                <a:solidFill>
-                                  <a:schemeClr val="bg1"/>
-                                </a:solidFill>
-                                <a:latin typeface="Cambria Math" panose="02040503050406030204" pitchFamily="18" charset="0"/>
-                              </a:rPr>
-                              <m:t>𝑜</m:t>
+                              <a:rPr lang="en-US" sz="2400" b="1" i="1">
+                                <a:solidFill>
+                                  <a:schemeClr val="bg1"/>
+                                </a:solidFill>
+                                <a:latin typeface="Cambria Math" panose="02040503050406030204" pitchFamily="18" charset="0"/>
+                              </a:rPr>
+                              <m:t>𝒐</m:t>
                             </m:r>
                           </m:e>
                           <m:sub>
                             <m:r>
-                              <a:rPr lang="en-US" sz="2000" i="1">
-                                <a:solidFill>
-                                  <a:schemeClr val="bg1"/>
-                                </a:solidFill>
-                                <a:latin typeface="Cambria Math" panose="02040503050406030204" pitchFamily="18" charset="0"/>
-                              </a:rPr>
-                              <m:t>𝑡</m:t>
+                              <a:rPr lang="en-US" sz="2400" b="1" i="1">
+                                <a:solidFill>
+                                  <a:schemeClr val="bg1"/>
+                                </a:solidFill>
+                                <a:latin typeface="Cambria Math" panose="02040503050406030204" pitchFamily="18" charset="0"/>
+                              </a:rPr>
+                              <m:t>𝒕</m:t>
                             </m:r>
                           </m:sub>
                         </m:sSub>
@@ -6001,7 +9123,7 @@
                     </m:d>
                   </m:oMath>
                 </a14:m>
-                <a:endParaRPr lang="en-US" sz="2000" dirty="0">
+                <a:endParaRPr lang="en-US" sz="2400" b="1" dirty="0">
                   <a:solidFill>
                     <a:schemeClr val="bg1"/>
                   </a:solidFill>
@@ -6020,7 +9142,7 @@
             </p:txBody>
           </p:sp>
         </mc:Choice>
-        <mc:Fallback xmlns="">
+        <mc:Fallback>
           <p:sp>
             <p:nvSpPr>
               <p:cNvPr id="3" name="Content Placeholder 2">
@@ -6104,17 +9226,10 @@
   <p:clrMapOvr>
     <a:masterClrMapping/>
   </p:clrMapOvr>
-  <p:timing>
-    <p:tnLst>
-      <p:par>
-        <p:cTn id="1" dur="indefinite" restart="never" nodeType="tmRoot"/>
-      </p:par>
-    </p:tnLst>
-  </p:timing>
 </p:sld>
 </file>
 
-<file path=ppt/slides/slide6.xml><?xml version="1.0" encoding="utf-8"?>
+<file path=ppt/slides/slide8.xml><?xml version="1.0" encoding="utf-8"?>
 <p:sld xmlns:a="http://schemas.openxmlformats.org/drawingml/2006/main" xmlns:r="http://schemas.openxmlformats.org/officeDocument/2006/relationships" xmlns:p="http://schemas.openxmlformats.org/presentationml/2006/main">
   <p:cSld>
     <p:bg>
@@ -6147,7 +9262,7 @@
                 <a16:creationId xmlns:a16="http://schemas.microsoft.com/office/drawing/2014/main" id="{867D4867-5BA7-4462-B2F6-A23F4A622AA7}"/>
               </a:ext>
               <a:ext uri="{C183D7F6-B498-43B3-948B-1728B52AA6E4}">
-                <adec:decorative xmlns:adec="http://schemas.microsoft.com/office/drawing/2017/decorative" xmlns="" val="1"/>
+                <adec:decorative xmlns:adec="http://schemas.microsoft.com/office/drawing/2017/decorative" val="1"/>
               </a:ext>
             </a:extLst>
           </p:cNvPr>
@@ -6254,8 +9369,8 @@
           </a:p>
         </p:txBody>
       </p:sp>
-      <mc:AlternateContent xmlns:mc="http://schemas.openxmlformats.org/markup-compatibility/2006" xmlns:a14="http://schemas.microsoft.com/office/drawing/2010/main">
-        <mc:Choice Requires="a14">
+      <mc:AlternateContent xmlns:mc="http://schemas.openxmlformats.org/markup-compatibility/2006">
+        <mc:Choice xmlns:a14="http://schemas.microsoft.com/office/drawing/2010/main" Requires="a14">
           <p:sp>
             <p:nvSpPr>
               <p:cNvPr id="3" name="Content Placeholder 2">
@@ -6274,13 +9389,13 @@
             </p:nvSpPr>
             <p:spPr>
               <a:xfrm>
-                <a:off x="0" y="2638044"/>
-                <a:ext cx="4654296" cy="4219956"/>
+                <a:off x="-1" y="2638044"/>
+                <a:ext cx="4654297" cy="4219956"/>
               </a:xfrm>
             </p:spPr>
             <p:txBody>
               <a:bodyPr>
-                <a:normAutofit fontScale="70000" lnSpcReduction="20000"/>
+                <a:normAutofit fontScale="47500" lnSpcReduction="20000"/>
               </a:bodyPr>
               <a:lstStyle/>
               <a:p>
@@ -6292,7 +9407,7 @@
                     <m:sSub>
                       <m:sSubPr>
                         <m:ctrlPr>
-                          <a:rPr lang="en-US" sz="2900" i="1" smtClean="0">
+                          <a:rPr lang="en-US" sz="3800" b="1" i="1" smtClean="0">
                             <a:solidFill>
                               <a:schemeClr val="bg1"/>
                             </a:solidFill>
@@ -6302,29 +9417,29 @@
                       </m:sSubPr>
                       <m:e>
                         <m:r>
-                          <a:rPr lang="en-US" sz="2900" i="1">
+                          <a:rPr lang="en-US" sz="3800" b="1" i="1">
                             <a:solidFill>
                               <a:schemeClr val="bg1"/>
                             </a:solidFill>
                             <a:latin typeface="Cambria Math" panose="02040503050406030204" pitchFamily="18" charset="0"/>
                           </a:rPr>
-                          <m:t>𝑦</m:t>
+                          <m:t>𝒚</m:t>
                         </m:r>
                       </m:e>
                       <m:sub>
                         <m:r>
-                          <a:rPr lang="en-US" sz="2900">
+                          <a:rPr lang="en-US" sz="3800" b="1" i="1">
                             <a:solidFill>
                               <a:schemeClr val="bg1"/>
                             </a:solidFill>
                             <a:latin typeface="Cambria Math" panose="02040503050406030204" pitchFamily="18" charset="0"/>
                           </a:rPr>
-                          <m:t>6</m:t>
+                          <m:t>𝟔</m:t>
                         </m:r>
                       </m:sub>
                     </m:sSub>
                     <m:r>
-                      <a:rPr lang="en-US" sz="2900">
+                      <a:rPr lang="en-US" sz="3800" b="1">
                         <a:solidFill>
                           <a:schemeClr val="bg1"/>
                         </a:solidFill>
@@ -6333,18 +9448,18 @@
                       <m:t>=</m:t>
                     </m:r>
                     <m:r>
-                      <a:rPr lang="en-US" sz="2900" i="1">
+                      <a:rPr lang="en-US" sz="3800" b="1" i="1">
                         <a:solidFill>
                           <a:schemeClr val="bg1"/>
                         </a:solidFill>
                         <a:latin typeface="Cambria Math" panose="02040503050406030204" pitchFamily="18" charset="0"/>
                       </a:rPr>
-                      <m:t>𝑓</m:t>
+                      <m:t>𝒇</m:t>
                     </m:r>
                     <m:d>
                       <m:dPr>
                         <m:ctrlPr>
-                          <a:rPr lang="en-US" sz="2900" i="1">
+                          <a:rPr lang="en-US" sz="3800" b="1" i="1">
                             <a:solidFill>
                               <a:schemeClr val="bg1"/>
                             </a:solidFill>
@@ -6356,7 +9471,7 @@
                         <m:sSub>
                           <m:sSubPr>
                             <m:ctrlPr>
-                              <a:rPr lang="en-US" sz="2900" i="1">
+                              <a:rPr lang="en-US" sz="3800" b="1" i="1">
                                 <a:solidFill>
                                   <a:schemeClr val="bg1"/>
                                 </a:solidFill>
@@ -6366,29 +9481,29 @@
                           </m:sSubPr>
                           <m:e>
                             <m:r>
-                              <a:rPr lang="en-US" sz="2900" i="1">
-                                <a:solidFill>
-                                  <a:schemeClr val="bg1"/>
-                                </a:solidFill>
-                                <a:latin typeface="Cambria Math" panose="02040503050406030204" pitchFamily="18" charset="0"/>
-                              </a:rPr>
-                              <m:t>𝑥</m:t>
+                              <a:rPr lang="en-US" sz="3800" b="1" i="1">
+                                <a:solidFill>
+                                  <a:schemeClr val="bg1"/>
+                                </a:solidFill>
+                                <a:latin typeface="Cambria Math" panose="02040503050406030204" pitchFamily="18" charset="0"/>
+                              </a:rPr>
+                              <m:t>𝒙</m:t>
                             </m:r>
                           </m:e>
                           <m:sub>
                             <m:r>
-                              <a:rPr lang="en-US" sz="2900">
-                                <a:solidFill>
-                                  <a:schemeClr val="bg1"/>
-                                </a:solidFill>
-                                <a:latin typeface="Cambria Math" panose="02040503050406030204" pitchFamily="18" charset="0"/>
-                              </a:rPr>
-                              <m:t>3</m:t>
+                              <a:rPr lang="en-US" sz="3800" b="1" i="1">
+                                <a:solidFill>
+                                  <a:schemeClr val="bg1"/>
+                                </a:solidFill>
+                                <a:latin typeface="Cambria Math" panose="02040503050406030204" pitchFamily="18" charset="0"/>
+                              </a:rPr>
+                              <m:t>𝟑</m:t>
                             </m:r>
                           </m:sub>
                         </m:sSub>
                         <m:r>
-                          <a:rPr lang="en-US" sz="2900">
+                          <a:rPr lang="en-US" sz="3800" b="1">
                             <a:solidFill>
                               <a:schemeClr val="bg1"/>
                             </a:solidFill>
@@ -6399,7 +9514,7 @@
                         <m:sSub>
                           <m:sSubPr>
                             <m:ctrlPr>
-                              <a:rPr lang="en-US" sz="2900" i="1">
+                              <a:rPr lang="en-US" sz="3800" b="1" i="1">
                                 <a:solidFill>
                                   <a:schemeClr val="bg1"/>
                                 </a:solidFill>
@@ -6409,29 +9524,29 @@
                           </m:sSubPr>
                           <m:e>
                             <m:r>
-                              <a:rPr lang="en-US" sz="2900" i="1">
-                                <a:solidFill>
-                                  <a:schemeClr val="bg1"/>
-                                </a:solidFill>
-                                <a:latin typeface="Cambria Math" panose="02040503050406030204" pitchFamily="18" charset="0"/>
-                              </a:rPr>
-                              <m:t>𝑥</m:t>
+                              <a:rPr lang="en-US" sz="3800" b="1" i="1">
+                                <a:solidFill>
+                                  <a:schemeClr val="bg1"/>
+                                </a:solidFill>
+                                <a:latin typeface="Cambria Math" panose="02040503050406030204" pitchFamily="18" charset="0"/>
+                              </a:rPr>
+                              <m:t>𝒙</m:t>
                             </m:r>
                           </m:e>
                           <m:sub>
                             <m:r>
-                              <a:rPr lang="en-US" sz="2900">
-                                <a:solidFill>
-                                  <a:schemeClr val="bg1"/>
-                                </a:solidFill>
-                                <a:latin typeface="Cambria Math" panose="02040503050406030204" pitchFamily="18" charset="0"/>
-                              </a:rPr>
-                              <m:t>4</m:t>
+                              <a:rPr lang="en-US" sz="3800" b="1" i="1">
+                                <a:solidFill>
+                                  <a:schemeClr val="bg1"/>
+                                </a:solidFill>
+                                <a:latin typeface="Cambria Math" panose="02040503050406030204" pitchFamily="18" charset="0"/>
+                              </a:rPr>
+                              <m:t>𝟒</m:t>
                             </m:r>
                           </m:sub>
                         </m:sSub>
                         <m:r>
-                          <a:rPr lang="en-US" sz="2900">
+                          <a:rPr lang="en-US" sz="3800" b="1">
                             <a:solidFill>
                               <a:schemeClr val="bg1"/>
                             </a:solidFill>
@@ -6442,7 +9557,7 @@
                         <m:sSub>
                           <m:sSubPr>
                             <m:ctrlPr>
-                              <a:rPr lang="en-US" sz="2900" i="1">
+                              <a:rPr lang="en-US" sz="3800" b="1" i="1">
                                 <a:solidFill>
                                   <a:schemeClr val="bg1"/>
                                 </a:solidFill>
@@ -6452,29 +9567,29 @@
                           </m:sSubPr>
                           <m:e>
                             <m:r>
-                              <a:rPr lang="en-US" sz="2900" i="1">
-                                <a:solidFill>
-                                  <a:schemeClr val="bg1"/>
-                                </a:solidFill>
-                                <a:latin typeface="Cambria Math" panose="02040503050406030204" pitchFamily="18" charset="0"/>
-                              </a:rPr>
-                              <m:t>𝑥</m:t>
+                              <a:rPr lang="en-US" sz="3800" b="1" i="1">
+                                <a:solidFill>
+                                  <a:schemeClr val="bg1"/>
+                                </a:solidFill>
+                                <a:latin typeface="Cambria Math" panose="02040503050406030204" pitchFamily="18" charset="0"/>
+                              </a:rPr>
+                              <m:t>𝒙</m:t>
                             </m:r>
                           </m:e>
                           <m:sub>
                             <m:r>
-                              <a:rPr lang="en-US" sz="2900">
-                                <a:solidFill>
-                                  <a:schemeClr val="bg1"/>
-                                </a:solidFill>
-                                <a:latin typeface="Cambria Math" panose="02040503050406030204" pitchFamily="18" charset="0"/>
-                              </a:rPr>
-                              <m:t>5</m:t>
+                              <a:rPr lang="en-US" sz="3800" b="1" i="1">
+                                <a:solidFill>
+                                  <a:schemeClr val="bg1"/>
+                                </a:solidFill>
+                                <a:latin typeface="Cambria Math" panose="02040503050406030204" pitchFamily="18" charset="0"/>
+                              </a:rPr>
+                              <m:t>𝟓</m:t>
                             </m:r>
                           </m:sub>
                         </m:sSub>
                         <m:r>
-                          <a:rPr lang="en-US" sz="2900">
+                          <a:rPr lang="en-US" sz="3800" b="1">
                             <a:solidFill>
                               <a:schemeClr val="bg1"/>
                             </a:solidFill>
@@ -6485,7 +9600,7 @@
                         <m:sSub>
                           <m:sSubPr>
                             <m:ctrlPr>
-                              <a:rPr lang="en-US" sz="2900" i="1">
+                              <a:rPr lang="en-US" sz="3800" b="1" i="1">
                                 <a:solidFill>
                                   <a:schemeClr val="bg1"/>
                                 </a:solidFill>
@@ -6495,31 +9610,31 @@
                           </m:sSubPr>
                           <m:e>
                             <m:r>
-                              <a:rPr lang="en-US" sz="2900" i="1">
-                                <a:solidFill>
-                                  <a:schemeClr val="bg1"/>
-                                </a:solidFill>
-                                <a:latin typeface="Cambria Math" panose="02040503050406030204" pitchFamily="18" charset="0"/>
-                              </a:rPr>
-                              <m:t>𝑠</m:t>
+                              <a:rPr lang="en-US" sz="3800" b="1" i="1">
+                                <a:solidFill>
+                                  <a:schemeClr val="bg1"/>
+                                </a:solidFill>
+                                <a:latin typeface="Cambria Math" panose="02040503050406030204" pitchFamily="18" charset="0"/>
+                              </a:rPr>
+                              <m:t>𝒔</m:t>
                             </m:r>
                           </m:e>
                           <m:sub>
                             <m:r>
-                              <a:rPr lang="en-US" sz="2900">
-                                <a:solidFill>
-                                  <a:schemeClr val="bg1"/>
-                                </a:solidFill>
-                                <a:latin typeface="Cambria Math" panose="02040503050406030204" pitchFamily="18" charset="0"/>
-                              </a:rPr>
-                              <m:t>2</m:t>
+                              <a:rPr lang="en-US" sz="3800" b="1" i="1">
+                                <a:solidFill>
+                                  <a:schemeClr val="bg1"/>
+                                </a:solidFill>
+                                <a:latin typeface="Cambria Math" panose="02040503050406030204" pitchFamily="18" charset="0"/>
+                              </a:rPr>
+                              <m:t>𝟐</m:t>
                             </m:r>
                           </m:sub>
                         </m:sSub>
                       </m:e>
                     </m:d>
                     <m:r>
-                      <a:rPr lang="en-US" sz="2900">
+                      <a:rPr lang="en-US" sz="3800" b="1">
                         <a:solidFill>
                           <a:schemeClr val="bg1"/>
                         </a:solidFill>
@@ -6528,18 +9643,18 @@
                       <m:t>=</m:t>
                     </m:r>
                     <m:r>
-                      <a:rPr lang="en-US" sz="2900" i="1">
+                      <a:rPr lang="en-US" sz="3800" b="1" i="1">
                         <a:solidFill>
                           <a:schemeClr val="bg1"/>
                         </a:solidFill>
                         <a:latin typeface="Cambria Math" panose="02040503050406030204" pitchFamily="18" charset="0"/>
                       </a:rPr>
-                      <m:t>𝑓</m:t>
+                      <m:t>𝒇</m:t>
                     </m:r>
                     <m:d>
                       <m:dPr>
                         <m:ctrlPr>
-                          <a:rPr lang="en-US" sz="2900" i="1">
+                          <a:rPr lang="en-US" sz="3800" b="1" i="1">
                             <a:solidFill>
                               <a:schemeClr val="bg1"/>
                             </a:solidFill>
@@ -6551,7 +9666,7 @@
                         <m:sSub>
                           <m:sSubPr>
                             <m:ctrlPr>
-                              <a:rPr lang="en-US" sz="2900" i="1">
+                              <a:rPr lang="en-US" sz="3800" b="1" i="1">
                                 <a:solidFill>
                                   <a:schemeClr val="bg1"/>
                                 </a:solidFill>
@@ -6561,29 +9676,29 @@
                           </m:sSubPr>
                           <m:e>
                             <m:r>
-                              <a:rPr lang="en-US" sz="2900" i="1">
-                                <a:solidFill>
-                                  <a:schemeClr val="bg1"/>
-                                </a:solidFill>
-                                <a:latin typeface="Cambria Math" panose="02040503050406030204" pitchFamily="18" charset="0"/>
-                              </a:rPr>
-                              <m:t>𝑥</m:t>
+                              <a:rPr lang="en-US" sz="3800" b="1" i="1">
+                                <a:solidFill>
+                                  <a:schemeClr val="bg1"/>
+                                </a:solidFill>
+                                <a:latin typeface="Cambria Math" panose="02040503050406030204" pitchFamily="18" charset="0"/>
+                              </a:rPr>
+                              <m:t>𝒙</m:t>
                             </m:r>
                           </m:e>
                           <m:sub>
                             <m:r>
-                              <a:rPr lang="en-US" sz="2900">
-                                <a:solidFill>
-                                  <a:schemeClr val="bg1"/>
-                                </a:solidFill>
-                                <a:latin typeface="Cambria Math" panose="02040503050406030204" pitchFamily="18" charset="0"/>
-                              </a:rPr>
-                              <m:t>3</m:t>
+                              <a:rPr lang="en-US" sz="3800" b="1" i="1">
+                                <a:solidFill>
+                                  <a:schemeClr val="bg1"/>
+                                </a:solidFill>
+                                <a:latin typeface="Cambria Math" panose="02040503050406030204" pitchFamily="18" charset="0"/>
+                              </a:rPr>
+                              <m:t>𝟑</m:t>
                             </m:r>
                           </m:sub>
                         </m:sSub>
                         <m:r>
-                          <a:rPr lang="en-US" sz="2900">
+                          <a:rPr lang="en-US" sz="3800" b="1">
                             <a:solidFill>
                               <a:schemeClr val="bg1"/>
                             </a:solidFill>
@@ -6594,7 +9709,7 @@
                         <m:sSub>
                           <m:sSubPr>
                             <m:ctrlPr>
-                              <a:rPr lang="en-US" sz="2900" i="1">
+                              <a:rPr lang="en-US" sz="3800" b="1" i="1">
                                 <a:solidFill>
                                   <a:schemeClr val="bg1"/>
                                 </a:solidFill>
@@ -6604,29 +9719,29 @@
                           </m:sSubPr>
                           <m:e>
                             <m:r>
-                              <a:rPr lang="en-US" sz="2900" i="1">
-                                <a:solidFill>
-                                  <a:schemeClr val="bg1"/>
-                                </a:solidFill>
-                                <a:latin typeface="Cambria Math" panose="02040503050406030204" pitchFamily="18" charset="0"/>
-                              </a:rPr>
-                              <m:t>𝑥</m:t>
+                              <a:rPr lang="en-US" sz="3800" b="1" i="1">
+                                <a:solidFill>
+                                  <a:schemeClr val="bg1"/>
+                                </a:solidFill>
+                                <a:latin typeface="Cambria Math" panose="02040503050406030204" pitchFamily="18" charset="0"/>
+                              </a:rPr>
+                              <m:t>𝒙</m:t>
                             </m:r>
                           </m:e>
                           <m:sub>
                             <m:r>
-                              <a:rPr lang="en-US" sz="2900">
-                                <a:solidFill>
-                                  <a:schemeClr val="bg1"/>
-                                </a:solidFill>
-                                <a:latin typeface="Cambria Math" panose="02040503050406030204" pitchFamily="18" charset="0"/>
-                              </a:rPr>
-                              <m:t>4</m:t>
+                              <a:rPr lang="en-US" sz="3800" b="1" i="1">
+                                <a:solidFill>
+                                  <a:schemeClr val="bg1"/>
+                                </a:solidFill>
+                                <a:latin typeface="Cambria Math" panose="02040503050406030204" pitchFamily="18" charset="0"/>
+                              </a:rPr>
+                              <m:t>𝟒</m:t>
                             </m:r>
                           </m:sub>
                         </m:sSub>
                         <m:r>
-                          <a:rPr lang="en-US" sz="2900">
+                          <a:rPr lang="en-US" sz="3800" b="1">
                             <a:solidFill>
                               <a:schemeClr val="bg1"/>
                             </a:solidFill>
@@ -6637,7 +9752,7 @@
                         <m:sSub>
                           <m:sSubPr>
                             <m:ctrlPr>
-                              <a:rPr lang="en-US" sz="2900" i="1">
+                              <a:rPr lang="en-US" sz="3800" b="1" i="1">
                                 <a:solidFill>
                                   <a:schemeClr val="bg1"/>
                                 </a:solidFill>
@@ -6647,29 +9762,29 @@
                           </m:sSubPr>
                           <m:e>
                             <m:r>
-                              <a:rPr lang="en-US" sz="2900" i="1">
-                                <a:solidFill>
-                                  <a:schemeClr val="bg1"/>
-                                </a:solidFill>
-                                <a:latin typeface="Cambria Math" panose="02040503050406030204" pitchFamily="18" charset="0"/>
-                              </a:rPr>
-                              <m:t>𝑥</m:t>
+                              <a:rPr lang="en-US" sz="3800" b="1" i="1">
+                                <a:solidFill>
+                                  <a:schemeClr val="bg1"/>
+                                </a:solidFill>
+                                <a:latin typeface="Cambria Math" panose="02040503050406030204" pitchFamily="18" charset="0"/>
+                              </a:rPr>
+                              <m:t>𝒙</m:t>
                             </m:r>
                           </m:e>
                           <m:sub>
                             <m:r>
-                              <a:rPr lang="en-US" sz="2900">
-                                <a:solidFill>
-                                  <a:schemeClr val="bg1"/>
-                                </a:solidFill>
-                                <a:latin typeface="Cambria Math" panose="02040503050406030204" pitchFamily="18" charset="0"/>
-                              </a:rPr>
-                              <m:t>5</m:t>
+                              <a:rPr lang="en-US" sz="3800" b="1" i="1">
+                                <a:solidFill>
+                                  <a:schemeClr val="bg1"/>
+                                </a:solidFill>
+                                <a:latin typeface="Cambria Math" panose="02040503050406030204" pitchFamily="18" charset="0"/>
+                              </a:rPr>
+                              <m:t>𝟓</m:t>
                             </m:r>
                           </m:sub>
                         </m:sSub>
                         <m:r>
-                          <a:rPr lang="en-US" sz="2900" i="1">
+                          <a:rPr lang="en-US" sz="3800" b="1" i="1">
                             <a:solidFill>
                               <a:schemeClr val="bg1"/>
                             </a:solidFill>
@@ -6678,16 +9793,16 @@
                           <m:t>,</m:t>
                         </m:r>
                         <m:r>
-                          <a:rPr lang="en-US" sz="2900" i="1">
+                          <a:rPr lang="en-US" sz="3800" b="1" i="1">
                             <a:solidFill>
                               <a:schemeClr val="bg1"/>
                             </a:solidFill>
                             <a:latin typeface="Cambria Math" panose="02040503050406030204" pitchFamily="18" charset="0"/>
                           </a:rPr>
-                          <m:t>h</m:t>
+                          <m:t>𝒉</m:t>
                         </m:r>
                         <m:r>
-                          <a:rPr lang="en-US" sz="2900" i="1">
+                          <a:rPr lang="en-US" sz="3800" b="1" i="1">
                             <a:solidFill>
                               <a:schemeClr val="bg1"/>
                             </a:solidFill>
@@ -6698,7 +9813,7 @@
                         <m:sSub>
                           <m:sSubPr>
                             <m:ctrlPr>
-                              <a:rPr lang="en-US" sz="2900" i="1">
+                              <a:rPr lang="en-US" sz="3800" b="1" i="1">
                                 <a:solidFill>
                                   <a:schemeClr val="bg1"/>
                                 </a:solidFill>
@@ -6708,29 +9823,29 @@
                           </m:sSubPr>
                           <m:e>
                             <m:r>
-                              <a:rPr lang="en-US" sz="2900" i="1">
-                                <a:solidFill>
-                                  <a:schemeClr val="bg1"/>
-                                </a:solidFill>
-                                <a:latin typeface="Cambria Math" panose="02040503050406030204" pitchFamily="18" charset="0"/>
-                              </a:rPr>
-                              <m:t>𝑥</m:t>
+                              <a:rPr lang="en-US" sz="3800" b="1" i="1">
+                                <a:solidFill>
+                                  <a:schemeClr val="bg1"/>
+                                </a:solidFill>
+                                <a:latin typeface="Cambria Math" panose="02040503050406030204" pitchFamily="18" charset="0"/>
+                              </a:rPr>
+                              <m:t>𝒙</m:t>
                             </m:r>
                           </m:e>
                           <m:sub>
                             <m:r>
-                              <a:rPr lang="en-US" sz="2900">
-                                <a:solidFill>
-                                  <a:schemeClr val="bg1"/>
-                                </a:solidFill>
-                                <a:latin typeface="Cambria Math" panose="02040503050406030204" pitchFamily="18" charset="0"/>
-                              </a:rPr>
-                              <m:t>2</m:t>
+                              <a:rPr lang="en-US" sz="3800" b="1" i="1">
+                                <a:solidFill>
+                                  <a:schemeClr val="bg1"/>
+                                </a:solidFill>
+                                <a:latin typeface="Cambria Math" panose="02040503050406030204" pitchFamily="18" charset="0"/>
+                              </a:rPr>
+                              <m:t>𝟐</m:t>
                             </m:r>
                           </m:sub>
                         </m:sSub>
                         <m:r>
-                          <a:rPr lang="en-US" sz="2900">
+                          <a:rPr lang="en-US" sz="3800" b="1">
                             <a:solidFill>
                               <a:schemeClr val="bg1"/>
                             </a:solidFill>
@@ -6741,7 +9856,7 @@
                         <m:sSub>
                           <m:sSubPr>
                             <m:ctrlPr>
-                              <a:rPr lang="en-US" sz="2900" i="1">
+                              <a:rPr lang="en-US" sz="3800" b="1" i="1">
                                 <a:solidFill>
                                   <a:schemeClr val="bg1"/>
                                 </a:solidFill>
@@ -6751,29 +9866,29 @@
                           </m:sSubPr>
                           <m:e>
                             <m:r>
-                              <a:rPr lang="en-US" sz="2900" i="1">
-                                <a:solidFill>
-                                  <a:schemeClr val="bg1"/>
-                                </a:solidFill>
-                                <a:latin typeface="Cambria Math" panose="02040503050406030204" pitchFamily="18" charset="0"/>
-                              </a:rPr>
-                              <m:t>𝑥</m:t>
+                              <a:rPr lang="en-US" sz="3800" b="1" i="1">
+                                <a:solidFill>
+                                  <a:schemeClr val="bg1"/>
+                                </a:solidFill>
+                                <a:latin typeface="Cambria Math" panose="02040503050406030204" pitchFamily="18" charset="0"/>
+                              </a:rPr>
+                              <m:t>𝒙</m:t>
                             </m:r>
                           </m:e>
                           <m:sub>
                             <m:r>
-                              <a:rPr lang="en-US" sz="2900">
-                                <a:solidFill>
-                                  <a:schemeClr val="bg1"/>
-                                </a:solidFill>
-                                <a:latin typeface="Cambria Math" panose="02040503050406030204" pitchFamily="18" charset="0"/>
-                              </a:rPr>
-                              <m:t>3</m:t>
+                              <a:rPr lang="en-US" sz="3800" b="1" i="1">
+                                <a:solidFill>
+                                  <a:schemeClr val="bg1"/>
+                                </a:solidFill>
+                                <a:latin typeface="Cambria Math" panose="02040503050406030204" pitchFamily="18" charset="0"/>
+                              </a:rPr>
+                              <m:t>𝟑</m:t>
                             </m:r>
                           </m:sub>
                         </m:sSub>
                         <m:r>
-                          <a:rPr lang="en-US" sz="2900">
+                          <a:rPr lang="en-US" sz="3800" b="1">
                             <a:solidFill>
                               <a:schemeClr val="bg1"/>
                             </a:solidFill>
@@ -6784,7 +9899,7 @@
                         <m:sSub>
                           <m:sSubPr>
                             <m:ctrlPr>
-                              <a:rPr lang="en-US" sz="2900" i="1">
+                              <a:rPr lang="en-US" sz="3800" b="1" i="1">
                                 <a:solidFill>
                                   <a:schemeClr val="bg1"/>
                                 </a:solidFill>
@@ -6794,29 +9909,29 @@
                           </m:sSubPr>
                           <m:e>
                             <m:r>
-                              <a:rPr lang="en-US" sz="2900" i="1">
-                                <a:solidFill>
-                                  <a:schemeClr val="bg1"/>
-                                </a:solidFill>
-                                <a:latin typeface="Cambria Math" panose="02040503050406030204" pitchFamily="18" charset="0"/>
-                              </a:rPr>
-                              <m:t>𝑥</m:t>
+                              <a:rPr lang="en-US" sz="3800" b="1" i="1">
+                                <a:solidFill>
+                                  <a:schemeClr val="bg1"/>
+                                </a:solidFill>
+                                <a:latin typeface="Cambria Math" panose="02040503050406030204" pitchFamily="18" charset="0"/>
+                              </a:rPr>
+                              <m:t>𝒙</m:t>
                             </m:r>
                           </m:e>
                           <m:sub>
                             <m:r>
-                              <a:rPr lang="en-US" sz="2900">
-                                <a:solidFill>
-                                  <a:schemeClr val="bg1"/>
-                                </a:solidFill>
-                                <a:latin typeface="Cambria Math" panose="02040503050406030204" pitchFamily="18" charset="0"/>
-                              </a:rPr>
-                              <m:t>4</m:t>
+                              <a:rPr lang="en-US" sz="3800" b="1" i="1">
+                                <a:solidFill>
+                                  <a:schemeClr val="bg1"/>
+                                </a:solidFill>
+                                <a:latin typeface="Cambria Math" panose="02040503050406030204" pitchFamily="18" charset="0"/>
+                              </a:rPr>
+                              <m:t>𝟒</m:t>
                             </m:r>
                           </m:sub>
                         </m:sSub>
                         <m:r>
-                          <a:rPr lang="en-US" sz="2900" i="1">
+                          <a:rPr lang="en-US" sz="3800" b="1" i="1">
                             <a:solidFill>
                               <a:schemeClr val="bg1"/>
                             </a:solidFill>
@@ -6827,7 +9942,7 @@
                         <m:sSub>
                           <m:sSubPr>
                             <m:ctrlPr>
-                              <a:rPr lang="en-US" sz="2900" i="1">
+                              <a:rPr lang="en-US" sz="3800" b="1" i="1">
                                 <a:solidFill>
                                   <a:schemeClr val="bg1"/>
                                 </a:solidFill>
@@ -6837,29 +9952,29 @@
                           </m:sSubPr>
                           <m:e>
                             <m:r>
-                              <a:rPr lang="en-US" sz="2900" i="1">
-                                <a:solidFill>
-                                  <a:schemeClr val="bg1"/>
-                                </a:solidFill>
-                                <a:latin typeface="Cambria Math" panose="02040503050406030204" pitchFamily="18" charset="0"/>
-                              </a:rPr>
-                              <m:t>𝑠</m:t>
+                              <a:rPr lang="en-US" sz="3800" b="1" i="1">
+                                <a:solidFill>
+                                  <a:schemeClr val="bg1"/>
+                                </a:solidFill>
+                                <a:latin typeface="Cambria Math" panose="02040503050406030204" pitchFamily="18" charset="0"/>
+                              </a:rPr>
+                              <m:t>𝒔</m:t>
                             </m:r>
                           </m:e>
                           <m:sub>
                             <m:r>
-                              <a:rPr lang="en-US" sz="2900">
-                                <a:solidFill>
-                                  <a:schemeClr val="bg1"/>
-                                </a:solidFill>
-                                <a:latin typeface="Cambria Math" panose="02040503050406030204" pitchFamily="18" charset="0"/>
-                              </a:rPr>
-                              <m:t>1</m:t>
+                              <a:rPr lang="en-US" sz="3800" b="1" i="1">
+                                <a:solidFill>
+                                  <a:schemeClr val="bg1"/>
+                                </a:solidFill>
+                                <a:latin typeface="Cambria Math" panose="02040503050406030204" pitchFamily="18" charset="0"/>
+                              </a:rPr>
+                              <m:t>𝟏</m:t>
                             </m:r>
                           </m:sub>
                         </m:sSub>
                         <m:r>
-                          <a:rPr lang="en-US" sz="2900" i="1">
+                          <a:rPr lang="en-US" sz="3800" b="1" i="1">
                             <a:solidFill>
                               <a:schemeClr val="bg1"/>
                             </a:solidFill>
@@ -6870,7 +9985,7 @@
                       </m:e>
                     </m:d>
                     <m:r>
-                      <a:rPr lang="en-US" sz="2900" dirty="0">
+                      <a:rPr lang="en-US" sz="3800" b="1" dirty="0">
                         <a:solidFill>
                           <a:schemeClr val="bg1"/>
                         </a:solidFill>
@@ -6881,7 +9996,7 @@
                   </m:oMath>
                 </a14:m>
                 <a:r>
-                  <a:rPr lang="en-US" sz="2900" dirty="0">
+                  <a:rPr lang="en-US" sz="3800" b="1" dirty="0">
                     <a:solidFill>
                       <a:schemeClr val="bg1"/>
                     </a:solidFill>
@@ -6891,18 +10006,18 @@
                 <a14:m>
                   <m:oMath xmlns:m="http://schemas.openxmlformats.org/officeDocument/2006/math">
                     <m:r>
-                      <a:rPr lang="en-US" sz="2900" i="1">
+                      <a:rPr lang="en-US" sz="3800" b="1" i="1">
                         <a:solidFill>
                           <a:schemeClr val="bg1"/>
                         </a:solidFill>
                         <a:latin typeface="Cambria Math" panose="02040503050406030204" pitchFamily="18" charset="0"/>
                       </a:rPr>
-                      <m:t>𝑓</m:t>
+                      <m:t>𝒇</m:t>
                     </m:r>
                     <m:d>
                       <m:dPr>
                         <m:ctrlPr>
-                          <a:rPr lang="en-US" sz="2900" i="1">
+                          <a:rPr lang="en-US" sz="3800" b="1" i="1">
                             <a:solidFill>
                               <a:schemeClr val="bg1"/>
                             </a:solidFill>
@@ -6914,7 +10029,7 @@
                         <m:sSub>
                           <m:sSubPr>
                             <m:ctrlPr>
-                              <a:rPr lang="en-US" sz="2900" i="1">
+                              <a:rPr lang="en-US" sz="3800" b="1" i="1">
                                 <a:solidFill>
                                   <a:schemeClr val="bg1"/>
                                 </a:solidFill>
@@ -6924,29 +10039,29 @@
                           </m:sSubPr>
                           <m:e>
                             <m:r>
-                              <a:rPr lang="en-US" sz="2900" i="1">
-                                <a:solidFill>
-                                  <a:schemeClr val="bg1"/>
-                                </a:solidFill>
-                                <a:latin typeface="Cambria Math" panose="02040503050406030204" pitchFamily="18" charset="0"/>
-                              </a:rPr>
-                              <m:t>𝑥</m:t>
+                              <a:rPr lang="en-US" sz="3800" b="1" i="1">
+                                <a:solidFill>
+                                  <a:schemeClr val="bg1"/>
+                                </a:solidFill>
+                                <a:latin typeface="Cambria Math" panose="02040503050406030204" pitchFamily="18" charset="0"/>
+                              </a:rPr>
+                              <m:t>𝒙</m:t>
                             </m:r>
                           </m:e>
                           <m:sub>
                             <m:r>
-                              <a:rPr lang="en-US" sz="2900">
-                                <a:solidFill>
-                                  <a:schemeClr val="bg1"/>
-                                </a:solidFill>
-                                <a:latin typeface="Cambria Math" panose="02040503050406030204" pitchFamily="18" charset="0"/>
-                              </a:rPr>
-                              <m:t>3</m:t>
+                              <a:rPr lang="en-US" sz="3800" b="1" i="1">
+                                <a:solidFill>
+                                  <a:schemeClr val="bg1"/>
+                                </a:solidFill>
+                                <a:latin typeface="Cambria Math" panose="02040503050406030204" pitchFamily="18" charset="0"/>
+                              </a:rPr>
+                              <m:t>𝟑</m:t>
                             </m:r>
                           </m:sub>
                         </m:sSub>
                         <m:r>
-                          <a:rPr lang="en-US" sz="2900">
+                          <a:rPr lang="en-US" sz="3800" b="1">
                             <a:solidFill>
                               <a:schemeClr val="bg1"/>
                             </a:solidFill>
@@ -6957,7 +10072,7 @@
                         <m:sSub>
                           <m:sSubPr>
                             <m:ctrlPr>
-                              <a:rPr lang="en-US" sz="2900" i="1">
+                              <a:rPr lang="en-US" sz="3800" b="1" i="1">
                                 <a:solidFill>
                                   <a:schemeClr val="bg1"/>
                                 </a:solidFill>
@@ -6967,29 +10082,29 @@
                           </m:sSubPr>
                           <m:e>
                             <m:r>
-                              <a:rPr lang="en-US" sz="2900" i="1">
-                                <a:solidFill>
-                                  <a:schemeClr val="bg1"/>
-                                </a:solidFill>
-                                <a:latin typeface="Cambria Math" panose="02040503050406030204" pitchFamily="18" charset="0"/>
-                              </a:rPr>
-                              <m:t>𝑥</m:t>
+                              <a:rPr lang="en-US" sz="3800" b="1" i="1">
+                                <a:solidFill>
+                                  <a:schemeClr val="bg1"/>
+                                </a:solidFill>
+                                <a:latin typeface="Cambria Math" panose="02040503050406030204" pitchFamily="18" charset="0"/>
+                              </a:rPr>
+                              <m:t>𝒙</m:t>
                             </m:r>
                           </m:e>
                           <m:sub>
                             <m:r>
-                              <a:rPr lang="en-US" sz="2900">
-                                <a:solidFill>
-                                  <a:schemeClr val="bg1"/>
-                                </a:solidFill>
-                                <a:latin typeface="Cambria Math" panose="02040503050406030204" pitchFamily="18" charset="0"/>
-                              </a:rPr>
-                              <m:t>4</m:t>
+                              <a:rPr lang="en-US" sz="3800" b="1" i="1">
+                                <a:solidFill>
+                                  <a:schemeClr val="bg1"/>
+                                </a:solidFill>
+                                <a:latin typeface="Cambria Math" panose="02040503050406030204" pitchFamily="18" charset="0"/>
+                              </a:rPr>
+                              <m:t>𝟒</m:t>
                             </m:r>
                           </m:sub>
                         </m:sSub>
                         <m:r>
-                          <a:rPr lang="en-US" sz="2900">
+                          <a:rPr lang="en-US" sz="3800" b="1">
                             <a:solidFill>
                               <a:schemeClr val="bg1"/>
                             </a:solidFill>
@@ -7000,7 +10115,7 @@
                         <m:sSub>
                           <m:sSubPr>
                             <m:ctrlPr>
-                              <a:rPr lang="en-US" sz="2900" i="1">
+                              <a:rPr lang="en-US" sz="3800" b="1" i="1">
                                 <a:solidFill>
                                   <a:schemeClr val="bg1"/>
                                 </a:solidFill>
@@ -7010,29 +10125,29 @@
                           </m:sSubPr>
                           <m:e>
                             <m:r>
-                              <a:rPr lang="en-US" sz="2900" i="1">
-                                <a:solidFill>
-                                  <a:schemeClr val="bg1"/>
-                                </a:solidFill>
-                                <a:latin typeface="Cambria Math" panose="02040503050406030204" pitchFamily="18" charset="0"/>
-                              </a:rPr>
-                              <m:t>𝑥</m:t>
+                              <a:rPr lang="en-US" sz="3800" b="1" i="1">
+                                <a:solidFill>
+                                  <a:schemeClr val="bg1"/>
+                                </a:solidFill>
+                                <a:latin typeface="Cambria Math" panose="02040503050406030204" pitchFamily="18" charset="0"/>
+                              </a:rPr>
+                              <m:t>𝒙</m:t>
                             </m:r>
                           </m:e>
                           <m:sub>
                             <m:r>
-                              <a:rPr lang="en-US" sz="2900">
-                                <a:solidFill>
-                                  <a:schemeClr val="bg1"/>
-                                </a:solidFill>
-                                <a:latin typeface="Cambria Math" panose="02040503050406030204" pitchFamily="18" charset="0"/>
-                              </a:rPr>
-                              <m:t>5</m:t>
+                              <a:rPr lang="en-US" sz="3800" b="1" i="1">
+                                <a:solidFill>
+                                  <a:schemeClr val="bg1"/>
+                                </a:solidFill>
+                                <a:latin typeface="Cambria Math" panose="02040503050406030204" pitchFamily="18" charset="0"/>
+                              </a:rPr>
+                              <m:t>𝟓</m:t>
                             </m:r>
                           </m:sub>
                         </m:sSub>
                         <m:r>
-                          <a:rPr lang="en-US" sz="2900" i="1">
+                          <a:rPr lang="en-US" sz="3800" b="1" i="1">
                             <a:solidFill>
                               <a:schemeClr val="bg1"/>
                             </a:solidFill>
@@ -7041,16 +10156,16 @@
                           <m:t>,</m:t>
                         </m:r>
                         <m:r>
-                          <a:rPr lang="en-US" sz="2900" i="1">
+                          <a:rPr lang="en-US" sz="3800" b="1" i="1">
                             <a:solidFill>
                               <a:schemeClr val="bg1"/>
                             </a:solidFill>
                             <a:latin typeface="Cambria Math" panose="02040503050406030204" pitchFamily="18" charset="0"/>
                           </a:rPr>
-                          <m:t>h</m:t>
+                          <m:t>𝒉</m:t>
                         </m:r>
                         <m:r>
-                          <a:rPr lang="en-US" sz="2900" i="1">
+                          <a:rPr lang="en-US" sz="3800" b="1" i="1">
                             <a:solidFill>
                               <a:schemeClr val="bg1"/>
                             </a:solidFill>
@@ -7061,7 +10176,7 @@
                         <m:sSub>
                           <m:sSubPr>
                             <m:ctrlPr>
-                              <a:rPr lang="en-US" sz="2900" i="1">
+                              <a:rPr lang="en-US" sz="3800" b="1" i="1">
                                 <a:solidFill>
                                   <a:schemeClr val="bg1"/>
                                 </a:solidFill>
@@ -7071,29 +10186,29 @@
                           </m:sSubPr>
                           <m:e>
                             <m:r>
-                              <a:rPr lang="en-US" sz="2900" i="1">
-                                <a:solidFill>
-                                  <a:schemeClr val="bg1"/>
-                                </a:solidFill>
-                                <a:latin typeface="Cambria Math" panose="02040503050406030204" pitchFamily="18" charset="0"/>
-                              </a:rPr>
-                              <m:t>𝑥</m:t>
+                              <a:rPr lang="en-US" sz="3800" b="1" i="1">
+                                <a:solidFill>
+                                  <a:schemeClr val="bg1"/>
+                                </a:solidFill>
+                                <a:latin typeface="Cambria Math" panose="02040503050406030204" pitchFamily="18" charset="0"/>
+                              </a:rPr>
+                              <m:t>𝒙</m:t>
                             </m:r>
                           </m:e>
                           <m:sub>
                             <m:r>
-                              <a:rPr lang="en-US" sz="2900">
-                                <a:solidFill>
-                                  <a:schemeClr val="bg1"/>
-                                </a:solidFill>
-                                <a:latin typeface="Cambria Math" panose="02040503050406030204" pitchFamily="18" charset="0"/>
-                              </a:rPr>
-                              <m:t>2</m:t>
+                              <a:rPr lang="en-US" sz="3800" b="1" i="1">
+                                <a:solidFill>
+                                  <a:schemeClr val="bg1"/>
+                                </a:solidFill>
+                                <a:latin typeface="Cambria Math" panose="02040503050406030204" pitchFamily="18" charset="0"/>
+                              </a:rPr>
+                              <m:t>𝟐</m:t>
                             </m:r>
                           </m:sub>
                         </m:sSub>
                         <m:r>
-                          <a:rPr lang="en-US" sz="2900">
+                          <a:rPr lang="en-US" sz="3800" b="1">
                             <a:solidFill>
                               <a:schemeClr val="bg1"/>
                             </a:solidFill>
@@ -7104,7 +10219,7 @@
                         <m:sSub>
                           <m:sSubPr>
                             <m:ctrlPr>
-                              <a:rPr lang="en-US" sz="2900" i="1">
+                              <a:rPr lang="en-US" sz="3800" b="1" i="1">
                                 <a:solidFill>
                                   <a:schemeClr val="bg1"/>
                                 </a:solidFill>
@@ -7114,29 +10229,29 @@
                           </m:sSubPr>
                           <m:e>
                             <m:r>
-                              <a:rPr lang="en-US" sz="2900" i="1">
-                                <a:solidFill>
-                                  <a:schemeClr val="bg1"/>
-                                </a:solidFill>
-                                <a:latin typeface="Cambria Math" panose="02040503050406030204" pitchFamily="18" charset="0"/>
-                              </a:rPr>
-                              <m:t>𝑥</m:t>
+                              <a:rPr lang="en-US" sz="3800" b="1" i="1">
+                                <a:solidFill>
+                                  <a:schemeClr val="bg1"/>
+                                </a:solidFill>
+                                <a:latin typeface="Cambria Math" panose="02040503050406030204" pitchFamily="18" charset="0"/>
+                              </a:rPr>
+                              <m:t>𝒙</m:t>
                             </m:r>
                           </m:e>
                           <m:sub>
                             <m:r>
-                              <a:rPr lang="en-US" sz="2900">
-                                <a:solidFill>
-                                  <a:schemeClr val="bg1"/>
-                                </a:solidFill>
-                                <a:latin typeface="Cambria Math" panose="02040503050406030204" pitchFamily="18" charset="0"/>
-                              </a:rPr>
-                              <m:t>3</m:t>
+                              <a:rPr lang="en-US" sz="3800" b="1" i="1">
+                                <a:solidFill>
+                                  <a:schemeClr val="bg1"/>
+                                </a:solidFill>
+                                <a:latin typeface="Cambria Math" panose="02040503050406030204" pitchFamily="18" charset="0"/>
+                              </a:rPr>
+                              <m:t>𝟑</m:t>
                             </m:r>
                           </m:sub>
                         </m:sSub>
                         <m:r>
-                          <a:rPr lang="en-US" sz="2900">
+                          <a:rPr lang="en-US" sz="3800" b="1">
                             <a:solidFill>
                               <a:schemeClr val="bg1"/>
                             </a:solidFill>
@@ -7147,7 +10262,7 @@
                         <m:sSub>
                           <m:sSubPr>
                             <m:ctrlPr>
-                              <a:rPr lang="en-US" sz="2900" i="1">
+                              <a:rPr lang="en-US" sz="3800" b="1" i="1">
                                 <a:solidFill>
                                   <a:schemeClr val="bg1"/>
                                 </a:solidFill>
@@ -7157,29 +10272,29 @@
                           </m:sSubPr>
                           <m:e>
                             <m:r>
-                              <a:rPr lang="en-US" sz="2900" i="1">
-                                <a:solidFill>
-                                  <a:schemeClr val="bg1"/>
-                                </a:solidFill>
-                                <a:latin typeface="Cambria Math" panose="02040503050406030204" pitchFamily="18" charset="0"/>
-                              </a:rPr>
-                              <m:t>𝑥</m:t>
+                              <a:rPr lang="en-US" sz="3800" b="1" i="1">
+                                <a:solidFill>
+                                  <a:schemeClr val="bg1"/>
+                                </a:solidFill>
+                                <a:latin typeface="Cambria Math" panose="02040503050406030204" pitchFamily="18" charset="0"/>
+                              </a:rPr>
+                              <m:t>𝒙</m:t>
                             </m:r>
                           </m:e>
                           <m:sub>
                             <m:r>
-                              <a:rPr lang="en-US" sz="2900">
-                                <a:solidFill>
-                                  <a:schemeClr val="bg1"/>
-                                </a:solidFill>
-                                <a:latin typeface="Cambria Math" panose="02040503050406030204" pitchFamily="18" charset="0"/>
-                              </a:rPr>
-                              <m:t>4</m:t>
+                              <a:rPr lang="en-US" sz="3800" b="1" i="1">
+                                <a:solidFill>
+                                  <a:schemeClr val="bg1"/>
+                                </a:solidFill>
+                                <a:latin typeface="Cambria Math" panose="02040503050406030204" pitchFamily="18" charset="0"/>
+                              </a:rPr>
+                              <m:t>𝟒</m:t>
                             </m:r>
                           </m:sub>
                         </m:sSub>
                         <m:r>
-                          <a:rPr lang="en-US" sz="2900" i="1">
+                          <a:rPr lang="en-US" sz="3800" b="1" i="1">
                             <a:solidFill>
                               <a:schemeClr val="bg1"/>
                             </a:solidFill>
@@ -7188,16 +10303,16 @@
                           <m:t>,</m:t>
                         </m:r>
                         <m:r>
-                          <a:rPr lang="en-US" sz="2900" i="1">
+                          <a:rPr lang="en-US" sz="3800" b="1" i="1">
                             <a:solidFill>
                               <a:schemeClr val="bg1"/>
                             </a:solidFill>
                             <a:latin typeface="Cambria Math" panose="02040503050406030204" pitchFamily="18" charset="0"/>
                           </a:rPr>
-                          <m:t>h</m:t>
+                          <m:t>𝒉</m:t>
                         </m:r>
                         <m:r>
-                          <a:rPr lang="en-US" sz="2900" i="1">
+                          <a:rPr lang="en-US" sz="3800" b="1" i="1">
                             <a:solidFill>
                               <a:schemeClr val="bg1"/>
                             </a:solidFill>
@@ -7208,7 +10323,7 @@
                         <m:sSub>
                           <m:sSubPr>
                             <m:ctrlPr>
-                              <a:rPr lang="en-US" sz="2900" i="1">
+                              <a:rPr lang="en-US" sz="3800" b="1" i="1">
                                 <a:solidFill>
                                   <a:schemeClr val="bg1"/>
                                 </a:solidFill>
@@ -7218,29 +10333,29 @@
                           </m:sSubPr>
                           <m:e>
                             <m:r>
-                              <a:rPr lang="en-US" sz="2900" i="1">
-                                <a:solidFill>
-                                  <a:schemeClr val="bg1"/>
-                                </a:solidFill>
-                                <a:latin typeface="Cambria Math" panose="02040503050406030204" pitchFamily="18" charset="0"/>
-                              </a:rPr>
-                              <m:t>𝑥</m:t>
+                              <a:rPr lang="en-US" sz="3800" b="1" i="1">
+                                <a:solidFill>
+                                  <a:schemeClr val="bg1"/>
+                                </a:solidFill>
+                                <a:latin typeface="Cambria Math" panose="02040503050406030204" pitchFamily="18" charset="0"/>
+                              </a:rPr>
+                              <m:t>𝒙</m:t>
                             </m:r>
                           </m:e>
                           <m:sub>
                             <m:r>
-                              <a:rPr lang="en-US" sz="2900">
-                                <a:solidFill>
-                                  <a:schemeClr val="bg1"/>
-                                </a:solidFill>
-                                <a:latin typeface="Cambria Math" panose="02040503050406030204" pitchFamily="18" charset="0"/>
-                              </a:rPr>
-                              <m:t>1</m:t>
+                              <a:rPr lang="en-US" sz="3800" b="1" i="1">
+                                <a:solidFill>
+                                  <a:schemeClr val="bg1"/>
+                                </a:solidFill>
+                                <a:latin typeface="Cambria Math" panose="02040503050406030204" pitchFamily="18" charset="0"/>
+                              </a:rPr>
+                              <m:t>𝟏</m:t>
                             </m:r>
                           </m:sub>
                         </m:sSub>
                         <m:r>
-                          <a:rPr lang="en-US" sz="2900">
+                          <a:rPr lang="en-US" sz="3800" b="1">
                             <a:solidFill>
                               <a:schemeClr val="bg1"/>
                             </a:solidFill>
@@ -7251,7 +10366,7 @@
                         <m:sSub>
                           <m:sSubPr>
                             <m:ctrlPr>
-                              <a:rPr lang="en-US" sz="2900" i="1">
+                              <a:rPr lang="en-US" sz="3800" b="1" i="1">
                                 <a:solidFill>
                                   <a:schemeClr val="bg1"/>
                                 </a:solidFill>
@@ -7261,29 +10376,29 @@
                           </m:sSubPr>
                           <m:e>
                             <m:r>
-                              <a:rPr lang="en-US" sz="2900" i="1">
-                                <a:solidFill>
-                                  <a:schemeClr val="bg1"/>
-                                </a:solidFill>
-                                <a:latin typeface="Cambria Math" panose="02040503050406030204" pitchFamily="18" charset="0"/>
-                              </a:rPr>
-                              <m:t>𝑥</m:t>
+                              <a:rPr lang="en-US" sz="3800" b="1" i="1">
+                                <a:solidFill>
+                                  <a:schemeClr val="bg1"/>
+                                </a:solidFill>
+                                <a:latin typeface="Cambria Math" panose="02040503050406030204" pitchFamily="18" charset="0"/>
+                              </a:rPr>
+                              <m:t>𝒙</m:t>
                             </m:r>
                           </m:e>
                           <m:sub>
                             <m:r>
-                              <a:rPr lang="en-US" sz="2900">
-                                <a:solidFill>
-                                  <a:schemeClr val="bg1"/>
-                                </a:solidFill>
-                                <a:latin typeface="Cambria Math" panose="02040503050406030204" pitchFamily="18" charset="0"/>
-                              </a:rPr>
-                              <m:t>2</m:t>
+                              <a:rPr lang="en-US" sz="3800" b="1" i="1">
+                                <a:solidFill>
+                                  <a:schemeClr val="bg1"/>
+                                </a:solidFill>
+                                <a:latin typeface="Cambria Math" panose="02040503050406030204" pitchFamily="18" charset="0"/>
+                              </a:rPr>
+                              <m:t>𝟐</m:t>
                             </m:r>
                           </m:sub>
                         </m:sSub>
                         <m:r>
-                          <a:rPr lang="en-US" sz="2900">
+                          <a:rPr lang="en-US" sz="3800" b="1">
                             <a:solidFill>
                               <a:schemeClr val="bg1"/>
                             </a:solidFill>
@@ -7294,7 +10409,7 @@
                         <m:sSub>
                           <m:sSubPr>
                             <m:ctrlPr>
-                              <a:rPr lang="en-US" sz="2900" i="1">
+                              <a:rPr lang="en-US" sz="3800" b="1" i="1">
                                 <a:solidFill>
                                   <a:schemeClr val="bg1"/>
                                 </a:solidFill>
@@ -7304,29 +10419,29 @@
                           </m:sSubPr>
                           <m:e>
                             <m:r>
-                              <a:rPr lang="en-US" sz="2900" i="1">
-                                <a:solidFill>
-                                  <a:schemeClr val="bg1"/>
-                                </a:solidFill>
-                                <a:latin typeface="Cambria Math" panose="02040503050406030204" pitchFamily="18" charset="0"/>
-                              </a:rPr>
-                              <m:t>𝑥</m:t>
+                              <a:rPr lang="en-US" sz="3800" b="1" i="1">
+                                <a:solidFill>
+                                  <a:schemeClr val="bg1"/>
+                                </a:solidFill>
+                                <a:latin typeface="Cambria Math" panose="02040503050406030204" pitchFamily="18" charset="0"/>
+                              </a:rPr>
+                              <m:t>𝒙</m:t>
                             </m:r>
                           </m:e>
                           <m:sub>
                             <m:r>
-                              <a:rPr lang="en-US" sz="2900">
-                                <a:solidFill>
-                                  <a:schemeClr val="bg1"/>
-                                </a:solidFill>
-                                <a:latin typeface="Cambria Math" panose="02040503050406030204" pitchFamily="18" charset="0"/>
-                              </a:rPr>
-                              <m:t>3</m:t>
+                              <a:rPr lang="en-US" sz="3800" b="1" i="1">
+                                <a:solidFill>
+                                  <a:schemeClr val="bg1"/>
+                                </a:solidFill>
+                                <a:latin typeface="Cambria Math" panose="02040503050406030204" pitchFamily="18" charset="0"/>
+                              </a:rPr>
+                              <m:t>𝟑</m:t>
                             </m:r>
                           </m:sub>
                         </m:sSub>
                         <m:r>
-                          <a:rPr lang="en-US" sz="2900" i="1">
+                          <a:rPr lang="en-US" sz="3800" b="1" i="1">
                             <a:solidFill>
                               <a:schemeClr val="bg1"/>
                             </a:solidFill>
@@ -7337,7 +10452,7 @@
                         <m:sSub>
                           <m:sSubPr>
                             <m:ctrlPr>
-                              <a:rPr lang="en-US" sz="2900" i="1">
+                              <a:rPr lang="en-US" sz="3800" b="1" i="1">
                                 <a:solidFill>
                                   <a:schemeClr val="bg1"/>
                                 </a:solidFill>
@@ -7347,29 +10462,29 @@
                           </m:sSubPr>
                           <m:e>
                             <m:r>
-                              <a:rPr lang="en-US" sz="2900" i="1">
-                                <a:solidFill>
-                                  <a:schemeClr val="bg1"/>
-                                </a:solidFill>
-                                <a:latin typeface="Cambria Math" panose="02040503050406030204" pitchFamily="18" charset="0"/>
-                              </a:rPr>
-                              <m:t>𝑠</m:t>
+                              <a:rPr lang="en-US" sz="3800" b="1" i="1">
+                                <a:solidFill>
+                                  <a:schemeClr val="bg1"/>
+                                </a:solidFill>
+                                <a:latin typeface="Cambria Math" panose="02040503050406030204" pitchFamily="18" charset="0"/>
+                              </a:rPr>
+                              <m:t>𝒔</m:t>
                             </m:r>
                           </m:e>
                           <m:sub>
                             <m:r>
-                              <a:rPr lang="en-US" sz="2900">
-                                <a:solidFill>
-                                  <a:schemeClr val="bg1"/>
-                                </a:solidFill>
-                                <a:latin typeface="Cambria Math" panose="02040503050406030204" pitchFamily="18" charset="0"/>
-                              </a:rPr>
-                              <m:t>0</m:t>
+                              <a:rPr lang="en-US" sz="3800" b="1" i="1">
+                                <a:solidFill>
+                                  <a:schemeClr val="bg1"/>
+                                </a:solidFill>
+                                <a:latin typeface="Cambria Math" panose="02040503050406030204" pitchFamily="18" charset="0"/>
+                              </a:rPr>
+                              <m:t>𝟎</m:t>
                             </m:r>
                           </m:sub>
                         </m:sSub>
                         <m:r>
-                          <a:rPr lang="en-US" sz="2900" i="1">
+                          <a:rPr lang="en-US" sz="3800" b="1" i="1">
                             <a:solidFill>
                               <a:schemeClr val="bg1"/>
                             </a:solidFill>
@@ -7380,7 +10495,7 @@
                       </m:e>
                     </m:d>
                     <m:r>
-                      <a:rPr lang="en-US" sz="2900">
+                      <a:rPr lang="en-US" sz="3800" b="1">
                         <a:solidFill>
                           <a:schemeClr val="bg1"/>
                         </a:solidFill>
@@ -7390,7 +10505,7 @@
                     </m:r>
                   </m:oMath>
                 </a14:m>
-                <a:endParaRPr lang="en-US" sz="2900" dirty="0">
+                <a:endParaRPr lang="en-US" sz="3800" b="1" dirty="0">
                   <a:solidFill>
                     <a:schemeClr val="bg1"/>
                   </a:solidFill>
@@ -7400,7 +10515,7 @@
                 <a:pPr marL="0" indent="0">
                   <a:buNone/>
                 </a:pPr>
-                <a:endParaRPr lang="ru-RU" sz="2900" dirty="0">
+                <a:endParaRPr lang="ru-RU" sz="3800" b="1" dirty="0">
                   <a:solidFill>
                     <a:schemeClr val="bg1"/>
                   </a:solidFill>
@@ -7411,7 +10526,7 @@
                   <a:buNone/>
                 </a:pPr>
                 <a:r>
-                  <a:rPr lang="ru-RU" sz="2900" dirty="0">
+                  <a:rPr lang="ru-RU" sz="3800" b="1" dirty="0">
                     <a:solidFill>
                       <a:schemeClr val="bg1"/>
                     </a:solidFill>
@@ -7423,7 +10538,7 @@
                     <m:sSub>
                       <m:sSubPr>
                         <m:ctrlPr>
-                          <a:rPr lang="en-US" sz="2900" i="1" dirty="0">
+                          <a:rPr lang="en-US" sz="3800" b="1" i="1" dirty="0">
                             <a:solidFill>
                               <a:schemeClr val="bg1"/>
                             </a:solidFill>
@@ -7433,29 +10548,29 @@
                       </m:sSubPr>
                       <m:e>
                         <m:r>
-                          <a:rPr lang="en-US" sz="2900" i="1" dirty="0">
+                          <a:rPr lang="en-US" sz="3800" b="1" i="1" dirty="0">
                             <a:solidFill>
                               <a:schemeClr val="bg1"/>
                             </a:solidFill>
                             <a:latin typeface="Cambria Math" panose="02040503050406030204" pitchFamily="18" charset="0"/>
                           </a:rPr>
-                          <m:t>𝑠</m:t>
+                          <m:t>𝒔</m:t>
                         </m:r>
                       </m:e>
                       <m:sub>
                         <m:r>
-                          <a:rPr lang="en-US" sz="2900" i="1" dirty="0">
+                          <a:rPr lang="en-US" sz="3800" b="1" i="1" dirty="0">
                             <a:solidFill>
                               <a:schemeClr val="bg1"/>
                             </a:solidFill>
                             <a:latin typeface="Cambria Math" panose="02040503050406030204" pitchFamily="18" charset="0"/>
                           </a:rPr>
-                          <m:t>𝑖</m:t>
+                          <m:t>𝒊</m:t>
                         </m:r>
                       </m:sub>
                     </m:sSub>
                     <m:r>
-                      <a:rPr lang="en-US" sz="2900" dirty="0">
+                      <a:rPr lang="en-US" sz="3800" b="1" dirty="0">
                         <a:solidFill>
                           <a:schemeClr val="bg1"/>
                         </a:solidFill>
@@ -7464,18 +10579,18 @@
                       <m:t>=</m:t>
                     </m:r>
                     <m:r>
-                      <a:rPr lang="en-US" sz="2900" i="1" dirty="0">
+                      <a:rPr lang="en-US" sz="3800" b="1" i="1" dirty="0">
                         <a:solidFill>
                           <a:schemeClr val="bg1"/>
                         </a:solidFill>
                         <a:latin typeface="Cambria Math" panose="02040503050406030204" pitchFamily="18" charset="0"/>
                       </a:rPr>
-                      <m:t>h</m:t>
+                      <m:t>𝒉</m:t>
                     </m:r>
                     <m:d>
                       <m:dPr>
                         <m:ctrlPr>
-                          <a:rPr lang="en-US" sz="2900" i="1" dirty="0">
+                          <a:rPr lang="en-US" sz="3800" b="1" i="1" dirty="0">
                             <a:solidFill>
                               <a:schemeClr val="bg1"/>
                             </a:solidFill>
@@ -7487,7 +10602,7 @@
                         <m:sSub>
                           <m:sSubPr>
                             <m:ctrlPr>
-                              <a:rPr lang="en-US" sz="2900" i="1" dirty="0">
+                              <a:rPr lang="en-US" sz="3800" b="1" i="1" dirty="0">
                                 <a:solidFill>
                                   <a:schemeClr val="bg1"/>
                                 </a:solidFill>
@@ -7497,29 +10612,29 @@
                           </m:sSubPr>
                           <m:e>
                             <m:r>
-                              <a:rPr lang="en-US" sz="2900" i="1" dirty="0">
-                                <a:solidFill>
-                                  <a:schemeClr val="bg1"/>
-                                </a:solidFill>
-                                <a:latin typeface="Cambria Math" panose="02040503050406030204" pitchFamily="18" charset="0"/>
-                              </a:rPr>
-                              <m:t>𝑥</m:t>
+                              <a:rPr lang="en-US" sz="3800" b="1" i="1" dirty="0">
+                                <a:solidFill>
+                                  <a:schemeClr val="bg1"/>
+                                </a:solidFill>
+                                <a:latin typeface="Cambria Math" panose="02040503050406030204" pitchFamily="18" charset="0"/>
+                              </a:rPr>
+                              <m:t>𝒙</m:t>
                             </m:r>
                           </m:e>
                           <m:sub>
                             <m:r>
-                              <a:rPr lang="en-US" sz="2900" i="1" dirty="0">
-                                <a:solidFill>
-                                  <a:schemeClr val="bg1"/>
-                                </a:solidFill>
-                                <a:latin typeface="Cambria Math" panose="02040503050406030204" pitchFamily="18" charset="0"/>
-                              </a:rPr>
-                              <m:t>𝑖</m:t>
+                              <a:rPr lang="en-US" sz="3800" b="1" i="1" dirty="0">
+                                <a:solidFill>
+                                  <a:schemeClr val="bg1"/>
+                                </a:solidFill>
+                                <a:latin typeface="Cambria Math" panose="02040503050406030204" pitchFamily="18" charset="0"/>
+                              </a:rPr>
+                              <m:t>𝒊</m:t>
                             </m:r>
                           </m:sub>
                         </m:sSub>
                         <m:r>
-                          <a:rPr lang="en-US" sz="2900" dirty="0">
+                          <a:rPr lang="en-US" sz="3800" b="1" dirty="0">
                             <a:solidFill>
                               <a:schemeClr val="bg1"/>
                             </a:solidFill>
@@ -7530,7 +10645,7 @@
                         <m:sSub>
                           <m:sSubPr>
                             <m:ctrlPr>
-                              <a:rPr lang="en-US" sz="2900" i="1" dirty="0">
+                              <a:rPr lang="en-US" sz="3800" b="1" i="1" dirty="0">
                                 <a:solidFill>
                                   <a:schemeClr val="bg1"/>
                                 </a:solidFill>
@@ -7540,38 +10655,47 @@
                           </m:sSubPr>
                           <m:e>
                             <m:r>
-                              <a:rPr lang="en-US" sz="2900" i="1" dirty="0">
-                                <a:solidFill>
-                                  <a:schemeClr val="bg1"/>
-                                </a:solidFill>
-                                <a:latin typeface="Cambria Math" panose="02040503050406030204" pitchFamily="18" charset="0"/>
-                              </a:rPr>
-                              <m:t>𝑥</m:t>
+                              <a:rPr lang="en-US" sz="3800" b="1" i="1" dirty="0">
+                                <a:solidFill>
+                                  <a:schemeClr val="bg1"/>
+                                </a:solidFill>
+                                <a:latin typeface="Cambria Math" panose="02040503050406030204" pitchFamily="18" charset="0"/>
+                              </a:rPr>
+                              <m:t>𝒙</m:t>
                             </m:r>
                           </m:e>
                           <m:sub>
                             <m:r>
-                              <a:rPr lang="en-US" sz="2900" i="1" dirty="0">
-                                <a:solidFill>
-                                  <a:schemeClr val="bg1"/>
-                                </a:solidFill>
-                                <a:latin typeface="Cambria Math" panose="02040503050406030204" pitchFamily="18" charset="0"/>
-                              </a:rPr>
-                              <m:t>𝑖</m:t>
+                              <a:rPr lang="en-US" sz="3800" b="1" i="1" dirty="0">
+                                <a:solidFill>
+                                  <a:schemeClr val="bg1"/>
+                                </a:solidFill>
+                                <a:latin typeface="Cambria Math" panose="02040503050406030204" pitchFamily="18" charset="0"/>
+                              </a:rPr>
+                              <m:t>𝒊</m:t>
                             </m:r>
                             <m:r>
-                              <a:rPr lang="en-US" sz="2900" dirty="0">
-                                <a:solidFill>
-                                  <a:schemeClr val="bg1"/>
-                                </a:solidFill>
-                                <a:latin typeface="Cambria Math" panose="02040503050406030204" pitchFamily="18" charset="0"/>
-                              </a:rPr>
-                              <m:t>+1</m:t>
+                              <a:rPr lang="en-US" sz="3800" b="1" dirty="0">
+                                <a:solidFill>
+                                  <a:schemeClr val="bg1"/>
+                                </a:solidFill>
+                                <a:latin typeface="Cambria Math" panose="02040503050406030204" pitchFamily="18" charset="0"/>
+                              </a:rPr>
+                              <m:t>+</m:t>
+                            </m:r>
+                            <m:r>
+                              <a:rPr lang="en-US" sz="3800" b="1" i="1" dirty="0">
+                                <a:solidFill>
+                                  <a:schemeClr val="bg1"/>
+                                </a:solidFill>
+                                <a:latin typeface="Cambria Math" panose="02040503050406030204" pitchFamily="18" charset="0"/>
+                              </a:rPr>
+                              <m:t>𝟏</m:t>
                             </m:r>
                           </m:sub>
                         </m:sSub>
                         <m:r>
-                          <a:rPr lang="en-US" sz="2900" dirty="0">
+                          <a:rPr lang="en-US" sz="3800" b="1" dirty="0">
                             <a:solidFill>
                               <a:schemeClr val="bg1"/>
                             </a:solidFill>
@@ -7582,7 +10706,7 @@
                         <m:sSub>
                           <m:sSubPr>
                             <m:ctrlPr>
-                              <a:rPr lang="en-US" sz="2900" i="1" dirty="0">
+                              <a:rPr lang="en-US" sz="3800" b="1" i="1" dirty="0">
                                 <a:solidFill>
                                   <a:schemeClr val="bg1"/>
                                 </a:solidFill>
@@ -7592,27 +10716,27 @@
                           </m:sSubPr>
                           <m:e>
                             <m:r>
-                              <a:rPr lang="en-US" sz="2900" i="1" dirty="0">
-                                <a:solidFill>
-                                  <a:schemeClr val="bg1"/>
-                                </a:solidFill>
-                                <a:latin typeface="Cambria Math" panose="02040503050406030204" pitchFamily="18" charset="0"/>
-                              </a:rPr>
-                              <m:t>𝑥</m:t>
+                              <a:rPr lang="en-US" sz="3800" b="1" i="1" dirty="0">
+                                <a:solidFill>
+                                  <a:schemeClr val="bg1"/>
+                                </a:solidFill>
+                                <a:latin typeface="Cambria Math" panose="02040503050406030204" pitchFamily="18" charset="0"/>
+                              </a:rPr>
+                              <m:t>𝒙</m:t>
                             </m:r>
                           </m:e>
                           <m:sub>
                             <m:r>
-                              <a:rPr lang="en-US" sz="2900" i="1" dirty="0">
-                                <a:solidFill>
-                                  <a:schemeClr val="bg1"/>
-                                </a:solidFill>
-                                <a:latin typeface="Cambria Math" panose="02040503050406030204" pitchFamily="18" charset="0"/>
-                              </a:rPr>
-                              <m:t>𝑖</m:t>
+                              <a:rPr lang="en-US" sz="3800" b="1" i="1" dirty="0">
+                                <a:solidFill>
+                                  <a:schemeClr val="bg1"/>
+                                </a:solidFill>
+                                <a:latin typeface="Cambria Math" panose="02040503050406030204" pitchFamily="18" charset="0"/>
+                              </a:rPr>
+                              <m:t>𝒊</m:t>
                             </m:r>
                             <m:r>
-                              <a:rPr lang="en-US" sz="2900" dirty="0">
+                              <a:rPr lang="en-US" sz="3800" b="1" dirty="0">
                                 <a:solidFill>
                                   <a:schemeClr val="bg1"/>
                                 </a:solidFill>
@@ -7621,18 +10745,18 @@
                               <m:t>+</m:t>
                             </m:r>
                             <m:r>
-                              <a:rPr lang="ru-RU" sz="2900" i="1" dirty="0">
-                                <a:solidFill>
-                                  <a:schemeClr val="bg1"/>
-                                </a:solidFill>
-                                <a:latin typeface="Cambria Math" panose="02040503050406030204" pitchFamily="18" charset="0"/>
-                              </a:rPr>
-                              <m:t>2</m:t>
+                              <a:rPr lang="ru-RU" sz="3800" b="1" i="1" dirty="0">
+                                <a:solidFill>
+                                  <a:schemeClr val="bg1"/>
+                                </a:solidFill>
+                                <a:latin typeface="Cambria Math" panose="02040503050406030204" pitchFamily="18" charset="0"/>
+                              </a:rPr>
+                              <m:t>𝟐</m:t>
                             </m:r>
                           </m:sub>
                         </m:sSub>
                         <m:r>
-                          <a:rPr lang="en-US" sz="2900" i="1" dirty="0">
+                          <a:rPr lang="en-US" sz="3800" b="1" i="1" dirty="0">
                             <a:solidFill>
                               <a:schemeClr val="bg1"/>
                             </a:solidFill>
@@ -7643,7 +10767,7 @@
                         <m:sSub>
                           <m:sSubPr>
                             <m:ctrlPr>
-                              <a:rPr lang="en-US" sz="2900" i="1" dirty="0">
+                              <a:rPr lang="en-US" sz="3800" b="1" i="1" dirty="0">
                                 <a:solidFill>
                                   <a:schemeClr val="bg1"/>
                                 </a:solidFill>
@@ -7653,40 +10777,49 @@
                           </m:sSubPr>
                           <m:e>
                             <m:r>
-                              <a:rPr lang="en-US" sz="2900" i="1" dirty="0">
-                                <a:solidFill>
-                                  <a:schemeClr val="bg1"/>
-                                </a:solidFill>
-                                <a:latin typeface="Cambria Math" panose="02040503050406030204" pitchFamily="18" charset="0"/>
-                              </a:rPr>
-                              <m:t>𝑠</m:t>
+                              <a:rPr lang="en-US" sz="3800" b="1" i="1" dirty="0">
+                                <a:solidFill>
+                                  <a:schemeClr val="bg1"/>
+                                </a:solidFill>
+                                <a:latin typeface="Cambria Math" panose="02040503050406030204" pitchFamily="18" charset="0"/>
+                              </a:rPr>
+                              <m:t>𝒔</m:t>
                             </m:r>
                           </m:e>
                           <m:sub>
                             <m:r>
-                              <a:rPr lang="en-US" sz="2900" i="1" dirty="0">
-                                <a:solidFill>
-                                  <a:schemeClr val="bg1"/>
-                                </a:solidFill>
-                                <a:latin typeface="Cambria Math" panose="02040503050406030204" pitchFamily="18" charset="0"/>
-                              </a:rPr>
-                              <m:t>𝑖</m:t>
+                              <a:rPr lang="en-US" sz="3800" b="1" i="1" dirty="0">
+                                <a:solidFill>
+                                  <a:schemeClr val="bg1"/>
+                                </a:solidFill>
+                                <a:latin typeface="Cambria Math" panose="02040503050406030204" pitchFamily="18" charset="0"/>
+                              </a:rPr>
+                              <m:t>𝒊</m:t>
                             </m:r>
                             <m:r>
-                              <a:rPr lang="en-US" sz="2900" dirty="0">
-                                <a:solidFill>
-                                  <a:schemeClr val="bg1"/>
-                                </a:solidFill>
-                                <a:latin typeface="Cambria Math" panose="02040503050406030204" pitchFamily="18" charset="0"/>
-                              </a:rPr>
-                              <m:t>−1</m:t>
+                              <a:rPr lang="en-US" sz="3800" b="1" dirty="0">
+                                <a:solidFill>
+                                  <a:schemeClr val="bg1"/>
+                                </a:solidFill>
+                                <a:latin typeface="Cambria Math" panose="02040503050406030204" pitchFamily="18" charset="0"/>
+                              </a:rPr>
+                              <m:t>−</m:t>
+                            </m:r>
+                            <m:r>
+                              <a:rPr lang="en-US" sz="3800" b="1" i="1" dirty="0">
+                                <a:solidFill>
+                                  <a:schemeClr val="bg1"/>
+                                </a:solidFill>
+                                <a:latin typeface="Cambria Math" panose="02040503050406030204" pitchFamily="18" charset="0"/>
+                              </a:rPr>
+                              <m:t>𝟏</m:t>
                             </m:r>
                           </m:sub>
                         </m:sSub>
                       </m:e>
                     </m:d>
                     <m:r>
-                      <a:rPr lang="en-US" sz="2900" dirty="0">
+                      <a:rPr lang="en-US" sz="3800" b="1" dirty="0">
                         <a:solidFill>
                           <a:schemeClr val="bg1"/>
                         </a:solidFill>
@@ -7697,7 +10830,7 @@
                   </m:oMath>
                 </a14:m>
                 <a:r>
-                  <a:rPr lang="en-US" sz="2900" dirty="0">
+                  <a:rPr lang="en-US" sz="3800" b="1" dirty="0">
                     <a:solidFill>
                       <a:schemeClr val="bg1"/>
                     </a:solidFill>
@@ -7705,7 +10838,7 @@
                   <a:t> </a:t>
                 </a:r>
                 <a:r>
-                  <a:rPr lang="ru-RU" sz="2900" dirty="0">
+                  <a:rPr lang="ru-RU" sz="3800" b="1" dirty="0">
                     <a:solidFill>
                       <a:schemeClr val="bg1"/>
                     </a:solidFill>
@@ -7715,7 +10848,7 @@
                 <a14:m>
                   <m:oMath xmlns:m="http://schemas.openxmlformats.org/officeDocument/2006/math">
                     <m:r>
-                      <a:rPr lang="ru-RU" sz="2900" dirty="0">
+                      <a:rPr lang="ru-RU" sz="3800" b="1" dirty="0">
                         <a:solidFill>
                           <a:schemeClr val="bg1"/>
                         </a:solidFill>
@@ -7726,7 +10859,7 @@
                     <m:sSub>
                       <m:sSubPr>
                         <m:ctrlPr>
-                          <a:rPr lang="en-US" sz="2900" i="1" dirty="0">
+                          <a:rPr lang="en-US" sz="3800" b="1" i="1" dirty="0">
                             <a:solidFill>
                               <a:schemeClr val="bg1"/>
                             </a:solidFill>
@@ -7736,31 +10869,31 @@
                       </m:sSubPr>
                       <m:e>
                         <m:r>
-                          <a:rPr lang="en-US" sz="2900" i="1" dirty="0">
+                          <a:rPr lang="en-US" sz="3800" b="1" i="1" dirty="0">
                             <a:solidFill>
                               <a:schemeClr val="bg1"/>
                             </a:solidFill>
                             <a:latin typeface="Cambria Math" panose="02040503050406030204" pitchFamily="18" charset="0"/>
                           </a:rPr>
-                          <m:t>𝑠</m:t>
+                          <m:t>𝒔</m:t>
                         </m:r>
                       </m:e>
                       <m:sub>
                         <m:r>
-                          <a:rPr lang="en-US" sz="2900" dirty="0">
+                          <a:rPr lang="en-US" sz="3800" b="1" i="1" dirty="0">
                             <a:solidFill>
                               <a:schemeClr val="bg1"/>
                             </a:solidFill>
                             <a:latin typeface="Cambria Math" panose="02040503050406030204" pitchFamily="18" charset="0"/>
                           </a:rPr>
-                          <m:t>0</m:t>
+                          <m:t>𝟎</m:t>
                         </m:r>
                       </m:sub>
                     </m:sSub>
                   </m:oMath>
                 </a14:m>
                 <a:r>
-                  <a:rPr lang="en-US" sz="2900" dirty="0">
+                  <a:rPr lang="en-US" sz="3800" b="1" dirty="0">
                     <a:solidFill>
                       <a:schemeClr val="bg1"/>
                     </a:solidFill>
@@ -7768,7 +10901,7 @@
                   <a:t> -</a:t>
                 </a:r>
                 <a:r>
-                  <a:rPr lang="ru-RU" sz="2900" dirty="0">
+                  <a:rPr lang="ru-RU" sz="3800" b="1" dirty="0">
                     <a:solidFill>
                       <a:schemeClr val="bg1"/>
                     </a:solidFill>
@@ -7781,7 +10914,7 @@
                   <a:buNone/>
                 </a:pPr>
                 <a:r>
-                  <a:rPr lang="ru-RU" sz="2900" dirty="0">
+                  <a:rPr lang="ru-RU" sz="3800" dirty="0">
                     <a:solidFill>
                       <a:schemeClr val="bg1"/>
                     </a:solidFill>
@@ -7802,7 +10935,7 @@
             </p:txBody>
           </p:sp>
         </mc:Choice>
-        <mc:Fallback xmlns="">
+        <mc:Fallback>
           <p:sp>
             <p:nvSpPr>
               <p:cNvPr id="3" name="Content Placeholder 2">
@@ -7821,13 +10954,13 @@
             </p:nvSpPr>
             <p:spPr>
               <a:xfrm>
-                <a:off x="0" y="2638044"/>
-                <a:ext cx="4654296" cy="4219956"/>
+                <a:off x="-1" y="2638044"/>
+                <a:ext cx="4654297" cy="4219956"/>
               </a:xfrm>
               <a:blipFill>
                 <a:blip r:embed="rId2"/>
                 <a:stretch>
-                  <a:fillRect l="-1309" t="-867"/>
+                  <a:fillRect l="-1047" t="-867"/>
                 </a:stretch>
               </a:blipFill>
             </p:spPr>
@@ -7892,19 +11025,20 @@
   <p:clrMapOvr>
     <a:masterClrMapping/>
   </p:clrMapOvr>
-  <p:timing>
-    <p:tnLst>
-      <p:par>
-        <p:cTn id="1" dur="indefinite" restart="never" nodeType="tmRoot"/>
-      </p:par>
-    </p:tnLst>
-  </p:timing>
 </p:sld>
 </file>
 
-<file path=ppt/slides/slide7.xml><?xml version="1.0" encoding="utf-8"?>
+<file path=ppt/slides/slide9.xml><?xml version="1.0" encoding="utf-8"?>
 <p:sld xmlns:a="http://schemas.openxmlformats.org/drawingml/2006/main" xmlns:r="http://schemas.openxmlformats.org/officeDocument/2006/relationships" xmlns:p="http://schemas.openxmlformats.org/presentationml/2006/main">
   <p:cSld>
+    <p:bg>
+      <p:bgPr>
+        <a:solidFill>
+          <a:schemeClr val="bg1"/>
+        </a:solidFill>
+        <a:effectLst/>
+      </p:bgPr>
+    </p:bg>
     <p:spTree>
       <p:nvGrpSpPr>
         <p:cNvPr id="1" name=""/>
@@ -7921,6 +11055,100 @@
       </p:grpSpPr>
       <p:sp>
         <p:nvSpPr>
+          <p:cNvPr id="9" name="Rectangle 8">
+            <a:extLst>
+              <a:ext uri="{FF2B5EF4-FFF2-40B4-BE49-F238E27FC236}">
+                <a16:creationId xmlns:a16="http://schemas.microsoft.com/office/drawing/2014/main" id="{823AC064-BC96-4F32-8AE1-B2FD38754823}"/>
+              </a:ext>
+              <a:ext uri="{C183D7F6-B498-43B3-948B-1728B52AA6E4}">
+                <adec:decorative xmlns:adec="http://schemas.microsoft.com/office/drawing/2017/decorative" val="1"/>
+              </a:ext>
+            </a:extLst>
+          </p:cNvPr>
+          <p:cNvSpPr>
+            <a:spLocks noGrp="1" noRot="1" noChangeAspect="1" noMove="1" noResize="1" noEditPoints="1" noAdjustHandles="1" noChangeArrowheads="1" noChangeShapeType="1" noTextEdit="1"/>
+          </p:cNvSpPr>
+          <p:nvPr>
+            <p:extLst>
+              <p:ext uri="{386F3935-93C4-4BCD-93E2-E3B085C9AB24}">
+                <p16:designElem xmlns:p16="http://schemas.microsoft.com/office/powerpoint/2015/main" val="1"/>
+              </p:ext>
+            </p:extLst>
+          </p:nvPr>
+        </p:nvSpPr>
+        <p:spPr bwMode="ltGray">
+          <a:xfrm>
+            <a:off x="378068" y="343486"/>
+            <a:ext cx="11438793" cy="1844256"/>
+          </a:xfrm>
+          <a:prstGeom prst="rect">
+            <a:avLst/>
+          </a:prstGeom>
+          <a:solidFill>
+            <a:srgbClr val="404040"/>
+          </a:solidFill>
+          <a:ln w="127000" cap="sq" cmpd="thinThick">
+            <a:solidFill>
+              <a:srgbClr val="404040"/>
+            </a:solidFill>
+          </a:ln>
+        </p:spPr>
+        <p:style>
+          <a:lnRef idx="2">
+            <a:schemeClr val="accent1">
+              <a:shade val="50000"/>
+            </a:schemeClr>
+          </a:lnRef>
+          <a:fillRef idx="1">
+            <a:schemeClr val="accent1"/>
+          </a:fillRef>
+          <a:effectRef idx="0">
+            <a:schemeClr val="accent1"/>
+          </a:effectRef>
+          <a:fontRef idx="minor">
+            <a:schemeClr val="lt1"/>
+          </a:fontRef>
+        </p:style>
+        <p:txBody>
+          <a:bodyPr rtlCol="0" anchor="ctr"/>
+          <a:lstStyle/>
+          <a:p>
+            <a:pPr marL="0" marR="0" lvl="0" indent="0" algn="ctr" defTabSz="914400" rtl="0" eaLnBrk="1" fontAlgn="auto" latinLnBrk="0" hangingPunct="1">
+              <a:lnSpc>
+                <a:spcPct val="100000"/>
+              </a:lnSpc>
+              <a:spcBef>
+                <a:spcPts val="0"/>
+              </a:spcBef>
+              <a:spcAft>
+                <a:spcPts val="0"/>
+              </a:spcAft>
+              <a:buClrTx/>
+              <a:buSzTx/>
+              <a:buFontTx/>
+              <a:buNone/>
+              <a:tabLst/>
+              <a:defRPr/>
+            </a:pPr>
+            <a:endParaRPr kumimoji="0" lang="en-US" sz="1800" b="0" i="0" u="none" strike="noStrike" kern="1200" cap="none" spc="0" normalizeH="0" baseline="0" noProof="0">
+              <a:ln>
+                <a:noFill/>
+              </a:ln>
+              <a:solidFill>
+                <a:prstClr val="white"/>
+              </a:solidFill>
+              <a:effectLst/>
+              <a:uLnTx/>
+              <a:uFillTx/>
+              <a:latin typeface="Calibri" panose="020F0502020204030204"/>
+              <a:ea typeface="+mn-ea"/>
+              <a:cs typeface="+mn-cs"/>
+            </a:endParaRPr>
+          </a:p>
+        </p:txBody>
+      </p:sp>
+      <p:sp>
+        <p:nvSpPr>
           <p:cNvPr id="2" name="Заголовок 1"/>
           <p:cNvSpPr>
             <a:spLocks noGrp="1"/>
@@ -7929,20 +11157,85 @@
             <p:ph type="title"/>
           </p:nvPr>
         </p:nvSpPr>
-        <p:spPr/>
+        <p:spPr>
+          <a:xfrm>
+            <a:off x="526073" y="466578"/>
+            <a:ext cx="11139854" cy="930447"/>
+          </a:xfrm>
+        </p:spPr>
         <p:txBody>
-          <a:bodyPr/>
+          <a:bodyPr vert="horz" lIns="91440" tIns="45720" rIns="91440" bIns="45720" rtlCol="0" anchor="b">
+            <a:normAutofit/>
+          </a:bodyPr>
           <a:lstStyle/>
           <a:p>
             <a:pPr algn="ctr"/>
             <a:r>
-              <a:rPr lang="en-US" dirty="0" smtClean="0"/>
+              <a:rPr lang="en-US" sz="5400" kern="1200">
+                <a:solidFill>
+                  <a:srgbClr val="FFFFFF"/>
+                </a:solidFill>
+                <a:latin typeface="+mj-lt"/>
+                <a:ea typeface="+mj-ea"/>
+                <a:cs typeface="+mj-cs"/>
+              </a:rPr>
               <a:t>LSTM</a:t>
             </a:r>
-            <a:endParaRPr lang="ru-RU" dirty="0"/>
           </a:p>
         </p:txBody>
       </p:sp>
+      <p:cxnSp>
+        <p:nvCxnSpPr>
+          <p:cNvPr id="11" name="Straight Connector 10">
+            <a:extLst>
+              <a:ext uri="{FF2B5EF4-FFF2-40B4-BE49-F238E27FC236}">
+                <a16:creationId xmlns:a16="http://schemas.microsoft.com/office/drawing/2014/main" id="{7E7C77BC-7138-40B1-A15B-20F57A494629}"/>
+              </a:ext>
+              <a:ext uri="{C183D7F6-B498-43B3-948B-1728B52AA6E4}">
+                <adec:decorative xmlns:adec="http://schemas.microsoft.com/office/drawing/2017/decorative" val="1"/>
+              </a:ext>
+            </a:extLst>
+          </p:cNvPr>
+          <p:cNvCxnSpPr>
+            <a:cxnSpLocks noGrp="1" noRot="1" noChangeAspect="1" noMove="1" noResize="1" noEditPoints="1" noAdjustHandles="1" noChangeArrowheads="1" noChangeShapeType="1"/>
+          </p:cNvCxnSpPr>
+          <p:nvPr>
+            <p:extLst>
+              <p:ext uri="{386F3935-93C4-4BCD-93E2-E3B085C9AB24}">
+                <p16:designElem xmlns:p16="http://schemas.microsoft.com/office/powerpoint/2015/main" val="1"/>
+              </p:ext>
+            </p:extLst>
+          </p:nvPr>
+        </p:nvCxnSpPr>
+        <p:spPr>
+          <a:xfrm>
+            <a:off x="2209800" y="1448631"/>
+            <a:ext cx="7772400" cy="0"/>
+          </a:xfrm>
+          <a:prstGeom prst="line">
+            <a:avLst/>
+          </a:prstGeom>
+          <a:ln w="22225">
+            <a:solidFill>
+              <a:srgbClr val="D9D9D9"/>
+            </a:solidFill>
+          </a:ln>
+        </p:spPr>
+        <p:style>
+          <a:lnRef idx="1">
+            <a:schemeClr val="accent1"/>
+          </a:lnRef>
+          <a:fillRef idx="0">
+            <a:schemeClr val="accent1"/>
+          </a:fillRef>
+          <a:effectRef idx="0">
+            <a:schemeClr val="accent1"/>
+          </a:effectRef>
+          <a:fontRef idx="minor">
+            <a:schemeClr val="tx1"/>
+          </a:fontRef>
+        </p:style>
+      </p:cxnSp>
       <p:pic>
         <p:nvPicPr>
           <p:cNvPr id="4" name="Объект 3"/>
@@ -7967,9 +11260,12 @@
         </p:blipFill>
         <p:spPr>
           <a:xfrm>
-            <a:off x="838200" y="2026881"/>
-            <a:ext cx="10515600" cy="3948826"/>
+            <a:off x="738266" y="2509911"/>
+            <a:ext cx="10660369" cy="3997637"/>
           </a:xfrm>
+          <a:prstGeom prst="rect">
+            <a:avLst/>
+          </a:prstGeom>
         </p:spPr>
       </p:pic>
     </p:spTree>
@@ -7982,183 +11278,6 @@
   <p:clrMapOvr>
     <a:masterClrMapping/>
   </p:clrMapOvr>
-  <p:timing>
-    <p:tnLst>
-      <p:par>
-        <p:cTn id="1" dur="indefinite" restart="never" nodeType="tmRoot"/>
-      </p:par>
-    </p:tnLst>
-  </p:timing>
-</p:sld>
-</file>
-
-<file path=ppt/slides/slide8.xml><?xml version="1.0" encoding="utf-8"?>
-<p:sld xmlns:a="http://schemas.openxmlformats.org/drawingml/2006/main" xmlns:r="http://schemas.openxmlformats.org/officeDocument/2006/relationships" xmlns:p="http://schemas.openxmlformats.org/presentationml/2006/main">
-  <p:cSld>
-    <p:spTree>
-      <p:nvGrpSpPr>
-        <p:cNvPr id="1" name=""/>
-        <p:cNvGrpSpPr/>
-        <p:nvPr/>
-      </p:nvGrpSpPr>
-      <p:grpSpPr>
-        <a:xfrm>
-          <a:off x="0" y="0"/>
-          <a:ext cx="0" cy="0"/>
-          <a:chOff x="0" y="0"/>
-          <a:chExt cx="0" cy="0"/>
-        </a:xfrm>
-      </p:grpSpPr>
-      <p:sp>
-        <p:nvSpPr>
-          <p:cNvPr id="2" name="Заголовок 1"/>
-          <p:cNvSpPr>
-            <a:spLocks noGrp="1"/>
-          </p:cNvSpPr>
-          <p:nvPr>
-            <p:ph type="title"/>
-          </p:nvPr>
-        </p:nvSpPr>
-        <p:spPr/>
-        <p:txBody>
-          <a:bodyPr/>
-          <a:lstStyle/>
-          <a:p>
-            <a:endParaRPr lang="ru-RU"/>
-          </a:p>
-        </p:txBody>
-      </p:sp>
-      <p:pic>
-        <p:nvPicPr>
-          <p:cNvPr id="4" name="Объект 3"/>
-          <p:cNvPicPr>
-            <a:picLocks noGrp="1" noChangeAspect="1"/>
-          </p:cNvPicPr>
-          <p:nvPr>
-            <p:ph idx="1"/>
-          </p:nvPr>
-        </p:nvPicPr>
-        <p:blipFill>
-          <a:blip r:embed="rId2">
-            <a:extLst>
-              <a:ext uri="{28A0092B-C50C-407E-A947-70E740481C1C}">
-                <a14:useLocalDpi xmlns:a14="http://schemas.microsoft.com/office/drawing/2010/main" val="0"/>
-              </a:ext>
-            </a:extLst>
-          </a:blip>
-          <a:stretch>
-            <a:fillRect/>
-          </a:stretch>
-        </p:blipFill>
-        <p:spPr>
-          <a:xfrm>
-            <a:off x="838200" y="2403812"/>
-            <a:ext cx="10515600" cy="3247972"/>
-          </a:xfrm>
-        </p:spPr>
-      </p:pic>
-    </p:spTree>
-    <p:extLst>
-      <p:ext uri="{BB962C8B-B14F-4D97-AF65-F5344CB8AC3E}">
-        <p14:creationId xmlns:p14="http://schemas.microsoft.com/office/powerpoint/2010/main" val="3841659305"/>
-      </p:ext>
-    </p:extLst>
-  </p:cSld>
-  <p:clrMapOvr>
-    <a:masterClrMapping/>
-  </p:clrMapOvr>
-  <p:timing>
-    <p:tnLst>
-      <p:par>
-        <p:cTn id="1" dur="indefinite" restart="never" nodeType="tmRoot"/>
-      </p:par>
-    </p:tnLst>
-  </p:timing>
-</p:sld>
-</file>
-
-<file path=ppt/slides/slide9.xml><?xml version="1.0" encoding="utf-8"?>
-<p:sld xmlns:a="http://schemas.openxmlformats.org/drawingml/2006/main" xmlns:r="http://schemas.openxmlformats.org/officeDocument/2006/relationships" xmlns:p="http://schemas.openxmlformats.org/presentationml/2006/main">
-  <p:cSld>
-    <p:spTree>
-      <p:nvGrpSpPr>
-        <p:cNvPr id="1" name=""/>
-        <p:cNvGrpSpPr/>
-        <p:nvPr/>
-      </p:nvGrpSpPr>
-      <p:grpSpPr>
-        <a:xfrm>
-          <a:off x="0" y="0"/>
-          <a:ext cx="0" cy="0"/>
-          <a:chOff x="0" y="0"/>
-          <a:chExt cx="0" cy="0"/>
-        </a:xfrm>
-      </p:grpSpPr>
-      <p:sp>
-        <p:nvSpPr>
-          <p:cNvPr id="2" name="Заголовок 1"/>
-          <p:cNvSpPr>
-            <a:spLocks noGrp="1"/>
-          </p:cNvSpPr>
-          <p:nvPr>
-            <p:ph type="title"/>
-          </p:nvPr>
-        </p:nvSpPr>
-        <p:spPr/>
-        <p:txBody>
-          <a:bodyPr/>
-          <a:lstStyle/>
-          <a:p>
-            <a:endParaRPr lang="ru-RU"/>
-          </a:p>
-        </p:txBody>
-      </p:sp>
-      <p:pic>
-        <p:nvPicPr>
-          <p:cNvPr id="4" name="Объект 3"/>
-          <p:cNvPicPr>
-            <a:picLocks noGrp="1" noChangeAspect="1"/>
-          </p:cNvPicPr>
-          <p:nvPr>
-            <p:ph idx="1"/>
-          </p:nvPr>
-        </p:nvPicPr>
-        <p:blipFill>
-          <a:blip r:embed="rId2">
-            <a:extLst>
-              <a:ext uri="{28A0092B-C50C-407E-A947-70E740481C1C}">
-                <a14:useLocalDpi xmlns:a14="http://schemas.microsoft.com/office/drawing/2010/main" val="0"/>
-              </a:ext>
-            </a:extLst>
-          </a:blip>
-          <a:stretch>
-            <a:fillRect/>
-          </a:stretch>
-        </p:blipFill>
-        <p:spPr>
-          <a:xfrm>
-            <a:off x="2581163" y="1812373"/>
-            <a:ext cx="7029674" cy="4351338"/>
-          </a:xfrm>
-        </p:spPr>
-      </p:pic>
-    </p:spTree>
-    <p:extLst>
-      <p:ext uri="{BB962C8B-B14F-4D97-AF65-F5344CB8AC3E}">
-        <p14:creationId xmlns:p14="http://schemas.microsoft.com/office/powerpoint/2010/main" val="1224287272"/>
-      </p:ext>
-    </p:extLst>
-  </p:cSld>
-  <p:clrMapOvr>
-    <a:masterClrMapping/>
-  </p:clrMapOvr>
-  <p:timing>
-    <p:tnLst>
-      <p:par>
-        <p:cTn id="1" dur="indefinite" restart="never" nodeType="tmRoot"/>
-      </p:par>
-    </p:tnLst>
-  </p:timing>
 </p:sld>
 </file>
 
